--- a/2021작심두달웹크롤링/웹크롤링(PPT)/작심두달 웹크롤링 멘토링 수업 - 1. 파이썬 기초 문제.pptx
+++ b/2021작심두달웹크롤링/웹크롤링(PPT)/작심두달 웹크롤링 멘토링 수업 - 1. 파이썬 기초 문제.pptx
@@ -5,20 +5,26 @@
     <p:sldMasterId id="2147483648" r:id="rId1"/>
   </p:sldMasterIdLst>
   <p:handoutMasterIdLst>
-    <p:handoutMasterId r:id="rId13"/>
+    <p:handoutMasterId r:id="rId19"/>
   </p:handoutMasterIdLst>
   <p:sldIdLst>
     <p:sldId id="256" r:id="rId2"/>
-    <p:sldId id="264" r:id="rId3"/>
-    <p:sldId id="265" r:id="rId4"/>
-    <p:sldId id="272" r:id="rId5"/>
-    <p:sldId id="266" r:id="rId6"/>
-    <p:sldId id="268" r:id="rId7"/>
-    <p:sldId id="273" r:id="rId8"/>
-    <p:sldId id="269" r:id="rId9"/>
-    <p:sldId id="270" r:id="rId10"/>
-    <p:sldId id="271" r:id="rId11"/>
-    <p:sldId id="263" r:id="rId12"/>
+    <p:sldId id="278" r:id="rId3"/>
+    <p:sldId id="279" r:id="rId4"/>
+    <p:sldId id="264" r:id="rId5"/>
+    <p:sldId id="265" r:id="rId6"/>
+    <p:sldId id="272" r:id="rId7"/>
+    <p:sldId id="266" r:id="rId8"/>
+    <p:sldId id="268" r:id="rId9"/>
+    <p:sldId id="273" r:id="rId10"/>
+    <p:sldId id="269" r:id="rId11"/>
+    <p:sldId id="270" r:id="rId12"/>
+    <p:sldId id="271" r:id="rId13"/>
+    <p:sldId id="274" r:id="rId14"/>
+    <p:sldId id="275" r:id="rId15"/>
+    <p:sldId id="276" r:id="rId16"/>
+    <p:sldId id="277" r:id="rId17"/>
+    <p:sldId id="263" r:id="rId18"/>
   </p:sldIdLst>
   <p:sldSz cx="9906000" cy="6858000" type="A4"/>
   <p:notesSz cx="10020300" cy="6888163"/>
@@ -466,7 +472,7 @@
           <a:p>
             <a:fld id="{FB30EDBD-1C2D-4C1E-B459-B60219FAB484}" type="datetimeFigureOut">
               <a:rPr lang="ko-KR" altLang="en-US" smtClean="0"/>
-              <a:t>2021-01-09</a:t>
+              <a:t>2021-01-12</a:t>
             </a:fld>
             <a:endParaRPr lang="ko-KR" altLang="en-US"/>
           </a:p>
@@ -629,7 +635,7 @@
           <a:p>
             <a:fld id="{FB30EDBD-1C2D-4C1E-B459-B60219FAB484}" type="datetimeFigureOut">
               <a:rPr lang="ko-KR" altLang="en-US" smtClean="0"/>
-              <a:t>2021-01-09</a:t>
+              <a:t>2021-01-12</a:t>
             </a:fld>
             <a:endParaRPr lang="ko-KR" altLang="en-US"/>
           </a:p>
@@ -802,7 +808,7 @@
           <a:p>
             <a:fld id="{FB30EDBD-1C2D-4C1E-B459-B60219FAB484}" type="datetimeFigureOut">
               <a:rPr lang="ko-KR" altLang="en-US" smtClean="0"/>
-              <a:t>2021-01-09</a:t>
+              <a:t>2021-01-12</a:t>
             </a:fld>
             <a:endParaRPr lang="ko-KR" altLang="en-US"/>
           </a:p>
@@ -965,7 +971,7 @@
           <a:p>
             <a:fld id="{FB30EDBD-1C2D-4C1E-B459-B60219FAB484}" type="datetimeFigureOut">
               <a:rPr lang="ko-KR" altLang="en-US" smtClean="0"/>
-              <a:t>2021-01-09</a:t>
+              <a:t>2021-01-12</a:t>
             </a:fld>
             <a:endParaRPr lang="ko-KR" altLang="en-US"/>
           </a:p>
@@ -1205,7 +1211,7 @@
           <a:p>
             <a:fld id="{FB30EDBD-1C2D-4C1E-B459-B60219FAB484}" type="datetimeFigureOut">
               <a:rPr lang="ko-KR" altLang="en-US" smtClean="0"/>
-              <a:t>2021-01-09</a:t>
+              <a:t>2021-01-12</a:t>
             </a:fld>
             <a:endParaRPr lang="ko-KR" altLang="en-US"/>
           </a:p>
@@ -1485,7 +1491,7 @@
           <a:p>
             <a:fld id="{FB30EDBD-1C2D-4C1E-B459-B60219FAB484}" type="datetimeFigureOut">
               <a:rPr lang="ko-KR" altLang="en-US" smtClean="0"/>
-              <a:t>2021-01-09</a:t>
+              <a:t>2021-01-12</a:t>
             </a:fld>
             <a:endParaRPr lang="ko-KR" altLang="en-US"/>
           </a:p>
@@ -1899,7 +1905,7 @@
           <a:p>
             <a:fld id="{FB30EDBD-1C2D-4C1E-B459-B60219FAB484}" type="datetimeFigureOut">
               <a:rPr lang="ko-KR" altLang="en-US" smtClean="0"/>
-              <a:t>2021-01-09</a:t>
+              <a:t>2021-01-12</a:t>
             </a:fld>
             <a:endParaRPr lang="ko-KR" altLang="en-US"/>
           </a:p>
@@ -2011,7 +2017,7 @@
           <a:p>
             <a:fld id="{FB30EDBD-1C2D-4C1E-B459-B60219FAB484}" type="datetimeFigureOut">
               <a:rPr lang="ko-KR" altLang="en-US" smtClean="0"/>
-              <a:t>2021-01-09</a:t>
+              <a:t>2021-01-12</a:t>
             </a:fld>
             <a:endParaRPr lang="ko-KR" altLang="en-US"/>
           </a:p>
@@ -2101,7 +2107,7 @@
           <a:p>
             <a:fld id="{FB30EDBD-1C2D-4C1E-B459-B60219FAB484}" type="datetimeFigureOut">
               <a:rPr lang="ko-KR" altLang="en-US" smtClean="0"/>
-              <a:t>2021-01-09</a:t>
+              <a:t>2021-01-12</a:t>
             </a:fld>
             <a:endParaRPr lang="ko-KR" altLang="en-US"/>
           </a:p>
@@ -2371,7 +2377,7 @@
           <a:p>
             <a:fld id="{FB30EDBD-1C2D-4C1E-B459-B60219FAB484}" type="datetimeFigureOut">
               <a:rPr lang="ko-KR" altLang="en-US" smtClean="0"/>
-              <a:t>2021-01-09</a:t>
+              <a:t>2021-01-12</a:t>
             </a:fld>
             <a:endParaRPr lang="ko-KR" altLang="en-US"/>
           </a:p>
@@ -2618,7 +2624,7 @@
           <a:p>
             <a:fld id="{FB30EDBD-1C2D-4C1E-B459-B60219FAB484}" type="datetimeFigureOut">
               <a:rPr lang="ko-KR" altLang="en-US" smtClean="0"/>
-              <a:t>2021-01-09</a:t>
+              <a:t>2021-01-12</a:t>
             </a:fld>
             <a:endParaRPr lang="ko-KR" altLang="en-US"/>
           </a:p>
@@ -2824,7 +2830,7 @@
           <a:p>
             <a:fld id="{FB30EDBD-1C2D-4C1E-B459-B60219FAB484}" type="datetimeFigureOut">
               <a:rPr lang="ko-KR" altLang="en-US" smtClean="0"/>
-              <a:t>2021-01-09</a:t>
+              <a:t>2021-01-12</a:t>
             </a:fld>
             <a:endParaRPr lang="ko-KR" altLang="en-US"/>
           </a:p>
@@ -3364,6 +3370,464 @@
         </p:nvSpPr>
         <p:spPr>
           <a:xfrm>
+            <a:off x="1536039" y="2397949"/>
+            <a:ext cx="6833922" cy="2062103"/>
+          </a:xfrm>
+          <a:prstGeom prst="rect">
+            <a:avLst/>
+          </a:prstGeom>
+          <a:noFill/>
+        </p:spPr>
+        <p:txBody>
+          <a:bodyPr wrap="none" rtlCol="0">
+            <a:spAutoFit/>
+          </a:bodyPr>
+          <a:lstStyle/>
+          <a:p>
+            <a:pPr algn="ctr"/>
+            <a:r>
+              <a:rPr lang="ko-KR" altLang="en-US" sz="3600" dirty="0">
+                <a:solidFill>
+                  <a:schemeClr val="accent6">
+                    <a:lumMod val="75000"/>
+                  </a:schemeClr>
+                </a:solidFill>
+                <a:latin typeface="나눔바른고딕" panose="020B0603020101020101" pitchFamily="50" charset="-127"/>
+                <a:ea typeface="나눔바른고딕" panose="020B0603020101020101" pitchFamily="50" charset="-127"/>
+              </a:rPr>
+              <a:t>문제</a:t>
+            </a:r>
+            <a:r>
+              <a:rPr lang="en-US" altLang="ko-KR" sz="3600" dirty="0">
+                <a:solidFill>
+                  <a:schemeClr val="accent6">
+                    <a:lumMod val="75000"/>
+                  </a:schemeClr>
+                </a:solidFill>
+                <a:latin typeface="나눔바른고딕" panose="020B0603020101020101" pitchFamily="50" charset="-127"/>
+                <a:ea typeface="나눔바른고딕" panose="020B0603020101020101" pitchFamily="50" charset="-127"/>
+              </a:rPr>
+              <a:t>7</a:t>
+            </a:r>
+          </a:p>
+          <a:p>
+            <a:pPr algn="ctr"/>
+            <a:endParaRPr lang="en-US" altLang="ko-KR" sz="3600" dirty="0">
+              <a:solidFill>
+                <a:schemeClr val="accent6">
+                  <a:lumMod val="75000"/>
+                </a:schemeClr>
+              </a:solidFill>
+              <a:latin typeface="나눔바른고딕" panose="020B0603020101020101" pitchFamily="50" charset="-127"/>
+              <a:ea typeface="나눔바른고딕" panose="020B0603020101020101" pitchFamily="50" charset="-127"/>
+            </a:endParaRPr>
+          </a:p>
+          <a:p>
+            <a:pPr algn="ctr"/>
+            <a:r>
+              <a:rPr lang="ko-KR" altLang="en-US" sz="2800" dirty="0">
+                <a:solidFill>
+                  <a:schemeClr val="bg1">
+                    <a:lumMod val="95000"/>
+                  </a:schemeClr>
+                </a:solidFill>
+                <a:latin typeface="나눔바른고딕" panose="020B0603020101020101" pitchFamily="50" charset="-127"/>
+                <a:ea typeface="나눔바른고딕" panose="020B0603020101020101" pitchFamily="50" charset="-127"/>
+              </a:rPr>
+              <a:t>사용자로부터 </a:t>
+            </a:r>
+            <a:r>
+              <a:rPr lang="ko-KR" altLang="en-US" sz="2800" dirty="0">
+                <a:solidFill>
+                  <a:schemeClr val="accent6">
+                    <a:lumMod val="75000"/>
+                  </a:schemeClr>
+                </a:solidFill>
+                <a:latin typeface="나눔바른고딕" panose="020B0603020101020101" pitchFamily="50" charset="-127"/>
+                <a:ea typeface="나눔바른고딕" panose="020B0603020101020101" pitchFamily="50" charset="-127"/>
+              </a:rPr>
+              <a:t>한개의 자연수</a:t>
+            </a:r>
+            <a:r>
+              <a:rPr lang="ko-KR" altLang="en-US" sz="2800" dirty="0">
+                <a:solidFill>
+                  <a:schemeClr val="bg1">
+                    <a:lumMod val="95000"/>
+                  </a:schemeClr>
+                </a:solidFill>
+                <a:latin typeface="나눔바른고딕" panose="020B0603020101020101" pitchFamily="50" charset="-127"/>
+                <a:ea typeface="나눔바른고딕" panose="020B0603020101020101" pitchFamily="50" charset="-127"/>
+              </a:rPr>
+              <a:t>를 입력 받고</a:t>
+            </a:r>
+            <a:r>
+              <a:rPr lang="en-US" altLang="ko-KR" sz="2800" dirty="0">
+                <a:solidFill>
+                  <a:schemeClr val="bg1">
+                    <a:lumMod val="95000"/>
+                  </a:schemeClr>
+                </a:solidFill>
+                <a:latin typeface="나눔바른고딕" panose="020B0603020101020101" pitchFamily="50" charset="-127"/>
+                <a:ea typeface="나눔바른고딕" panose="020B0603020101020101" pitchFamily="50" charset="-127"/>
+              </a:rPr>
+              <a:t>, </a:t>
+            </a:r>
+          </a:p>
+          <a:p>
+            <a:pPr algn="ctr"/>
+            <a:r>
+              <a:rPr lang="en-US" altLang="ko-KR" sz="2800" dirty="0">
+                <a:solidFill>
+                  <a:schemeClr val="accent6">
+                    <a:lumMod val="75000"/>
+                  </a:schemeClr>
+                </a:solidFill>
+                <a:latin typeface="나눔바른고딕" panose="020B0603020101020101" pitchFamily="50" charset="-127"/>
+                <a:ea typeface="나눔바른고딕" panose="020B0603020101020101" pitchFamily="50" charset="-127"/>
+              </a:rPr>
+              <a:t>1</a:t>
+            </a:r>
+            <a:r>
+              <a:rPr lang="ko-KR" altLang="en-US" sz="2800" dirty="0">
+                <a:solidFill>
+                  <a:schemeClr val="accent6">
+                    <a:lumMod val="75000"/>
+                  </a:schemeClr>
+                </a:solidFill>
+                <a:latin typeface="나눔바른고딕" panose="020B0603020101020101" pitchFamily="50" charset="-127"/>
+                <a:ea typeface="나눔바른고딕" panose="020B0603020101020101" pitchFamily="50" charset="-127"/>
+              </a:rPr>
+              <a:t>부터 입력 받은 수 </a:t>
+            </a:r>
+            <a:r>
+              <a:rPr lang="ko-KR" altLang="en-US" sz="2800" dirty="0">
+                <a:solidFill>
+                  <a:schemeClr val="bg1">
+                    <a:lumMod val="95000"/>
+                  </a:schemeClr>
+                </a:solidFill>
+                <a:latin typeface="나눔바른고딕" panose="020B0603020101020101" pitchFamily="50" charset="-127"/>
+                <a:ea typeface="나눔바른고딕" panose="020B0603020101020101" pitchFamily="50" charset="-127"/>
+              </a:rPr>
+              <a:t>까지의 </a:t>
+            </a:r>
+            <a:r>
+              <a:rPr lang="ko-KR" altLang="en-US" sz="2800" dirty="0">
+                <a:solidFill>
+                  <a:schemeClr val="accent6">
+                    <a:lumMod val="75000"/>
+                  </a:schemeClr>
+                </a:solidFill>
+                <a:latin typeface="나눔바른고딕" panose="020B0603020101020101" pitchFamily="50" charset="-127"/>
+                <a:ea typeface="나눔바른고딕" panose="020B0603020101020101" pitchFamily="50" charset="-127"/>
+              </a:rPr>
+              <a:t>합계</a:t>
+            </a:r>
+            <a:r>
+              <a:rPr lang="ko-KR" altLang="en-US" sz="2800" dirty="0">
+                <a:solidFill>
+                  <a:schemeClr val="bg1">
+                    <a:lumMod val="95000"/>
+                  </a:schemeClr>
+                </a:solidFill>
+                <a:latin typeface="나눔바른고딕" panose="020B0603020101020101" pitchFamily="50" charset="-127"/>
+                <a:ea typeface="나눔바른고딕" panose="020B0603020101020101" pitchFamily="50" charset="-127"/>
+              </a:rPr>
+              <a:t>를 출력하세요</a:t>
+            </a:r>
+            <a:r>
+              <a:rPr lang="en-US" altLang="ko-KR" sz="2800" dirty="0">
+                <a:solidFill>
+                  <a:schemeClr val="bg1">
+                    <a:lumMod val="95000"/>
+                  </a:schemeClr>
+                </a:solidFill>
+                <a:latin typeface="나눔바른고딕" panose="020B0603020101020101" pitchFamily="50" charset="-127"/>
+                <a:ea typeface="나눔바른고딕" panose="020B0603020101020101" pitchFamily="50" charset="-127"/>
+              </a:rPr>
+              <a:t>.</a:t>
+            </a:r>
+          </a:p>
+        </p:txBody>
+      </p:sp>
+    </p:spTree>
+    <p:extLst>
+      <p:ext uri="{BB962C8B-B14F-4D97-AF65-F5344CB8AC3E}">
+        <p14:creationId xmlns:p14="http://schemas.microsoft.com/office/powerpoint/2010/main" val="271670762"/>
+      </p:ext>
+    </p:extLst>
+  </p:cSld>
+  <p:clrMapOvr>
+    <a:masterClrMapping/>
+  </p:clrMapOvr>
+</p:sld>
+</file>
+
+<file path=ppt/slides/slide11.xml><?xml version="1.0" encoding="utf-8"?>
+<p:sld xmlns:a="http://schemas.openxmlformats.org/drawingml/2006/main" xmlns:r="http://schemas.openxmlformats.org/officeDocument/2006/relationships" xmlns:p="http://schemas.openxmlformats.org/presentationml/2006/main">
+  <p:cSld>
+    <p:bg>
+      <p:bgPr>
+        <a:solidFill>
+          <a:schemeClr val="tx1">
+            <a:lumMod val="85000"/>
+            <a:lumOff val="15000"/>
+          </a:schemeClr>
+        </a:solidFill>
+        <a:effectLst/>
+      </p:bgPr>
+    </p:bg>
+    <p:spTree>
+      <p:nvGrpSpPr>
+        <p:cNvPr id="1" name=""/>
+        <p:cNvGrpSpPr/>
+        <p:nvPr/>
+      </p:nvGrpSpPr>
+      <p:grpSpPr>
+        <a:xfrm>
+          <a:off x="0" y="0"/>
+          <a:ext cx="0" cy="0"/>
+          <a:chOff x="0" y="0"/>
+          <a:chExt cx="0" cy="0"/>
+        </a:xfrm>
+      </p:grpSpPr>
+      <p:sp>
+        <p:nvSpPr>
+          <p:cNvPr id="2" name="TextBox 1">
+            <a:extLst>
+              <a:ext uri="{FF2B5EF4-FFF2-40B4-BE49-F238E27FC236}">
+                <a16:creationId xmlns:a16="http://schemas.microsoft.com/office/drawing/2014/main" id="{0B332A50-CC0E-4C7E-B47E-E7CFBA7B423B}"/>
+              </a:ext>
+            </a:extLst>
+          </p:cNvPr>
+          <p:cNvSpPr txBox="1"/>
+          <p:nvPr/>
+        </p:nvSpPr>
+        <p:spPr>
+          <a:xfrm>
+            <a:off x="3177514" y="1751618"/>
+            <a:ext cx="3550972" cy="3354765"/>
+          </a:xfrm>
+          <a:prstGeom prst="rect">
+            <a:avLst/>
+          </a:prstGeom>
+          <a:noFill/>
+        </p:spPr>
+        <p:txBody>
+          <a:bodyPr wrap="none" rtlCol="0">
+            <a:spAutoFit/>
+          </a:bodyPr>
+          <a:lstStyle/>
+          <a:p>
+            <a:pPr algn="ctr"/>
+            <a:r>
+              <a:rPr lang="ko-KR" altLang="en-US" sz="3600" dirty="0">
+                <a:solidFill>
+                  <a:schemeClr val="accent6">
+                    <a:lumMod val="75000"/>
+                  </a:schemeClr>
+                </a:solidFill>
+                <a:latin typeface="나눔바른고딕" panose="020B0603020101020101" pitchFamily="50" charset="-127"/>
+                <a:ea typeface="나눔바른고딕" panose="020B0603020101020101" pitchFamily="50" charset="-127"/>
+              </a:rPr>
+              <a:t>문제</a:t>
+            </a:r>
+            <a:r>
+              <a:rPr lang="en-US" altLang="ko-KR" sz="3600" dirty="0">
+                <a:solidFill>
+                  <a:schemeClr val="accent6">
+                    <a:lumMod val="75000"/>
+                  </a:schemeClr>
+                </a:solidFill>
+                <a:latin typeface="나눔바른고딕" panose="020B0603020101020101" pitchFamily="50" charset="-127"/>
+                <a:ea typeface="나눔바른고딕" panose="020B0603020101020101" pitchFamily="50" charset="-127"/>
+              </a:rPr>
+              <a:t>8</a:t>
+            </a:r>
+          </a:p>
+          <a:p>
+            <a:pPr algn="ctr"/>
+            <a:endParaRPr lang="en-US" altLang="ko-KR" sz="3600" dirty="0">
+              <a:solidFill>
+                <a:schemeClr val="accent6">
+                  <a:lumMod val="75000"/>
+                </a:schemeClr>
+              </a:solidFill>
+              <a:latin typeface="나눔바른고딕" panose="020B0603020101020101" pitchFamily="50" charset="-127"/>
+              <a:ea typeface="나눔바른고딕" panose="020B0603020101020101" pitchFamily="50" charset="-127"/>
+            </a:endParaRPr>
+          </a:p>
+          <a:p>
+            <a:pPr algn="ctr"/>
+            <a:r>
+              <a:rPr lang="ko-KR" altLang="en-US" sz="2800" dirty="0">
+                <a:solidFill>
+                  <a:schemeClr val="bg1">
+                    <a:lumMod val="95000"/>
+                  </a:schemeClr>
+                </a:solidFill>
+                <a:latin typeface="나눔바른고딕" panose="020B0603020101020101" pitchFamily="50" charset="-127"/>
+                <a:ea typeface="나눔바른고딕" panose="020B0603020101020101" pitchFamily="50" charset="-127"/>
+              </a:rPr>
+              <a:t>간단한 게임메뉴 만들기</a:t>
+            </a:r>
+            <a:endParaRPr lang="en-US" altLang="ko-KR" sz="2800" dirty="0">
+              <a:solidFill>
+                <a:schemeClr val="bg1">
+                  <a:lumMod val="95000"/>
+                </a:schemeClr>
+              </a:solidFill>
+              <a:latin typeface="나눔바른고딕" panose="020B0603020101020101" pitchFamily="50" charset="-127"/>
+              <a:ea typeface="나눔바른고딕" panose="020B0603020101020101" pitchFamily="50" charset="-127"/>
+            </a:endParaRPr>
+          </a:p>
+          <a:p>
+            <a:pPr algn="ctr"/>
+            <a:endParaRPr lang="en-US" altLang="ko-KR" sz="2800" dirty="0">
+              <a:solidFill>
+                <a:schemeClr val="bg1">
+                  <a:lumMod val="95000"/>
+                </a:schemeClr>
+              </a:solidFill>
+              <a:latin typeface="나눔바른고딕" panose="020B0603020101020101" pitchFamily="50" charset="-127"/>
+              <a:ea typeface="나눔바른고딕" panose="020B0603020101020101" pitchFamily="50" charset="-127"/>
+            </a:endParaRPr>
+          </a:p>
+          <a:p>
+            <a:pPr marL="514350" indent="-514350" algn="ctr">
+              <a:buAutoNum type="arabicPeriod"/>
+            </a:pPr>
+            <a:r>
+              <a:rPr lang="ko-KR" altLang="en-US" sz="2800" dirty="0">
+                <a:solidFill>
+                  <a:schemeClr val="bg1">
+                    <a:lumMod val="95000"/>
+                  </a:schemeClr>
+                </a:solidFill>
+                <a:latin typeface="나눔바른고딕" panose="020B0603020101020101" pitchFamily="50" charset="-127"/>
+                <a:ea typeface="나눔바른고딕" panose="020B0603020101020101" pitchFamily="50" charset="-127"/>
+              </a:rPr>
+              <a:t>게임시작</a:t>
+            </a:r>
+            <a:endParaRPr lang="en-US" altLang="ko-KR" sz="2800" dirty="0">
+              <a:solidFill>
+                <a:schemeClr val="bg1">
+                  <a:lumMod val="95000"/>
+                </a:schemeClr>
+              </a:solidFill>
+              <a:latin typeface="나눔바른고딕" panose="020B0603020101020101" pitchFamily="50" charset="-127"/>
+              <a:ea typeface="나눔바른고딕" panose="020B0603020101020101" pitchFamily="50" charset="-127"/>
+            </a:endParaRPr>
+          </a:p>
+          <a:p>
+            <a:pPr marL="514350" indent="-514350" algn="ctr">
+              <a:buAutoNum type="arabicPeriod"/>
+            </a:pPr>
+            <a:r>
+              <a:rPr lang="ko-KR" altLang="en-US" sz="2800" dirty="0">
+                <a:solidFill>
+                  <a:schemeClr val="bg1">
+                    <a:lumMod val="95000"/>
+                  </a:schemeClr>
+                </a:solidFill>
+                <a:latin typeface="나눔바른고딕" panose="020B0603020101020101" pitchFamily="50" charset="-127"/>
+                <a:ea typeface="나눔바른고딕" panose="020B0603020101020101" pitchFamily="50" charset="-127"/>
+              </a:rPr>
+              <a:t>랭킹보기</a:t>
+            </a:r>
+            <a:endParaRPr lang="en-US" altLang="ko-KR" sz="2800" dirty="0">
+              <a:solidFill>
+                <a:schemeClr val="bg1">
+                  <a:lumMod val="95000"/>
+                </a:schemeClr>
+              </a:solidFill>
+              <a:latin typeface="나눔바른고딕" panose="020B0603020101020101" pitchFamily="50" charset="-127"/>
+              <a:ea typeface="나눔바른고딕" panose="020B0603020101020101" pitchFamily="50" charset="-127"/>
+            </a:endParaRPr>
+          </a:p>
+          <a:p>
+            <a:pPr marL="514350" indent="-514350" algn="ctr">
+              <a:buAutoNum type="arabicPeriod"/>
+            </a:pPr>
+            <a:r>
+              <a:rPr lang="ko-KR" altLang="en-US" sz="2800" dirty="0">
+                <a:solidFill>
+                  <a:schemeClr val="bg1">
+                    <a:lumMod val="95000"/>
+                  </a:schemeClr>
+                </a:solidFill>
+                <a:latin typeface="나눔바른고딕" panose="020B0603020101020101" pitchFamily="50" charset="-127"/>
+                <a:ea typeface="나눔바른고딕" panose="020B0603020101020101" pitchFamily="50" charset="-127"/>
+              </a:rPr>
+              <a:t>게임종료</a:t>
+            </a:r>
+            <a:endParaRPr lang="en-US" altLang="ko-KR" sz="2800" dirty="0">
+              <a:solidFill>
+                <a:schemeClr val="bg1">
+                  <a:lumMod val="95000"/>
+                </a:schemeClr>
+              </a:solidFill>
+              <a:latin typeface="나눔바른고딕" panose="020B0603020101020101" pitchFamily="50" charset="-127"/>
+              <a:ea typeface="나눔바른고딕" panose="020B0603020101020101" pitchFamily="50" charset="-127"/>
+            </a:endParaRPr>
+          </a:p>
+        </p:txBody>
+      </p:sp>
+    </p:spTree>
+    <p:extLst>
+      <p:ext uri="{BB962C8B-B14F-4D97-AF65-F5344CB8AC3E}">
+        <p14:creationId xmlns:p14="http://schemas.microsoft.com/office/powerpoint/2010/main" val="679470865"/>
+      </p:ext>
+    </p:extLst>
+  </p:cSld>
+  <p:clrMapOvr>
+    <a:masterClrMapping/>
+  </p:clrMapOvr>
+</p:sld>
+</file>
+
+<file path=ppt/slides/slide12.xml><?xml version="1.0" encoding="utf-8"?>
+<p:sld xmlns:a="http://schemas.openxmlformats.org/drawingml/2006/main" xmlns:r="http://schemas.openxmlformats.org/officeDocument/2006/relationships" xmlns:p="http://schemas.openxmlformats.org/presentationml/2006/main">
+  <p:cSld>
+    <p:bg>
+      <p:bgPr>
+        <a:solidFill>
+          <a:schemeClr val="tx1">
+            <a:lumMod val="85000"/>
+            <a:lumOff val="15000"/>
+          </a:schemeClr>
+        </a:solidFill>
+        <a:effectLst/>
+      </p:bgPr>
+    </p:bg>
+    <p:spTree>
+      <p:nvGrpSpPr>
+        <p:cNvPr id="1" name=""/>
+        <p:cNvGrpSpPr/>
+        <p:nvPr/>
+      </p:nvGrpSpPr>
+      <p:grpSpPr>
+        <a:xfrm>
+          <a:off x="0" y="0"/>
+          <a:ext cx="0" cy="0"/>
+          <a:chOff x="0" y="0"/>
+          <a:chExt cx="0" cy="0"/>
+        </a:xfrm>
+      </p:grpSpPr>
+      <p:sp>
+        <p:nvSpPr>
+          <p:cNvPr id="2" name="TextBox 1">
+            <a:extLst>
+              <a:ext uri="{FF2B5EF4-FFF2-40B4-BE49-F238E27FC236}">
+                <a16:creationId xmlns:a16="http://schemas.microsoft.com/office/drawing/2014/main" id="{0B332A50-CC0E-4C7E-B47E-E7CFBA7B423B}"/>
+              </a:ext>
+            </a:extLst>
+          </p:cNvPr>
+          <p:cNvSpPr txBox="1"/>
+          <p:nvPr/>
+        </p:nvSpPr>
+        <p:spPr>
+          <a:xfrm>
             <a:off x="488504" y="1751617"/>
             <a:ext cx="3550972" cy="3354765"/>
           </a:xfrm>
@@ -3401,7 +3865,7 @@
                 <a:latin typeface="나눔바른고딕" panose="020B0603020101020101" pitchFamily="50" charset="-127"/>
                 <a:ea typeface="나눔바른고딕" panose="020B0603020101020101" pitchFamily="50" charset="-127"/>
               </a:rPr>
-              <a:t>6</a:t>
+              <a:t>8</a:t>
             </a:r>
           </a:p>
           <a:p>
@@ -3582,6 +4046,324 @@
   <p:clrMapOvr>
     <a:masterClrMapping/>
   </p:clrMapOvr>
+  <mc:AlternateContent xmlns:mc="http://schemas.openxmlformats.org/markup-compatibility/2006" xmlns:p159="http://schemas.microsoft.com/office/powerpoint/2015/09/main">
+    <mc:Choice Requires="p159">
+      <p:transition xmlns:p14="http://schemas.microsoft.com/office/powerpoint/2010/main" spd="slow" p14:dur="2000">
+        <p159:morph option="byObject"/>
+      </p:transition>
+    </mc:Choice>
+    <mc:Fallback xmlns="">
+      <p:transition spd="slow">
+        <p:fade/>
+      </p:transition>
+    </mc:Fallback>
+  </mc:AlternateContent>
+</p:sld>
+</file>
+
+<file path=ppt/slides/slide13.xml><?xml version="1.0" encoding="utf-8"?>
+<p:sld xmlns:a="http://schemas.openxmlformats.org/drawingml/2006/main" xmlns:r="http://schemas.openxmlformats.org/officeDocument/2006/relationships" xmlns:p="http://schemas.openxmlformats.org/presentationml/2006/main">
+  <p:cSld>
+    <p:bg>
+      <p:bgPr>
+        <a:solidFill>
+          <a:schemeClr val="tx1">
+            <a:lumMod val="85000"/>
+            <a:lumOff val="15000"/>
+          </a:schemeClr>
+        </a:solidFill>
+        <a:effectLst/>
+      </p:bgPr>
+    </p:bg>
+    <p:spTree>
+      <p:nvGrpSpPr>
+        <p:cNvPr id="1" name=""/>
+        <p:cNvGrpSpPr/>
+        <p:nvPr/>
+      </p:nvGrpSpPr>
+      <p:grpSpPr>
+        <a:xfrm>
+          <a:off x="0" y="0"/>
+          <a:ext cx="0" cy="0"/>
+          <a:chOff x="0" y="0"/>
+          <a:chExt cx="0" cy="0"/>
+        </a:xfrm>
+      </p:grpSpPr>
+      <p:sp>
+        <p:nvSpPr>
+          <p:cNvPr id="2" name="TextBox 1">
+            <a:extLst>
+              <a:ext uri="{FF2B5EF4-FFF2-40B4-BE49-F238E27FC236}">
+                <a16:creationId xmlns:a16="http://schemas.microsoft.com/office/drawing/2014/main" id="{0B332A50-CC0E-4C7E-B47E-E7CFBA7B423B}"/>
+              </a:ext>
+            </a:extLst>
+          </p:cNvPr>
+          <p:cNvSpPr txBox="1"/>
+          <p:nvPr/>
+        </p:nvSpPr>
+        <p:spPr>
+          <a:xfrm>
+            <a:off x="3658415" y="2613392"/>
+            <a:ext cx="2589170" cy="1631216"/>
+          </a:xfrm>
+          <a:prstGeom prst="rect">
+            <a:avLst/>
+          </a:prstGeom>
+          <a:noFill/>
+        </p:spPr>
+        <p:txBody>
+          <a:bodyPr wrap="none" rtlCol="0">
+            <a:spAutoFit/>
+          </a:bodyPr>
+          <a:lstStyle/>
+          <a:p>
+            <a:pPr algn="ctr"/>
+            <a:r>
+              <a:rPr lang="ko-KR" altLang="en-US" sz="3600" dirty="0">
+                <a:solidFill>
+                  <a:schemeClr val="accent6">
+                    <a:lumMod val="75000"/>
+                  </a:schemeClr>
+                </a:solidFill>
+                <a:latin typeface="나눔바른고딕" panose="020B0603020101020101" pitchFamily="50" charset="-127"/>
+                <a:ea typeface="나눔바른고딕" panose="020B0603020101020101" pitchFamily="50" charset="-127"/>
+              </a:rPr>
+              <a:t>문제</a:t>
+            </a:r>
+            <a:r>
+              <a:rPr lang="en-US" altLang="ko-KR" sz="3600" dirty="0">
+                <a:solidFill>
+                  <a:schemeClr val="accent6">
+                    <a:lumMod val="75000"/>
+                  </a:schemeClr>
+                </a:solidFill>
+                <a:latin typeface="나눔바른고딕" panose="020B0603020101020101" pitchFamily="50" charset="-127"/>
+                <a:ea typeface="나눔바른고딕" panose="020B0603020101020101" pitchFamily="50" charset="-127"/>
+              </a:rPr>
+              <a:t>9</a:t>
+            </a:r>
+          </a:p>
+          <a:p>
+            <a:pPr algn="ctr"/>
+            <a:endParaRPr lang="en-US" altLang="ko-KR" sz="3600" dirty="0">
+              <a:solidFill>
+                <a:schemeClr val="accent6">
+                  <a:lumMod val="75000"/>
+                </a:schemeClr>
+              </a:solidFill>
+              <a:latin typeface="나눔바른고딕" panose="020B0603020101020101" pitchFamily="50" charset="-127"/>
+              <a:ea typeface="나눔바른고딕" panose="020B0603020101020101" pitchFamily="50" charset="-127"/>
+            </a:endParaRPr>
+          </a:p>
+          <a:p>
+            <a:pPr algn="ctr"/>
+            <a:r>
+              <a:rPr lang="ko-KR" altLang="en-US" sz="2800" dirty="0">
+                <a:solidFill>
+                  <a:schemeClr val="bg1">
+                    <a:lumMod val="95000"/>
+                  </a:schemeClr>
+                </a:solidFill>
+                <a:latin typeface="나눔바른고딕" panose="020B0603020101020101" pitchFamily="50" charset="-127"/>
+                <a:ea typeface="나눔바른고딕" panose="020B0603020101020101" pitchFamily="50" charset="-127"/>
+              </a:rPr>
+              <a:t>리스트 활용하기 </a:t>
+            </a:r>
+            <a:endParaRPr lang="en-US" altLang="ko-KR" sz="2800" dirty="0">
+              <a:solidFill>
+                <a:schemeClr val="bg1">
+                  <a:lumMod val="95000"/>
+                </a:schemeClr>
+              </a:solidFill>
+              <a:latin typeface="나눔바른고딕" panose="020B0603020101020101" pitchFamily="50" charset="-127"/>
+              <a:ea typeface="나눔바른고딕" panose="020B0603020101020101" pitchFamily="50" charset="-127"/>
+            </a:endParaRPr>
+          </a:p>
+        </p:txBody>
+      </p:sp>
+    </p:spTree>
+    <p:extLst>
+      <p:ext uri="{BB962C8B-B14F-4D97-AF65-F5344CB8AC3E}">
+        <p14:creationId xmlns:p14="http://schemas.microsoft.com/office/powerpoint/2010/main" val="3759550933"/>
+      </p:ext>
+    </p:extLst>
+  </p:cSld>
+  <p:clrMapOvr>
+    <a:masterClrMapping/>
+  </p:clrMapOvr>
+</p:sld>
+</file>
+
+<file path=ppt/slides/slide14.xml><?xml version="1.0" encoding="utf-8"?>
+<p:sld xmlns:a="http://schemas.openxmlformats.org/drawingml/2006/main" xmlns:r="http://schemas.openxmlformats.org/officeDocument/2006/relationships" xmlns:p="http://schemas.openxmlformats.org/presentationml/2006/main">
+  <p:cSld>
+    <p:bg>
+      <p:bgPr>
+        <a:solidFill>
+          <a:schemeClr val="tx1">
+            <a:lumMod val="85000"/>
+            <a:lumOff val="15000"/>
+          </a:schemeClr>
+        </a:solidFill>
+        <a:effectLst/>
+      </p:bgPr>
+    </p:bg>
+    <p:spTree>
+      <p:nvGrpSpPr>
+        <p:cNvPr id="1" name=""/>
+        <p:cNvGrpSpPr/>
+        <p:nvPr/>
+      </p:nvGrpSpPr>
+      <p:grpSpPr>
+        <a:xfrm>
+          <a:off x="0" y="0"/>
+          <a:ext cx="0" cy="0"/>
+          <a:chOff x="0" y="0"/>
+          <a:chExt cx="0" cy="0"/>
+        </a:xfrm>
+      </p:grpSpPr>
+      <p:sp>
+        <p:nvSpPr>
+          <p:cNvPr id="2" name="TextBox 1">
+            <a:extLst>
+              <a:ext uri="{FF2B5EF4-FFF2-40B4-BE49-F238E27FC236}">
+                <a16:creationId xmlns:a16="http://schemas.microsoft.com/office/drawing/2014/main" id="{0B332A50-CC0E-4C7E-B47E-E7CFBA7B423B}"/>
+              </a:ext>
+            </a:extLst>
+          </p:cNvPr>
+          <p:cNvSpPr txBox="1"/>
+          <p:nvPr/>
+        </p:nvSpPr>
+        <p:spPr>
+          <a:xfrm>
+            <a:off x="1064568" y="2613392"/>
+            <a:ext cx="2589170" cy="1631216"/>
+          </a:xfrm>
+          <a:prstGeom prst="rect">
+            <a:avLst/>
+          </a:prstGeom>
+          <a:noFill/>
+        </p:spPr>
+        <p:txBody>
+          <a:bodyPr wrap="none" rtlCol="0">
+            <a:spAutoFit/>
+          </a:bodyPr>
+          <a:lstStyle/>
+          <a:p>
+            <a:pPr algn="ctr"/>
+            <a:r>
+              <a:rPr lang="ko-KR" altLang="en-US" sz="3600" dirty="0">
+                <a:solidFill>
+                  <a:schemeClr val="accent6">
+                    <a:lumMod val="75000"/>
+                  </a:schemeClr>
+                </a:solidFill>
+                <a:latin typeface="나눔바른고딕" panose="020B0603020101020101" pitchFamily="50" charset="-127"/>
+                <a:ea typeface="나눔바른고딕" panose="020B0603020101020101" pitchFamily="50" charset="-127"/>
+              </a:rPr>
+              <a:t>문제</a:t>
+            </a:r>
+            <a:r>
+              <a:rPr lang="en-US" altLang="ko-KR" sz="3600" dirty="0">
+                <a:solidFill>
+                  <a:schemeClr val="accent6">
+                    <a:lumMod val="75000"/>
+                  </a:schemeClr>
+                </a:solidFill>
+                <a:latin typeface="나눔바른고딕" panose="020B0603020101020101" pitchFamily="50" charset="-127"/>
+                <a:ea typeface="나눔바른고딕" panose="020B0603020101020101" pitchFamily="50" charset="-127"/>
+              </a:rPr>
+              <a:t>9</a:t>
+            </a:r>
+          </a:p>
+          <a:p>
+            <a:pPr algn="ctr"/>
+            <a:endParaRPr lang="en-US" altLang="ko-KR" sz="3600" dirty="0">
+              <a:solidFill>
+                <a:schemeClr val="accent6">
+                  <a:lumMod val="75000"/>
+                </a:schemeClr>
+              </a:solidFill>
+              <a:latin typeface="나눔바른고딕" panose="020B0603020101020101" pitchFamily="50" charset="-127"/>
+              <a:ea typeface="나눔바른고딕" panose="020B0603020101020101" pitchFamily="50" charset="-127"/>
+            </a:endParaRPr>
+          </a:p>
+          <a:p>
+            <a:pPr algn="ctr"/>
+            <a:r>
+              <a:rPr lang="ko-KR" altLang="en-US" sz="2800" dirty="0">
+                <a:solidFill>
+                  <a:schemeClr val="bg1">
+                    <a:lumMod val="95000"/>
+                  </a:schemeClr>
+                </a:solidFill>
+                <a:latin typeface="나눔바른고딕" panose="020B0603020101020101" pitchFamily="50" charset="-127"/>
+                <a:ea typeface="나눔바른고딕" panose="020B0603020101020101" pitchFamily="50" charset="-127"/>
+              </a:rPr>
+              <a:t>리스트 활용하기 </a:t>
+            </a:r>
+            <a:endParaRPr lang="en-US" altLang="ko-KR" sz="2800" dirty="0">
+              <a:solidFill>
+                <a:schemeClr val="bg1">
+                  <a:lumMod val="95000"/>
+                </a:schemeClr>
+              </a:solidFill>
+              <a:latin typeface="나눔바른고딕" panose="020B0603020101020101" pitchFamily="50" charset="-127"/>
+              <a:ea typeface="나눔바른고딕" panose="020B0603020101020101" pitchFamily="50" charset="-127"/>
+            </a:endParaRPr>
+          </a:p>
+        </p:txBody>
+      </p:sp>
+      <p:pic>
+        <p:nvPicPr>
+          <p:cNvPr id="4" name="그림 3">
+            <a:extLst>
+              <a:ext uri="{FF2B5EF4-FFF2-40B4-BE49-F238E27FC236}">
+                <a16:creationId xmlns:a16="http://schemas.microsoft.com/office/drawing/2014/main" id="{D6C232FF-673D-424F-9BC9-9144BBF60285}"/>
+              </a:ext>
+            </a:extLst>
+          </p:cNvPr>
+          <p:cNvPicPr>
+            <a:picLocks noChangeAspect="1"/>
+          </p:cNvPicPr>
+          <p:nvPr/>
+        </p:nvPicPr>
+        <p:blipFill>
+          <a:blip r:embed="rId2"/>
+          <a:stretch>
+            <a:fillRect/>
+          </a:stretch>
+        </p:blipFill>
+        <p:spPr>
+          <a:xfrm>
+            <a:off x="4736976" y="2800262"/>
+            <a:ext cx="4486901" cy="1257475"/>
+          </a:xfrm>
+          <a:prstGeom prst="rect">
+            <a:avLst/>
+          </a:prstGeom>
+          <a:ln>
+            <a:noFill/>
+          </a:ln>
+          <a:effectLst>
+            <a:outerShdw blurRad="190500" algn="tl" rotWithShape="0">
+              <a:srgbClr val="000000">
+                <a:alpha val="70000"/>
+              </a:srgbClr>
+            </a:outerShdw>
+          </a:effectLst>
+        </p:spPr>
+      </p:pic>
+    </p:spTree>
+    <p:extLst>
+      <p:ext uri="{BB962C8B-B14F-4D97-AF65-F5344CB8AC3E}">
+        <p14:creationId xmlns:p14="http://schemas.microsoft.com/office/powerpoint/2010/main" val="1465451361"/>
+      </p:ext>
+    </p:extLst>
+  </p:cSld>
+  <p:clrMapOvr>
+    <a:masterClrMapping/>
+  </p:clrMapOvr>
   <mc:AlternateContent xmlns:mc="http://schemas.openxmlformats.org/markup-compatibility/2006">
     <mc:Choice xmlns:p159="http://schemas.microsoft.com/office/powerpoint/2015/09/main" Requires="p159">
       <p:transition xmlns:p14="http://schemas.microsoft.com/office/powerpoint/2010/main" spd="slow" p14:dur="2000">
@@ -3597,7 +4379,349 @@
 </p:sld>
 </file>
 
-<file path=ppt/slides/slide11.xml><?xml version="1.0" encoding="utf-8"?>
+<file path=ppt/slides/slide15.xml><?xml version="1.0" encoding="utf-8"?>
+<p:sld xmlns:a="http://schemas.openxmlformats.org/drawingml/2006/main" xmlns:r="http://schemas.openxmlformats.org/officeDocument/2006/relationships" xmlns:p="http://schemas.openxmlformats.org/presentationml/2006/main">
+  <p:cSld>
+    <p:bg>
+      <p:bgPr>
+        <a:solidFill>
+          <a:schemeClr val="tx1">
+            <a:lumMod val="85000"/>
+            <a:lumOff val="15000"/>
+          </a:schemeClr>
+        </a:solidFill>
+        <a:effectLst/>
+      </p:bgPr>
+    </p:bg>
+    <p:spTree>
+      <p:nvGrpSpPr>
+        <p:cNvPr id="1" name=""/>
+        <p:cNvGrpSpPr/>
+        <p:nvPr/>
+      </p:nvGrpSpPr>
+      <p:grpSpPr>
+        <a:xfrm>
+          <a:off x="0" y="0"/>
+          <a:ext cx="0" cy="0"/>
+          <a:chOff x="0" y="0"/>
+          <a:chExt cx="0" cy="0"/>
+        </a:xfrm>
+      </p:grpSpPr>
+      <p:sp>
+        <p:nvSpPr>
+          <p:cNvPr id="2" name="TextBox 1">
+            <a:extLst>
+              <a:ext uri="{FF2B5EF4-FFF2-40B4-BE49-F238E27FC236}">
+                <a16:creationId xmlns:a16="http://schemas.microsoft.com/office/drawing/2014/main" id="{0B332A50-CC0E-4C7E-B47E-E7CFBA7B423B}"/>
+              </a:ext>
+            </a:extLst>
+          </p:cNvPr>
+          <p:cNvSpPr txBox="1"/>
+          <p:nvPr/>
+        </p:nvSpPr>
+        <p:spPr>
+          <a:xfrm>
+            <a:off x="3858790" y="2613392"/>
+            <a:ext cx="2188420" cy="1631216"/>
+          </a:xfrm>
+          <a:prstGeom prst="rect">
+            <a:avLst/>
+          </a:prstGeom>
+          <a:noFill/>
+        </p:spPr>
+        <p:txBody>
+          <a:bodyPr wrap="none" rtlCol="0">
+            <a:spAutoFit/>
+          </a:bodyPr>
+          <a:lstStyle/>
+          <a:p>
+            <a:pPr algn="ctr"/>
+            <a:r>
+              <a:rPr lang="ko-KR" altLang="en-US" sz="3600" dirty="0">
+                <a:solidFill>
+                  <a:schemeClr val="accent6">
+                    <a:lumMod val="75000"/>
+                  </a:schemeClr>
+                </a:solidFill>
+                <a:latin typeface="나눔바른고딕" panose="020B0603020101020101" pitchFamily="50" charset="-127"/>
+                <a:ea typeface="나눔바른고딕" panose="020B0603020101020101" pitchFamily="50" charset="-127"/>
+              </a:rPr>
+              <a:t>문제</a:t>
+            </a:r>
+            <a:r>
+              <a:rPr lang="en-US" altLang="ko-KR" sz="3600" dirty="0">
+                <a:solidFill>
+                  <a:schemeClr val="accent6">
+                    <a:lumMod val="75000"/>
+                  </a:schemeClr>
+                </a:solidFill>
+                <a:latin typeface="나눔바른고딕" panose="020B0603020101020101" pitchFamily="50" charset="-127"/>
+                <a:ea typeface="나눔바른고딕" panose="020B0603020101020101" pitchFamily="50" charset="-127"/>
+              </a:rPr>
+              <a:t>10</a:t>
+            </a:r>
+          </a:p>
+          <a:p>
+            <a:pPr algn="ctr"/>
+            <a:endParaRPr lang="en-US" altLang="ko-KR" sz="3600" dirty="0">
+              <a:solidFill>
+                <a:schemeClr val="accent6">
+                  <a:lumMod val="75000"/>
+                </a:schemeClr>
+              </a:solidFill>
+              <a:latin typeface="나눔바른고딕" panose="020B0603020101020101" pitchFamily="50" charset="-127"/>
+              <a:ea typeface="나눔바른고딕" panose="020B0603020101020101" pitchFamily="50" charset="-127"/>
+            </a:endParaRPr>
+          </a:p>
+          <a:p>
+            <a:pPr algn="ctr"/>
+            <a:r>
+              <a:rPr lang="ko-KR" altLang="en-US" sz="2800" dirty="0">
+                <a:solidFill>
+                  <a:schemeClr val="bg1">
+                    <a:lumMod val="95000"/>
+                  </a:schemeClr>
+                </a:solidFill>
+                <a:latin typeface="나눔바른고딕" panose="020B0603020101020101" pitchFamily="50" charset="-127"/>
+                <a:ea typeface="나눔바른고딕" panose="020B0603020101020101" pitchFamily="50" charset="-127"/>
+              </a:rPr>
+              <a:t>문자열 </a:t>
+            </a:r>
+            <a:r>
+              <a:rPr lang="ko-KR" altLang="en-US" sz="2800" dirty="0" err="1">
+                <a:solidFill>
+                  <a:schemeClr val="bg1">
+                    <a:lumMod val="95000"/>
+                  </a:schemeClr>
+                </a:solidFill>
+                <a:latin typeface="나눔바른고딕" panose="020B0603020101020101" pitchFamily="50" charset="-127"/>
+                <a:ea typeface="나눔바른고딕" panose="020B0603020101020101" pitchFamily="50" charset="-127"/>
+              </a:rPr>
+              <a:t>포맷팅</a:t>
+            </a:r>
+            <a:endParaRPr lang="en-US" altLang="ko-KR" sz="2800" dirty="0">
+              <a:solidFill>
+                <a:schemeClr val="bg1">
+                  <a:lumMod val="95000"/>
+                </a:schemeClr>
+              </a:solidFill>
+              <a:latin typeface="나눔바른고딕" panose="020B0603020101020101" pitchFamily="50" charset="-127"/>
+              <a:ea typeface="나눔바른고딕" panose="020B0603020101020101" pitchFamily="50" charset="-127"/>
+            </a:endParaRPr>
+          </a:p>
+        </p:txBody>
+      </p:sp>
+    </p:spTree>
+    <p:extLst>
+      <p:ext uri="{BB962C8B-B14F-4D97-AF65-F5344CB8AC3E}">
+        <p14:creationId xmlns:p14="http://schemas.microsoft.com/office/powerpoint/2010/main" val="141826187"/>
+      </p:ext>
+    </p:extLst>
+  </p:cSld>
+  <p:clrMapOvr>
+    <a:masterClrMapping/>
+  </p:clrMapOvr>
+</p:sld>
+</file>
+
+<file path=ppt/slides/slide16.xml><?xml version="1.0" encoding="utf-8"?>
+<p:sld xmlns:a="http://schemas.openxmlformats.org/drawingml/2006/main" xmlns:r="http://schemas.openxmlformats.org/officeDocument/2006/relationships" xmlns:p="http://schemas.openxmlformats.org/presentationml/2006/main">
+  <p:cSld>
+    <p:bg>
+      <p:bgPr>
+        <a:solidFill>
+          <a:schemeClr val="tx1">
+            <a:lumMod val="85000"/>
+            <a:lumOff val="15000"/>
+          </a:schemeClr>
+        </a:solidFill>
+        <a:effectLst/>
+      </p:bgPr>
+    </p:bg>
+    <p:spTree>
+      <p:nvGrpSpPr>
+        <p:cNvPr id="1" name=""/>
+        <p:cNvGrpSpPr/>
+        <p:nvPr/>
+      </p:nvGrpSpPr>
+      <p:grpSpPr>
+        <a:xfrm>
+          <a:off x="0" y="0"/>
+          <a:ext cx="0" cy="0"/>
+          <a:chOff x="0" y="0"/>
+          <a:chExt cx="0" cy="0"/>
+        </a:xfrm>
+      </p:grpSpPr>
+      <p:sp>
+        <p:nvSpPr>
+          <p:cNvPr id="2" name="TextBox 1">
+            <a:extLst>
+              <a:ext uri="{FF2B5EF4-FFF2-40B4-BE49-F238E27FC236}">
+                <a16:creationId xmlns:a16="http://schemas.microsoft.com/office/drawing/2014/main" id="{0B332A50-CC0E-4C7E-B47E-E7CFBA7B423B}"/>
+              </a:ext>
+            </a:extLst>
+          </p:cNvPr>
+          <p:cNvSpPr txBox="1"/>
+          <p:nvPr/>
+        </p:nvSpPr>
+        <p:spPr>
+          <a:xfrm>
+            <a:off x="1064568" y="2613392"/>
+            <a:ext cx="2188420" cy="1631216"/>
+          </a:xfrm>
+          <a:prstGeom prst="rect">
+            <a:avLst/>
+          </a:prstGeom>
+          <a:noFill/>
+        </p:spPr>
+        <p:txBody>
+          <a:bodyPr wrap="none" rtlCol="0">
+            <a:spAutoFit/>
+          </a:bodyPr>
+          <a:lstStyle/>
+          <a:p>
+            <a:pPr algn="ctr"/>
+            <a:r>
+              <a:rPr lang="ko-KR" altLang="en-US" sz="3600" dirty="0">
+                <a:solidFill>
+                  <a:schemeClr val="accent6">
+                    <a:lumMod val="75000"/>
+                  </a:schemeClr>
+                </a:solidFill>
+                <a:latin typeface="나눔바른고딕" panose="020B0603020101020101" pitchFamily="50" charset="-127"/>
+                <a:ea typeface="나눔바른고딕" panose="020B0603020101020101" pitchFamily="50" charset="-127"/>
+              </a:rPr>
+              <a:t>문제</a:t>
+            </a:r>
+            <a:r>
+              <a:rPr lang="en-US" altLang="ko-KR" sz="3600" dirty="0">
+                <a:solidFill>
+                  <a:schemeClr val="accent6">
+                    <a:lumMod val="75000"/>
+                  </a:schemeClr>
+                </a:solidFill>
+                <a:latin typeface="나눔바른고딕" panose="020B0603020101020101" pitchFamily="50" charset="-127"/>
+                <a:ea typeface="나눔바른고딕" panose="020B0603020101020101" pitchFamily="50" charset="-127"/>
+              </a:rPr>
+              <a:t>10</a:t>
+            </a:r>
+          </a:p>
+          <a:p>
+            <a:pPr algn="ctr"/>
+            <a:endParaRPr lang="en-US" altLang="ko-KR" sz="3600" dirty="0">
+              <a:solidFill>
+                <a:schemeClr val="accent6">
+                  <a:lumMod val="75000"/>
+                </a:schemeClr>
+              </a:solidFill>
+              <a:latin typeface="나눔바른고딕" panose="020B0603020101020101" pitchFamily="50" charset="-127"/>
+              <a:ea typeface="나눔바른고딕" panose="020B0603020101020101" pitchFamily="50" charset="-127"/>
+            </a:endParaRPr>
+          </a:p>
+          <a:p>
+            <a:pPr algn="ctr"/>
+            <a:r>
+              <a:rPr lang="ko-KR" altLang="en-US" sz="2800" dirty="0">
+                <a:solidFill>
+                  <a:schemeClr val="bg1">
+                    <a:lumMod val="95000"/>
+                  </a:schemeClr>
+                </a:solidFill>
+                <a:latin typeface="나눔바른고딕" panose="020B0603020101020101" pitchFamily="50" charset="-127"/>
+                <a:ea typeface="나눔바른고딕" panose="020B0603020101020101" pitchFamily="50" charset="-127"/>
+              </a:rPr>
+              <a:t>문자열 </a:t>
+            </a:r>
+            <a:r>
+              <a:rPr lang="ko-KR" altLang="en-US" sz="2800" dirty="0" err="1">
+                <a:solidFill>
+                  <a:schemeClr val="bg1">
+                    <a:lumMod val="95000"/>
+                  </a:schemeClr>
+                </a:solidFill>
+                <a:latin typeface="나눔바른고딕" panose="020B0603020101020101" pitchFamily="50" charset="-127"/>
+                <a:ea typeface="나눔바른고딕" panose="020B0603020101020101" pitchFamily="50" charset="-127"/>
+              </a:rPr>
+              <a:t>포맷팅</a:t>
+            </a:r>
+            <a:endParaRPr lang="en-US" altLang="ko-KR" sz="2800" dirty="0">
+              <a:solidFill>
+                <a:schemeClr val="bg1">
+                  <a:lumMod val="95000"/>
+                </a:schemeClr>
+              </a:solidFill>
+              <a:latin typeface="나눔바른고딕" panose="020B0603020101020101" pitchFamily="50" charset="-127"/>
+              <a:ea typeface="나눔바른고딕" panose="020B0603020101020101" pitchFamily="50" charset="-127"/>
+            </a:endParaRPr>
+          </a:p>
+        </p:txBody>
+      </p:sp>
+      <p:pic>
+        <p:nvPicPr>
+          <p:cNvPr id="4" name="그림 3">
+            <a:extLst>
+              <a:ext uri="{FF2B5EF4-FFF2-40B4-BE49-F238E27FC236}">
+                <a16:creationId xmlns:a16="http://schemas.microsoft.com/office/drawing/2014/main" id="{F57FED79-A7A7-4281-93C6-4E6B5B8F0F3E}"/>
+              </a:ext>
+            </a:extLst>
+          </p:cNvPr>
+          <p:cNvPicPr>
+            <a:picLocks noChangeAspect="1"/>
+          </p:cNvPicPr>
+          <p:nvPr/>
+        </p:nvPicPr>
+        <p:blipFill>
+          <a:blip r:embed="rId2"/>
+          <a:stretch>
+            <a:fillRect/>
+          </a:stretch>
+        </p:blipFill>
+        <p:spPr>
+          <a:xfrm>
+            <a:off x="5529064" y="2462077"/>
+            <a:ext cx="2915057" cy="1933845"/>
+          </a:xfrm>
+          <a:prstGeom prst="rect">
+            <a:avLst/>
+          </a:prstGeom>
+          <a:ln>
+            <a:noFill/>
+          </a:ln>
+          <a:effectLst>
+            <a:outerShdw blurRad="190500" algn="tl" rotWithShape="0">
+              <a:srgbClr val="000000">
+                <a:alpha val="70000"/>
+              </a:srgbClr>
+            </a:outerShdw>
+          </a:effectLst>
+        </p:spPr>
+      </p:pic>
+    </p:spTree>
+    <p:extLst>
+      <p:ext uri="{BB962C8B-B14F-4D97-AF65-F5344CB8AC3E}">
+        <p14:creationId xmlns:p14="http://schemas.microsoft.com/office/powerpoint/2010/main" val="1293212621"/>
+      </p:ext>
+    </p:extLst>
+  </p:cSld>
+  <p:clrMapOvr>
+    <a:masterClrMapping/>
+  </p:clrMapOvr>
+  <mc:AlternateContent xmlns:mc="http://schemas.openxmlformats.org/markup-compatibility/2006">
+    <mc:Choice xmlns:p159="http://schemas.microsoft.com/office/powerpoint/2015/09/main" Requires="p159">
+      <p:transition xmlns:p14="http://schemas.microsoft.com/office/powerpoint/2010/main" spd="slow" p14:dur="2000">
+        <p159:morph option="byObject"/>
+      </p:transition>
+    </mc:Choice>
+    <mc:Fallback>
+      <p:transition spd="slow">
+        <p:fade/>
+      </p:transition>
+    </mc:Fallback>
+  </mc:AlternateContent>
+</p:sld>
+</file>
+
+<file path=ppt/slides/slide17.xml><?xml version="1.0" encoding="utf-8"?>
 <p:sld xmlns:a="http://schemas.openxmlformats.org/drawingml/2006/main" xmlns:r="http://schemas.openxmlformats.org/officeDocument/2006/relationships" xmlns:p="http://schemas.openxmlformats.org/presentationml/2006/main">
   <p:cSld>
     <p:bg>
@@ -3761,8 +4885,8 @@
         </p:nvSpPr>
         <p:spPr>
           <a:xfrm>
-            <a:off x="1768474" y="2274838"/>
-            <a:ext cx="6369052" cy="2308324"/>
+            <a:off x="2014538" y="2274838"/>
+            <a:ext cx="5876930" cy="1754326"/>
           </a:xfrm>
           <a:prstGeom prst="rect">
             <a:avLst/>
@@ -3816,7 +4940,7 @@
           <a:p>
             <a:pPr algn="ctr"/>
             <a:r>
-              <a:rPr lang="ko-KR" altLang="en-US" sz="3600" dirty="0">
+              <a:rPr lang="en-US" altLang="ko-KR" sz="3600" dirty="0">
                 <a:solidFill>
                   <a:schemeClr val="bg1">
                     <a:lumMod val="95000"/>
@@ -3825,19 +4949,7 @@
                 <a:latin typeface="나눔바른고딕" panose="020B0603020101020101" pitchFamily="50" charset="-127"/>
                 <a:ea typeface="나눔바른고딕" panose="020B0603020101020101" pitchFamily="50" charset="-127"/>
               </a:rPr>
-              <a:t>사용자로부터 </a:t>
-            </a:r>
-            <a:r>
-              <a:rPr lang="ko-KR" altLang="en-US" sz="3600" dirty="0">
-                <a:solidFill>
-                  <a:schemeClr val="accent6">
-                    <a:lumMod val="75000"/>
-                  </a:schemeClr>
-                </a:solidFill>
-                <a:latin typeface="나눔바른고딕" panose="020B0603020101020101" pitchFamily="50" charset="-127"/>
-                <a:ea typeface="나눔바른고딕" panose="020B0603020101020101" pitchFamily="50" charset="-127"/>
-              </a:rPr>
-              <a:t>두 숫자를 </a:t>
+              <a:t>5/3 </a:t>
             </a:r>
             <a:r>
               <a:rPr lang="ko-KR" altLang="en-US" sz="3600" dirty="0">
@@ -3849,7 +4961,7 @@
                 <a:latin typeface="나눔바른고딕" panose="020B0603020101020101" pitchFamily="50" charset="-127"/>
                 <a:ea typeface="나눔바른고딕" panose="020B0603020101020101" pitchFamily="50" charset="-127"/>
               </a:rPr>
-              <a:t>입력 받고</a:t>
+              <a:t>의 결과를 화면에 출력하기</a:t>
             </a:r>
             <a:endParaRPr lang="en-US" altLang="ko-KR" sz="3600" dirty="0">
               <a:solidFill>
@@ -3861,48 +4973,12 @@
               <a:ea typeface="나눔바른고딕" panose="020B0603020101020101" pitchFamily="50" charset="-127"/>
             </a:endParaRPr>
           </a:p>
-          <a:p>
-            <a:pPr algn="ctr"/>
-            <a:r>
-              <a:rPr lang="ko-KR" altLang="en-US" sz="3600" dirty="0">
-                <a:solidFill>
-                  <a:schemeClr val="accent6">
-                    <a:lumMod val="75000"/>
-                  </a:schemeClr>
-                </a:solidFill>
-                <a:latin typeface="나눔바른고딕" panose="020B0603020101020101" pitchFamily="50" charset="-127"/>
-                <a:ea typeface="나눔바른고딕" panose="020B0603020101020101" pitchFamily="50" charset="-127"/>
-              </a:rPr>
-              <a:t>곱한</a:t>
-            </a:r>
-            <a:r>
-              <a:rPr lang="ko-KR" altLang="en-US" sz="3600" dirty="0">
-                <a:solidFill>
-                  <a:schemeClr val="bg1">
-                    <a:lumMod val="95000"/>
-                  </a:schemeClr>
-                </a:solidFill>
-                <a:latin typeface="나눔바른고딕" panose="020B0603020101020101" pitchFamily="50" charset="-127"/>
-                <a:ea typeface="나눔바른고딕" panose="020B0603020101020101" pitchFamily="50" charset="-127"/>
-              </a:rPr>
-              <a:t> 결과를 출력하기</a:t>
-            </a:r>
-            <a:endParaRPr lang="en-US" altLang="ko-KR" sz="3600" dirty="0">
-              <a:solidFill>
-                <a:schemeClr val="bg1">
-                  <a:lumMod val="95000"/>
-                </a:schemeClr>
-              </a:solidFill>
-              <a:latin typeface="나눔바른고딕" panose="020B0603020101020101" pitchFamily="50" charset="-127"/>
-              <a:ea typeface="나눔바른고딕" panose="020B0603020101020101" pitchFamily="50" charset="-127"/>
-            </a:endParaRPr>
-          </a:p>
         </p:txBody>
       </p:sp>
     </p:spTree>
     <p:extLst>
       <p:ext uri="{BB962C8B-B14F-4D97-AF65-F5344CB8AC3E}">
-        <p14:creationId xmlns:p14="http://schemas.microsoft.com/office/powerpoint/2010/main" val="2562490533"/>
+        <p14:creationId xmlns:p14="http://schemas.microsoft.com/office/powerpoint/2010/main" val="2969003704"/>
       </p:ext>
     </p:extLst>
   </p:cSld>
@@ -3954,8 +5030,8 @@
         </p:nvSpPr>
         <p:spPr>
           <a:xfrm>
-            <a:off x="2833671" y="1855711"/>
-            <a:ext cx="4238661" cy="1754326"/>
+            <a:off x="1139296" y="1720840"/>
+            <a:ext cx="7627408" cy="3416320"/>
           </a:xfrm>
           <a:prstGeom prst="rect">
             <a:avLst/>
@@ -4018,7 +5094,253 @@
                 <a:latin typeface="나눔바른고딕" panose="020B0603020101020101" pitchFamily="50" charset="-127"/>
                 <a:ea typeface="나눔바른고딕" panose="020B0603020101020101" pitchFamily="50" charset="-127"/>
               </a:rPr>
-              <a:t>결과를 예측해 보세요</a:t>
+              <a:t>변수 </a:t>
+            </a:r>
+            <a:r>
+              <a:rPr lang="en-US" altLang="ko-KR" sz="3600" dirty="0">
+                <a:solidFill>
+                  <a:schemeClr val="accent6">
+                    <a:lumMod val="75000"/>
+                  </a:schemeClr>
+                </a:solidFill>
+                <a:latin typeface="나눔바른고딕" panose="020B0603020101020101" pitchFamily="50" charset="-127"/>
+                <a:ea typeface="나눔바른고딕" panose="020B0603020101020101" pitchFamily="50" charset="-127"/>
+              </a:rPr>
+              <a:t>x</a:t>
+            </a:r>
+            <a:r>
+              <a:rPr lang="en-US" altLang="ko-KR" sz="3600" dirty="0">
+                <a:solidFill>
+                  <a:schemeClr val="bg1">
+                    <a:lumMod val="95000"/>
+                  </a:schemeClr>
+                </a:solidFill>
+                <a:latin typeface="나눔바른고딕" panose="020B0603020101020101" pitchFamily="50" charset="-127"/>
+                <a:ea typeface="나눔바른고딕" panose="020B0603020101020101" pitchFamily="50" charset="-127"/>
+              </a:rPr>
+              <a:t> </a:t>
+            </a:r>
+            <a:r>
+              <a:rPr lang="ko-KR" altLang="en-US" sz="3600" dirty="0">
+                <a:solidFill>
+                  <a:schemeClr val="bg1">
+                    <a:lumMod val="95000"/>
+                  </a:schemeClr>
+                </a:solidFill>
+                <a:latin typeface="나눔바른고딕" panose="020B0603020101020101" pitchFamily="50" charset="-127"/>
+                <a:ea typeface="나눔바른고딕" panose="020B0603020101020101" pitchFamily="50" charset="-127"/>
+              </a:rPr>
+              <a:t>에는 </a:t>
+            </a:r>
+            <a:r>
+              <a:rPr lang="en-US" altLang="ko-KR" sz="3600" dirty="0">
+                <a:solidFill>
+                  <a:schemeClr val="bg1">
+                    <a:lumMod val="95000"/>
+                  </a:schemeClr>
+                </a:solidFill>
+                <a:latin typeface="나눔바른고딕" panose="020B0603020101020101" pitchFamily="50" charset="-127"/>
+                <a:ea typeface="나눔바른고딕" panose="020B0603020101020101" pitchFamily="50" charset="-127"/>
+              </a:rPr>
+              <a:t>“</a:t>
+            </a:r>
+            <a:r>
+              <a:rPr lang="en-US" altLang="ko-KR" sz="3600" dirty="0">
+                <a:solidFill>
+                  <a:schemeClr val="accent6">
+                    <a:lumMod val="75000"/>
+                  </a:schemeClr>
+                </a:solidFill>
+                <a:latin typeface="나눔바른고딕" panose="020B0603020101020101" pitchFamily="50" charset="-127"/>
+                <a:ea typeface="나눔바른고딕" panose="020B0603020101020101" pitchFamily="50" charset="-127"/>
+              </a:rPr>
+              <a:t>hello</a:t>
+            </a:r>
+            <a:r>
+              <a:rPr lang="en-US" altLang="ko-KR" sz="3600" dirty="0">
+                <a:solidFill>
+                  <a:schemeClr val="bg1">
+                    <a:lumMod val="95000"/>
+                  </a:schemeClr>
+                </a:solidFill>
+                <a:latin typeface="나눔바른고딕" panose="020B0603020101020101" pitchFamily="50" charset="-127"/>
+                <a:ea typeface="나눔바른고딕" panose="020B0603020101020101" pitchFamily="50" charset="-127"/>
+              </a:rPr>
+              <a:t>”, </a:t>
+            </a:r>
+          </a:p>
+          <a:p>
+            <a:pPr algn="ctr"/>
+            <a:r>
+              <a:rPr lang="ko-KR" altLang="en-US" sz="3600" dirty="0">
+                <a:solidFill>
+                  <a:schemeClr val="bg1">
+                    <a:lumMod val="95000"/>
+                  </a:schemeClr>
+                </a:solidFill>
+                <a:latin typeface="나눔바른고딕" panose="020B0603020101020101" pitchFamily="50" charset="-127"/>
+                <a:ea typeface="나눔바른고딕" panose="020B0603020101020101" pitchFamily="50" charset="-127"/>
+              </a:rPr>
+              <a:t>변수 </a:t>
+            </a:r>
+            <a:r>
+              <a:rPr lang="en-US" altLang="ko-KR" sz="3600" dirty="0">
+                <a:solidFill>
+                  <a:schemeClr val="accent6">
+                    <a:lumMod val="75000"/>
+                  </a:schemeClr>
+                </a:solidFill>
+                <a:latin typeface="나눔바른고딕" panose="020B0603020101020101" pitchFamily="50" charset="-127"/>
+                <a:ea typeface="나눔바른고딕" panose="020B0603020101020101" pitchFamily="50" charset="-127"/>
+              </a:rPr>
+              <a:t>y</a:t>
+            </a:r>
+            <a:r>
+              <a:rPr lang="en-US" altLang="ko-KR" sz="3600" dirty="0">
+                <a:solidFill>
+                  <a:schemeClr val="bg1">
+                    <a:lumMod val="95000"/>
+                  </a:schemeClr>
+                </a:solidFill>
+                <a:latin typeface="나눔바른고딕" panose="020B0603020101020101" pitchFamily="50" charset="-127"/>
+                <a:ea typeface="나눔바른고딕" panose="020B0603020101020101" pitchFamily="50" charset="-127"/>
+              </a:rPr>
+              <a:t> </a:t>
+            </a:r>
+            <a:r>
+              <a:rPr lang="ko-KR" altLang="en-US" sz="3600" dirty="0">
+                <a:solidFill>
+                  <a:schemeClr val="bg1">
+                    <a:lumMod val="95000"/>
+                  </a:schemeClr>
+                </a:solidFill>
+                <a:latin typeface="나눔바른고딕" panose="020B0603020101020101" pitchFamily="50" charset="-127"/>
+                <a:ea typeface="나눔바른고딕" panose="020B0603020101020101" pitchFamily="50" charset="-127"/>
+              </a:rPr>
+              <a:t>에는 </a:t>
+            </a:r>
+            <a:r>
+              <a:rPr lang="en-US" altLang="ko-KR" sz="3600" dirty="0">
+                <a:solidFill>
+                  <a:schemeClr val="bg1">
+                    <a:lumMod val="95000"/>
+                  </a:schemeClr>
+                </a:solidFill>
+                <a:latin typeface="나눔바른고딕" panose="020B0603020101020101" pitchFamily="50" charset="-127"/>
+                <a:ea typeface="나눔바른고딕" panose="020B0603020101020101" pitchFamily="50" charset="-127"/>
+              </a:rPr>
+              <a:t>“</a:t>
+            </a:r>
+            <a:r>
+              <a:rPr lang="en-US" altLang="ko-KR" sz="3600" dirty="0">
+                <a:solidFill>
+                  <a:schemeClr val="accent6">
+                    <a:lumMod val="75000"/>
+                  </a:schemeClr>
+                </a:solidFill>
+                <a:latin typeface="나눔바른고딕" panose="020B0603020101020101" pitchFamily="50" charset="-127"/>
+                <a:ea typeface="나눔바른고딕" panose="020B0603020101020101" pitchFamily="50" charset="-127"/>
+              </a:rPr>
+              <a:t>python</a:t>
+            </a:r>
+            <a:r>
+              <a:rPr lang="en-US" altLang="ko-KR" sz="3600" dirty="0">
+                <a:solidFill>
+                  <a:schemeClr val="bg1">
+                    <a:lumMod val="95000"/>
+                  </a:schemeClr>
+                </a:solidFill>
+                <a:latin typeface="나눔바른고딕" panose="020B0603020101020101" pitchFamily="50" charset="-127"/>
+                <a:ea typeface="나눔바른고딕" panose="020B0603020101020101" pitchFamily="50" charset="-127"/>
+              </a:rPr>
+              <a:t>”</a:t>
+            </a:r>
+            <a:r>
+              <a:rPr lang="ko-KR" altLang="en-US" sz="3600" dirty="0">
+                <a:solidFill>
+                  <a:schemeClr val="bg1">
+                    <a:lumMod val="95000"/>
+                  </a:schemeClr>
+                </a:solidFill>
+                <a:latin typeface="나눔바른고딕" panose="020B0603020101020101" pitchFamily="50" charset="-127"/>
+                <a:ea typeface="나눔바른고딕" panose="020B0603020101020101" pitchFamily="50" charset="-127"/>
+              </a:rPr>
+              <a:t>이 저장되어 있다</a:t>
+            </a:r>
+            <a:r>
+              <a:rPr lang="en-US" altLang="ko-KR" sz="3600" dirty="0">
+                <a:solidFill>
+                  <a:schemeClr val="bg1">
+                    <a:lumMod val="95000"/>
+                  </a:schemeClr>
+                </a:solidFill>
+                <a:latin typeface="나눔바른고딕" panose="020B0603020101020101" pitchFamily="50" charset="-127"/>
+                <a:ea typeface="나눔바른고딕" panose="020B0603020101020101" pitchFamily="50" charset="-127"/>
+              </a:rPr>
+              <a:t>. </a:t>
+            </a:r>
+          </a:p>
+          <a:p>
+            <a:pPr algn="ctr"/>
+            <a:r>
+              <a:rPr lang="ko-KR" altLang="en-US" sz="3600" dirty="0">
+                <a:solidFill>
+                  <a:schemeClr val="bg1">
+                    <a:lumMod val="95000"/>
+                  </a:schemeClr>
+                </a:solidFill>
+                <a:latin typeface="나눔바른고딕" panose="020B0603020101020101" pitchFamily="50" charset="-127"/>
+                <a:ea typeface="나눔바른고딕" panose="020B0603020101020101" pitchFamily="50" charset="-127"/>
+              </a:rPr>
+              <a:t>두 변수를 이용해서 </a:t>
+            </a:r>
+            <a:r>
+              <a:rPr lang="en-US" altLang="ko-KR" sz="3600" dirty="0">
+                <a:solidFill>
+                  <a:schemeClr val="bg1">
+                    <a:lumMod val="95000"/>
+                  </a:schemeClr>
+                </a:solidFill>
+                <a:latin typeface="나눔바른고딕" panose="020B0603020101020101" pitchFamily="50" charset="-127"/>
+                <a:ea typeface="나눔바른고딕" panose="020B0603020101020101" pitchFamily="50" charset="-127"/>
+              </a:rPr>
+              <a:t>“</a:t>
+            </a:r>
+            <a:r>
+              <a:rPr lang="en-US" altLang="ko-KR" sz="3600" dirty="0">
+                <a:solidFill>
+                  <a:schemeClr val="accent6">
+                    <a:lumMod val="75000"/>
+                  </a:schemeClr>
+                </a:solidFill>
+                <a:latin typeface="나눔바른고딕" panose="020B0603020101020101" pitchFamily="50" charset="-127"/>
+                <a:ea typeface="나눔바른고딕" panose="020B0603020101020101" pitchFamily="50" charset="-127"/>
+              </a:rPr>
+              <a:t>hello python!</a:t>
+            </a:r>
+            <a:r>
+              <a:rPr lang="en-US" altLang="ko-KR" sz="3600" dirty="0">
+                <a:solidFill>
+                  <a:schemeClr val="bg1">
+                    <a:lumMod val="95000"/>
+                  </a:schemeClr>
+                </a:solidFill>
+                <a:latin typeface="나눔바른고딕" panose="020B0603020101020101" pitchFamily="50" charset="-127"/>
+                <a:ea typeface="나눔바른고딕" panose="020B0603020101020101" pitchFamily="50" charset="-127"/>
+              </a:rPr>
+              <a:t>”</a:t>
+            </a:r>
+            <a:r>
+              <a:rPr lang="ko-KR" altLang="en-US" sz="3600" dirty="0">
+                <a:solidFill>
+                  <a:schemeClr val="bg1">
+                    <a:lumMod val="95000"/>
+                  </a:schemeClr>
+                </a:solidFill>
+                <a:latin typeface="나눔바른고딕" panose="020B0603020101020101" pitchFamily="50" charset="-127"/>
+                <a:ea typeface="나눔바른고딕" panose="020B0603020101020101" pitchFamily="50" charset="-127"/>
+              </a:rPr>
+              <a:t>을 </a:t>
             </a:r>
             <a:endParaRPr lang="en-US" altLang="ko-KR" sz="3600" dirty="0">
               <a:solidFill>
@@ -4030,12 +5352,39 @@
               <a:ea typeface="나눔바른고딕" panose="020B0603020101020101" pitchFamily="50" charset="-127"/>
             </a:endParaRPr>
           </a:p>
+          <a:p>
+            <a:pPr algn="ctr"/>
+            <a:r>
+              <a:rPr lang="ko-KR" altLang="en-US" sz="3600" dirty="0">
+                <a:solidFill>
+                  <a:schemeClr val="bg1">
+                    <a:lumMod val="95000"/>
+                  </a:schemeClr>
+                </a:solidFill>
+                <a:latin typeface="나눔바른고딕" panose="020B0603020101020101" pitchFamily="50" charset="-127"/>
+                <a:ea typeface="나눔바른고딕" panose="020B0603020101020101" pitchFamily="50" charset="-127"/>
+              </a:rPr>
+              <a:t>출력해 보세요</a:t>
+            </a:r>
+            <a:r>
+              <a:rPr lang="en-US" altLang="ko-KR" sz="3600" dirty="0">
+                <a:solidFill>
+                  <a:schemeClr val="bg1">
+                    <a:lumMod val="95000"/>
+                  </a:schemeClr>
+                </a:solidFill>
+                <a:latin typeface="나눔바른고딕" panose="020B0603020101020101" pitchFamily="50" charset="-127"/>
+                <a:ea typeface="나눔바른고딕" panose="020B0603020101020101" pitchFamily="50" charset="-127"/>
+              </a:rPr>
+              <a:t>.</a:t>
+            </a:r>
+          </a:p>
         </p:txBody>
       </p:sp>
     </p:spTree>
     <p:extLst>
       <p:ext uri="{BB962C8B-B14F-4D97-AF65-F5344CB8AC3E}">
-        <p14:creationId xmlns:p14="http://schemas.microsoft.com/office/powerpoint/2010/main" val="3422639784"/>
+        <p14:creationId xmlns:p14="http://schemas.microsoft.com/office/powerpoint/2010/main" val="1093719539"/>
       </p:ext>
     </p:extLst>
   </p:cSld>
@@ -4087,8 +5436,8 @@
         </p:nvSpPr>
         <p:spPr>
           <a:xfrm>
-            <a:off x="2833671" y="1855711"/>
-            <a:ext cx="4238661" cy="1754326"/>
+            <a:off x="1768474" y="2274838"/>
+            <a:ext cx="6369052" cy="2308324"/>
           </a:xfrm>
           <a:prstGeom prst="rect">
             <a:avLst/>
@@ -4124,7 +5473,7 @@
                 <a:latin typeface="나눔바른고딕" panose="020B0603020101020101" pitchFamily="50" charset="-127"/>
                 <a:ea typeface="나눔바른고딕" panose="020B0603020101020101" pitchFamily="50" charset="-127"/>
               </a:rPr>
-              <a:t>2</a:t>
+              <a:t>3</a:t>
             </a:r>
           </a:p>
           <a:p>
@@ -4151,7 +5500,31 @@
                 <a:latin typeface="나눔바른고딕" panose="020B0603020101020101" pitchFamily="50" charset="-127"/>
                 <a:ea typeface="나눔바른고딕" panose="020B0603020101020101" pitchFamily="50" charset="-127"/>
               </a:rPr>
-              <a:t>결과를 예측해 보세요</a:t>
+              <a:t>사용자로부터 </a:t>
+            </a:r>
+            <a:r>
+              <a:rPr lang="ko-KR" altLang="en-US" sz="3600" dirty="0">
+                <a:solidFill>
+                  <a:schemeClr val="accent6">
+                    <a:lumMod val="75000"/>
+                  </a:schemeClr>
+                </a:solidFill>
+                <a:latin typeface="나눔바른고딕" panose="020B0603020101020101" pitchFamily="50" charset="-127"/>
+                <a:ea typeface="나눔바른고딕" panose="020B0603020101020101" pitchFamily="50" charset="-127"/>
+              </a:rPr>
+              <a:t>두 숫자를 </a:t>
+            </a:r>
+            <a:r>
+              <a:rPr lang="ko-KR" altLang="en-US" sz="3600" dirty="0">
+                <a:solidFill>
+                  <a:schemeClr val="bg1">
+                    <a:lumMod val="95000"/>
+                  </a:schemeClr>
+                </a:solidFill>
+                <a:latin typeface="나눔바른고딕" panose="020B0603020101020101" pitchFamily="50" charset="-127"/>
+                <a:ea typeface="나눔바른고딕" panose="020B0603020101020101" pitchFamily="50" charset="-127"/>
+              </a:rPr>
+              <a:t>입력 받고</a:t>
             </a:r>
             <a:endParaRPr lang="en-US" altLang="ko-KR" sz="3600" dirty="0">
               <a:solidFill>
@@ -4163,509 +5536,54 @@
               <a:ea typeface="나눔바른고딕" panose="020B0603020101020101" pitchFamily="50" charset="-127"/>
             </a:endParaRPr>
           </a:p>
-        </p:txBody>
-      </p:sp>
-      <p:sp>
-        <p:nvSpPr>
-          <p:cNvPr id="3" name="직사각형 2">
-            <a:extLst>
-              <a:ext uri="{FF2B5EF4-FFF2-40B4-BE49-F238E27FC236}">
-                <a16:creationId xmlns:a16="http://schemas.microsoft.com/office/drawing/2014/main" id="{F0946D24-5B43-4AC9-B7DC-986AF43300EE}"/>
-              </a:ext>
-            </a:extLst>
-          </p:cNvPr>
-          <p:cNvSpPr/>
-          <p:nvPr/>
-        </p:nvSpPr>
-        <p:spPr>
-          <a:xfrm>
-            <a:off x="1281708" y="2828835"/>
-            <a:ext cx="7342584" cy="1200329"/>
-          </a:xfrm>
-          <a:prstGeom prst="rect">
-            <a:avLst/>
-          </a:prstGeom>
-          <a:solidFill>
-            <a:schemeClr val="tx1"/>
-          </a:solidFill>
-          <a:effectLst>
-            <a:outerShdw blurRad="50800" dist="38100" dir="2700000" algn="tl" rotWithShape="0">
-              <a:prstClr val="black">
-                <a:alpha val="40000"/>
-              </a:prstClr>
-            </a:outerShdw>
-            <a:softEdge rad="31750"/>
-          </a:effectLst>
-        </p:spPr>
-        <p:txBody>
-          <a:bodyPr wrap="square">
-            <a:spAutoFit/>
-          </a:bodyPr>
-          <a:lstStyle/>
-          <a:p>
-            <a:r>
-              <a:rPr lang="en-US" altLang="ko-KR" dirty="0">
-                <a:solidFill>
-                  <a:srgbClr val="DCDCAA"/>
-                </a:solidFill>
-                <a:latin typeface="Consolas" panose="020B0609020204030204" pitchFamily="49" charset="0"/>
-              </a:rPr>
-              <a:t>print</a:t>
-            </a:r>
-            <a:r>
-              <a:rPr lang="en-US" altLang="ko-KR" dirty="0">
-                <a:solidFill>
-                  <a:srgbClr val="D4D4D4"/>
-                </a:solidFill>
-                <a:latin typeface="Consolas" panose="020B0609020204030204" pitchFamily="49" charset="0"/>
-              </a:rPr>
-              <a:t>(</a:t>
-            </a:r>
-            <a:r>
-              <a:rPr lang="en-US" altLang="ko-KR" dirty="0">
-                <a:solidFill>
-                  <a:srgbClr val="B5CEA8"/>
-                </a:solidFill>
-                <a:latin typeface="Consolas" panose="020B0609020204030204" pitchFamily="49" charset="0"/>
-              </a:rPr>
-              <a:t>3</a:t>
-            </a:r>
-            <a:r>
-              <a:rPr lang="en-US" altLang="ko-KR" dirty="0">
-                <a:solidFill>
-                  <a:srgbClr val="D4D4D4"/>
-                </a:solidFill>
-                <a:latin typeface="Consolas" panose="020B0609020204030204" pitchFamily="49" charset="0"/>
-              </a:rPr>
-              <a:t> &lt; </a:t>
-            </a:r>
-            <a:r>
-              <a:rPr lang="en-US" altLang="ko-KR" dirty="0">
-                <a:solidFill>
-                  <a:srgbClr val="B5CEA8"/>
-                </a:solidFill>
-                <a:latin typeface="Consolas" panose="020B0609020204030204" pitchFamily="49" charset="0"/>
-              </a:rPr>
-              <a:t>6</a:t>
-            </a:r>
-            <a:r>
-              <a:rPr lang="en-US" altLang="ko-KR" dirty="0">
-                <a:solidFill>
-                  <a:srgbClr val="D4D4D4"/>
-                </a:solidFill>
-                <a:latin typeface="Consolas" panose="020B0609020204030204" pitchFamily="49" charset="0"/>
-              </a:rPr>
-              <a:t> </a:t>
-            </a:r>
-            <a:r>
-              <a:rPr lang="en-US" altLang="ko-KR" dirty="0">
-                <a:solidFill>
-                  <a:srgbClr val="C586C0"/>
-                </a:solidFill>
-                <a:latin typeface="Consolas" panose="020B0609020204030204" pitchFamily="49" charset="0"/>
-              </a:rPr>
-              <a:t>and</a:t>
-            </a:r>
-            <a:r>
-              <a:rPr lang="en-US" altLang="ko-KR" dirty="0">
-                <a:solidFill>
-                  <a:srgbClr val="D4D4D4"/>
-                </a:solidFill>
-                <a:latin typeface="Consolas" panose="020B0609020204030204" pitchFamily="49" charset="0"/>
-              </a:rPr>
-              <a:t> </a:t>
-            </a:r>
-            <a:r>
-              <a:rPr lang="en-US" altLang="ko-KR" dirty="0">
-                <a:solidFill>
-                  <a:srgbClr val="B5CEA8"/>
-                </a:solidFill>
-                <a:latin typeface="Consolas" panose="020B0609020204030204" pitchFamily="49" charset="0"/>
-              </a:rPr>
-              <a:t>10</a:t>
-            </a:r>
-            <a:r>
-              <a:rPr lang="en-US" altLang="ko-KR" dirty="0">
-                <a:solidFill>
-                  <a:srgbClr val="D4D4D4"/>
-                </a:solidFill>
-                <a:latin typeface="Consolas" panose="020B0609020204030204" pitchFamily="49" charset="0"/>
-              </a:rPr>
-              <a:t> &gt;= </a:t>
-            </a:r>
-            <a:r>
-              <a:rPr lang="en-US" altLang="ko-KR" dirty="0">
-                <a:solidFill>
-                  <a:srgbClr val="B5CEA8"/>
-                </a:solidFill>
-                <a:latin typeface="Consolas" panose="020B0609020204030204" pitchFamily="49" charset="0"/>
-              </a:rPr>
-              <a:t>7</a:t>
-            </a:r>
-            <a:r>
-              <a:rPr lang="en-US" altLang="ko-KR" dirty="0">
-                <a:solidFill>
-                  <a:srgbClr val="D4D4D4"/>
-                </a:solidFill>
-                <a:latin typeface="Consolas" panose="020B0609020204030204" pitchFamily="49" charset="0"/>
-              </a:rPr>
-              <a:t>)</a:t>
-            </a:r>
-          </a:p>
-          <a:p>
-            <a:r>
-              <a:rPr lang="en-US" altLang="ko-KR" dirty="0">
-                <a:solidFill>
-                  <a:srgbClr val="DCDCAA"/>
-                </a:solidFill>
-                <a:latin typeface="Consolas" panose="020B0609020204030204" pitchFamily="49" charset="0"/>
-              </a:rPr>
-              <a:t>print</a:t>
-            </a:r>
-            <a:r>
-              <a:rPr lang="en-US" altLang="ko-KR" dirty="0">
-                <a:solidFill>
-                  <a:srgbClr val="D4D4D4"/>
-                </a:solidFill>
-                <a:latin typeface="Consolas" panose="020B0609020204030204" pitchFamily="49" charset="0"/>
-              </a:rPr>
-              <a:t>(</a:t>
-            </a:r>
-            <a:r>
-              <a:rPr lang="en-US" altLang="ko-KR" dirty="0">
-                <a:solidFill>
-                  <a:srgbClr val="B5CEA8"/>
-                </a:solidFill>
-                <a:latin typeface="Consolas" panose="020B0609020204030204" pitchFamily="49" charset="0"/>
-              </a:rPr>
-              <a:t>1</a:t>
-            </a:r>
-            <a:r>
-              <a:rPr lang="en-US" altLang="ko-KR" dirty="0">
-                <a:solidFill>
-                  <a:srgbClr val="D4D4D4"/>
-                </a:solidFill>
-                <a:latin typeface="Consolas" panose="020B0609020204030204" pitchFamily="49" charset="0"/>
-              </a:rPr>
-              <a:t> == </a:t>
-            </a:r>
-            <a:r>
-              <a:rPr lang="en-US" altLang="ko-KR" dirty="0">
-                <a:solidFill>
-                  <a:srgbClr val="B5CEA8"/>
-                </a:solidFill>
-                <a:latin typeface="Consolas" panose="020B0609020204030204" pitchFamily="49" charset="0"/>
-              </a:rPr>
-              <a:t>1</a:t>
-            </a:r>
-            <a:r>
-              <a:rPr lang="en-US" altLang="ko-KR" dirty="0">
-                <a:solidFill>
-                  <a:srgbClr val="D4D4D4"/>
-                </a:solidFill>
-                <a:latin typeface="Consolas" panose="020B0609020204030204" pitchFamily="49" charset="0"/>
-              </a:rPr>
-              <a:t> </a:t>
-            </a:r>
-            <a:r>
-              <a:rPr lang="en-US" altLang="ko-KR" dirty="0">
-                <a:solidFill>
-                  <a:srgbClr val="C586C0"/>
-                </a:solidFill>
-                <a:latin typeface="Consolas" panose="020B0609020204030204" pitchFamily="49" charset="0"/>
-              </a:rPr>
-              <a:t>and</a:t>
-            </a:r>
-            <a:r>
-              <a:rPr lang="en-US" altLang="ko-KR" dirty="0">
-                <a:solidFill>
-                  <a:srgbClr val="D4D4D4"/>
-                </a:solidFill>
-                <a:latin typeface="Consolas" panose="020B0609020204030204" pitchFamily="49" charset="0"/>
-              </a:rPr>
-              <a:t> </a:t>
-            </a:r>
-            <a:r>
-              <a:rPr lang="en-US" altLang="ko-KR" dirty="0">
-                <a:solidFill>
-                  <a:srgbClr val="B5CEA8"/>
-                </a:solidFill>
-                <a:latin typeface="Consolas" panose="020B0609020204030204" pitchFamily="49" charset="0"/>
-              </a:rPr>
-              <a:t>4</a:t>
-            </a:r>
-            <a:r>
-              <a:rPr lang="en-US" altLang="ko-KR" dirty="0">
-                <a:solidFill>
-                  <a:srgbClr val="D4D4D4"/>
-                </a:solidFill>
-                <a:latin typeface="Consolas" panose="020B0609020204030204" pitchFamily="49" charset="0"/>
-              </a:rPr>
-              <a:t> &gt;= </a:t>
-            </a:r>
-            <a:r>
-              <a:rPr lang="en-US" altLang="ko-KR" dirty="0">
-                <a:solidFill>
-                  <a:srgbClr val="B5CEA8"/>
-                </a:solidFill>
-                <a:latin typeface="Consolas" panose="020B0609020204030204" pitchFamily="49" charset="0"/>
-              </a:rPr>
-              <a:t>7</a:t>
-            </a:r>
-            <a:r>
-              <a:rPr lang="en-US" altLang="ko-KR" dirty="0">
-                <a:solidFill>
-                  <a:srgbClr val="D4D4D4"/>
-                </a:solidFill>
-                <a:latin typeface="Consolas" panose="020B0609020204030204" pitchFamily="49" charset="0"/>
-              </a:rPr>
-              <a:t>)</a:t>
-            </a:r>
-          </a:p>
-          <a:p>
-            <a:r>
-              <a:rPr lang="en-US" altLang="ko-KR" dirty="0">
-                <a:solidFill>
-                  <a:srgbClr val="DCDCAA"/>
-                </a:solidFill>
-                <a:latin typeface="Consolas" panose="020B0609020204030204" pitchFamily="49" charset="0"/>
-              </a:rPr>
-              <a:t>print</a:t>
-            </a:r>
-            <a:r>
-              <a:rPr lang="en-US" altLang="ko-KR" dirty="0">
-                <a:solidFill>
-                  <a:srgbClr val="D4D4D4"/>
-                </a:solidFill>
-                <a:latin typeface="Consolas" panose="020B0609020204030204" pitchFamily="49" charset="0"/>
-              </a:rPr>
-              <a:t>(</a:t>
-            </a:r>
-            <a:r>
-              <a:rPr lang="en-US" altLang="ko-KR" dirty="0">
-                <a:solidFill>
-                  <a:srgbClr val="CE9178"/>
-                </a:solidFill>
-                <a:latin typeface="Consolas" panose="020B0609020204030204" pitchFamily="49" charset="0"/>
-              </a:rPr>
-              <a:t>"hello"</a:t>
-            </a:r>
-            <a:r>
-              <a:rPr lang="en-US" altLang="ko-KR" dirty="0">
-                <a:solidFill>
-                  <a:srgbClr val="D4D4D4"/>
-                </a:solidFill>
-                <a:latin typeface="Consolas" panose="020B0609020204030204" pitchFamily="49" charset="0"/>
-              </a:rPr>
-              <a:t> == </a:t>
-            </a:r>
-            <a:r>
-              <a:rPr lang="en-US" altLang="ko-KR" dirty="0">
-                <a:solidFill>
-                  <a:srgbClr val="CE9178"/>
-                </a:solidFill>
-                <a:latin typeface="Consolas" panose="020B0609020204030204" pitchFamily="49" charset="0"/>
-              </a:rPr>
-              <a:t>"hello"</a:t>
-            </a:r>
-            <a:r>
-              <a:rPr lang="en-US" altLang="ko-KR" dirty="0">
-                <a:solidFill>
-                  <a:srgbClr val="D4D4D4"/>
-                </a:solidFill>
-                <a:latin typeface="Consolas" panose="020B0609020204030204" pitchFamily="49" charset="0"/>
-              </a:rPr>
-              <a:t> </a:t>
-            </a:r>
-            <a:r>
-              <a:rPr lang="en-US" altLang="ko-KR" dirty="0">
-                <a:solidFill>
-                  <a:srgbClr val="C586C0"/>
-                </a:solidFill>
-                <a:latin typeface="Consolas" panose="020B0609020204030204" pitchFamily="49" charset="0"/>
-              </a:rPr>
-              <a:t>or</a:t>
-            </a:r>
-            <a:r>
-              <a:rPr lang="en-US" altLang="ko-KR" dirty="0">
-                <a:solidFill>
-                  <a:srgbClr val="D4D4D4"/>
-                </a:solidFill>
-                <a:latin typeface="Consolas" panose="020B0609020204030204" pitchFamily="49" charset="0"/>
-              </a:rPr>
-              <a:t> </a:t>
-            </a:r>
-            <a:r>
-              <a:rPr lang="en-US" altLang="ko-KR" dirty="0">
-                <a:solidFill>
-                  <a:srgbClr val="CE9178"/>
-                </a:solidFill>
-                <a:latin typeface="Consolas" panose="020B0609020204030204" pitchFamily="49" charset="0"/>
-              </a:rPr>
-              <a:t>"</a:t>
-            </a:r>
-            <a:r>
-              <a:rPr lang="en-US" altLang="ko-KR" dirty="0" err="1">
-                <a:solidFill>
-                  <a:srgbClr val="CE9178"/>
-                </a:solidFill>
-                <a:latin typeface="Consolas" panose="020B0609020204030204" pitchFamily="49" charset="0"/>
-              </a:rPr>
-              <a:t>santa</a:t>
-            </a:r>
-            <a:r>
-              <a:rPr lang="en-US" altLang="ko-KR" dirty="0">
-                <a:solidFill>
-                  <a:srgbClr val="CE9178"/>
-                </a:solidFill>
-                <a:latin typeface="Consolas" panose="020B0609020204030204" pitchFamily="49" charset="0"/>
-              </a:rPr>
-              <a:t>"</a:t>
-            </a:r>
-            <a:r>
-              <a:rPr lang="en-US" altLang="ko-KR" dirty="0">
-                <a:solidFill>
-                  <a:srgbClr val="D4D4D4"/>
-                </a:solidFill>
-                <a:latin typeface="Consolas" panose="020B0609020204030204" pitchFamily="49" charset="0"/>
-              </a:rPr>
-              <a:t> != </a:t>
-            </a:r>
-            <a:r>
-              <a:rPr lang="en-US" altLang="ko-KR" dirty="0">
-                <a:solidFill>
-                  <a:srgbClr val="CE9178"/>
-                </a:solidFill>
-                <a:latin typeface="Consolas" panose="020B0609020204030204" pitchFamily="49" charset="0"/>
-              </a:rPr>
-              <a:t>"</a:t>
-            </a:r>
-            <a:r>
-              <a:rPr lang="en-US" altLang="ko-KR" dirty="0" err="1">
-                <a:solidFill>
-                  <a:srgbClr val="CE9178"/>
-                </a:solidFill>
-                <a:latin typeface="Consolas" panose="020B0609020204030204" pitchFamily="49" charset="0"/>
-              </a:rPr>
-              <a:t>santa</a:t>
-            </a:r>
-            <a:r>
-              <a:rPr lang="en-US" altLang="ko-KR" dirty="0">
-                <a:solidFill>
-                  <a:srgbClr val="CE9178"/>
-                </a:solidFill>
-                <a:latin typeface="Consolas" panose="020B0609020204030204" pitchFamily="49" charset="0"/>
-              </a:rPr>
-              <a:t>"</a:t>
-            </a:r>
-            <a:r>
-              <a:rPr lang="en-US" altLang="ko-KR" dirty="0">
-                <a:solidFill>
-                  <a:srgbClr val="D4D4D4"/>
-                </a:solidFill>
-                <a:latin typeface="Consolas" panose="020B0609020204030204" pitchFamily="49" charset="0"/>
-              </a:rPr>
-              <a:t>)</a:t>
-            </a:r>
-          </a:p>
-          <a:p>
-            <a:r>
-              <a:rPr lang="en-US" altLang="ko-KR" dirty="0">
-                <a:solidFill>
-                  <a:srgbClr val="DCDCAA"/>
-                </a:solidFill>
-                <a:latin typeface="Consolas" panose="020B0609020204030204" pitchFamily="49" charset="0"/>
-              </a:rPr>
-              <a:t>print</a:t>
-            </a:r>
-            <a:r>
-              <a:rPr lang="en-US" altLang="ko-KR" dirty="0">
-                <a:solidFill>
-                  <a:srgbClr val="D4D4D4"/>
-                </a:solidFill>
-                <a:latin typeface="Consolas" panose="020B0609020204030204" pitchFamily="49" charset="0"/>
-              </a:rPr>
-              <a:t>(</a:t>
-            </a:r>
-            <a:r>
-              <a:rPr lang="en-US" altLang="ko-KR" dirty="0">
-                <a:solidFill>
-                  <a:srgbClr val="C586C0"/>
-                </a:solidFill>
-                <a:latin typeface="Consolas" panose="020B0609020204030204" pitchFamily="49" charset="0"/>
-              </a:rPr>
-              <a:t>not</a:t>
-            </a:r>
-            <a:r>
-              <a:rPr lang="en-US" altLang="ko-KR" dirty="0">
-                <a:solidFill>
-                  <a:srgbClr val="D4D4D4"/>
-                </a:solidFill>
-                <a:latin typeface="Consolas" panose="020B0609020204030204" pitchFamily="49" charset="0"/>
-              </a:rPr>
-              <a:t> </a:t>
-            </a:r>
-            <a:r>
-              <a:rPr lang="en-US" altLang="ko-KR" dirty="0">
-                <a:solidFill>
-                  <a:srgbClr val="B5CEA8"/>
-                </a:solidFill>
-                <a:latin typeface="Consolas" panose="020B0609020204030204" pitchFamily="49" charset="0"/>
-              </a:rPr>
-              <a:t>1</a:t>
-            </a:r>
-            <a:r>
-              <a:rPr lang="en-US" altLang="ko-KR" dirty="0">
-                <a:solidFill>
-                  <a:srgbClr val="D4D4D4"/>
-                </a:solidFill>
-                <a:latin typeface="Consolas" panose="020B0609020204030204" pitchFamily="49" charset="0"/>
-              </a:rPr>
-              <a:t> == </a:t>
-            </a:r>
-            <a:r>
-              <a:rPr lang="en-US" altLang="ko-KR" dirty="0">
-                <a:solidFill>
-                  <a:srgbClr val="B5CEA8"/>
-                </a:solidFill>
-                <a:latin typeface="Consolas" panose="020B0609020204030204" pitchFamily="49" charset="0"/>
-              </a:rPr>
-              <a:t>2</a:t>
-            </a:r>
-            <a:r>
-              <a:rPr lang="en-US" altLang="ko-KR" dirty="0">
-                <a:solidFill>
-                  <a:srgbClr val="D4D4D4"/>
-                </a:solidFill>
-                <a:latin typeface="Consolas" panose="020B0609020204030204" pitchFamily="49" charset="0"/>
-              </a:rPr>
-              <a:t>)</a:t>
-            </a:r>
+          <a:p>
+            <a:pPr algn="ctr"/>
+            <a:r>
+              <a:rPr lang="ko-KR" altLang="en-US" sz="3600" dirty="0">
+                <a:solidFill>
+                  <a:schemeClr val="accent6">
+                    <a:lumMod val="75000"/>
+                  </a:schemeClr>
+                </a:solidFill>
+                <a:latin typeface="나눔바른고딕" panose="020B0603020101020101" pitchFamily="50" charset="-127"/>
+                <a:ea typeface="나눔바른고딕" panose="020B0603020101020101" pitchFamily="50" charset="-127"/>
+              </a:rPr>
+              <a:t>곱한</a:t>
+            </a:r>
+            <a:r>
+              <a:rPr lang="ko-KR" altLang="en-US" sz="3600" dirty="0">
+                <a:solidFill>
+                  <a:schemeClr val="bg1">
+                    <a:lumMod val="95000"/>
+                  </a:schemeClr>
+                </a:solidFill>
+                <a:latin typeface="나눔바른고딕" panose="020B0603020101020101" pitchFamily="50" charset="-127"/>
+                <a:ea typeface="나눔바른고딕" panose="020B0603020101020101" pitchFamily="50" charset="-127"/>
+              </a:rPr>
+              <a:t> 결과를 출력하기</a:t>
+            </a:r>
+            <a:endParaRPr lang="en-US" altLang="ko-KR" sz="3600" dirty="0">
+              <a:solidFill>
+                <a:schemeClr val="bg1">
+                  <a:lumMod val="95000"/>
+                </a:schemeClr>
+              </a:solidFill>
+              <a:latin typeface="나눔바른고딕" panose="020B0603020101020101" pitchFamily="50" charset="-127"/>
+              <a:ea typeface="나눔바른고딕" panose="020B0603020101020101" pitchFamily="50" charset="-127"/>
+            </a:endParaRPr>
           </a:p>
         </p:txBody>
       </p:sp>
     </p:spTree>
     <p:extLst>
       <p:ext uri="{BB962C8B-B14F-4D97-AF65-F5344CB8AC3E}">
-        <p14:creationId xmlns:p14="http://schemas.microsoft.com/office/powerpoint/2010/main" val="444584798"/>
+        <p14:creationId xmlns:p14="http://schemas.microsoft.com/office/powerpoint/2010/main" val="2562490533"/>
       </p:ext>
     </p:extLst>
   </p:cSld>
   <p:clrMapOvr>
     <a:masterClrMapping/>
   </p:clrMapOvr>
-  <mc:AlternateContent xmlns:mc="http://schemas.openxmlformats.org/markup-compatibility/2006">
-    <mc:Choice xmlns:p159="http://schemas.microsoft.com/office/powerpoint/2015/09/main" Requires="p159">
-      <p:transition xmlns:p14="http://schemas.microsoft.com/office/powerpoint/2010/main" spd="slow" p14:dur="2000">
-        <p159:morph option="byObject"/>
-      </p:transition>
-    </mc:Choice>
-    <mc:Fallback>
-      <p:transition spd="slow">
-        <p:fade/>
-      </p:transition>
-    </mc:Fallback>
-  </mc:AlternateContent>
 </p:sld>
 </file>
 
@@ -4711,8 +5629,8 @@
         </p:nvSpPr>
         <p:spPr>
           <a:xfrm>
-            <a:off x="1844617" y="797511"/>
-            <a:ext cx="6216766" cy="5262979"/>
+            <a:off x="2833671" y="1855711"/>
+            <a:ext cx="4238661" cy="1754326"/>
           </a:xfrm>
           <a:prstGeom prst="rect">
             <a:avLst/>
@@ -4748,7 +5666,7 @@
                 <a:latin typeface="나눔바른고딕" panose="020B0603020101020101" pitchFamily="50" charset="-127"/>
                 <a:ea typeface="나눔바른고딕" panose="020B0603020101020101" pitchFamily="50" charset="-127"/>
               </a:rPr>
-              <a:t>3</a:t>
+              <a:t>4</a:t>
             </a:r>
           </a:p>
           <a:p>
@@ -4766,7 +5684,7 @@
           <a:p>
             <a:pPr algn="ctr"/>
             <a:r>
-              <a:rPr lang="ko-KR" altLang="en-US" sz="2400" dirty="0">
+              <a:rPr lang="ko-KR" altLang="en-US" sz="3600" dirty="0">
                 <a:solidFill>
                   <a:schemeClr val="bg1">
                     <a:lumMod val="95000"/>
@@ -4775,51 +5693,9 @@
                 <a:latin typeface="나눔바른고딕" panose="020B0603020101020101" pitchFamily="50" charset="-127"/>
                 <a:ea typeface="나눔바른고딕" panose="020B0603020101020101" pitchFamily="50" charset="-127"/>
               </a:rPr>
-              <a:t>사용자로부터 삼성전자의 </a:t>
-            </a:r>
-            <a:r>
-              <a:rPr lang="ko-KR" altLang="en-US" sz="2400" dirty="0">
-                <a:solidFill>
-                  <a:schemeClr val="accent6">
-                    <a:lumMod val="75000"/>
-                  </a:schemeClr>
-                </a:solidFill>
-                <a:latin typeface="나눔바른고딕" panose="020B0603020101020101" pitchFamily="50" charset="-127"/>
-                <a:ea typeface="나눔바른고딕" panose="020B0603020101020101" pitchFamily="50" charset="-127"/>
-              </a:rPr>
-              <a:t>현재가격을 입력 받는다</a:t>
-            </a:r>
-          </a:p>
-          <a:p>
-            <a:pPr algn="ctr"/>
-            <a:r>
-              <a:rPr lang="ko-KR" altLang="en-US" sz="2400" dirty="0">
-                <a:solidFill>
-                  <a:schemeClr val="bg1">
-                    <a:lumMod val="95000"/>
-                  </a:schemeClr>
-                </a:solidFill>
-                <a:latin typeface="나눔바른고딕" panose="020B0603020101020101" pitchFamily="50" charset="-127"/>
-                <a:ea typeface="나눔바른고딕" panose="020B0603020101020101" pitchFamily="50" charset="-127"/>
-              </a:rPr>
-              <a:t>조건에 따라 출력되는 문장을 작성한다</a:t>
-            </a:r>
-            <a:r>
-              <a:rPr lang="en-US" altLang="ko-KR" sz="2400" dirty="0">
-                <a:solidFill>
-                  <a:schemeClr val="bg1">
-                    <a:lumMod val="95000"/>
-                  </a:schemeClr>
-                </a:solidFill>
-                <a:latin typeface="나눔바른고딕" panose="020B0603020101020101" pitchFamily="50" charset="-127"/>
-                <a:ea typeface="나눔바른고딕" panose="020B0603020101020101" pitchFamily="50" charset="-127"/>
-              </a:rPr>
-              <a:t>.</a:t>
-            </a:r>
-          </a:p>
-          <a:p>
-            <a:pPr algn="ctr"/>
-            <a:endParaRPr lang="en-US" altLang="ko-KR" sz="2400" dirty="0">
+              <a:t>결과를 예측해 보세요</a:t>
+            </a:r>
+            <a:endParaRPr lang="en-US" altLang="ko-KR" sz="3600" dirty="0">
               <a:solidFill>
                 <a:schemeClr val="bg1">
                   <a:lumMod val="95000"/>
@@ -4829,438 +5705,12 @@
               <a:ea typeface="나눔바른고딕" panose="020B0603020101020101" pitchFamily="50" charset="-127"/>
             </a:endParaRPr>
           </a:p>
-          <a:p>
-            <a:pPr algn="ctr"/>
-            <a:r>
-              <a:rPr lang="en-US" altLang="ko-KR" sz="2400" dirty="0">
-                <a:solidFill>
-                  <a:schemeClr val="bg1">
-                    <a:lumMod val="95000"/>
-                  </a:schemeClr>
-                </a:solidFill>
-                <a:latin typeface="나눔바른고딕" panose="020B0603020101020101" pitchFamily="50" charset="-127"/>
-                <a:ea typeface="나눔바른고딕" panose="020B0603020101020101" pitchFamily="50" charset="-127"/>
-              </a:rPr>
-              <a:t>1.</a:t>
-            </a:r>
-            <a:r>
-              <a:rPr lang="ko-KR" altLang="en-US" sz="2400" dirty="0">
-                <a:solidFill>
-                  <a:schemeClr val="bg1">
-                    <a:lumMod val="95000"/>
-                  </a:schemeClr>
-                </a:solidFill>
-                <a:latin typeface="나눔바른고딕" panose="020B0603020101020101" pitchFamily="50" charset="-127"/>
-                <a:ea typeface="나눔바른고딕" panose="020B0603020101020101" pitchFamily="50" charset="-127"/>
-              </a:rPr>
-              <a:t>현재가격이 </a:t>
-            </a:r>
-            <a:r>
-              <a:rPr lang="en-US" altLang="ko-KR" sz="2400" dirty="0">
-                <a:solidFill>
-                  <a:schemeClr val="accent6">
-                    <a:lumMod val="75000"/>
-                  </a:schemeClr>
-                </a:solidFill>
-                <a:latin typeface="나눔바른고딕" panose="020B0603020101020101" pitchFamily="50" charset="-127"/>
-                <a:ea typeface="나눔바른고딕" panose="020B0603020101020101" pitchFamily="50" charset="-127"/>
-              </a:rPr>
-              <a:t>7</a:t>
-            </a:r>
-            <a:r>
-              <a:rPr lang="ko-KR" altLang="en-US" sz="2400" dirty="0">
-                <a:solidFill>
-                  <a:schemeClr val="accent6">
-                    <a:lumMod val="75000"/>
-                  </a:schemeClr>
-                </a:solidFill>
-                <a:latin typeface="나눔바른고딕" panose="020B0603020101020101" pitchFamily="50" charset="-127"/>
-                <a:ea typeface="나눔바른고딕" panose="020B0603020101020101" pitchFamily="50" charset="-127"/>
-              </a:rPr>
-              <a:t>만원 이상 </a:t>
-            </a:r>
-            <a:r>
-              <a:rPr lang="ko-KR" altLang="en-US" sz="2400" dirty="0">
-                <a:solidFill>
-                  <a:schemeClr val="bg1">
-                    <a:lumMod val="95000"/>
-                  </a:schemeClr>
-                </a:solidFill>
-                <a:latin typeface="나눔바른고딕" panose="020B0603020101020101" pitchFamily="50" charset="-127"/>
-                <a:ea typeface="나눔바른고딕" panose="020B0603020101020101" pitchFamily="50" charset="-127"/>
-              </a:rPr>
-              <a:t>이면</a:t>
-            </a:r>
-          </a:p>
-          <a:p>
-            <a:pPr algn="ctr"/>
-            <a:r>
-              <a:rPr lang="en-US" altLang="ko-KR" sz="2400" dirty="0">
-                <a:solidFill>
-                  <a:schemeClr val="bg1">
-                    <a:lumMod val="95000"/>
-                  </a:schemeClr>
-                </a:solidFill>
-                <a:latin typeface="나눔바른고딕" panose="020B0603020101020101" pitchFamily="50" charset="-127"/>
-                <a:ea typeface="나눔바른고딕" panose="020B0603020101020101" pitchFamily="50" charset="-127"/>
-              </a:rPr>
-              <a:t>-&gt; </a:t>
-            </a:r>
-            <a:r>
-              <a:rPr lang="en-US" altLang="ko-KR" sz="2400" dirty="0">
-                <a:solidFill>
-                  <a:schemeClr val="accent6">
-                    <a:lumMod val="75000"/>
-                  </a:schemeClr>
-                </a:solidFill>
-                <a:latin typeface="나눔바른고딕" panose="020B0603020101020101" pitchFamily="50" charset="-127"/>
-                <a:ea typeface="나눔바른고딕" panose="020B0603020101020101" pitchFamily="50" charset="-127"/>
-              </a:rPr>
-              <a:t>"</a:t>
-            </a:r>
-            <a:r>
-              <a:rPr lang="ko-KR" altLang="en-US" sz="2400" dirty="0">
-                <a:solidFill>
-                  <a:schemeClr val="accent6">
-                    <a:lumMod val="75000"/>
-                  </a:schemeClr>
-                </a:solidFill>
-                <a:latin typeface="나눔바른고딕" panose="020B0603020101020101" pitchFamily="50" charset="-127"/>
-                <a:ea typeface="나눔바른고딕" panose="020B0603020101020101" pitchFamily="50" charset="-127"/>
-              </a:rPr>
-              <a:t>매도 합니다</a:t>
-            </a:r>
-            <a:r>
-              <a:rPr lang="en-US" altLang="ko-KR" sz="2400" dirty="0">
-                <a:solidFill>
-                  <a:schemeClr val="accent6">
-                    <a:lumMod val="75000"/>
-                  </a:schemeClr>
-                </a:solidFill>
-                <a:latin typeface="나눔바른고딕" panose="020B0603020101020101" pitchFamily="50" charset="-127"/>
-                <a:ea typeface="나눔바른고딕" panose="020B0603020101020101" pitchFamily="50" charset="-127"/>
-              </a:rPr>
-              <a:t>" </a:t>
-            </a:r>
-            <a:r>
-              <a:rPr lang="ko-KR" altLang="en-US" sz="2400" dirty="0">
-                <a:solidFill>
-                  <a:schemeClr val="bg1">
-                    <a:lumMod val="95000"/>
-                  </a:schemeClr>
-                </a:solidFill>
-                <a:latin typeface="나눔바른고딕" panose="020B0603020101020101" pitchFamily="50" charset="-127"/>
-                <a:ea typeface="나눔바른고딕" panose="020B0603020101020101" pitchFamily="50" charset="-127"/>
-              </a:rPr>
-              <a:t>출력</a:t>
-            </a:r>
-          </a:p>
-          <a:p>
-            <a:pPr algn="ctr"/>
-            <a:endParaRPr lang="ko-KR" altLang="en-US" sz="2400" dirty="0">
-              <a:solidFill>
-                <a:schemeClr val="bg1">
-                  <a:lumMod val="95000"/>
-                </a:schemeClr>
-              </a:solidFill>
-              <a:latin typeface="나눔바른고딕" panose="020B0603020101020101" pitchFamily="50" charset="-127"/>
-              <a:ea typeface="나눔바른고딕" panose="020B0603020101020101" pitchFamily="50" charset="-127"/>
-            </a:endParaRPr>
-          </a:p>
-          <a:p>
-            <a:pPr algn="ctr"/>
-            <a:r>
-              <a:rPr lang="en-US" altLang="ko-KR" sz="2400" dirty="0">
-                <a:solidFill>
-                  <a:schemeClr val="bg1">
-                    <a:lumMod val="95000"/>
-                  </a:schemeClr>
-                </a:solidFill>
-                <a:latin typeface="나눔바른고딕" panose="020B0603020101020101" pitchFamily="50" charset="-127"/>
-                <a:ea typeface="나눔바른고딕" panose="020B0603020101020101" pitchFamily="50" charset="-127"/>
-              </a:rPr>
-              <a:t>2.</a:t>
-            </a:r>
-            <a:r>
-              <a:rPr lang="ko-KR" altLang="en-US" sz="2400" dirty="0">
-                <a:solidFill>
-                  <a:schemeClr val="bg1">
-                    <a:lumMod val="95000"/>
-                  </a:schemeClr>
-                </a:solidFill>
-                <a:latin typeface="나눔바른고딕" panose="020B0603020101020101" pitchFamily="50" charset="-127"/>
-                <a:ea typeface="나눔바른고딕" panose="020B0603020101020101" pitchFamily="50" charset="-127"/>
-              </a:rPr>
-              <a:t>현재가격이 </a:t>
-            </a:r>
-            <a:r>
-              <a:rPr lang="en-US" altLang="ko-KR" sz="2400" dirty="0">
-                <a:solidFill>
-                  <a:schemeClr val="accent6">
-                    <a:lumMod val="75000"/>
-                  </a:schemeClr>
-                </a:solidFill>
-                <a:latin typeface="나눔바른고딕" panose="020B0603020101020101" pitchFamily="50" charset="-127"/>
-                <a:ea typeface="나눔바른고딕" panose="020B0603020101020101" pitchFamily="50" charset="-127"/>
-              </a:rPr>
-              <a:t>6</a:t>
-            </a:r>
-            <a:r>
-              <a:rPr lang="ko-KR" altLang="en-US" sz="2400" dirty="0">
-                <a:solidFill>
-                  <a:schemeClr val="accent6">
-                    <a:lumMod val="75000"/>
-                  </a:schemeClr>
-                </a:solidFill>
-                <a:latin typeface="나눔바른고딕" panose="020B0603020101020101" pitchFamily="50" charset="-127"/>
-                <a:ea typeface="나눔바른고딕" panose="020B0603020101020101" pitchFamily="50" charset="-127"/>
-              </a:rPr>
-              <a:t>만원이상 </a:t>
-            </a:r>
-            <a:r>
-              <a:rPr lang="en-US" altLang="ko-KR" sz="2400" dirty="0">
-                <a:solidFill>
-                  <a:schemeClr val="accent6">
-                    <a:lumMod val="75000"/>
-                  </a:schemeClr>
-                </a:solidFill>
-                <a:latin typeface="나눔바른고딕" panose="020B0603020101020101" pitchFamily="50" charset="-127"/>
-                <a:ea typeface="나눔바른고딕" panose="020B0603020101020101" pitchFamily="50" charset="-127"/>
-              </a:rPr>
-              <a:t>7</a:t>
-            </a:r>
-            <a:r>
-              <a:rPr lang="ko-KR" altLang="en-US" sz="2400" dirty="0">
-                <a:solidFill>
-                  <a:schemeClr val="accent6">
-                    <a:lumMod val="75000"/>
-                  </a:schemeClr>
-                </a:solidFill>
-                <a:latin typeface="나눔바른고딕" panose="020B0603020101020101" pitchFamily="50" charset="-127"/>
-                <a:ea typeface="나눔바른고딕" panose="020B0603020101020101" pitchFamily="50" charset="-127"/>
-              </a:rPr>
-              <a:t>만원미만 </a:t>
-            </a:r>
-            <a:r>
-              <a:rPr lang="ko-KR" altLang="en-US" sz="2400" dirty="0">
-                <a:solidFill>
-                  <a:schemeClr val="bg1">
-                    <a:lumMod val="95000"/>
-                  </a:schemeClr>
-                </a:solidFill>
-                <a:latin typeface="나눔바른고딕" panose="020B0603020101020101" pitchFamily="50" charset="-127"/>
-                <a:ea typeface="나눔바른고딕" panose="020B0603020101020101" pitchFamily="50" charset="-127"/>
-              </a:rPr>
-              <a:t>이면</a:t>
-            </a:r>
-          </a:p>
-          <a:p>
-            <a:pPr algn="ctr"/>
-            <a:r>
-              <a:rPr lang="en-US" altLang="ko-KR" sz="2400" dirty="0">
-                <a:solidFill>
-                  <a:schemeClr val="bg1">
-                    <a:lumMod val="95000"/>
-                  </a:schemeClr>
-                </a:solidFill>
-                <a:latin typeface="나눔바른고딕" panose="020B0603020101020101" pitchFamily="50" charset="-127"/>
-                <a:ea typeface="나눔바른고딕" panose="020B0603020101020101" pitchFamily="50" charset="-127"/>
-              </a:rPr>
-              <a:t>-&gt; </a:t>
-            </a:r>
-            <a:r>
-              <a:rPr lang="en-US" altLang="ko-KR" sz="2400" dirty="0">
-                <a:solidFill>
-                  <a:schemeClr val="accent6">
-                    <a:lumMod val="75000"/>
-                  </a:schemeClr>
-                </a:solidFill>
-                <a:latin typeface="나눔바른고딕" panose="020B0603020101020101" pitchFamily="50" charset="-127"/>
-                <a:ea typeface="나눔바른고딕" panose="020B0603020101020101" pitchFamily="50" charset="-127"/>
-              </a:rPr>
-              <a:t>"</a:t>
-            </a:r>
-            <a:r>
-              <a:rPr lang="ko-KR" altLang="en-US" sz="2400" dirty="0">
-                <a:solidFill>
-                  <a:schemeClr val="accent6">
-                    <a:lumMod val="75000"/>
-                  </a:schemeClr>
-                </a:solidFill>
-                <a:latin typeface="나눔바른고딕" panose="020B0603020101020101" pitchFamily="50" charset="-127"/>
-                <a:ea typeface="나눔바른고딕" panose="020B0603020101020101" pitchFamily="50" charset="-127"/>
-              </a:rPr>
-              <a:t>대기중 입니다</a:t>
-            </a:r>
-            <a:r>
-              <a:rPr lang="en-US" altLang="ko-KR" sz="2400" dirty="0">
-                <a:solidFill>
-                  <a:schemeClr val="accent6">
-                    <a:lumMod val="75000"/>
-                  </a:schemeClr>
-                </a:solidFill>
-                <a:latin typeface="나눔바른고딕" panose="020B0603020101020101" pitchFamily="50" charset="-127"/>
-                <a:ea typeface="나눔바른고딕" panose="020B0603020101020101" pitchFamily="50" charset="-127"/>
-              </a:rPr>
-              <a:t>" </a:t>
-            </a:r>
-            <a:r>
-              <a:rPr lang="ko-KR" altLang="en-US" sz="2400" dirty="0">
-                <a:solidFill>
-                  <a:schemeClr val="bg1">
-                    <a:lumMod val="95000"/>
-                  </a:schemeClr>
-                </a:solidFill>
-                <a:latin typeface="나눔바른고딕" panose="020B0603020101020101" pitchFamily="50" charset="-127"/>
-                <a:ea typeface="나눔바른고딕" panose="020B0603020101020101" pitchFamily="50" charset="-127"/>
-              </a:rPr>
-              <a:t>출력</a:t>
-            </a:r>
-          </a:p>
-          <a:p>
-            <a:pPr algn="ctr"/>
-            <a:endParaRPr lang="ko-KR" altLang="en-US" sz="2400" dirty="0">
-              <a:solidFill>
-                <a:schemeClr val="bg1">
-                  <a:lumMod val="95000"/>
-                </a:schemeClr>
-              </a:solidFill>
-              <a:latin typeface="나눔바른고딕" panose="020B0603020101020101" pitchFamily="50" charset="-127"/>
-              <a:ea typeface="나눔바른고딕" panose="020B0603020101020101" pitchFamily="50" charset="-127"/>
-            </a:endParaRPr>
-          </a:p>
-          <a:p>
-            <a:pPr algn="ctr"/>
-            <a:r>
-              <a:rPr lang="en-US" altLang="ko-KR" sz="2400" dirty="0">
-                <a:solidFill>
-                  <a:schemeClr val="bg1">
-                    <a:lumMod val="95000"/>
-                  </a:schemeClr>
-                </a:solidFill>
-                <a:latin typeface="나눔바른고딕" panose="020B0603020101020101" pitchFamily="50" charset="-127"/>
-                <a:ea typeface="나눔바른고딕" panose="020B0603020101020101" pitchFamily="50" charset="-127"/>
-              </a:rPr>
-              <a:t>3. </a:t>
-            </a:r>
-            <a:r>
-              <a:rPr lang="ko-KR" altLang="en-US" sz="2400" dirty="0">
-                <a:solidFill>
-                  <a:schemeClr val="bg1">
-                    <a:lumMod val="95000"/>
-                  </a:schemeClr>
-                </a:solidFill>
-                <a:latin typeface="나눔바른고딕" panose="020B0603020101020101" pitchFamily="50" charset="-127"/>
-                <a:ea typeface="나눔바른고딕" panose="020B0603020101020101" pitchFamily="50" charset="-127"/>
-              </a:rPr>
-              <a:t>현재가격이 </a:t>
-            </a:r>
-            <a:r>
-              <a:rPr lang="en-US" altLang="ko-KR" sz="2400" dirty="0">
-                <a:solidFill>
-                  <a:schemeClr val="accent6">
-                    <a:lumMod val="75000"/>
-                  </a:schemeClr>
-                </a:solidFill>
-                <a:latin typeface="나눔바른고딕" panose="020B0603020101020101" pitchFamily="50" charset="-127"/>
-                <a:ea typeface="나눔바른고딕" panose="020B0603020101020101" pitchFamily="50" charset="-127"/>
-              </a:rPr>
-              <a:t>6</a:t>
-            </a:r>
-            <a:r>
-              <a:rPr lang="ko-KR" altLang="en-US" sz="2400" dirty="0">
-                <a:solidFill>
-                  <a:schemeClr val="accent6">
-                    <a:lumMod val="75000"/>
-                  </a:schemeClr>
-                </a:solidFill>
-                <a:latin typeface="나눔바른고딕" panose="020B0603020101020101" pitchFamily="50" charset="-127"/>
-                <a:ea typeface="나눔바른고딕" panose="020B0603020101020101" pitchFamily="50" charset="-127"/>
-              </a:rPr>
-              <a:t>만원 미만 </a:t>
-            </a:r>
-            <a:r>
-              <a:rPr lang="ko-KR" altLang="en-US" sz="2400" dirty="0">
-                <a:solidFill>
-                  <a:schemeClr val="bg1">
-                    <a:lumMod val="95000"/>
-                  </a:schemeClr>
-                </a:solidFill>
-                <a:latin typeface="나눔바른고딕" panose="020B0603020101020101" pitchFamily="50" charset="-127"/>
-                <a:ea typeface="나눔바른고딕" panose="020B0603020101020101" pitchFamily="50" charset="-127"/>
-              </a:rPr>
-              <a:t>이면</a:t>
-            </a:r>
-          </a:p>
-          <a:p>
-            <a:pPr algn="ctr"/>
-            <a:r>
-              <a:rPr lang="en-US" altLang="ko-KR" sz="2400" dirty="0">
-                <a:solidFill>
-                  <a:schemeClr val="bg1">
-                    <a:lumMod val="95000"/>
-                  </a:schemeClr>
-                </a:solidFill>
-                <a:latin typeface="나눔바른고딕" panose="020B0603020101020101" pitchFamily="50" charset="-127"/>
-                <a:ea typeface="나눔바른고딕" panose="020B0603020101020101" pitchFamily="50" charset="-127"/>
-              </a:rPr>
-              <a:t>-&gt; </a:t>
-            </a:r>
-            <a:r>
-              <a:rPr lang="en-US" altLang="ko-KR" sz="2400" dirty="0">
-                <a:solidFill>
-                  <a:schemeClr val="accent6">
-                    <a:lumMod val="75000"/>
-                  </a:schemeClr>
-                </a:solidFill>
-                <a:latin typeface="나눔바른고딕" panose="020B0603020101020101" pitchFamily="50" charset="-127"/>
-                <a:ea typeface="나눔바른고딕" panose="020B0603020101020101" pitchFamily="50" charset="-127"/>
-              </a:rPr>
-              <a:t>"</a:t>
-            </a:r>
-            <a:r>
-              <a:rPr lang="ko-KR" altLang="en-US" sz="2400" dirty="0">
-                <a:solidFill>
-                  <a:schemeClr val="accent6">
-                    <a:lumMod val="75000"/>
-                  </a:schemeClr>
-                </a:solidFill>
-                <a:latin typeface="나눔바른고딕" panose="020B0603020101020101" pitchFamily="50" charset="-127"/>
-                <a:ea typeface="나눔바른고딕" panose="020B0603020101020101" pitchFamily="50" charset="-127"/>
-              </a:rPr>
-              <a:t>매수 합니다</a:t>
-            </a:r>
-            <a:r>
-              <a:rPr lang="en-US" altLang="ko-KR" sz="2400" dirty="0">
-                <a:solidFill>
-                  <a:schemeClr val="accent6">
-                    <a:lumMod val="75000"/>
-                  </a:schemeClr>
-                </a:solidFill>
-                <a:latin typeface="나눔바른고딕" panose="020B0603020101020101" pitchFamily="50" charset="-127"/>
-                <a:ea typeface="나눔바른고딕" panose="020B0603020101020101" pitchFamily="50" charset="-127"/>
-              </a:rPr>
-              <a:t>" </a:t>
-            </a:r>
-            <a:r>
-              <a:rPr lang="ko-KR" altLang="en-US" sz="2400" dirty="0">
-                <a:solidFill>
-                  <a:schemeClr val="bg1">
-                    <a:lumMod val="95000"/>
-                  </a:schemeClr>
-                </a:solidFill>
-                <a:latin typeface="나눔바른고딕" panose="020B0603020101020101" pitchFamily="50" charset="-127"/>
-                <a:ea typeface="나눔바른고딕" panose="020B0603020101020101" pitchFamily="50" charset="-127"/>
-              </a:rPr>
-              <a:t>출력</a:t>
-            </a:r>
-          </a:p>
         </p:txBody>
       </p:sp>
     </p:spTree>
     <p:extLst>
       <p:ext uri="{BB962C8B-B14F-4D97-AF65-F5344CB8AC3E}">
-        <p14:creationId xmlns:p14="http://schemas.microsoft.com/office/powerpoint/2010/main" val="3047040651"/>
+        <p14:creationId xmlns:p14="http://schemas.microsoft.com/office/powerpoint/2010/main" val="3422639784"/>
       </p:ext>
     </p:extLst>
   </p:cSld>
@@ -5312,8 +5762,8 @@
         </p:nvSpPr>
         <p:spPr>
           <a:xfrm>
-            <a:off x="2456163" y="2182505"/>
-            <a:ext cx="4993675" cy="2492990"/>
+            <a:off x="2833671" y="1855711"/>
+            <a:ext cx="4238661" cy="1754326"/>
           </a:xfrm>
           <a:prstGeom prst="rect">
             <a:avLst/>
@@ -5367,7 +5817,7 @@
           <a:p>
             <a:pPr algn="ctr"/>
             <a:r>
-              <a:rPr lang="ko-KR" altLang="en-US" sz="2800" dirty="0">
+              <a:rPr lang="ko-KR" altLang="en-US" sz="3600" dirty="0">
                 <a:solidFill>
                   <a:schemeClr val="bg1">
                     <a:lumMod val="95000"/>
@@ -5376,85 +5826,495 @@
                 <a:latin typeface="나눔바른고딕" panose="020B0603020101020101" pitchFamily="50" charset="-127"/>
                 <a:ea typeface="나눔바른고딕" panose="020B0603020101020101" pitchFamily="50" charset="-127"/>
               </a:rPr>
-              <a:t>사용자로부터 </a:t>
-            </a:r>
-            <a:r>
-              <a:rPr lang="en-US" altLang="ko-KR" sz="2800" dirty="0">
-                <a:solidFill>
-                  <a:schemeClr val="accent6">
-                    <a:lumMod val="75000"/>
-                  </a:schemeClr>
-                </a:solidFill>
-                <a:latin typeface="나눔바른고딕" panose="020B0603020101020101" pitchFamily="50" charset="-127"/>
-                <a:ea typeface="나눔바른고딕" panose="020B0603020101020101" pitchFamily="50" charset="-127"/>
-              </a:rPr>
-              <a:t>-1</a:t>
-            </a:r>
-            <a:r>
-              <a:rPr lang="ko-KR" altLang="en-US" sz="2800" dirty="0">
-                <a:solidFill>
-                  <a:schemeClr val="bg1">
-                    <a:lumMod val="95000"/>
-                  </a:schemeClr>
-                </a:solidFill>
-                <a:latin typeface="나눔바른고딕" panose="020B0603020101020101" pitchFamily="50" charset="-127"/>
-                <a:ea typeface="나눔바른고딕" panose="020B0603020101020101" pitchFamily="50" charset="-127"/>
-              </a:rPr>
-              <a:t>을 입력 받으면 </a:t>
-            </a:r>
-          </a:p>
-          <a:p>
-            <a:pPr algn="ctr"/>
-            <a:r>
-              <a:rPr lang="ko-KR" altLang="en-US" sz="2800" dirty="0">
-                <a:solidFill>
-                  <a:schemeClr val="accent6">
-                    <a:lumMod val="75000"/>
-                  </a:schemeClr>
-                </a:solidFill>
-                <a:latin typeface="나눔바른고딕" panose="020B0603020101020101" pitchFamily="50" charset="-127"/>
-                <a:ea typeface="나눔바른고딕" panose="020B0603020101020101" pitchFamily="50" charset="-127"/>
-              </a:rPr>
-              <a:t>프로그램이 종료 </a:t>
-            </a:r>
-            <a:r>
-              <a:rPr lang="ko-KR" altLang="en-US" sz="2800" dirty="0">
-                <a:solidFill>
-                  <a:schemeClr val="bg1">
-                    <a:lumMod val="95000"/>
-                  </a:schemeClr>
-                </a:solidFill>
-                <a:latin typeface="나눔바른고딕" panose="020B0603020101020101" pitchFamily="50" charset="-127"/>
-                <a:ea typeface="나눔바른고딕" panose="020B0603020101020101" pitchFamily="50" charset="-127"/>
-              </a:rPr>
-              <a:t>되는 프로그램을 </a:t>
-            </a:r>
-          </a:p>
-          <a:p>
-            <a:pPr algn="ctr"/>
-            <a:r>
-              <a:rPr lang="ko-KR" altLang="en-US" sz="2800" dirty="0">
-                <a:solidFill>
-                  <a:schemeClr val="bg1">
-                    <a:lumMod val="95000"/>
-                  </a:schemeClr>
-                </a:solidFill>
-                <a:latin typeface="나눔바른고딕" panose="020B0603020101020101" pitchFamily="50" charset="-127"/>
-                <a:ea typeface="나눔바른고딕" panose="020B0603020101020101" pitchFamily="50" charset="-127"/>
-              </a:rPr>
-              <a:t>작성해보세요</a:t>
-            </a:r>
-            <a:r>
-              <a:rPr lang="en-US" altLang="ko-KR" sz="2800" dirty="0">
-                <a:solidFill>
-                  <a:schemeClr val="bg1">
-                    <a:lumMod val="95000"/>
-                  </a:schemeClr>
-                </a:solidFill>
-                <a:latin typeface="나눔바른고딕" panose="020B0603020101020101" pitchFamily="50" charset="-127"/>
-                <a:ea typeface="나눔바른고딕" panose="020B0603020101020101" pitchFamily="50" charset="-127"/>
-              </a:rPr>
-              <a:t>.</a:t>
+              <a:t>결과를 예측해 보세요</a:t>
+            </a:r>
+            <a:endParaRPr lang="en-US" altLang="ko-KR" sz="3600" dirty="0">
+              <a:solidFill>
+                <a:schemeClr val="bg1">
+                  <a:lumMod val="95000"/>
+                </a:schemeClr>
+              </a:solidFill>
+              <a:latin typeface="나눔바른고딕" panose="020B0603020101020101" pitchFamily="50" charset="-127"/>
+              <a:ea typeface="나눔바른고딕" panose="020B0603020101020101" pitchFamily="50" charset="-127"/>
+            </a:endParaRPr>
+          </a:p>
+        </p:txBody>
+      </p:sp>
+      <p:sp>
+        <p:nvSpPr>
+          <p:cNvPr id="3" name="직사각형 2">
+            <a:extLst>
+              <a:ext uri="{FF2B5EF4-FFF2-40B4-BE49-F238E27FC236}">
+                <a16:creationId xmlns:a16="http://schemas.microsoft.com/office/drawing/2014/main" id="{F0946D24-5B43-4AC9-B7DC-986AF43300EE}"/>
+              </a:ext>
+            </a:extLst>
+          </p:cNvPr>
+          <p:cNvSpPr/>
+          <p:nvPr/>
+        </p:nvSpPr>
+        <p:spPr>
+          <a:xfrm>
+            <a:off x="1281708" y="2828835"/>
+            <a:ext cx="7342584" cy="1200329"/>
+          </a:xfrm>
+          <a:prstGeom prst="rect">
+            <a:avLst/>
+          </a:prstGeom>
+          <a:solidFill>
+            <a:schemeClr val="tx1"/>
+          </a:solidFill>
+          <a:effectLst>
+            <a:outerShdw blurRad="50800" dist="38100" dir="2700000" algn="tl" rotWithShape="0">
+              <a:prstClr val="black">
+                <a:alpha val="40000"/>
+              </a:prstClr>
+            </a:outerShdw>
+            <a:softEdge rad="31750"/>
+          </a:effectLst>
+        </p:spPr>
+        <p:txBody>
+          <a:bodyPr wrap="square">
+            <a:spAutoFit/>
+          </a:bodyPr>
+          <a:lstStyle/>
+          <a:p>
+            <a:r>
+              <a:rPr lang="en-US" altLang="ko-KR" dirty="0">
+                <a:solidFill>
+                  <a:srgbClr val="DCDCAA"/>
+                </a:solidFill>
+                <a:latin typeface="Consolas" panose="020B0609020204030204" pitchFamily="49" charset="0"/>
+              </a:rPr>
+              <a:t>print</a:t>
+            </a:r>
+            <a:r>
+              <a:rPr lang="en-US" altLang="ko-KR" dirty="0">
+                <a:solidFill>
+                  <a:srgbClr val="D4D4D4"/>
+                </a:solidFill>
+                <a:latin typeface="Consolas" panose="020B0609020204030204" pitchFamily="49" charset="0"/>
+              </a:rPr>
+              <a:t>(</a:t>
+            </a:r>
+            <a:r>
+              <a:rPr lang="en-US" altLang="ko-KR" dirty="0">
+                <a:solidFill>
+                  <a:srgbClr val="B5CEA8"/>
+                </a:solidFill>
+                <a:latin typeface="Consolas" panose="020B0609020204030204" pitchFamily="49" charset="0"/>
+              </a:rPr>
+              <a:t>3</a:t>
+            </a:r>
+            <a:r>
+              <a:rPr lang="en-US" altLang="ko-KR" dirty="0">
+                <a:solidFill>
+                  <a:srgbClr val="D4D4D4"/>
+                </a:solidFill>
+                <a:latin typeface="Consolas" panose="020B0609020204030204" pitchFamily="49" charset="0"/>
+              </a:rPr>
+              <a:t> &lt; </a:t>
+            </a:r>
+            <a:r>
+              <a:rPr lang="en-US" altLang="ko-KR" dirty="0">
+                <a:solidFill>
+                  <a:srgbClr val="B5CEA8"/>
+                </a:solidFill>
+                <a:latin typeface="Consolas" panose="020B0609020204030204" pitchFamily="49" charset="0"/>
+              </a:rPr>
+              <a:t>6</a:t>
+            </a:r>
+            <a:r>
+              <a:rPr lang="en-US" altLang="ko-KR" dirty="0">
+                <a:solidFill>
+                  <a:srgbClr val="D4D4D4"/>
+                </a:solidFill>
+                <a:latin typeface="Consolas" panose="020B0609020204030204" pitchFamily="49" charset="0"/>
+              </a:rPr>
+              <a:t> </a:t>
+            </a:r>
+            <a:r>
+              <a:rPr lang="en-US" altLang="ko-KR" dirty="0">
+                <a:solidFill>
+                  <a:srgbClr val="C586C0"/>
+                </a:solidFill>
+                <a:latin typeface="Consolas" panose="020B0609020204030204" pitchFamily="49" charset="0"/>
+              </a:rPr>
+              <a:t>and</a:t>
+            </a:r>
+            <a:r>
+              <a:rPr lang="en-US" altLang="ko-KR" dirty="0">
+                <a:solidFill>
+                  <a:srgbClr val="D4D4D4"/>
+                </a:solidFill>
+                <a:latin typeface="Consolas" panose="020B0609020204030204" pitchFamily="49" charset="0"/>
+              </a:rPr>
+              <a:t> </a:t>
+            </a:r>
+            <a:r>
+              <a:rPr lang="en-US" altLang="ko-KR" dirty="0">
+                <a:solidFill>
+                  <a:srgbClr val="B5CEA8"/>
+                </a:solidFill>
+                <a:latin typeface="Consolas" panose="020B0609020204030204" pitchFamily="49" charset="0"/>
+              </a:rPr>
+              <a:t>10</a:t>
+            </a:r>
+            <a:r>
+              <a:rPr lang="en-US" altLang="ko-KR" dirty="0">
+                <a:solidFill>
+                  <a:srgbClr val="D4D4D4"/>
+                </a:solidFill>
+                <a:latin typeface="Consolas" panose="020B0609020204030204" pitchFamily="49" charset="0"/>
+              </a:rPr>
+              <a:t> &gt;= </a:t>
+            </a:r>
+            <a:r>
+              <a:rPr lang="en-US" altLang="ko-KR" dirty="0">
+                <a:solidFill>
+                  <a:srgbClr val="B5CEA8"/>
+                </a:solidFill>
+                <a:latin typeface="Consolas" panose="020B0609020204030204" pitchFamily="49" charset="0"/>
+              </a:rPr>
+              <a:t>7</a:t>
+            </a:r>
+            <a:r>
+              <a:rPr lang="en-US" altLang="ko-KR" dirty="0">
+                <a:solidFill>
+                  <a:srgbClr val="D4D4D4"/>
+                </a:solidFill>
+                <a:latin typeface="Consolas" panose="020B0609020204030204" pitchFamily="49" charset="0"/>
+              </a:rPr>
+              <a:t>)</a:t>
+            </a:r>
+          </a:p>
+          <a:p>
+            <a:r>
+              <a:rPr lang="en-US" altLang="ko-KR" dirty="0">
+                <a:solidFill>
+                  <a:srgbClr val="DCDCAA"/>
+                </a:solidFill>
+                <a:latin typeface="Consolas" panose="020B0609020204030204" pitchFamily="49" charset="0"/>
+              </a:rPr>
+              <a:t>print</a:t>
+            </a:r>
+            <a:r>
+              <a:rPr lang="en-US" altLang="ko-KR" dirty="0">
+                <a:solidFill>
+                  <a:srgbClr val="D4D4D4"/>
+                </a:solidFill>
+                <a:latin typeface="Consolas" panose="020B0609020204030204" pitchFamily="49" charset="0"/>
+              </a:rPr>
+              <a:t>(</a:t>
+            </a:r>
+            <a:r>
+              <a:rPr lang="en-US" altLang="ko-KR" dirty="0">
+                <a:solidFill>
+                  <a:srgbClr val="B5CEA8"/>
+                </a:solidFill>
+                <a:latin typeface="Consolas" panose="020B0609020204030204" pitchFamily="49" charset="0"/>
+              </a:rPr>
+              <a:t>1</a:t>
+            </a:r>
+            <a:r>
+              <a:rPr lang="en-US" altLang="ko-KR" dirty="0">
+                <a:solidFill>
+                  <a:srgbClr val="D4D4D4"/>
+                </a:solidFill>
+                <a:latin typeface="Consolas" panose="020B0609020204030204" pitchFamily="49" charset="0"/>
+              </a:rPr>
+              <a:t> == </a:t>
+            </a:r>
+            <a:r>
+              <a:rPr lang="en-US" altLang="ko-KR" dirty="0">
+                <a:solidFill>
+                  <a:srgbClr val="B5CEA8"/>
+                </a:solidFill>
+                <a:latin typeface="Consolas" panose="020B0609020204030204" pitchFamily="49" charset="0"/>
+              </a:rPr>
+              <a:t>1</a:t>
+            </a:r>
+            <a:r>
+              <a:rPr lang="en-US" altLang="ko-KR" dirty="0">
+                <a:solidFill>
+                  <a:srgbClr val="D4D4D4"/>
+                </a:solidFill>
+                <a:latin typeface="Consolas" panose="020B0609020204030204" pitchFamily="49" charset="0"/>
+              </a:rPr>
+              <a:t> </a:t>
+            </a:r>
+            <a:r>
+              <a:rPr lang="en-US" altLang="ko-KR" dirty="0">
+                <a:solidFill>
+                  <a:srgbClr val="C586C0"/>
+                </a:solidFill>
+                <a:latin typeface="Consolas" panose="020B0609020204030204" pitchFamily="49" charset="0"/>
+              </a:rPr>
+              <a:t>and</a:t>
+            </a:r>
+            <a:r>
+              <a:rPr lang="en-US" altLang="ko-KR" dirty="0">
+                <a:solidFill>
+                  <a:srgbClr val="D4D4D4"/>
+                </a:solidFill>
+                <a:latin typeface="Consolas" panose="020B0609020204030204" pitchFamily="49" charset="0"/>
+              </a:rPr>
+              <a:t> </a:t>
+            </a:r>
+            <a:r>
+              <a:rPr lang="en-US" altLang="ko-KR" dirty="0">
+                <a:solidFill>
+                  <a:srgbClr val="B5CEA8"/>
+                </a:solidFill>
+                <a:latin typeface="Consolas" panose="020B0609020204030204" pitchFamily="49" charset="0"/>
+              </a:rPr>
+              <a:t>4</a:t>
+            </a:r>
+            <a:r>
+              <a:rPr lang="en-US" altLang="ko-KR" dirty="0">
+                <a:solidFill>
+                  <a:srgbClr val="D4D4D4"/>
+                </a:solidFill>
+                <a:latin typeface="Consolas" panose="020B0609020204030204" pitchFamily="49" charset="0"/>
+              </a:rPr>
+              <a:t> &gt;= </a:t>
+            </a:r>
+            <a:r>
+              <a:rPr lang="en-US" altLang="ko-KR" dirty="0">
+                <a:solidFill>
+                  <a:srgbClr val="B5CEA8"/>
+                </a:solidFill>
+                <a:latin typeface="Consolas" panose="020B0609020204030204" pitchFamily="49" charset="0"/>
+              </a:rPr>
+              <a:t>7</a:t>
+            </a:r>
+            <a:r>
+              <a:rPr lang="en-US" altLang="ko-KR" dirty="0">
+                <a:solidFill>
+                  <a:srgbClr val="D4D4D4"/>
+                </a:solidFill>
+                <a:latin typeface="Consolas" panose="020B0609020204030204" pitchFamily="49" charset="0"/>
+              </a:rPr>
+              <a:t>)</a:t>
+            </a:r>
+          </a:p>
+          <a:p>
+            <a:r>
+              <a:rPr lang="en-US" altLang="ko-KR" dirty="0">
+                <a:solidFill>
+                  <a:srgbClr val="DCDCAA"/>
+                </a:solidFill>
+                <a:latin typeface="Consolas" panose="020B0609020204030204" pitchFamily="49" charset="0"/>
+              </a:rPr>
+              <a:t>print</a:t>
+            </a:r>
+            <a:r>
+              <a:rPr lang="en-US" altLang="ko-KR" dirty="0">
+                <a:solidFill>
+                  <a:srgbClr val="D4D4D4"/>
+                </a:solidFill>
+                <a:latin typeface="Consolas" panose="020B0609020204030204" pitchFamily="49" charset="0"/>
+              </a:rPr>
+              <a:t>(</a:t>
+            </a:r>
+            <a:r>
+              <a:rPr lang="en-US" altLang="ko-KR" dirty="0">
+                <a:solidFill>
+                  <a:srgbClr val="CE9178"/>
+                </a:solidFill>
+                <a:latin typeface="Consolas" panose="020B0609020204030204" pitchFamily="49" charset="0"/>
+              </a:rPr>
+              <a:t>"hello"</a:t>
+            </a:r>
+            <a:r>
+              <a:rPr lang="en-US" altLang="ko-KR" dirty="0">
+                <a:solidFill>
+                  <a:srgbClr val="D4D4D4"/>
+                </a:solidFill>
+                <a:latin typeface="Consolas" panose="020B0609020204030204" pitchFamily="49" charset="0"/>
+              </a:rPr>
+              <a:t> == </a:t>
+            </a:r>
+            <a:r>
+              <a:rPr lang="en-US" altLang="ko-KR" dirty="0">
+                <a:solidFill>
+                  <a:srgbClr val="CE9178"/>
+                </a:solidFill>
+                <a:latin typeface="Consolas" panose="020B0609020204030204" pitchFamily="49" charset="0"/>
+              </a:rPr>
+              <a:t>"hello"</a:t>
+            </a:r>
+            <a:r>
+              <a:rPr lang="en-US" altLang="ko-KR" dirty="0">
+                <a:solidFill>
+                  <a:srgbClr val="D4D4D4"/>
+                </a:solidFill>
+                <a:latin typeface="Consolas" panose="020B0609020204030204" pitchFamily="49" charset="0"/>
+              </a:rPr>
+              <a:t> </a:t>
+            </a:r>
+            <a:r>
+              <a:rPr lang="en-US" altLang="ko-KR" dirty="0">
+                <a:solidFill>
+                  <a:srgbClr val="C586C0"/>
+                </a:solidFill>
+                <a:latin typeface="Consolas" panose="020B0609020204030204" pitchFamily="49" charset="0"/>
+              </a:rPr>
+              <a:t>or</a:t>
+            </a:r>
+            <a:r>
+              <a:rPr lang="en-US" altLang="ko-KR" dirty="0">
+                <a:solidFill>
+                  <a:srgbClr val="D4D4D4"/>
+                </a:solidFill>
+                <a:latin typeface="Consolas" panose="020B0609020204030204" pitchFamily="49" charset="0"/>
+              </a:rPr>
+              <a:t> </a:t>
+            </a:r>
+            <a:r>
+              <a:rPr lang="en-US" altLang="ko-KR" dirty="0">
+                <a:solidFill>
+                  <a:srgbClr val="CE9178"/>
+                </a:solidFill>
+                <a:latin typeface="Consolas" panose="020B0609020204030204" pitchFamily="49" charset="0"/>
+              </a:rPr>
+              <a:t>"</a:t>
+            </a:r>
+            <a:r>
+              <a:rPr lang="en-US" altLang="ko-KR" dirty="0" err="1">
+                <a:solidFill>
+                  <a:srgbClr val="CE9178"/>
+                </a:solidFill>
+                <a:latin typeface="Consolas" panose="020B0609020204030204" pitchFamily="49" charset="0"/>
+              </a:rPr>
+              <a:t>santa</a:t>
+            </a:r>
+            <a:r>
+              <a:rPr lang="en-US" altLang="ko-KR" dirty="0">
+                <a:solidFill>
+                  <a:srgbClr val="CE9178"/>
+                </a:solidFill>
+                <a:latin typeface="Consolas" panose="020B0609020204030204" pitchFamily="49" charset="0"/>
+              </a:rPr>
+              <a:t>"</a:t>
+            </a:r>
+            <a:r>
+              <a:rPr lang="en-US" altLang="ko-KR" dirty="0">
+                <a:solidFill>
+                  <a:srgbClr val="D4D4D4"/>
+                </a:solidFill>
+                <a:latin typeface="Consolas" panose="020B0609020204030204" pitchFamily="49" charset="0"/>
+              </a:rPr>
+              <a:t> != </a:t>
+            </a:r>
+            <a:r>
+              <a:rPr lang="en-US" altLang="ko-KR" dirty="0">
+                <a:solidFill>
+                  <a:srgbClr val="CE9178"/>
+                </a:solidFill>
+                <a:latin typeface="Consolas" panose="020B0609020204030204" pitchFamily="49" charset="0"/>
+              </a:rPr>
+              <a:t>"</a:t>
+            </a:r>
+            <a:r>
+              <a:rPr lang="en-US" altLang="ko-KR" dirty="0" err="1">
+                <a:solidFill>
+                  <a:srgbClr val="CE9178"/>
+                </a:solidFill>
+                <a:latin typeface="Consolas" panose="020B0609020204030204" pitchFamily="49" charset="0"/>
+              </a:rPr>
+              <a:t>santa</a:t>
+            </a:r>
+            <a:r>
+              <a:rPr lang="en-US" altLang="ko-KR" dirty="0">
+                <a:solidFill>
+                  <a:srgbClr val="CE9178"/>
+                </a:solidFill>
+                <a:latin typeface="Consolas" panose="020B0609020204030204" pitchFamily="49" charset="0"/>
+              </a:rPr>
+              <a:t>"</a:t>
+            </a:r>
+            <a:r>
+              <a:rPr lang="en-US" altLang="ko-KR" dirty="0">
+                <a:solidFill>
+                  <a:srgbClr val="D4D4D4"/>
+                </a:solidFill>
+                <a:latin typeface="Consolas" panose="020B0609020204030204" pitchFamily="49" charset="0"/>
+              </a:rPr>
+              <a:t>)</a:t>
+            </a:r>
+          </a:p>
+          <a:p>
+            <a:r>
+              <a:rPr lang="en-US" altLang="ko-KR" dirty="0">
+                <a:solidFill>
+                  <a:srgbClr val="DCDCAA"/>
+                </a:solidFill>
+                <a:latin typeface="Consolas" panose="020B0609020204030204" pitchFamily="49" charset="0"/>
+              </a:rPr>
+              <a:t>print</a:t>
+            </a:r>
+            <a:r>
+              <a:rPr lang="en-US" altLang="ko-KR" dirty="0">
+                <a:solidFill>
+                  <a:srgbClr val="D4D4D4"/>
+                </a:solidFill>
+                <a:latin typeface="Consolas" panose="020B0609020204030204" pitchFamily="49" charset="0"/>
+              </a:rPr>
+              <a:t>(</a:t>
+            </a:r>
+            <a:r>
+              <a:rPr lang="en-US" altLang="ko-KR" dirty="0">
+                <a:solidFill>
+                  <a:srgbClr val="C586C0"/>
+                </a:solidFill>
+                <a:latin typeface="Consolas" panose="020B0609020204030204" pitchFamily="49" charset="0"/>
+              </a:rPr>
+              <a:t>not</a:t>
+            </a:r>
+            <a:r>
+              <a:rPr lang="en-US" altLang="ko-KR" dirty="0">
+                <a:solidFill>
+                  <a:srgbClr val="D4D4D4"/>
+                </a:solidFill>
+                <a:latin typeface="Consolas" panose="020B0609020204030204" pitchFamily="49" charset="0"/>
+              </a:rPr>
+              <a:t> </a:t>
+            </a:r>
+            <a:r>
+              <a:rPr lang="en-US" altLang="ko-KR" dirty="0">
+                <a:solidFill>
+                  <a:srgbClr val="B5CEA8"/>
+                </a:solidFill>
+                <a:latin typeface="Consolas" panose="020B0609020204030204" pitchFamily="49" charset="0"/>
+              </a:rPr>
+              <a:t>1</a:t>
+            </a:r>
+            <a:r>
+              <a:rPr lang="en-US" altLang="ko-KR" dirty="0">
+                <a:solidFill>
+                  <a:srgbClr val="D4D4D4"/>
+                </a:solidFill>
+                <a:latin typeface="Consolas" panose="020B0609020204030204" pitchFamily="49" charset="0"/>
+              </a:rPr>
+              <a:t> == </a:t>
+            </a:r>
+            <a:r>
+              <a:rPr lang="en-US" altLang="ko-KR" dirty="0">
+                <a:solidFill>
+                  <a:srgbClr val="B5CEA8"/>
+                </a:solidFill>
+                <a:latin typeface="Consolas" panose="020B0609020204030204" pitchFamily="49" charset="0"/>
+              </a:rPr>
+              <a:t>2</a:t>
+            </a:r>
+            <a:r>
+              <a:rPr lang="en-US" altLang="ko-KR" dirty="0">
+                <a:solidFill>
+                  <a:srgbClr val="D4D4D4"/>
+                </a:solidFill>
+                <a:latin typeface="Consolas" panose="020B0609020204030204" pitchFamily="49" charset="0"/>
+              </a:rPr>
+              <a:t>)</a:t>
             </a:r>
           </a:p>
         </p:txBody>
@@ -5462,13 +6322,25 @@
     </p:spTree>
     <p:extLst>
       <p:ext uri="{BB962C8B-B14F-4D97-AF65-F5344CB8AC3E}">
-        <p14:creationId xmlns:p14="http://schemas.microsoft.com/office/powerpoint/2010/main" val="3794521778"/>
+        <p14:creationId xmlns:p14="http://schemas.microsoft.com/office/powerpoint/2010/main" val="444584798"/>
       </p:ext>
     </p:extLst>
   </p:cSld>
   <p:clrMapOvr>
     <a:masterClrMapping/>
   </p:clrMapOvr>
+  <mc:AlternateContent xmlns:mc="http://schemas.openxmlformats.org/markup-compatibility/2006" xmlns:p159="http://schemas.microsoft.com/office/powerpoint/2015/09/main">
+    <mc:Choice Requires="p159">
+      <p:transition xmlns:p14="http://schemas.microsoft.com/office/powerpoint/2010/main" spd="slow" p14:dur="2000">
+        <p159:morph option="byObject"/>
+      </p:transition>
+    </mc:Choice>
+    <mc:Fallback xmlns="">
+      <p:transition spd="slow">
+        <p:fade/>
+      </p:transition>
+    </mc:Fallback>
+  </mc:AlternateContent>
 </p:sld>
 </file>
 
@@ -5514,6 +6386,809 @@
         </p:nvSpPr>
         <p:spPr>
           <a:xfrm>
+            <a:off x="1844617" y="797511"/>
+            <a:ext cx="6216766" cy="5262979"/>
+          </a:xfrm>
+          <a:prstGeom prst="rect">
+            <a:avLst/>
+          </a:prstGeom>
+          <a:noFill/>
+        </p:spPr>
+        <p:txBody>
+          <a:bodyPr wrap="none" rtlCol="0">
+            <a:spAutoFit/>
+          </a:bodyPr>
+          <a:lstStyle/>
+          <a:p>
+            <a:pPr algn="ctr"/>
+            <a:r>
+              <a:rPr lang="ko-KR" altLang="en-US" sz="3600" dirty="0">
+                <a:solidFill>
+                  <a:schemeClr val="accent6">
+                    <a:lumMod val="75000"/>
+                  </a:schemeClr>
+                </a:solidFill>
+                <a:latin typeface="나눔바른고딕" panose="020B0603020101020101" pitchFamily="50" charset="-127"/>
+                <a:ea typeface="나눔바른고딕" panose="020B0603020101020101" pitchFamily="50" charset="-127"/>
+              </a:rPr>
+              <a:t>문제</a:t>
+            </a:r>
+            <a:r>
+              <a:rPr lang="en-US" altLang="ko-KR" sz="3600" dirty="0">
+                <a:solidFill>
+                  <a:schemeClr val="accent6">
+                    <a:lumMod val="75000"/>
+                  </a:schemeClr>
+                </a:solidFill>
+                <a:latin typeface="나눔바른고딕" panose="020B0603020101020101" pitchFamily="50" charset="-127"/>
+                <a:ea typeface="나눔바른고딕" panose="020B0603020101020101" pitchFamily="50" charset="-127"/>
+              </a:rPr>
+              <a:t>5</a:t>
+            </a:r>
+          </a:p>
+          <a:p>
+            <a:pPr algn="ctr"/>
+            <a:endParaRPr lang="en-US" altLang="ko-KR" sz="3600" dirty="0">
+              <a:solidFill>
+                <a:schemeClr val="accent6">
+                  <a:lumMod val="75000"/>
+                </a:schemeClr>
+              </a:solidFill>
+              <a:latin typeface="나눔바른고딕" panose="020B0603020101020101" pitchFamily="50" charset="-127"/>
+              <a:ea typeface="나눔바른고딕" panose="020B0603020101020101" pitchFamily="50" charset="-127"/>
+            </a:endParaRPr>
+          </a:p>
+          <a:p>
+            <a:pPr algn="ctr"/>
+            <a:r>
+              <a:rPr lang="ko-KR" altLang="en-US" sz="2400" dirty="0">
+                <a:solidFill>
+                  <a:schemeClr val="bg1">
+                    <a:lumMod val="95000"/>
+                  </a:schemeClr>
+                </a:solidFill>
+                <a:latin typeface="나눔바른고딕" panose="020B0603020101020101" pitchFamily="50" charset="-127"/>
+                <a:ea typeface="나눔바른고딕" panose="020B0603020101020101" pitchFamily="50" charset="-127"/>
+              </a:rPr>
+              <a:t>사용자로부터 삼성전자의 </a:t>
+            </a:r>
+            <a:r>
+              <a:rPr lang="ko-KR" altLang="en-US" sz="2400" dirty="0">
+                <a:solidFill>
+                  <a:schemeClr val="accent6">
+                    <a:lumMod val="75000"/>
+                  </a:schemeClr>
+                </a:solidFill>
+                <a:latin typeface="나눔바른고딕" panose="020B0603020101020101" pitchFamily="50" charset="-127"/>
+                <a:ea typeface="나눔바른고딕" panose="020B0603020101020101" pitchFamily="50" charset="-127"/>
+              </a:rPr>
+              <a:t>현재가격을 입력 받는다</a:t>
+            </a:r>
+          </a:p>
+          <a:p>
+            <a:pPr algn="ctr"/>
+            <a:r>
+              <a:rPr lang="ko-KR" altLang="en-US" sz="2400" dirty="0">
+                <a:solidFill>
+                  <a:schemeClr val="bg1">
+                    <a:lumMod val="95000"/>
+                  </a:schemeClr>
+                </a:solidFill>
+                <a:latin typeface="나눔바른고딕" panose="020B0603020101020101" pitchFamily="50" charset="-127"/>
+                <a:ea typeface="나눔바른고딕" panose="020B0603020101020101" pitchFamily="50" charset="-127"/>
+              </a:rPr>
+              <a:t>조건에 따라 출력되는 문장을 작성한다</a:t>
+            </a:r>
+            <a:r>
+              <a:rPr lang="en-US" altLang="ko-KR" sz="2400" dirty="0">
+                <a:solidFill>
+                  <a:schemeClr val="bg1">
+                    <a:lumMod val="95000"/>
+                  </a:schemeClr>
+                </a:solidFill>
+                <a:latin typeface="나눔바른고딕" panose="020B0603020101020101" pitchFamily="50" charset="-127"/>
+                <a:ea typeface="나눔바른고딕" panose="020B0603020101020101" pitchFamily="50" charset="-127"/>
+              </a:rPr>
+              <a:t>.</a:t>
+            </a:r>
+          </a:p>
+          <a:p>
+            <a:pPr algn="ctr"/>
+            <a:endParaRPr lang="en-US" altLang="ko-KR" sz="2400" dirty="0">
+              <a:solidFill>
+                <a:schemeClr val="bg1">
+                  <a:lumMod val="95000"/>
+                </a:schemeClr>
+              </a:solidFill>
+              <a:latin typeface="나눔바른고딕" panose="020B0603020101020101" pitchFamily="50" charset="-127"/>
+              <a:ea typeface="나눔바른고딕" panose="020B0603020101020101" pitchFamily="50" charset="-127"/>
+            </a:endParaRPr>
+          </a:p>
+          <a:p>
+            <a:pPr algn="ctr"/>
+            <a:r>
+              <a:rPr lang="en-US" altLang="ko-KR" sz="2400" dirty="0">
+                <a:solidFill>
+                  <a:schemeClr val="bg1">
+                    <a:lumMod val="95000"/>
+                  </a:schemeClr>
+                </a:solidFill>
+                <a:latin typeface="나눔바른고딕" panose="020B0603020101020101" pitchFamily="50" charset="-127"/>
+                <a:ea typeface="나눔바른고딕" panose="020B0603020101020101" pitchFamily="50" charset="-127"/>
+              </a:rPr>
+              <a:t>1.</a:t>
+            </a:r>
+            <a:r>
+              <a:rPr lang="ko-KR" altLang="en-US" sz="2400" dirty="0">
+                <a:solidFill>
+                  <a:schemeClr val="bg1">
+                    <a:lumMod val="95000"/>
+                  </a:schemeClr>
+                </a:solidFill>
+                <a:latin typeface="나눔바른고딕" panose="020B0603020101020101" pitchFamily="50" charset="-127"/>
+                <a:ea typeface="나눔바른고딕" panose="020B0603020101020101" pitchFamily="50" charset="-127"/>
+              </a:rPr>
+              <a:t>현재가격이 </a:t>
+            </a:r>
+            <a:r>
+              <a:rPr lang="en-US" altLang="ko-KR" sz="2400" dirty="0">
+                <a:solidFill>
+                  <a:schemeClr val="accent6">
+                    <a:lumMod val="75000"/>
+                  </a:schemeClr>
+                </a:solidFill>
+                <a:latin typeface="나눔바른고딕" panose="020B0603020101020101" pitchFamily="50" charset="-127"/>
+                <a:ea typeface="나눔바른고딕" panose="020B0603020101020101" pitchFamily="50" charset="-127"/>
+              </a:rPr>
+              <a:t>7</a:t>
+            </a:r>
+            <a:r>
+              <a:rPr lang="ko-KR" altLang="en-US" sz="2400" dirty="0">
+                <a:solidFill>
+                  <a:schemeClr val="accent6">
+                    <a:lumMod val="75000"/>
+                  </a:schemeClr>
+                </a:solidFill>
+                <a:latin typeface="나눔바른고딕" panose="020B0603020101020101" pitchFamily="50" charset="-127"/>
+                <a:ea typeface="나눔바른고딕" panose="020B0603020101020101" pitchFamily="50" charset="-127"/>
+              </a:rPr>
+              <a:t>만원 이상 </a:t>
+            </a:r>
+            <a:r>
+              <a:rPr lang="ko-KR" altLang="en-US" sz="2400" dirty="0">
+                <a:solidFill>
+                  <a:schemeClr val="bg1">
+                    <a:lumMod val="95000"/>
+                  </a:schemeClr>
+                </a:solidFill>
+                <a:latin typeface="나눔바른고딕" panose="020B0603020101020101" pitchFamily="50" charset="-127"/>
+                <a:ea typeface="나눔바른고딕" panose="020B0603020101020101" pitchFamily="50" charset="-127"/>
+              </a:rPr>
+              <a:t>이면</a:t>
+            </a:r>
+          </a:p>
+          <a:p>
+            <a:pPr algn="ctr"/>
+            <a:r>
+              <a:rPr lang="en-US" altLang="ko-KR" sz="2400" dirty="0">
+                <a:solidFill>
+                  <a:schemeClr val="bg1">
+                    <a:lumMod val="95000"/>
+                  </a:schemeClr>
+                </a:solidFill>
+                <a:latin typeface="나눔바른고딕" panose="020B0603020101020101" pitchFamily="50" charset="-127"/>
+                <a:ea typeface="나눔바른고딕" panose="020B0603020101020101" pitchFamily="50" charset="-127"/>
+              </a:rPr>
+              <a:t>-&gt; </a:t>
+            </a:r>
+            <a:r>
+              <a:rPr lang="en-US" altLang="ko-KR" sz="2400" dirty="0">
+                <a:solidFill>
+                  <a:schemeClr val="accent6">
+                    <a:lumMod val="75000"/>
+                  </a:schemeClr>
+                </a:solidFill>
+                <a:latin typeface="나눔바른고딕" panose="020B0603020101020101" pitchFamily="50" charset="-127"/>
+                <a:ea typeface="나눔바른고딕" panose="020B0603020101020101" pitchFamily="50" charset="-127"/>
+              </a:rPr>
+              <a:t>"</a:t>
+            </a:r>
+            <a:r>
+              <a:rPr lang="ko-KR" altLang="en-US" sz="2400" dirty="0">
+                <a:solidFill>
+                  <a:schemeClr val="accent6">
+                    <a:lumMod val="75000"/>
+                  </a:schemeClr>
+                </a:solidFill>
+                <a:latin typeface="나눔바른고딕" panose="020B0603020101020101" pitchFamily="50" charset="-127"/>
+                <a:ea typeface="나눔바른고딕" panose="020B0603020101020101" pitchFamily="50" charset="-127"/>
+              </a:rPr>
+              <a:t>매도 합니다</a:t>
+            </a:r>
+            <a:r>
+              <a:rPr lang="en-US" altLang="ko-KR" sz="2400" dirty="0">
+                <a:solidFill>
+                  <a:schemeClr val="accent6">
+                    <a:lumMod val="75000"/>
+                  </a:schemeClr>
+                </a:solidFill>
+                <a:latin typeface="나눔바른고딕" panose="020B0603020101020101" pitchFamily="50" charset="-127"/>
+                <a:ea typeface="나눔바른고딕" panose="020B0603020101020101" pitchFamily="50" charset="-127"/>
+              </a:rPr>
+              <a:t>" </a:t>
+            </a:r>
+            <a:r>
+              <a:rPr lang="ko-KR" altLang="en-US" sz="2400" dirty="0">
+                <a:solidFill>
+                  <a:schemeClr val="bg1">
+                    <a:lumMod val="95000"/>
+                  </a:schemeClr>
+                </a:solidFill>
+                <a:latin typeface="나눔바른고딕" panose="020B0603020101020101" pitchFamily="50" charset="-127"/>
+                <a:ea typeface="나눔바른고딕" panose="020B0603020101020101" pitchFamily="50" charset="-127"/>
+              </a:rPr>
+              <a:t>출력</a:t>
+            </a:r>
+          </a:p>
+          <a:p>
+            <a:pPr algn="ctr"/>
+            <a:endParaRPr lang="ko-KR" altLang="en-US" sz="2400" dirty="0">
+              <a:solidFill>
+                <a:schemeClr val="bg1">
+                  <a:lumMod val="95000"/>
+                </a:schemeClr>
+              </a:solidFill>
+              <a:latin typeface="나눔바른고딕" panose="020B0603020101020101" pitchFamily="50" charset="-127"/>
+              <a:ea typeface="나눔바른고딕" panose="020B0603020101020101" pitchFamily="50" charset="-127"/>
+            </a:endParaRPr>
+          </a:p>
+          <a:p>
+            <a:pPr algn="ctr"/>
+            <a:r>
+              <a:rPr lang="en-US" altLang="ko-KR" sz="2400" dirty="0">
+                <a:solidFill>
+                  <a:schemeClr val="bg1">
+                    <a:lumMod val="95000"/>
+                  </a:schemeClr>
+                </a:solidFill>
+                <a:latin typeface="나눔바른고딕" panose="020B0603020101020101" pitchFamily="50" charset="-127"/>
+                <a:ea typeface="나눔바른고딕" panose="020B0603020101020101" pitchFamily="50" charset="-127"/>
+              </a:rPr>
+              <a:t>2.</a:t>
+            </a:r>
+            <a:r>
+              <a:rPr lang="ko-KR" altLang="en-US" sz="2400" dirty="0">
+                <a:solidFill>
+                  <a:schemeClr val="bg1">
+                    <a:lumMod val="95000"/>
+                  </a:schemeClr>
+                </a:solidFill>
+                <a:latin typeface="나눔바른고딕" panose="020B0603020101020101" pitchFamily="50" charset="-127"/>
+                <a:ea typeface="나눔바른고딕" panose="020B0603020101020101" pitchFamily="50" charset="-127"/>
+              </a:rPr>
+              <a:t>현재가격이 </a:t>
+            </a:r>
+            <a:r>
+              <a:rPr lang="en-US" altLang="ko-KR" sz="2400" dirty="0">
+                <a:solidFill>
+                  <a:schemeClr val="accent6">
+                    <a:lumMod val="75000"/>
+                  </a:schemeClr>
+                </a:solidFill>
+                <a:latin typeface="나눔바른고딕" panose="020B0603020101020101" pitchFamily="50" charset="-127"/>
+                <a:ea typeface="나눔바른고딕" panose="020B0603020101020101" pitchFamily="50" charset="-127"/>
+              </a:rPr>
+              <a:t>6</a:t>
+            </a:r>
+            <a:r>
+              <a:rPr lang="ko-KR" altLang="en-US" sz="2400" dirty="0">
+                <a:solidFill>
+                  <a:schemeClr val="accent6">
+                    <a:lumMod val="75000"/>
+                  </a:schemeClr>
+                </a:solidFill>
+                <a:latin typeface="나눔바른고딕" panose="020B0603020101020101" pitchFamily="50" charset="-127"/>
+                <a:ea typeface="나눔바른고딕" panose="020B0603020101020101" pitchFamily="50" charset="-127"/>
+              </a:rPr>
+              <a:t>만원이상 </a:t>
+            </a:r>
+            <a:r>
+              <a:rPr lang="en-US" altLang="ko-KR" sz="2400" dirty="0">
+                <a:solidFill>
+                  <a:schemeClr val="accent6">
+                    <a:lumMod val="75000"/>
+                  </a:schemeClr>
+                </a:solidFill>
+                <a:latin typeface="나눔바른고딕" panose="020B0603020101020101" pitchFamily="50" charset="-127"/>
+                <a:ea typeface="나눔바른고딕" panose="020B0603020101020101" pitchFamily="50" charset="-127"/>
+              </a:rPr>
+              <a:t>7</a:t>
+            </a:r>
+            <a:r>
+              <a:rPr lang="ko-KR" altLang="en-US" sz="2400" dirty="0">
+                <a:solidFill>
+                  <a:schemeClr val="accent6">
+                    <a:lumMod val="75000"/>
+                  </a:schemeClr>
+                </a:solidFill>
+                <a:latin typeface="나눔바른고딕" panose="020B0603020101020101" pitchFamily="50" charset="-127"/>
+                <a:ea typeface="나눔바른고딕" panose="020B0603020101020101" pitchFamily="50" charset="-127"/>
+              </a:rPr>
+              <a:t>만원미만 </a:t>
+            </a:r>
+            <a:r>
+              <a:rPr lang="ko-KR" altLang="en-US" sz="2400" dirty="0">
+                <a:solidFill>
+                  <a:schemeClr val="bg1">
+                    <a:lumMod val="95000"/>
+                  </a:schemeClr>
+                </a:solidFill>
+                <a:latin typeface="나눔바른고딕" panose="020B0603020101020101" pitchFamily="50" charset="-127"/>
+                <a:ea typeface="나눔바른고딕" panose="020B0603020101020101" pitchFamily="50" charset="-127"/>
+              </a:rPr>
+              <a:t>이면</a:t>
+            </a:r>
+          </a:p>
+          <a:p>
+            <a:pPr algn="ctr"/>
+            <a:r>
+              <a:rPr lang="en-US" altLang="ko-KR" sz="2400" dirty="0">
+                <a:solidFill>
+                  <a:schemeClr val="bg1">
+                    <a:lumMod val="95000"/>
+                  </a:schemeClr>
+                </a:solidFill>
+                <a:latin typeface="나눔바른고딕" panose="020B0603020101020101" pitchFamily="50" charset="-127"/>
+                <a:ea typeface="나눔바른고딕" panose="020B0603020101020101" pitchFamily="50" charset="-127"/>
+              </a:rPr>
+              <a:t>-&gt; </a:t>
+            </a:r>
+            <a:r>
+              <a:rPr lang="en-US" altLang="ko-KR" sz="2400" dirty="0">
+                <a:solidFill>
+                  <a:schemeClr val="accent6">
+                    <a:lumMod val="75000"/>
+                  </a:schemeClr>
+                </a:solidFill>
+                <a:latin typeface="나눔바른고딕" panose="020B0603020101020101" pitchFamily="50" charset="-127"/>
+                <a:ea typeface="나눔바른고딕" panose="020B0603020101020101" pitchFamily="50" charset="-127"/>
+              </a:rPr>
+              <a:t>"</a:t>
+            </a:r>
+            <a:r>
+              <a:rPr lang="ko-KR" altLang="en-US" sz="2400" dirty="0">
+                <a:solidFill>
+                  <a:schemeClr val="accent6">
+                    <a:lumMod val="75000"/>
+                  </a:schemeClr>
+                </a:solidFill>
+                <a:latin typeface="나눔바른고딕" panose="020B0603020101020101" pitchFamily="50" charset="-127"/>
+                <a:ea typeface="나눔바른고딕" panose="020B0603020101020101" pitchFamily="50" charset="-127"/>
+              </a:rPr>
+              <a:t>대기중 입니다</a:t>
+            </a:r>
+            <a:r>
+              <a:rPr lang="en-US" altLang="ko-KR" sz="2400" dirty="0">
+                <a:solidFill>
+                  <a:schemeClr val="accent6">
+                    <a:lumMod val="75000"/>
+                  </a:schemeClr>
+                </a:solidFill>
+                <a:latin typeface="나눔바른고딕" panose="020B0603020101020101" pitchFamily="50" charset="-127"/>
+                <a:ea typeface="나눔바른고딕" panose="020B0603020101020101" pitchFamily="50" charset="-127"/>
+              </a:rPr>
+              <a:t>" </a:t>
+            </a:r>
+            <a:r>
+              <a:rPr lang="ko-KR" altLang="en-US" sz="2400" dirty="0">
+                <a:solidFill>
+                  <a:schemeClr val="bg1">
+                    <a:lumMod val="95000"/>
+                  </a:schemeClr>
+                </a:solidFill>
+                <a:latin typeface="나눔바른고딕" panose="020B0603020101020101" pitchFamily="50" charset="-127"/>
+                <a:ea typeface="나눔바른고딕" panose="020B0603020101020101" pitchFamily="50" charset="-127"/>
+              </a:rPr>
+              <a:t>출력</a:t>
+            </a:r>
+          </a:p>
+          <a:p>
+            <a:pPr algn="ctr"/>
+            <a:endParaRPr lang="ko-KR" altLang="en-US" sz="2400" dirty="0">
+              <a:solidFill>
+                <a:schemeClr val="bg1">
+                  <a:lumMod val="95000"/>
+                </a:schemeClr>
+              </a:solidFill>
+              <a:latin typeface="나눔바른고딕" panose="020B0603020101020101" pitchFamily="50" charset="-127"/>
+              <a:ea typeface="나눔바른고딕" panose="020B0603020101020101" pitchFamily="50" charset="-127"/>
+            </a:endParaRPr>
+          </a:p>
+          <a:p>
+            <a:pPr algn="ctr"/>
+            <a:r>
+              <a:rPr lang="en-US" altLang="ko-KR" sz="2400" dirty="0">
+                <a:solidFill>
+                  <a:schemeClr val="bg1">
+                    <a:lumMod val="95000"/>
+                  </a:schemeClr>
+                </a:solidFill>
+                <a:latin typeface="나눔바른고딕" panose="020B0603020101020101" pitchFamily="50" charset="-127"/>
+                <a:ea typeface="나눔바른고딕" panose="020B0603020101020101" pitchFamily="50" charset="-127"/>
+              </a:rPr>
+              <a:t>3. </a:t>
+            </a:r>
+            <a:r>
+              <a:rPr lang="ko-KR" altLang="en-US" sz="2400" dirty="0">
+                <a:solidFill>
+                  <a:schemeClr val="bg1">
+                    <a:lumMod val="95000"/>
+                  </a:schemeClr>
+                </a:solidFill>
+                <a:latin typeface="나눔바른고딕" panose="020B0603020101020101" pitchFamily="50" charset="-127"/>
+                <a:ea typeface="나눔바른고딕" panose="020B0603020101020101" pitchFamily="50" charset="-127"/>
+              </a:rPr>
+              <a:t>현재가격이 </a:t>
+            </a:r>
+            <a:r>
+              <a:rPr lang="en-US" altLang="ko-KR" sz="2400" dirty="0">
+                <a:solidFill>
+                  <a:schemeClr val="accent6">
+                    <a:lumMod val="75000"/>
+                  </a:schemeClr>
+                </a:solidFill>
+                <a:latin typeface="나눔바른고딕" panose="020B0603020101020101" pitchFamily="50" charset="-127"/>
+                <a:ea typeface="나눔바른고딕" panose="020B0603020101020101" pitchFamily="50" charset="-127"/>
+              </a:rPr>
+              <a:t>6</a:t>
+            </a:r>
+            <a:r>
+              <a:rPr lang="ko-KR" altLang="en-US" sz="2400" dirty="0">
+                <a:solidFill>
+                  <a:schemeClr val="accent6">
+                    <a:lumMod val="75000"/>
+                  </a:schemeClr>
+                </a:solidFill>
+                <a:latin typeface="나눔바른고딕" panose="020B0603020101020101" pitchFamily="50" charset="-127"/>
+                <a:ea typeface="나눔바른고딕" panose="020B0603020101020101" pitchFamily="50" charset="-127"/>
+              </a:rPr>
+              <a:t>만원 미만 </a:t>
+            </a:r>
+            <a:r>
+              <a:rPr lang="ko-KR" altLang="en-US" sz="2400" dirty="0">
+                <a:solidFill>
+                  <a:schemeClr val="bg1">
+                    <a:lumMod val="95000"/>
+                  </a:schemeClr>
+                </a:solidFill>
+                <a:latin typeface="나눔바른고딕" panose="020B0603020101020101" pitchFamily="50" charset="-127"/>
+                <a:ea typeface="나눔바른고딕" panose="020B0603020101020101" pitchFamily="50" charset="-127"/>
+              </a:rPr>
+              <a:t>이면</a:t>
+            </a:r>
+          </a:p>
+          <a:p>
+            <a:pPr algn="ctr"/>
+            <a:r>
+              <a:rPr lang="en-US" altLang="ko-KR" sz="2400" dirty="0">
+                <a:solidFill>
+                  <a:schemeClr val="bg1">
+                    <a:lumMod val="95000"/>
+                  </a:schemeClr>
+                </a:solidFill>
+                <a:latin typeface="나눔바른고딕" panose="020B0603020101020101" pitchFamily="50" charset="-127"/>
+                <a:ea typeface="나눔바른고딕" panose="020B0603020101020101" pitchFamily="50" charset="-127"/>
+              </a:rPr>
+              <a:t>-&gt; </a:t>
+            </a:r>
+            <a:r>
+              <a:rPr lang="en-US" altLang="ko-KR" sz="2400" dirty="0">
+                <a:solidFill>
+                  <a:schemeClr val="accent6">
+                    <a:lumMod val="75000"/>
+                  </a:schemeClr>
+                </a:solidFill>
+                <a:latin typeface="나눔바른고딕" panose="020B0603020101020101" pitchFamily="50" charset="-127"/>
+                <a:ea typeface="나눔바른고딕" panose="020B0603020101020101" pitchFamily="50" charset="-127"/>
+              </a:rPr>
+              <a:t>"</a:t>
+            </a:r>
+            <a:r>
+              <a:rPr lang="ko-KR" altLang="en-US" sz="2400" dirty="0">
+                <a:solidFill>
+                  <a:schemeClr val="accent6">
+                    <a:lumMod val="75000"/>
+                  </a:schemeClr>
+                </a:solidFill>
+                <a:latin typeface="나눔바른고딕" panose="020B0603020101020101" pitchFamily="50" charset="-127"/>
+                <a:ea typeface="나눔바른고딕" panose="020B0603020101020101" pitchFamily="50" charset="-127"/>
+              </a:rPr>
+              <a:t>매수 합니다</a:t>
+            </a:r>
+            <a:r>
+              <a:rPr lang="en-US" altLang="ko-KR" sz="2400" dirty="0">
+                <a:solidFill>
+                  <a:schemeClr val="accent6">
+                    <a:lumMod val="75000"/>
+                  </a:schemeClr>
+                </a:solidFill>
+                <a:latin typeface="나눔바른고딕" panose="020B0603020101020101" pitchFamily="50" charset="-127"/>
+                <a:ea typeface="나눔바른고딕" panose="020B0603020101020101" pitchFamily="50" charset="-127"/>
+              </a:rPr>
+              <a:t>" </a:t>
+            </a:r>
+            <a:r>
+              <a:rPr lang="ko-KR" altLang="en-US" sz="2400" dirty="0">
+                <a:solidFill>
+                  <a:schemeClr val="bg1">
+                    <a:lumMod val="95000"/>
+                  </a:schemeClr>
+                </a:solidFill>
+                <a:latin typeface="나눔바른고딕" panose="020B0603020101020101" pitchFamily="50" charset="-127"/>
+                <a:ea typeface="나눔바른고딕" panose="020B0603020101020101" pitchFamily="50" charset="-127"/>
+              </a:rPr>
+              <a:t>출력</a:t>
+            </a:r>
+          </a:p>
+        </p:txBody>
+      </p:sp>
+    </p:spTree>
+    <p:extLst>
+      <p:ext uri="{BB962C8B-B14F-4D97-AF65-F5344CB8AC3E}">
+        <p14:creationId xmlns:p14="http://schemas.microsoft.com/office/powerpoint/2010/main" val="3047040651"/>
+      </p:ext>
+    </p:extLst>
+  </p:cSld>
+  <p:clrMapOvr>
+    <a:masterClrMapping/>
+  </p:clrMapOvr>
+</p:sld>
+</file>
+
+<file path=ppt/slides/slide8.xml><?xml version="1.0" encoding="utf-8"?>
+<p:sld xmlns:a="http://schemas.openxmlformats.org/drawingml/2006/main" xmlns:r="http://schemas.openxmlformats.org/officeDocument/2006/relationships" xmlns:p="http://schemas.openxmlformats.org/presentationml/2006/main">
+  <p:cSld>
+    <p:bg>
+      <p:bgPr>
+        <a:solidFill>
+          <a:schemeClr val="tx1">
+            <a:lumMod val="85000"/>
+            <a:lumOff val="15000"/>
+          </a:schemeClr>
+        </a:solidFill>
+        <a:effectLst/>
+      </p:bgPr>
+    </p:bg>
+    <p:spTree>
+      <p:nvGrpSpPr>
+        <p:cNvPr id="1" name=""/>
+        <p:cNvGrpSpPr/>
+        <p:nvPr/>
+      </p:nvGrpSpPr>
+      <p:grpSpPr>
+        <a:xfrm>
+          <a:off x="0" y="0"/>
+          <a:ext cx="0" cy="0"/>
+          <a:chOff x="0" y="0"/>
+          <a:chExt cx="0" cy="0"/>
+        </a:xfrm>
+      </p:grpSpPr>
+      <p:sp>
+        <p:nvSpPr>
+          <p:cNvPr id="2" name="TextBox 1">
+            <a:extLst>
+              <a:ext uri="{FF2B5EF4-FFF2-40B4-BE49-F238E27FC236}">
+                <a16:creationId xmlns:a16="http://schemas.microsoft.com/office/drawing/2014/main" id="{0B332A50-CC0E-4C7E-B47E-E7CFBA7B423B}"/>
+              </a:ext>
+            </a:extLst>
+          </p:cNvPr>
+          <p:cNvSpPr txBox="1"/>
+          <p:nvPr/>
+        </p:nvSpPr>
+        <p:spPr>
+          <a:xfrm>
+            <a:off x="2456163" y="2182505"/>
+            <a:ext cx="4993675" cy="2492990"/>
+          </a:xfrm>
+          <a:prstGeom prst="rect">
+            <a:avLst/>
+          </a:prstGeom>
+          <a:noFill/>
+        </p:spPr>
+        <p:txBody>
+          <a:bodyPr wrap="none" rtlCol="0">
+            <a:spAutoFit/>
+          </a:bodyPr>
+          <a:lstStyle/>
+          <a:p>
+            <a:pPr algn="ctr"/>
+            <a:r>
+              <a:rPr lang="ko-KR" altLang="en-US" sz="3600" dirty="0">
+                <a:solidFill>
+                  <a:schemeClr val="accent6">
+                    <a:lumMod val="75000"/>
+                  </a:schemeClr>
+                </a:solidFill>
+                <a:latin typeface="나눔바른고딕" panose="020B0603020101020101" pitchFamily="50" charset="-127"/>
+                <a:ea typeface="나눔바른고딕" panose="020B0603020101020101" pitchFamily="50" charset="-127"/>
+              </a:rPr>
+              <a:t>문제</a:t>
+            </a:r>
+            <a:r>
+              <a:rPr lang="en-US" altLang="ko-KR" sz="3600" dirty="0">
+                <a:solidFill>
+                  <a:schemeClr val="accent6">
+                    <a:lumMod val="75000"/>
+                  </a:schemeClr>
+                </a:solidFill>
+                <a:latin typeface="나눔바른고딕" panose="020B0603020101020101" pitchFamily="50" charset="-127"/>
+                <a:ea typeface="나눔바른고딕" panose="020B0603020101020101" pitchFamily="50" charset="-127"/>
+              </a:rPr>
+              <a:t>6</a:t>
+            </a:r>
+          </a:p>
+          <a:p>
+            <a:pPr algn="ctr"/>
+            <a:endParaRPr lang="en-US" altLang="ko-KR" sz="3600" dirty="0">
+              <a:solidFill>
+                <a:schemeClr val="accent6">
+                  <a:lumMod val="75000"/>
+                </a:schemeClr>
+              </a:solidFill>
+              <a:latin typeface="나눔바른고딕" panose="020B0603020101020101" pitchFamily="50" charset="-127"/>
+              <a:ea typeface="나눔바른고딕" panose="020B0603020101020101" pitchFamily="50" charset="-127"/>
+            </a:endParaRPr>
+          </a:p>
+          <a:p>
+            <a:pPr algn="ctr"/>
+            <a:r>
+              <a:rPr lang="ko-KR" altLang="en-US" sz="2800" dirty="0">
+                <a:solidFill>
+                  <a:schemeClr val="bg1">
+                    <a:lumMod val="95000"/>
+                  </a:schemeClr>
+                </a:solidFill>
+                <a:latin typeface="나눔바른고딕" panose="020B0603020101020101" pitchFamily="50" charset="-127"/>
+                <a:ea typeface="나눔바른고딕" panose="020B0603020101020101" pitchFamily="50" charset="-127"/>
+              </a:rPr>
+              <a:t>사용자로부터 </a:t>
+            </a:r>
+            <a:r>
+              <a:rPr lang="en-US" altLang="ko-KR" sz="2800" dirty="0">
+                <a:solidFill>
+                  <a:schemeClr val="accent6">
+                    <a:lumMod val="75000"/>
+                  </a:schemeClr>
+                </a:solidFill>
+                <a:latin typeface="나눔바른고딕" panose="020B0603020101020101" pitchFamily="50" charset="-127"/>
+                <a:ea typeface="나눔바른고딕" panose="020B0603020101020101" pitchFamily="50" charset="-127"/>
+              </a:rPr>
+              <a:t>-1</a:t>
+            </a:r>
+            <a:r>
+              <a:rPr lang="ko-KR" altLang="en-US" sz="2800" dirty="0">
+                <a:solidFill>
+                  <a:schemeClr val="bg1">
+                    <a:lumMod val="95000"/>
+                  </a:schemeClr>
+                </a:solidFill>
+                <a:latin typeface="나눔바른고딕" panose="020B0603020101020101" pitchFamily="50" charset="-127"/>
+                <a:ea typeface="나눔바른고딕" panose="020B0603020101020101" pitchFamily="50" charset="-127"/>
+              </a:rPr>
+              <a:t>을 입력 받으면 </a:t>
+            </a:r>
+          </a:p>
+          <a:p>
+            <a:pPr algn="ctr"/>
+            <a:r>
+              <a:rPr lang="ko-KR" altLang="en-US" sz="2800" dirty="0">
+                <a:solidFill>
+                  <a:schemeClr val="accent6">
+                    <a:lumMod val="75000"/>
+                  </a:schemeClr>
+                </a:solidFill>
+                <a:latin typeface="나눔바른고딕" panose="020B0603020101020101" pitchFamily="50" charset="-127"/>
+                <a:ea typeface="나눔바른고딕" panose="020B0603020101020101" pitchFamily="50" charset="-127"/>
+              </a:rPr>
+              <a:t>프로그램이 종료 </a:t>
+            </a:r>
+            <a:r>
+              <a:rPr lang="ko-KR" altLang="en-US" sz="2800" dirty="0">
+                <a:solidFill>
+                  <a:schemeClr val="bg1">
+                    <a:lumMod val="95000"/>
+                  </a:schemeClr>
+                </a:solidFill>
+                <a:latin typeface="나눔바른고딕" panose="020B0603020101020101" pitchFamily="50" charset="-127"/>
+                <a:ea typeface="나눔바른고딕" panose="020B0603020101020101" pitchFamily="50" charset="-127"/>
+              </a:rPr>
+              <a:t>되는 프로그램을 </a:t>
+            </a:r>
+          </a:p>
+          <a:p>
+            <a:pPr algn="ctr"/>
+            <a:r>
+              <a:rPr lang="ko-KR" altLang="en-US" sz="2800" dirty="0">
+                <a:solidFill>
+                  <a:schemeClr val="bg1">
+                    <a:lumMod val="95000"/>
+                  </a:schemeClr>
+                </a:solidFill>
+                <a:latin typeface="나눔바른고딕" panose="020B0603020101020101" pitchFamily="50" charset="-127"/>
+                <a:ea typeface="나눔바른고딕" panose="020B0603020101020101" pitchFamily="50" charset="-127"/>
+              </a:rPr>
+              <a:t>작성해보세요</a:t>
+            </a:r>
+            <a:r>
+              <a:rPr lang="en-US" altLang="ko-KR" sz="2800" dirty="0">
+                <a:solidFill>
+                  <a:schemeClr val="bg1">
+                    <a:lumMod val="95000"/>
+                  </a:schemeClr>
+                </a:solidFill>
+                <a:latin typeface="나눔바른고딕" panose="020B0603020101020101" pitchFamily="50" charset="-127"/>
+                <a:ea typeface="나눔바른고딕" panose="020B0603020101020101" pitchFamily="50" charset="-127"/>
+              </a:rPr>
+              <a:t>.</a:t>
+            </a:r>
+          </a:p>
+        </p:txBody>
+      </p:sp>
+    </p:spTree>
+    <p:extLst>
+      <p:ext uri="{BB962C8B-B14F-4D97-AF65-F5344CB8AC3E}">
+        <p14:creationId xmlns:p14="http://schemas.microsoft.com/office/powerpoint/2010/main" val="3794521778"/>
+      </p:ext>
+    </p:extLst>
+  </p:cSld>
+  <p:clrMapOvr>
+    <a:masterClrMapping/>
+  </p:clrMapOvr>
+</p:sld>
+</file>
+
+<file path=ppt/slides/slide9.xml><?xml version="1.0" encoding="utf-8"?>
+<p:sld xmlns:a="http://schemas.openxmlformats.org/drawingml/2006/main" xmlns:r="http://schemas.openxmlformats.org/officeDocument/2006/relationships" xmlns:p="http://schemas.openxmlformats.org/presentationml/2006/main">
+  <p:cSld>
+    <p:bg>
+      <p:bgPr>
+        <a:solidFill>
+          <a:schemeClr val="tx1">
+            <a:lumMod val="85000"/>
+            <a:lumOff val="15000"/>
+          </a:schemeClr>
+        </a:solidFill>
+        <a:effectLst/>
+      </p:bgPr>
+    </p:bg>
+    <p:spTree>
+      <p:nvGrpSpPr>
+        <p:cNvPr id="1" name=""/>
+        <p:cNvGrpSpPr/>
+        <p:nvPr/>
+      </p:nvGrpSpPr>
+      <p:grpSpPr>
+        <a:xfrm>
+          <a:off x="0" y="0"/>
+          <a:ext cx="0" cy="0"/>
+          <a:chOff x="0" y="0"/>
+          <a:chExt cx="0" cy="0"/>
+        </a:xfrm>
+      </p:grpSpPr>
+      <p:sp>
+        <p:nvSpPr>
+          <p:cNvPr id="2" name="TextBox 1">
+            <a:extLst>
+              <a:ext uri="{FF2B5EF4-FFF2-40B4-BE49-F238E27FC236}">
+                <a16:creationId xmlns:a16="http://schemas.microsoft.com/office/drawing/2014/main" id="{0B332A50-CC0E-4C7E-B47E-E7CFBA7B423B}"/>
+              </a:ext>
+            </a:extLst>
+          </p:cNvPr>
+          <p:cNvSpPr txBox="1"/>
+          <p:nvPr/>
+        </p:nvSpPr>
+        <p:spPr>
+          <a:xfrm>
             <a:off x="200472" y="2182505"/>
             <a:ext cx="4993675" cy="2492990"/>
           </a:xfrm>
@@ -5551,7 +7226,7 @@
                 <a:latin typeface="나눔바른고딕" panose="020B0603020101020101" pitchFamily="50" charset="-127"/>
                 <a:ea typeface="나눔바른고딕" panose="020B0603020101020101" pitchFamily="50" charset="-127"/>
               </a:rPr>
-              <a:t>4</a:t>
+              <a:t>6</a:t>
             </a:r>
           </a:p>
           <a:p>
@@ -5711,476 +7386,18 @@
   <p:clrMapOvr>
     <a:masterClrMapping/>
   </p:clrMapOvr>
-  <mc:AlternateContent xmlns:mc="http://schemas.openxmlformats.org/markup-compatibility/2006">
-    <mc:Choice xmlns:p159="http://schemas.microsoft.com/office/powerpoint/2015/09/main" Requires="p159">
+  <mc:AlternateContent xmlns:mc="http://schemas.openxmlformats.org/markup-compatibility/2006" xmlns:p159="http://schemas.microsoft.com/office/powerpoint/2015/09/main">
+    <mc:Choice Requires="p159">
       <p:transition xmlns:p14="http://schemas.microsoft.com/office/powerpoint/2010/main" spd="slow" p14:dur="2000">
         <p159:morph option="byObject"/>
       </p:transition>
     </mc:Choice>
-    <mc:Fallback>
+    <mc:Fallback xmlns="">
       <p:transition spd="slow">
         <p:fade/>
       </p:transition>
     </mc:Fallback>
   </mc:AlternateContent>
-</p:sld>
-</file>
-
-<file path=ppt/slides/slide8.xml><?xml version="1.0" encoding="utf-8"?>
-<p:sld xmlns:a="http://schemas.openxmlformats.org/drawingml/2006/main" xmlns:r="http://schemas.openxmlformats.org/officeDocument/2006/relationships" xmlns:p="http://schemas.openxmlformats.org/presentationml/2006/main">
-  <p:cSld>
-    <p:bg>
-      <p:bgPr>
-        <a:solidFill>
-          <a:schemeClr val="tx1">
-            <a:lumMod val="85000"/>
-            <a:lumOff val="15000"/>
-          </a:schemeClr>
-        </a:solidFill>
-        <a:effectLst/>
-      </p:bgPr>
-    </p:bg>
-    <p:spTree>
-      <p:nvGrpSpPr>
-        <p:cNvPr id="1" name=""/>
-        <p:cNvGrpSpPr/>
-        <p:nvPr/>
-      </p:nvGrpSpPr>
-      <p:grpSpPr>
-        <a:xfrm>
-          <a:off x="0" y="0"/>
-          <a:ext cx="0" cy="0"/>
-          <a:chOff x="0" y="0"/>
-          <a:chExt cx="0" cy="0"/>
-        </a:xfrm>
-      </p:grpSpPr>
-      <p:sp>
-        <p:nvSpPr>
-          <p:cNvPr id="2" name="TextBox 1">
-            <a:extLst>
-              <a:ext uri="{FF2B5EF4-FFF2-40B4-BE49-F238E27FC236}">
-                <a16:creationId xmlns:a16="http://schemas.microsoft.com/office/drawing/2014/main" id="{0B332A50-CC0E-4C7E-B47E-E7CFBA7B423B}"/>
-              </a:ext>
-            </a:extLst>
-          </p:cNvPr>
-          <p:cNvSpPr txBox="1"/>
-          <p:nvPr/>
-        </p:nvSpPr>
-        <p:spPr>
-          <a:xfrm>
-            <a:off x="1536039" y="2397949"/>
-            <a:ext cx="6833922" cy="2062103"/>
-          </a:xfrm>
-          <a:prstGeom prst="rect">
-            <a:avLst/>
-          </a:prstGeom>
-          <a:noFill/>
-        </p:spPr>
-        <p:txBody>
-          <a:bodyPr wrap="none" rtlCol="0">
-            <a:spAutoFit/>
-          </a:bodyPr>
-          <a:lstStyle/>
-          <a:p>
-            <a:pPr algn="ctr"/>
-            <a:r>
-              <a:rPr lang="ko-KR" altLang="en-US" sz="3600" dirty="0">
-                <a:solidFill>
-                  <a:schemeClr val="accent6">
-                    <a:lumMod val="75000"/>
-                  </a:schemeClr>
-                </a:solidFill>
-                <a:latin typeface="나눔바른고딕" panose="020B0603020101020101" pitchFamily="50" charset="-127"/>
-                <a:ea typeface="나눔바른고딕" panose="020B0603020101020101" pitchFamily="50" charset="-127"/>
-              </a:rPr>
-              <a:t>문제</a:t>
-            </a:r>
-            <a:r>
-              <a:rPr lang="en-US" altLang="ko-KR" sz="3600" dirty="0">
-                <a:solidFill>
-                  <a:schemeClr val="accent6">
-                    <a:lumMod val="75000"/>
-                  </a:schemeClr>
-                </a:solidFill>
-                <a:latin typeface="나눔바른고딕" panose="020B0603020101020101" pitchFamily="50" charset="-127"/>
-                <a:ea typeface="나눔바른고딕" panose="020B0603020101020101" pitchFamily="50" charset="-127"/>
-              </a:rPr>
-              <a:t>5</a:t>
-            </a:r>
-          </a:p>
-          <a:p>
-            <a:pPr algn="ctr"/>
-            <a:endParaRPr lang="en-US" altLang="ko-KR" sz="3600" dirty="0">
-              <a:solidFill>
-                <a:schemeClr val="accent6">
-                  <a:lumMod val="75000"/>
-                </a:schemeClr>
-              </a:solidFill>
-              <a:latin typeface="나눔바른고딕" panose="020B0603020101020101" pitchFamily="50" charset="-127"/>
-              <a:ea typeface="나눔바른고딕" panose="020B0603020101020101" pitchFamily="50" charset="-127"/>
-            </a:endParaRPr>
-          </a:p>
-          <a:p>
-            <a:pPr algn="ctr"/>
-            <a:r>
-              <a:rPr lang="ko-KR" altLang="en-US" sz="2800" dirty="0">
-                <a:solidFill>
-                  <a:schemeClr val="bg1">
-                    <a:lumMod val="95000"/>
-                  </a:schemeClr>
-                </a:solidFill>
-                <a:latin typeface="나눔바른고딕" panose="020B0603020101020101" pitchFamily="50" charset="-127"/>
-                <a:ea typeface="나눔바른고딕" panose="020B0603020101020101" pitchFamily="50" charset="-127"/>
-              </a:rPr>
-              <a:t>사용자로부터 </a:t>
-            </a:r>
-            <a:r>
-              <a:rPr lang="ko-KR" altLang="en-US" sz="2800" dirty="0">
-                <a:solidFill>
-                  <a:schemeClr val="accent6">
-                    <a:lumMod val="75000"/>
-                  </a:schemeClr>
-                </a:solidFill>
-                <a:latin typeface="나눔바른고딕" panose="020B0603020101020101" pitchFamily="50" charset="-127"/>
-                <a:ea typeface="나눔바른고딕" panose="020B0603020101020101" pitchFamily="50" charset="-127"/>
-              </a:rPr>
-              <a:t>한개의 자연수</a:t>
-            </a:r>
-            <a:r>
-              <a:rPr lang="ko-KR" altLang="en-US" sz="2800" dirty="0">
-                <a:solidFill>
-                  <a:schemeClr val="bg1">
-                    <a:lumMod val="95000"/>
-                  </a:schemeClr>
-                </a:solidFill>
-                <a:latin typeface="나눔바른고딕" panose="020B0603020101020101" pitchFamily="50" charset="-127"/>
-                <a:ea typeface="나눔바른고딕" panose="020B0603020101020101" pitchFamily="50" charset="-127"/>
-              </a:rPr>
-              <a:t>를 입력 받고</a:t>
-            </a:r>
-            <a:r>
-              <a:rPr lang="en-US" altLang="ko-KR" sz="2800" dirty="0">
-                <a:solidFill>
-                  <a:schemeClr val="bg1">
-                    <a:lumMod val="95000"/>
-                  </a:schemeClr>
-                </a:solidFill>
-                <a:latin typeface="나눔바른고딕" panose="020B0603020101020101" pitchFamily="50" charset="-127"/>
-                <a:ea typeface="나눔바른고딕" panose="020B0603020101020101" pitchFamily="50" charset="-127"/>
-              </a:rPr>
-              <a:t>, </a:t>
-            </a:r>
-          </a:p>
-          <a:p>
-            <a:pPr algn="ctr"/>
-            <a:r>
-              <a:rPr lang="en-US" altLang="ko-KR" sz="2800" dirty="0">
-                <a:solidFill>
-                  <a:schemeClr val="accent6">
-                    <a:lumMod val="75000"/>
-                  </a:schemeClr>
-                </a:solidFill>
-                <a:latin typeface="나눔바른고딕" panose="020B0603020101020101" pitchFamily="50" charset="-127"/>
-                <a:ea typeface="나눔바른고딕" panose="020B0603020101020101" pitchFamily="50" charset="-127"/>
-              </a:rPr>
-              <a:t>1</a:t>
-            </a:r>
-            <a:r>
-              <a:rPr lang="ko-KR" altLang="en-US" sz="2800" dirty="0">
-                <a:solidFill>
-                  <a:schemeClr val="accent6">
-                    <a:lumMod val="75000"/>
-                  </a:schemeClr>
-                </a:solidFill>
-                <a:latin typeface="나눔바른고딕" panose="020B0603020101020101" pitchFamily="50" charset="-127"/>
-                <a:ea typeface="나눔바른고딕" panose="020B0603020101020101" pitchFamily="50" charset="-127"/>
-              </a:rPr>
-              <a:t>부터 입력 받은 수 </a:t>
-            </a:r>
-            <a:r>
-              <a:rPr lang="ko-KR" altLang="en-US" sz="2800" dirty="0">
-                <a:solidFill>
-                  <a:schemeClr val="bg1">
-                    <a:lumMod val="95000"/>
-                  </a:schemeClr>
-                </a:solidFill>
-                <a:latin typeface="나눔바른고딕" panose="020B0603020101020101" pitchFamily="50" charset="-127"/>
-                <a:ea typeface="나눔바른고딕" panose="020B0603020101020101" pitchFamily="50" charset="-127"/>
-              </a:rPr>
-              <a:t>까지의 </a:t>
-            </a:r>
-            <a:r>
-              <a:rPr lang="ko-KR" altLang="en-US" sz="2800" dirty="0">
-                <a:solidFill>
-                  <a:schemeClr val="accent6">
-                    <a:lumMod val="75000"/>
-                  </a:schemeClr>
-                </a:solidFill>
-                <a:latin typeface="나눔바른고딕" panose="020B0603020101020101" pitchFamily="50" charset="-127"/>
-                <a:ea typeface="나눔바른고딕" panose="020B0603020101020101" pitchFamily="50" charset="-127"/>
-              </a:rPr>
-              <a:t>합계</a:t>
-            </a:r>
-            <a:r>
-              <a:rPr lang="ko-KR" altLang="en-US" sz="2800" dirty="0">
-                <a:solidFill>
-                  <a:schemeClr val="bg1">
-                    <a:lumMod val="95000"/>
-                  </a:schemeClr>
-                </a:solidFill>
-                <a:latin typeface="나눔바른고딕" panose="020B0603020101020101" pitchFamily="50" charset="-127"/>
-                <a:ea typeface="나눔바른고딕" panose="020B0603020101020101" pitchFamily="50" charset="-127"/>
-              </a:rPr>
-              <a:t>를 출력하세요</a:t>
-            </a:r>
-            <a:r>
-              <a:rPr lang="en-US" altLang="ko-KR" sz="2800" dirty="0">
-                <a:solidFill>
-                  <a:schemeClr val="bg1">
-                    <a:lumMod val="95000"/>
-                  </a:schemeClr>
-                </a:solidFill>
-                <a:latin typeface="나눔바른고딕" panose="020B0603020101020101" pitchFamily="50" charset="-127"/>
-                <a:ea typeface="나눔바른고딕" panose="020B0603020101020101" pitchFamily="50" charset="-127"/>
-              </a:rPr>
-              <a:t>.</a:t>
-            </a:r>
-          </a:p>
-        </p:txBody>
-      </p:sp>
-    </p:spTree>
-    <p:extLst>
-      <p:ext uri="{BB962C8B-B14F-4D97-AF65-F5344CB8AC3E}">
-        <p14:creationId xmlns:p14="http://schemas.microsoft.com/office/powerpoint/2010/main" val="271670762"/>
-      </p:ext>
-    </p:extLst>
-  </p:cSld>
-  <p:clrMapOvr>
-    <a:masterClrMapping/>
-  </p:clrMapOvr>
-</p:sld>
-</file>
-
-<file path=ppt/slides/slide9.xml><?xml version="1.0" encoding="utf-8"?>
-<p:sld xmlns:a="http://schemas.openxmlformats.org/drawingml/2006/main" xmlns:r="http://schemas.openxmlformats.org/officeDocument/2006/relationships" xmlns:p="http://schemas.openxmlformats.org/presentationml/2006/main">
-  <p:cSld>
-    <p:bg>
-      <p:bgPr>
-        <a:solidFill>
-          <a:schemeClr val="tx1">
-            <a:lumMod val="85000"/>
-            <a:lumOff val="15000"/>
-          </a:schemeClr>
-        </a:solidFill>
-        <a:effectLst/>
-      </p:bgPr>
-    </p:bg>
-    <p:spTree>
-      <p:nvGrpSpPr>
-        <p:cNvPr id="1" name=""/>
-        <p:cNvGrpSpPr/>
-        <p:nvPr/>
-      </p:nvGrpSpPr>
-      <p:grpSpPr>
-        <a:xfrm>
-          <a:off x="0" y="0"/>
-          <a:ext cx="0" cy="0"/>
-          <a:chOff x="0" y="0"/>
-          <a:chExt cx="0" cy="0"/>
-        </a:xfrm>
-      </p:grpSpPr>
-      <p:sp>
-        <p:nvSpPr>
-          <p:cNvPr id="2" name="TextBox 1">
-            <a:extLst>
-              <a:ext uri="{FF2B5EF4-FFF2-40B4-BE49-F238E27FC236}">
-                <a16:creationId xmlns:a16="http://schemas.microsoft.com/office/drawing/2014/main" id="{0B332A50-CC0E-4C7E-B47E-E7CFBA7B423B}"/>
-              </a:ext>
-            </a:extLst>
-          </p:cNvPr>
-          <p:cNvSpPr txBox="1"/>
-          <p:nvPr/>
-        </p:nvSpPr>
-        <p:spPr>
-          <a:xfrm>
-            <a:off x="3177514" y="1751618"/>
-            <a:ext cx="3550972" cy="3354765"/>
-          </a:xfrm>
-          <a:prstGeom prst="rect">
-            <a:avLst/>
-          </a:prstGeom>
-          <a:noFill/>
-        </p:spPr>
-        <p:txBody>
-          <a:bodyPr wrap="none" rtlCol="0">
-            <a:spAutoFit/>
-          </a:bodyPr>
-          <a:lstStyle/>
-          <a:p>
-            <a:pPr algn="ctr"/>
-            <a:r>
-              <a:rPr lang="ko-KR" altLang="en-US" sz="3600" dirty="0">
-                <a:solidFill>
-                  <a:schemeClr val="accent6">
-                    <a:lumMod val="75000"/>
-                  </a:schemeClr>
-                </a:solidFill>
-                <a:latin typeface="나눔바른고딕" panose="020B0603020101020101" pitchFamily="50" charset="-127"/>
-                <a:ea typeface="나눔바른고딕" panose="020B0603020101020101" pitchFamily="50" charset="-127"/>
-              </a:rPr>
-              <a:t>문제</a:t>
-            </a:r>
-            <a:r>
-              <a:rPr lang="en-US" altLang="ko-KR" sz="3600" dirty="0">
-                <a:solidFill>
-                  <a:schemeClr val="accent6">
-                    <a:lumMod val="75000"/>
-                  </a:schemeClr>
-                </a:solidFill>
-                <a:latin typeface="나눔바른고딕" panose="020B0603020101020101" pitchFamily="50" charset="-127"/>
-                <a:ea typeface="나눔바른고딕" panose="020B0603020101020101" pitchFamily="50" charset="-127"/>
-              </a:rPr>
-              <a:t>6</a:t>
-            </a:r>
-          </a:p>
-          <a:p>
-            <a:pPr algn="ctr"/>
-            <a:endParaRPr lang="en-US" altLang="ko-KR" sz="3600" dirty="0">
-              <a:solidFill>
-                <a:schemeClr val="accent6">
-                  <a:lumMod val="75000"/>
-                </a:schemeClr>
-              </a:solidFill>
-              <a:latin typeface="나눔바른고딕" panose="020B0603020101020101" pitchFamily="50" charset="-127"/>
-              <a:ea typeface="나눔바른고딕" panose="020B0603020101020101" pitchFamily="50" charset="-127"/>
-            </a:endParaRPr>
-          </a:p>
-          <a:p>
-            <a:pPr algn="ctr"/>
-            <a:r>
-              <a:rPr lang="ko-KR" altLang="en-US" sz="2800" dirty="0">
-                <a:solidFill>
-                  <a:schemeClr val="bg1">
-                    <a:lumMod val="95000"/>
-                  </a:schemeClr>
-                </a:solidFill>
-                <a:latin typeface="나눔바른고딕" panose="020B0603020101020101" pitchFamily="50" charset="-127"/>
-                <a:ea typeface="나눔바른고딕" panose="020B0603020101020101" pitchFamily="50" charset="-127"/>
-              </a:rPr>
-              <a:t>간단한 게임메뉴 만들기</a:t>
-            </a:r>
-            <a:endParaRPr lang="en-US" altLang="ko-KR" sz="2800" dirty="0">
-              <a:solidFill>
-                <a:schemeClr val="bg1">
-                  <a:lumMod val="95000"/>
-                </a:schemeClr>
-              </a:solidFill>
-              <a:latin typeface="나눔바른고딕" panose="020B0603020101020101" pitchFamily="50" charset="-127"/>
-              <a:ea typeface="나눔바른고딕" panose="020B0603020101020101" pitchFamily="50" charset="-127"/>
-            </a:endParaRPr>
-          </a:p>
-          <a:p>
-            <a:pPr algn="ctr"/>
-            <a:endParaRPr lang="en-US" altLang="ko-KR" sz="2800" dirty="0">
-              <a:solidFill>
-                <a:schemeClr val="bg1">
-                  <a:lumMod val="95000"/>
-                </a:schemeClr>
-              </a:solidFill>
-              <a:latin typeface="나눔바른고딕" panose="020B0603020101020101" pitchFamily="50" charset="-127"/>
-              <a:ea typeface="나눔바른고딕" panose="020B0603020101020101" pitchFamily="50" charset="-127"/>
-            </a:endParaRPr>
-          </a:p>
-          <a:p>
-            <a:pPr marL="514350" indent="-514350" algn="ctr">
-              <a:buAutoNum type="arabicPeriod"/>
-            </a:pPr>
-            <a:r>
-              <a:rPr lang="ko-KR" altLang="en-US" sz="2800" dirty="0">
-                <a:solidFill>
-                  <a:schemeClr val="bg1">
-                    <a:lumMod val="95000"/>
-                  </a:schemeClr>
-                </a:solidFill>
-                <a:latin typeface="나눔바른고딕" panose="020B0603020101020101" pitchFamily="50" charset="-127"/>
-                <a:ea typeface="나눔바른고딕" panose="020B0603020101020101" pitchFamily="50" charset="-127"/>
-              </a:rPr>
-              <a:t>게임시작</a:t>
-            </a:r>
-            <a:endParaRPr lang="en-US" altLang="ko-KR" sz="2800" dirty="0">
-              <a:solidFill>
-                <a:schemeClr val="bg1">
-                  <a:lumMod val="95000"/>
-                </a:schemeClr>
-              </a:solidFill>
-              <a:latin typeface="나눔바른고딕" panose="020B0603020101020101" pitchFamily="50" charset="-127"/>
-              <a:ea typeface="나눔바른고딕" panose="020B0603020101020101" pitchFamily="50" charset="-127"/>
-            </a:endParaRPr>
-          </a:p>
-          <a:p>
-            <a:pPr marL="514350" indent="-514350" algn="ctr">
-              <a:buAutoNum type="arabicPeriod"/>
-            </a:pPr>
-            <a:r>
-              <a:rPr lang="ko-KR" altLang="en-US" sz="2800" dirty="0">
-                <a:solidFill>
-                  <a:schemeClr val="bg1">
-                    <a:lumMod val="95000"/>
-                  </a:schemeClr>
-                </a:solidFill>
-                <a:latin typeface="나눔바른고딕" panose="020B0603020101020101" pitchFamily="50" charset="-127"/>
-                <a:ea typeface="나눔바른고딕" panose="020B0603020101020101" pitchFamily="50" charset="-127"/>
-              </a:rPr>
-              <a:t>랭킹보기</a:t>
-            </a:r>
-            <a:endParaRPr lang="en-US" altLang="ko-KR" sz="2800" dirty="0">
-              <a:solidFill>
-                <a:schemeClr val="bg1">
-                  <a:lumMod val="95000"/>
-                </a:schemeClr>
-              </a:solidFill>
-              <a:latin typeface="나눔바른고딕" panose="020B0603020101020101" pitchFamily="50" charset="-127"/>
-              <a:ea typeface="나눔바른고딕" panose="020B0603020101020101" pitchFamily="50" charset="-127"/>
-            </a:endParaRPr>
-          </a:p>
-          <a:p>
-            <a:pPr marL="514350" indent="-514350" algn="ctr">
-              <a:buAutoNum type="arabicPeriod"/>
-            </a:pPr>
-            <a:r>
-              <a:rPr lang="ko-KR" altLang="en-US" sz="2800" dirty="0">
-                <a:solidFill>
-                  <a:schemeClr val="bg1">
-                    <a:lumMod val="95000"/>
-                  </a:schemeClr>
-                </a:solidFill>
-                <a:latin typeface="나눔바른고딕" panose="020B0603020101020101" pitchFamily="50" charset="-127"/>
-                <a:ea typeface="나눔바른고딕" panose="020B0603020101020101" pitchFamily="50" charset="-127"/>
-              </a:rPr>
-              <a:t>게임종료</a:t>
-            </a:r>
-            <a:endParaRPr lang="en-US" altLang="ko-KR" sz="2800" dirty="0">
-              <a:solidFill>
-                <a:schemeClr val="bg1">
-                  <a:lumMod val="95000"/>
-                </a:schemeClr>
-              </a:solidFill>
-              <a:latin typeface="나눔바른고딕" panose="020B0603020101020101" pitchFamily="50" charset="-127"/>
-              <a:ea typeface="나눔바른고딕" panose="020B0603020101020101" pitchFamily="50" charset="-127"/>
-            </a:endParaRPr>
-          </a:p>
-        </p:txBody>
-      </p:sp>
-    </p:spTree>
-    <p:extLst>
-      <p:ext uri="{BB962C8B-B14F-4D97-AF65-F5344CB8AC3E}">
-        <p14:creationId xmlns:p14="http://schemas.microsoft.com/office/powerpoint/2010/main" val="679470865"/>
-      </p:ext>
-    </p:extLst>
-  </p:cSld>
-  <p:clrMapOvr>
-    <a:masterClrMapping/>
-  </p:clrMapOvr>
 </p:sld>
 </file>
 

--- a/2021작심두달웹크롤링/웹크롤링(PPT)/작심두달 웹크롤링 멘토링 수업 - 1. 파이썬 기초 문제.pptx
+++ b/2021작심두달웹크롤링/웹크롤링(PPT)/작심두달 웹크롤링 멘토링 수업 - 1. 파이썬 기초 문제.pptx
@@ -5,26 +5,27 @@
     <p:sldMasterId id="2147483648" r:id="rId1"/>
   </p:sldMasterIdLst>
   <p:handoutMasterIdLst>
-    <p:handoutMasterId r:id="rId19"/>
+    <p:handoutMasterId r:id="rId20"/>
   </p:handoutMasterIdLst>
   <p:sldIdLst>
     <p:sldId id="256" r:id="rId2"/>
-    <p:sldId id="278" r:id="rId3"/>
-    <p:sldId id="279" r:id="rId4"/>
-    <p:sldId id="264" r:id="rId5"/>
-    <p:sldId id="265" r:id="rId6"/>
-    <p:sldId id="272" r:id="rId7"/>
-    <p:sldId id="266" r:id="rId8"/>
-    <p:sldId id="268" r:id="rId9"/>
-    <p:sldId id="273" r:id="rId10"/>
-    <p:sldId id="269" r:id="rId11"/>
-    <p:sldId id="270" r:id="rId12"/>
-    <p:sldId id="271" r:id="rId13"/>
-    <p:sldId id="274" r:id="rId14"/>
-    <p:sldId id="275" r:id="rId15"/>
-    <p:sldId id="276" r:id="rId16"/>
-    <p:sldId id="277" r:id="rId17"/>
-    <p:sldId id="263" r:id="rId18"/>
+    <p:sldId id="281" r:id="rId3"/>
+    <p:sldId id="280" r:id="rId4"/>
+    <p:sldId id="278" r:id="rId5"/>
+    <p:sldId id="279" r:id="rId6"/>
+    <p:sldId id="264" r:id="rId7"/>
+    <p:sldId id="265" r:id="rId8"/>
+    <p:sldId id="272" r:id="rId9"/>
+    <p:sldId id="266" r:id="rId10"/>
+    <p:sldId id="268" r:id="rId11"/>
+    <p:sldId id="273" r:id="rId12"/>
+    <p:sldId id="269" r:id="rId13"/>
+    <p:sldId id="270" r:id="rId14"/>
+    <p:sldId id="271" r:id="rId15"/>
+    <p:sldId id="274" r:id="rId16"/>
+    <p:sldId id="275" r:id="rId17"/>
+    <p:sldId id="276" r:id="rId18"/>
+    <p:sldId id="282" r:id="rId19"/>
   </p:sldIdLst>
   <p:sldSz cx="9906000" cy="6858000" type="A4"/>
   <p:notesSz cx="10020300" cy="6888163"/>
@@ -3370,6 +3371,474 @@
         </p:nvSpPr>
         <p:spPr>
           <a:xfrm>
+            <a:off x="2456163" y="2182505"/>
+            <a:ext cx="4993675" cy="2492990"/>
+          </a:xfrm>
+          <a:prstGeom prst="rect">
+            <a:avLst/>
+          </a:prstGeom>
+          <a:noFill/>
+        </p:spPr>
+        <p:txBody>
+          <a:bodyPr wrap="none" rtlCol="0">
+            <a:spAutoFit/>
+          </a:bodyPr>
+          <a:lstStyle/>
+          <a:p>
+            <a:pPr algn="ctr"/>
+            <a:r>
+              <a:rPr lang="ko-KR" altLang="en-US" sz="3600" dirty="0">
+                <a:solidFill>
+                  <a:schemeClr val="accent6">
+                    <a:lumMod val="75000"/>
+                  </a:schemeClr>
+                </a:solidFill>
+                <a:latin typeface="나눔바른고딕" panose="020B0603020101020101" pitchFamily="50" charset="-127"/>
+                <a:ea typeface="나눔바른고딕" panose="020B0603020101020101" pitchFamily="50" charset="-127"/>
+              </a:rPr>
+              <a:t>문제</a:t>
+            </a:r>
+            <a:r>
+              <a:rPr lang="en-US" altLang="ko-KR" sz="3600" dirty="0">
+                <a:solidFill>
+                  <a:schemeClr val="accent6">
+                    <a:lumMod val="75000"/>
+                  </a:schemeClr>
+                </a:solidFill>
+                <a:latin typeface="나눔바른고딕" panose="020B0603020101020101" pitchFamily="50" charset="-127"/>
+                <a:ea typeface="나눔바른고딕" panose="020B0603020101020101" pitchFamily="50" charset="-127"/>
+              </a:rPr>
+              <a:t>6</a:t>
+            </a:r>
+          </a:p>
+          <a:p>
+            <a:pPr algn="ctr"/>
+            <a:endParaRPr lang="en-US" altLang="ko-KR" sz="3600" dirty="0">
+              <a:solidFill>
+                <a:schemeClr val="accent6">
+                  <a:lumMod val="75000"/>
+                </a:schemeClr>
+              </a:solidFill>
+              <a:latin typeface="나눔바른고딕" panose="020B0603020101020101" pitchFamily="50" charset="-127"/>
+              <a:ea typeface="나눔바른고딕" panose="020B0603020101020101" pitchFamily="50" charset="-127"/>
+            </a:endParaRPr>
+          </a:p>
+          <a:p>
+            <a:pPr algn="ctr"/>
+            <a:r>
+              <a:rPr lang="ko-KR" altLang="en-US" sz="2800" dirty="0">
+                <a:solidFill>
+                  <a:schemeClr val="bg1">
+                    <a:lumMod val="95000"/>
+                  </a:schemeClr>
+                </a:solidFill>
+                <a:latin typeface="나눔바른고딕" panose="020B0603020101020101" pitchFamily="50" charset="-127"/>
+                <a:ea typeface="나눔바른고딕" panose="020B0603020101020101" pitchFamily="50" charset="-127"/>
+              </a:rPr>
+              <a:t>사용자로부터 </a:t>
+            </a:r>
+            <a:r>
+              <a:rPr lang="en-US" altLang="ko-KR" sz="2800" dirty="0">
+                <a:solidFill>
+                  <a:schemeClr val="accent6">
+                    <a:lumMod val="75000"/>
+                  </a:schemeClr>
+                </a:solidFill>
+                <a:latin typeface="나눔바른고딕" panose="020B0603020101020101" pitchFamily="50" charset="-127"/>
+                <a:ea typeface="나눔바른고딕" panose="020B0603020101020101" pitchFamily="50" charset="-127"/>
+              </a:rPr>
+              <a:t>-1</a:t>
+            </a:r>
+            <a:r>
+              <a:rPr lang="ko-KR" altLang="en-US" sz="2800" dirty="0">
+                <a:solidFill>
+                  <a:schemeClr val="bg1">
+                    <a:lumMod val="95000"/>
+                  </a:schemeClr>
+                </a:solidFill>
+                <a:latin typeface="나눔바른고딕" panose="020B0603020101020101" pitchFamily="50" charset="-127"/>
+                <a:ea typeface="나눔바른고딕" panose="020B0603020101020101" pitchFamily="50" charset="-127"/>
+              </a:rPr>
+              <a:t>을 입력 받으면 </a:t>
+            </a:r>
+          </a:p>
+          <a:p>
+            <a:pPr algn="ctr"/>
+            <a:r>
+              <a:rPr lang="ko-KR" altLang="en-US" sz="2800" dirty="0">
+                <a:solidFill>
+                  <a:schemeClr val="accent6">
+                    <a:lumMod val="75000"/>
+                  </a:schemeClr>
+                </a:solidFill>
+                <a:latin typeface="나눔바른고딕" panose="020B0603020101020101" pitchFamily="50" charset="-127"/>
+                <a:ea typeface="나눔바른고딕" panose="020B0603020101020101" pitchFamily="50" charset="-127"/>
+              </a:rPr>
+              <a:t>프로그램이 종료 </a:t>
+            </a:r>
+            <a:r>
+              <a:rPr lang="ko-KR" altLang="en-US" sz="2800" dirty="0">
+                <a:solidFill>
+                  <a:schemeClr val="bg1">
+                    <a:lumMod val="95000"/>
+                  </a:schemeClr>
+                </a:solidFill>
+                <a:latin typeface="나눔바른고딕" panose="020B0603020101020101" pitchFamily="50" charset="-127"/>
+                <a:ea typeface="나눔바른고딕" panose="020B0603020101020101" pitchFamily="50" charset="-127"/>
+              </a:rPr>
+              <a:t>되는 프로그램을 </a:t>
+            </a:r>
+          </a:p>
+          <a:p>
+            <a:pPr algn="ctr"/>
+            <a:r>
+              <a:rPr lang="ko-KR" altLang="en-US" sz="2800" dirty="0">
+                <a:solidFill>
+                  <a:schemeClr val="bg1">
+                    <a:lumMod val="95000"/>
+                  </a:schemeClr>
+                </a:solidFill>
+                <a:latin typeface="나눔바른고딕" panose="020B0603020101020101" pitchFamily="50" charset="-127"/>
+                <a:ea typeface="나눔바른고딕" panose="020B0603020101020101" pitchFamily="50" charset="-127"/>
+              </a:rPr>
+              <a:t>작성해보세요</a:t>
+            </a:r>
+            <a:r>
+              <a:rPr lang="en-US" altLang="ko-KR" sz="2800" dirty="0">
+                <a:solidFill>
+                  <a:schemeClr val="bg1">
+                    <a:lumMod val="95000"/>
+                  </a:schemeClr>
+                </a:solidFill>
+                <a:latin typeface="나눔바른고딕" panose="020B0603020101020101" pitchFamily="50" charset="-127"/>
+                <a:ea typeface="나눔바른고딕" panose="020B0603020101020101" pitchFamily="50" charset="-127"/>
+              </a:rPr>
+              <a:t>.</a:t>
+            </a:r>
+          </a:p>
+        </p:txBody>
+      </p:sp>
+    </p:spTree>
+    <p:extLst>
+      <p:ext uri="{BB962C8B-B14F-4D97-AF65-F5344CB8AC3E}">
+        <p14:creationId xmlns:p14="http://schemas.microsoft.com/office/powerpoint/2010/main" val="3794521778"/>
+      </p:ext>
+    </p:extLst>
+  </p:cSld>
+  <p:clrMapOvr>
+    <a:masterClrMapping/>
+  </p:clrMapOvr>
+  <mc:AlternateContent xmlns:mc="http://schemas.openxmlformats.org/markup-compatibility/2006" xmlns:p159="http://schemas.microsoft.com/office/powerpoint/2015/09/main">
+    <mc:Choice Requires="p159">
+      <p:transition xmlns:p14="http://schemas.microsoft.com/office/powerpoint/2010/main" spd="slow" p14:dur="2000">
+        <p159:morph option="byObject"/>
+      </p:transition>
+    </mc:Choice>
+    <mc:Fallback xmlns="">
+      <p:transition spd="slow">
+        <p:fade/>
+      </p:transition>
+    </mc:Fallback>
+  </mc:AlternateContent>
+</p:sld>
+</file>
+
+<file path=ppt/slides/slide11.xml><?xml version="1.0" encoding="utf-8"?>
+<p:sld xmlns:a="http://schemas.openxmlformats.org/drawingml/2006/main" xmlns:r="http://schemas.openxmlformats.org/officeDocument/2006/relationships" xmlns:p="http://schemas.openxmlformats.org/presentationml/2006/main">
+  <p:cSld>
+    <p:bg>
+      <p:bgPr>
+        <a:solidFill>
+          <a:schemeClr val="tx1">
+            <a:lumMod val="85000"/>
+            <a:lumOff val="15000"/>
+          </a:schemeClr>
+        </a:solidFill>
+        <a:effectLst/>
+      </p:bgPr>
+    </p:bg>
+    <p:spTree>
+      <p:nvGrpSpPr>
+        <p:cNvPr id="1" name=""/>
+        <p:cNvGrpSpPr/>
+        <p:nvPr/>
+      </p:nvGrpSpPr>
+      <p:grpSpPr>
+        <a:xfrm>
+          <a:off x="0" y="0"/>
+          <a:ext cx="0" cy="0"/>
+          <a:chOff x="0" y="0"/>
+          <a:chExt cx="0" cy="0"/>
+        </a:xfrm>
+      </p:grpSpPr>
+      <p:sp>
+        <p:nvSpPr>
+          <p:cNvPr id="2" name="TextBox 1">
+            <a:extLst>
+              <a:ext uri="{FF2B5EF4-FFF2-40B4-BE49-F238E27FC236}">
+                <a16:creationId xmlns:a16="http://schemas.microsoft.com/office/drawing/2014/main" id="{0B332A50-CC0E-4C7E-B47E-E7CFBA7B423B}"/>
+              </a:ext>
+            </a:extLst>
+          </p:cNvPr>
+          <p:cNvSpPr txBox="1"/>
+          <p:nvPr/>
+        </p:nvSpPr>
+        <p:spPr>
+          <a:xfrm>
+            <a:off x="200472" y="2182505"/>
+            <a:ext cx="4993675" cy="2492990"/>
+          </a:xfrm>
+          <a:prstGeom prst="rect">
+            <a:avLst/>
+          </a:prstGeom>
+          <a:noFill/>
+        </p:spPr>
+        <p:txBody>
+          <a:bodyPr wrap="none" rtlCol="0">
+            <a:spAutoFit/>
+          </a:bodyPr>
+          <a:lstStyle/>
+          <a:p>
+            <a:pPr algn="ctr"/>
+            <a:r>
+              <a:rPr lang="ko-KR" altLang="en-US" sz="3600" dirty="0">
+                <a:solidFill>
+                  <a:schemeClr val="accent6">
+                    <a:lumMod val="75000"/>
+                  </a:schemeClr>
+                </a:solidFill>
+                <a:latin typeface="나눔바른고딕" panose="020B0603020101020101" pitchFamily="50" charset="-127"/>
+                <a:ea typeface="나눔바른고딕" panose="020B0603020101020101" pitchFamily="50" charset="-127"/>
+              </a:rPr>
+              <a:t>문제</a:t>
+            </a:r>
+            <a:r>
+              <a:rPr lang="en-US" altLang="ko-KR" sz="3600" dirty="0">
+                <a:solidFill>
+                  <a:schemeClr val="accent6">
+                    <a:lumMod val="75000"/>
+                  </a:schemeClr>
+                </a:solidFill>
+                <a:latin typeface="나눔바른고딕" panose="020B0603020101020101" pitchFamily="50" charset="-127"/>
+                <a:ea typeface="나눔바른고딕" panose="020B0603020101020101" pitchFamily="50" charset="-127"/>
+              </a:rPr>
+              <a:t>6</a:t>
+            </a:r>
+          </a:p>
+          <a:p>
+            <a:pPr algn="ctr"/>
+            <a:endParaRPr lang="en-US" altLang="ko-KR" sz="3600" dirty="0">
+              <a:solidFill>
+                <a:schemeClr val="accent6">
+                  <a:lumMod val="75000"/>
+                </a:schemeClr>
+              </a:solidFill>
+              <a:latin typeface="나눔바른고딕" panose="020B0603020101020101" pitchFamily="50" charset="-127"/>
+              <a:ea typeface="나눔바른고딕" panose="020B0603020101020101" pitchFamily="50" charset="-127"/>
+            </a:endParaRPr>
+          </a:p>
+          <a:p>
+            <a:pPr algn="ctr"/>
+            <a:r>
+              <a:rPr lang="ko-KR" altLang="en-US" sz="2800" dirty="0">
+                <a:solidFill>
+                  <a:schemeClr val="bg1">
+                    <a:lumMod val="95000"/>
+                  </a:schemeClr>
+                </a:solidFill>
+                <a:latin typeface="나눔바른고딕" panose="020B0603020101020101" pitchFamily="50" charset="-127"/>
+                <a:ea typeface="나눔바른고딕" panose="020B0603020101020101" pitchFamily="50" charset="-127"/>
+              </a:rPr>
+              <a:t>사용자로부터 </a:t>
+            </a:r>
+            <a:r>
+              <a:rPr lang="en-US" altLang="ko-KR" sz="2800" dirty="0">
+                <a:solidFill>
+                  <a:schemeClr val="accent6">
+                    <a:lumMod val="75000"/>
+                  </a:schemeClr>
+                </a:solidFill>
+                <a:latin typeface="나눔바른고딕" panose="020B0603020101020101" pitchFamily="50" charset="-127"/>
+                <a:ea typeface="나눔바른고딕" panose="020B0603020101020101" pitchFamily="50" charset="-127"/>
+              </a:rPr>
+              <a:t>-1</a:t>
+            </a:r>
+            <a:r>
+              <a:rPr lang="ko-KR" altLang="en-US" sz="2800" dirty="0">
+                <a:solidFill>
+                  <a:schemeClr val="bg1">
+                    <a:lumMod val="95000"/>
+                  </a:schemeClr>
+                </a:solidFill>
+                <a:latin typeface="나눔바른고딕" panose="020B0603020101020101" pitchFamily="50" charset="-127"/>
+                <a:ea typeface="나눔바른고딕" panose="020B0603020101020101" pitchFamily="50" charset="-127"/>
+              </a:rPr>
+              <a:t>을 입력 받으면 </a:t>
+            </a:r>
+          </a:p>
+          <a:p>
+            <a:pPr algn="ctr"/>
+            <a:r>
+              <a:rPr lang="ko-KR" altLang="en-US" sz="2800" dirty="0">
+                <a:solidFill>
+                  <a:schemeClr val="accent6">
+                    <a:lumMod val="75000"/>
+                  </a:schemeClr>
+                </a:solidFill>
+                <a:latin typeface="나눔바른고딕" panose="020B0603020101020101" pitchFamily="50" charset="-127"/>
+                <a:ea typeface="나눔바른고딕" panose="020B0603020101020101" pitchFamily="50" charset="-127"/>
+              </a:rPr>
+              <a:t>프로그램이 종료 </a:t>
+            </a:r>
+            <a:r>
+              <a:rPr lang="ko-KR" altLang="en-US" sz="2800" dirty="0">
+                <a:solidFill>
+                  <a:schemeClr val="bg1">
+                    <a:lumMod val="95000"/>
+                  </a:schemeClr>
+                </a:solidFill>
+                <a:latin typeface="나눔바른고딕" panose="020B0603020101020101" pitchFamily="50" charset="-127"/>
+                <a:ea typeface="나눔바른고딕" panose="020B0603020101020101" pitchFamily="50" charset="-127"/>
+              </a:rPr>
+              <a:t>되는 프로그램을 </a:t>
+            </a:r>
+          </a:p>
+          <a:p>
+            <a:pPr algn="ctr"/>
+            <a:r>
+              <a:rPr lang="ko-KR" altLang="en-US" sz="2800" dirty="0">
+                <a:solidFill>
+                  <a:schemeClr val="bg1">
+                    <a:lumMod val="95000"/>
+                  </a:schemeClr>
+                </a:solidFill>
+                <a:latin typeface="나눔바른고딕" panose="020B0603020101020101" pitchFamily="50" charset="-127"/>
+                <a:ea typeface="나눔바른고딕" panose="020B0603020101020101" pitchFamily="50" charset="-127"/>
+              </a:rPr>
+              <a:t>작성해보세요</a:t>
+            </a:r>
+            <a:r>
+              <a:rPr lang="en-US" altLang="ko-KR" sz="2800" dirty="0">
+                <a:solidFill>
+                  <a:schemeClr val="bg1">
+                    <a:lumMod val="95000"/>
+                  </a:schemeClr>
+                </a:solidFill>
+                <a:latin typeface="나눔바른고딕" panose="020B0603020101020101" pitchFamily="50" charset="-127"/>
+                <a:ea typeface="나눔바른고딕" panose="020B0603020101020101" pitchFamily="50" charset="-127"/>
+              </a:rPr>
+              <a:t>.</a:t>
+            </a:r>
+          </a:p>
+        </p:txBody>
+      </p:sp>
+      <p:pic>
+        <p:nvPicPr>
+          <p:cNvPr id="3" name="그림 2">
+            <a:extLst>
+              <a:ext uri="{FF2B5EF4-FFF2-40B4-BE49-F238E27FC236}">
+                <a16:creationId xmlns:a16="http://schemas.microsoft.com/office/drawing/2014/main" id="{0544BB16-66C1-4877-A681-DF9F9AA26363}"/>
+              </a:ext>
+            </a:extLst>
+          </p:cNvPr>
+          <p:cNvPicPr>
+            <a:picLocks noChangeAspect="1"/>
+          </p:cNvPicPr>
+          <p:nvPr/>
+        </p:nvPicPr>
+        <p:blipFill>
+          <a:blip r:embed="rId2"/>
+          <a:stretch>
+            <a:fillRect/>
+          </a:stretch>
+        </p:blipFill>
+        <p:spPr>
+          <a:xfrm>
+            <a:off x="5673080" y="2852936"/>
+            <a:ext cx="3363425" cy="1650454"/>
+          </a:xfrm>
+          <a:prstGeom prst="rect">
+            <a:avLst/>
+          </a:prstGeom>
+          <a:ln>
+            <a:noFill/>
+          </a:ln>
+          <a:effectLst>
+            <a:outerShdw blurRad="190500" algn="tl" rotWithShape="0">
+              <a:srgbClr val="000000">
+                <a:alpha val="70000"/>
+              </a:srgbClr>
+            </a:outerShdw>
+          </a:effectLst>
+        </p:spPr>
+      </p:pic>
+    </p:spTree>
+    <p:extLst>
+      <p:ext uri="{BB962C8B-B14F-4D97-AF65-F5344CB8AC3E}">
+        <p14:creationId xmlns:p14="http://schemas.microsoft.com/office/powerpoint/2010/main" val="337590711"/>
+      </p:ext>
+    </p:extLst>
+  </p:cSld>
+  <p:clrMapOvr>
+    <a:masterClrMapping/>
+  </p:clrMapOvr>
+  <mc:AlternateContent xmlns:mc="http://schemas.openxmlformats.org/markup-compatibility/2006" xmlns:p159="http://schemas.microsoft.com/office/powerpoint/2015/09/main">
+    <mc:Choice Requires="p159">
+      <p:transition xmlns:p14="http://schemas.microsoft.com/office/powerpoint/2010/main" spd="slow" p14:dur="2000">
+        <p159:morph option="byObject"/>
+      </p:transition>
+    </mc:Choice>
+    <mc:Fallback xmlns="">
+      <p:transition spd="slow">
+        <p:fade/>
+      </p:transition>
+    </mc:Fallback>
+  </mc:AlternateContent>
+</p:sld>
+</file>
+
+<file path=ppt/slides/slide12.xml><?xml version="1.0" encoding="utf-8"?>
+<p:sld xmlns:a="http://schemas.openxmlformats.org/drawingml/2006/main" xmlns:r="http://schemas.openxmlformats.org/officeDocument/2006/relationships" xmlns:p="http://schemas.openxmlformats.org/presentationml/2006/main">
+  <p:cSld>
+    <p:bg>
+      <p:bgPr>
+        <a:solidFill>
+          <a:schemeClr val="tx1">
+            <a:lumMod val="85000"/>
+            <a:lumOff val="15000"/>
+          </a:schemeClr>
+        </a:solidFill>
+        <a:effectLst/>
+      </p:bgPr>
+    </p:bg>
+    <p:spTree>
+      <p:nvGrpSpPr>
+        <p:cNvPr id="1" name=""/>
+        <p:cNvGrpSpPr/>
+        <p:nvPr/>
+      </p:nvGrpSpPr>
+      <p:grpSpPr>
+        <a:xfrm>
+          <a:off x="0" y="0"/>
+          <a:ext cx="0" cy="0"/>
+          <a:chOff x="0" y="0"/>
+          <a:chExt cx="0" cy="0"/>
+        </a:xfrm>
+      </p:grpSpPr>
+      <p:sp>
+        <p:nvSpPr>
+          <p:cNvPr id="2" name="TextBox 1">
+            <a:extLst>
+              <a:ext uri="{FF2B5EF4-FFF2-40B4-BE49-F238E27FC236}">
+                <a16:creationId xmlns:a16="http://schemas.microsoft.com/office/drawing/2014/main" id="{0B332A50-CC0E-4C7E-B47E-E7CFBA7B423B}"/>
+              </a:ext>
+            </a:extLst>
+          </p:cNvPr>
+          <p:cNvSpPr txBox="1"/>
+          <p:nvPr/>
+        </p:nvSpPr>
+        <p:spPr>
+          <a:xfrm>
             <a:off x="1536039" y="2397949"/>
             <a:ext cx="6833922" cy="2062103"/>
           </a:xfrm>
@@ -3560,10 +4029,22 @@
   <p:clrMapOvr>
     <a:masterClrMapping/>
   </p:clrMapOvr>
+  <mc:AlternateContent xmlns:mc="http://schemas.openxmlformats.org/markup-compatibility/2006" xmlns:p159="http://schemas.microsoft.com/office/powerpoint/2015/09/main">
+    <mc:Choice Requires="p159">
+      <p:transition xmlns:p14="http://schemas.microsoft.com/office/powerpoint/2010/main" spd="slow" p14:dur="2000">
+        <p159:morph option="byObject"/>
+      </p:transition>
+    </mc:Choice>
+    <mc:Fallback xmlns="">
+      <p:transition spd="slow">
+        <p:fade/>
+      </p:transition>
+    </mc:Fallback>
+  </mc:AlternateContent>
 </p:sld>
 </file>
 
-<file path=ppt/slides/slide11.xml><?xml version="1.0" encoding="utf-8"?>
+<file path=ppt/slides/slide13.xml><?xml version="1.0" encoding="utf-8"?>
 <p:sld xmlns:a="http://schemas.openxmlformats.org/drawingml/2006/main" xmlns:r="http://schemas.openxmlformats.org/officeDocument/2006/relationships" xmlns:p="http://schemas.openxmlformats.org/presentationml/2006/main">
   <p:cSld>
     <p:bg>
@@ -3783,10 +4264,22 @@
   <p:clrMapOvr>
     <a:masterClrMapping/>
   </p:clrMapOvr>
+  <mc:AlternateContent xmlns:mc="http://schemas.openxmlformats.org/markup-compatibility/2006" xmlns:p159="http://schemas.microsoft.com/office/powerpoint/2015/09/main">
+    <mc:Choice Requires="p159">
+      <p:transition xmlns:p14="http://schemas.microsoft.com/office/powerpoint/2010/main" spd="slow" p14:dur="2000">
+        <p159:morph option="byObject"/>
+      </p:transition>
+    </mc:Choice>
+    <mc:Fallback xmlns="">
+      <p:transition spd="slow">
+        <p:fade/>
+      </p:transition>
+    </mc:Fallback>
+  </mc:AlternateContent>
 </p:sld>
 </file>
 
-<file path=ppt/slides/slide12.xml><?xml version="1.0" encoding="utf-8"?>
+<file path=ppt/slides/slide14.xml><?xml version="1.0" encoding="utf-8"?>
 <p:sld xmlns:a="http://schemas.openxmlformats.org/drawingml/2006/main" xmlns:r="http://schemas.openxmlformats.org/officeDocument/2006/relationships" xmlns:p="http://schemas.openxmlformats.org/presentationml/2006/main">
   <p:cSld>
     <p:bg>
@@ -4061,7 +4554,7 @@
 </p:sld>
 </file>
 
-<file path=ppt/slides/slide13.xml><?xml version="1.0" encoding="utf-8"?>
+<file path=ppt/slides/slide15.xml><?xml version="1.0" encoding="utf-8"?>
 <p:sld xmlns:a="http://schemas.openxmlformats.org/drawingml/2006/main" xmlns:r="http://schemas.openxmlformats.org/officeDocument/2006/relationships" xmlns:p="http://schemas.openxmlformats.org/presentationml/2006/main">
   <p:cSld>
     <p:bg>
@@ -4191,10 +4684,22 @@
   <p:clrMapOvr>
     <a:masterClrMapping/>
   </p:clrMapOvr>
+  <mc:AlternateContent xmlns:mc="http://schemas.openxmlformats.org/markup-compatibility/2006" xmlns:p159="http://schemas.microsoft.com/office/powerpoint/2015/09/main">
+    <mc:Choice Requires="p159">
+      <p:transition xmlns:p14="http://schemas.microsoft.com/office/powerpoint/2010/main" spd="slow" p14:dur="2000">
+        <p159:morph option="byObject"/>
+      </p:transition>
+    </mc:Choice>
+    <mc:Fallback xmlns="">
+      <p:transition spd="slow">
+        <p:fade/>
+      </p:transition>
+    </mc:Fallback>
+  </mc:AlternateContent>
 </p:sld>
 </file>
 
-<file path=ppt/slides/slide14.xml><?xml version="1.0" encoding="utf-8"?>
+<file path=ppt/slides/slide16.xml><?xml version="1.0" encoding="utf-8"?>
 <p:sld xmlns:a="http://schemas.openxmlformats.org/drawingml/2006/main" xmlns:r="http://schemas.openxmlformats.org/officeDocument/2006/relationships" xmlns:p="http://schemas.openxmlformats.org/presentationml/2006/main">
   <p:cSld>
     <p:bg>
@@ -4236,8 +4741,8 @@
         </p:nvSpPr>
         <p:spPr>
           <a:xfrm>
-            <a:off x="1064568" y="2613392"/>
-            <a:ext cx="2589170" cy="1631216"/>
+            <a:off x="416496" y="2244059"/>
+            <a:ext cx="3951723" cy="2369880"/>
           </a:xfrm>
           <a:prstGeom prst="rect">
             <a:avLst/>
@@ -4278,7 +4783,91 @@
           </a:p>
           <a:p>
             <a:pPr algn="ctr"/>
-            <a:endParaRPr lang="en-US" altLang="ko-KR" sz="3600" dirty="0">
+            <a:endParaRPr lang="en-US" altLang="ko-KR" sz="2800" dirty="0">
+              <a:solidFill>
+                <a:schemeClr val="bg1">
+                  <a:lumMod val="95000"/>
+                </a:schemeClr>
+              </a:solidFill>
+              <a:latin typeface="나눔바른고딕" panose="020B0603020101020101" pitchFamily="50" charset="-127"/>
+              <a:ea typeface="나눔바른고딕" panose="020B0603020101020101" pitchFamily="50" charset="-127"/>
+            </a:endParaRPr>
+          </a:p>
+          <a:p>
+            <a:pPr algn="ctr"/>
+            <a:r>
+              <a:rPr lang="en-US" altLang="ko-KR" sz="2800" dirty="0">
+                <a:solidFill>
+                  <a:schemeClr val="accent6">
+                    <a:lumMod val="75000"/>
+                  </a:schemeClr>
+                </a:solidFill>
+                <a:latin typeface="나눔바른고딕" panose="020B0603020101020101" pitchFamily="50" charset="-127"/>
+                <a:ea typeface="나눔바른고딕" panose="020B0603020101020101" pitchFamily="50" charset="-127"/>
+              </a:rPr>
+              <a:t>5</a:t>
+            </a:r>
+            <a:r>
+              <a:rPr lang="ko-KR" altLang="en-US" sz="2800" dirty="0">
+                <a:solidFill>
+                  <a:schemeClr val="accent6">
+                    <a:lumMod val="75000"/>
+                  </a:schemeClr>
+                </a:solidFill>
+                <a:latin typeface="나눔바른고딕" panose="020B0603020101020101" pitchFamily="50" charset="-127"/>
+                <a:ea typeface="나눔바른고딕" panose="020B0603020101020101" pitchFamily="50" charset="-127"/>
+              </a:rPr>
+              <a:t>개의 문자열을 </a:t>
+            </a:r>
+            <a:r>
+              <a:rPr lang="ko-KR" altLang="en-US" sz="2800" dirty="0">
+                <a:solidFill>
+                  <a:schemeClr val="bg1">
+                    <a:lumMod val="95000"/>
+                  </a:schemeClr>
+                </a:solidFill>
+                <a:latin typeface="나눔바른고딕" panose="020B0603020101020101" pitchFamily="50" charset="-127"/>
+                <a:ea typeface="나눔바른고딕" panose="020B0603020101020101" pitchFamily="50" charset="-127"/>
+              </a:rPr>
+              <a:t>입력 받고</a:t>
+            </a:r>
+            <a:endParaRPr lang="en-US" altLang="ko-KR" sz="2800" dirty="0">
+              <a:solidFill>
+                <a:schemeClr val="bg1">
+                  <a:lumMod val="95000"/>
+                </a:schemeClr>
+              </a:solidFill>
+              <a:latin typeface="나눔바른고딕" panose="020B0603020101020101" pitchFamily="50" charset="-127"/>
+              <a:ea typeface="나눔바른고딕" panose="020B0603020101020101" pitchFamily="50" charset="-127"/>
+            </a:endParaRPr>
+          </a:p>
+          <a:p>
+            <a:pPr algn="ctr"/>
+            <a:r>
+              <a:rPr lang="ko-KR" altLang="en-US" sz="2800" dirty="0">
+                <a:solidFill>
+                  <a:schemeClr val="bg1">
+                    <a:lumMod val="95000"/>
+                  </a:schemeClr>
+                </a:solidFill>
+                <a:latin typeface="나눔바른고딕" panose="020B0603020101020101" pitchFamily="50" charset="-127"/>
+                <a:ea typeface="나눔바른고딕" panose="020B0603020101020101" pitchFamily="50" charset="-127"/>
+              </a:rPr>
+              <a:t> 리스트에 </a:t>
+            </a:r>
+            <a:r>
+              <a:rPr lang="ko-KR" altLang="en-US" sz="2800" dirty="0">
+                <a:solidFill>
+                  <a:schemeClr val="accent6">
+                    <a:lumMod val="75000"/>
+                  </a:schemeClr>
+                </a:solidFill>
+                <a:latin typeface="나눔바른고딕" panose="020B0603020101020101" pitchFamily="50" charset="-127"/>
+                <a:ea typeface="나눔바른고딕" panose="020B0603020101020101" pitchFamily="50" charset="-127"/>
+              </a:rPr>
+              <a:t>저장하기</a:t>
+            </a:r>
+            <a:endParaRPr lang="en-US" altLang="ko-KR" sz="2800" dirty="0">
               <a:solidFill>
                 <a:schemeClr val="accent6">
                   <a:lumMod val="75000"/>
@@ -4300,7 +4889,7 @@
                 <a:latin typeface="나눔바른고딕" panose="020B0603020101020101" pitchFamily="50" charset="-127"/>
                 <a:ea typeface="나눔바른고딕" panose="020B0603020101020101" pitchFamily="50" charset="-127"/>
               </a:rPr>
-              <a:t>리스트 활용하기 </a:t>
+              <a:t>리스트에 저장된 내용 출력</a:t>
             </a:r>
             <a:endParaRPr lang="en-US" altLang="ko-KR" sz="2800" dirty="0">
               <a:solidFill>
@@ -4364,13 +4953,13 @@
   <p:clrMapOvr>
     <a:masterClrMapping/>
   </p:clrMapOvr>
-  <mc:AlternateContent xmlns:mc="http://schemas.openxmlformats.org/markup-compatibility/2006">
-    <mc:Choice xmlns:p159="http://schemas.microsoft.com/office/powerpoint/2015/09/main" Requires="p159">
+  <mc:AlternateContent xmlns:mc="http://schemas.openxmlformats.org/markup-compatibility/2006" xmlns:p159="http://schemas.microsoft.com/office/powerpoint/2015/09/main">
+    <mc:Choice Requires="p159">
       <p:transition xmlns:p14="http://schemas.microsoft.com/office/powerpoint/2010/main" spd="slow" p14:dur="2000">
         <p159:morph option="byObject"/>
       </p:transition>
     </mc:Choice>
-    <mc:Fallback>
+    <mc:Fallback xmlns="">
       <p:transition spd="slow">
         <p:fade/>
       </p:transition>
@@ -4379,7 +4968,7 @@
 </p:sld>
 </file>
 
-<file path=ppt/slides/slide15.xml><?xml version="1.0" encoding="utf-8"?>
+<file path=ppt/slides/slide17.xml><?xml version="1.0" encoding="utf-8"?>
 <p:sld xmlns:a="http://schemas.openxmlformats.org/drawingml/2006/main" xmlns:r="http://schemas.openxmlformats.org/officeDocument/2006/relationships" xmlns:p="http://schemas.openxmlformats.org/presentationml/2006/main">
   <p:cSld>
     <p:bg>
@@ -4421,8 +5010,8 @@
         </p:nvSpPr>
         <p:spPr>
           <a:xfrm>
-            <a:off x="3858790" y="2613392"/>
-            <a:ext cx="2188420" cy="1631216"/>
+            <a:off x="2352769" y="1967062"/>
+            <a:ext cx="5200463" cy="2923877"/>
           </a:xfrm>
           <a:prstGeom prst="rect">
             <a:avLst/>
@@ -4476,6 +5065,18 @@
           <a:p>
             <a:pPr algn="ctr"/>
             <a:r>
+              <a:rPr lang="en-US" altLang="ko-KR" sz="2800" dirty="0" err="1">
+                <a:solidFill>
+                  <a:schemeClr val="bg1">
+                    <a:lumMod val="95000"/>
+                  </a:schemeClr>
+                </a:solidFill>
+                <a:latin typeface="나눔바른고딕" panose="020B0603020101020101" pitchFamily="50" charset="-127"/>
+                <a:ea typeface="나눔바른고딕" panose="020B0603020101020101" pitchFamily="50" charset="-127"/>
+              </a:rPr>
+              <a:t>arr</a:t>
+            </a:r>
+            <a:r>
               <a:rPr lang="ko-KR" altLang="en-US" sz="2800" dirty="0">
                 <a:solidFill>
                   <a:schemeClr val="bg1">
@@ -4485,20 +5086,47 @@
                 <a:latin typeface="나눔바른고딕" panose="020B0603020101020101" pitchFamily="50" charset="-127"/>
                 <a:ea typeface="나눔바른고딕" panose="020B0603020101020101" pitchFamily="50" charset="-127"/>
               </a:rPr>
-              <a:t>문자열 </a:t>
-            </a:r>
-            <a:r>
-              <a:rPr lang="ko-KR" altLang="en-US" sz="2800" dirty="0" err="1">
-                <a:solidFill>
-                  <a:schemeClr val="bg1">
-                    <a:lumMod val="95000"/>
-                  </a:schemeClr>
-                </a:solidFill>
-                <a:latin typeface="나눔바른고딕" panose="020B0603020101020101" pitchFamily="50" charset="-127"/>
-                <a:ea typeface="나눔바른고딕" panose="020B0603020101020101" pitchFamily="50" charset="-127"/>
-              </a:rPr>
-              <a:t>포맷팅</a:t>
-            </a:r>
+              <a:t> </a:t>
+            </a:r>
+            <a:r>
+              <a:rPr lang="en-US" altLang="ko-KR" sz="2800" dirty="0">
+                <a:solidFill>
+                  <a:schemeClr val="bg1">
+                    <a:lumMod val="95000"/>
+                  </a:schemeClr>
+                </a:solidFill>
+                <a:latin typeface="나눔바른고딕" panose="020B0603020101020101" pitchFamily="50" charset="-127"/>
+                <a:ea typeface="나눔바른고딕" panose="020B0603020101020101" pitchFamily="50" charset="-127"/>
+              </a:rPr>
+              <a:t>=</a:t>
+            </a:r>
+            <a:r>
+              <a:rPr lang="ko-KR" altLang="en-US" sz="2800" dirty="0">
+                <a:solidFill>
+                  <a:schemeClr val="bg1">
+                    <a:lumMod val="95000"/>
+                  </a:schemeClr>
+                </a:solidFill>
+                <a:latin typeface="나눔바른고딕" panose="020B0603020101020101" pitchFamily="50" charset="-127"/>
+                <a:ea typeface="나눔바른고딕" panose="020B0603020101020101" pitchFamily="50" charset="-127"/>
+              </a:rPr>
+              <a:t> </a:t>
+            </a:r>
+            <a:r>
+              <a:rPr lang="en-US" altLang="ko-KR" sz="2800" dirty="0">
+                <a:solidFill>
+                  <a:schemeClr val="bg1">
+                    <a:lumMod val="95000"/>
+                  </a:schemeClr>
+                </a:solidFill>
+                <a:latin typeface="나눔바른고딕" panose="020B0603020101020101" pitchFamily="50" charset="-127"/>
+                <a:ea typeface="나눔바른고딕" panose="020B0603020101020101" pitchFamily="50" charset="-127"/>
+              </a:rPr>
+              <a:t>[1, 2, 3, 4, 5]</a:t>
+            </a:r>
+          </a:p>
+          <a:p>
+            <a:pPr algn="ctr"/>
             <a:endParaRPr lang="en-US" altLang="ko-KR" sz="2800" dirty="0">
               <a:solidFill>
                 <a:schemeClr val="bg1">
@@ -4508,6 +5136,129 @@
               <a:latin typeface="나눔바른고딕" panose="020B0603020101020101" pitchFamily="50" charset="-127"/>
               <a:ea typeface="나눔바른고딕" panose="020B0603020101020101" pitchFamily="50" charset="-127"/>
             </a:endParaRPr>
+          </a:p>
+          <a:p>
+            <a:pPr algn="ctr"/>
+            <a:r>
+              <a:rPr lang="ko-KR" altLang="en-US" sz="2800" dirty="0">
+                <a:solidFill>
+                  <a:schemeClr val="bg1">
+                    <a:lumMod val="95000"/>
+                  </a:schemeClr>
+                </a:solidFill>
+                <a:latin typeface="나눔바른고딕" panose="020B0603020101020101" pitchFamily="50" charset="-127"/>
+                <a:ea typeface="나눔바른고딕" panose="020B0603020101020101" pitchFamily="50" charset="-127"/>
+              </a:rPr>
+              <a:t>리스트 </a:t>
+            </a:r>
+            <a:r>
+              <a:rPr lang="en-US" altLang="ko-KR" sz="2800" dirty="0" err="1">
+                <a:solidFill>
+                  <a:schemeClr val="bg1">
+                    <a:lumMod val="95000"/>
+                  </a:schemeClr>
+                </a:solidFill>
+                <a:latin typeface="나눔바른고딕" panose="020B0603020101020101" pitchFamily="50" charset="-127"/>
+                <a:ea typeface="나눔바른고딕" panose="020B0603020101020101" pitchFamily="50" charset="-127"/>
+              </a:rPr>
+              <a:t>arr</a:t>
+            </a:r>
+            <a:r>
+              <a:rPr lang="en-US" altLang="ko-KR" sz="2800" dirty="0">
+                <a:solidFill>
+                  <a:schemeClr val="bg1">
+                    <a:lumMod val="95000"/>
+                  </a:schemeClr>
+                </a:solidFill>
+                <a:latin typeface="나눔바른고딕" panose="020B0603020101020101" pitchFamily="50" charset="-127"/>
+                <a:ea typeface="나눔바른고딕" panose="020B0603020101020101" pitchFamily="50" charset="-127"/>
+              </a:rPr>
+              <a:t> </a:t>
+            </a:r>
+            <a:r>
+              <a:rPr lang="ko-KR" altLang="en-US" sz="2800" dirty="0">
+                <a:solidFill>
+                  <a:schemeClr val="bg1">
+                    <a:lumMod val="95000"/>
+                  </a:schemeClr>
+                </a:solidFill>
+                <a:latin typeface="나눔바른고딕" panose="020B0603020101020101" pitchFamily="50" charset="-127"/>
+                <a:ea typeface="나눔바른고딕" panose="020B0603020101020101" pitchFamily="50" charset="-127"/>
+              </a:rPr>
+              <a:t>에서 </a:t>
+            </a:r>
+            <a:endParaRPr lang="en-US" altLang="ko-KR" sz="2800" dirty="0">
+              <a:solidFill>
+                <a:schemeClr val="bg1">
+                  <a:lumMod val="95000"/>
+                </a:schemeClr>
+              </a:solidFill>
+              <a:latin typeface="나눔바른고딕" panose="020B0603020101020101" pitchFamily="50" charset="-127"/>
+              <a:ea typeface="나눔바른고딕" panose="020B0603020101020101" pitchFamily="50" charset="-127"/>
+            </a:endParaRPr>
+          </a:p>
+          <a:p>
+            <a:pPr algn="ctr"/>
+            <a:r>
+              <a:rPr lang="en-US" altLang="ko-KR" sz="2800" dirty="0">
+                <a:solidFill>
+                  <a:schemeClr val="bg1">
+                    <a:lumMod val="95000"/>
+                  </a:schemeClr>
+                </a:solidFill>
+                <a:latin typeface="나눔바른고딕" panose="020B0603020101020101" pitchFamily="50" charset="-127"/>
+                <a:ea typeface="나눔바른고딕" panose="020B0603020101020101" pitchFamily="50" charset="-127"/>
+              </a:rPr>
+              <a:t>1</a:t>
+            </a:r>
+            <a:r>
+              <a:rPr lang="ko-KR" altLang="en-US" sz="2800" dirty="0">
+                <a:solidFill>
+                  <a:schemeClr val="bg1">
+                    <a:lumMod val="95000"/>
+                  </a:schemeClr>
+                </a:solidFill>
+                <a:latin typeface="나눔바른고딕" panose="020B0603020101020101" pitchFamily="50" charset="-127"/>
+                <a:ea typeface="나눔바른고딕" panose="020B0603020101020101" pitchFamily="50" charset="-127"/>
+              </a:rPr>
+              <a:t>과 </a:t>
+            </a:r>
+            <a:r>
+              <a:rPr lang="en-US" altLang="ko-KR" sz="2800" dirty="0">
+                <a:solidFill>
+                  <a:schemeClr val="bg1">
+                    <a:lumMod val="95000"/>
+                  </a:schemeClr>
+                </a:solidFill>
+                <a:latin typeface="나눔바른고딕" panose="020B0603020101020101" pitchFamily="50" charset="-127"/>
+                <a:ea typeface="나눔바른고딕" panose="020B0603020101020101" pitchFamily="50" charset="-127"/>
+              </a:rPr>
+              <a:t>5</a:t>
+            </a:r>
+            <a:r>
+              <a:rPr lang="ko-KR" altLang="en-US" sz="2800" dirty="0">
+                <a:solidFill>
+                  <a:schemeClr val="bg1">
+                    <a:lumMod val="95000"/>
+                  </a:schemeClr>
+                </a:solidFill>
+                <a:latin typeface="나눔바른고딕" panose="020B0603020101020101" pitchFamily="50" charset="-127"/>
+                <a:ea typeface="나눔바른고딕" panose="020B0603020101020101" pitchFamily="50" charset="-127"/>
+              </a:rPr>
+              <a:t>를 삭제한 결과를 출력하세요</a:t>
+            </a:r>
+            <a:r>
+              <a:rPr lang="en-US" altLang="ko-KR" sz="2800" dirty="0">
+                <a:solidFill>
+                  <a:schemeClr val="bg1">
+                    <a:lumMod val="95000"/>
+                  </a:schemeClr>
+                </a:solidFill>
+                <a:latin typeface="나눔바른고딕" panose="020B0603020101020101" pitchFamily="50" charset="-127"/>
+                <a:ea typeface="나눔바른고딕" panose="020B0603020101020101" pitchFamily="50" charset="-127"/>
+              </a:rPr>
+              <a:t>.</a:t>
+            </a:r>
           </a:p>
         </p:txBody>
       </p:sp>
@@ -4521,10 +5272,22 @@
   <p:clrMapOvr>
     <a:masterClrMapping/>
   </p:clrMapOvr>
+  <mc:AlternateContent xmlns:mc="http://schemas.openxmlformats.org/markup-compatibility/2006" xmlns:p159="http://schemas.microsoft.com/office/powerpoint/2015/09/main">
+    <mc:Choice Requires="p159">
+      <p:transition xmlns:p14="http://schemas.microsoft.com/office/powerpoint/2010/main" spd="slow" p14:dur="2000">
+        <p159:morph option="byObject"/>
+      </p:transition>
+    </mc:Choice>
+    <mc:Fallback xmlns="">
+      <p:transition spd="slow">
+        <p:fade/>
+      </p:transition>
+    </mc:Fallback>
+  </mc:AlternateContent>
 </p:sld>
 </file>
 
-<file path=ppt/slides/slide16.xml><?xml version="1.0" encoding="utf-8"?>
+<file path=ppt/slides/slide18.xml><?xml version="1.0" encoding="utf-8"?>
 <p:sld xmlns:a="http://schemas.openxmlformats.org/drawingml/2006/main" xmlns:r="http://schemas.openxmlformats.org/officeDocument/2006/relationships" xmlns:p="http://schemas.openxmlformats.org/presentationml/2006/main">
   <p:cSld>
     <p:bg>
@@ -4566,8 +5329,8 @@
         </p:nvSpPr>
         <p:spPr>
           <a:xfrm>
-            <a:off x="1064568" y="2613392"/>
-            <a:ext cx="2188420" cy="1631216"/>
+            <a:off x="128464" y="1967061"/>
+            <a:ext cx="5200463" cy="2923877"/>
           </a:xfrm>
           <a:prstGeom prst="rect">
             <a:avLst/>
@@ -4621,6 +5384,18 @@
           <a:p>
             <a:pPr algn="ctr"/>
             <a:r>
+              <a:rPr lang="en-US" altLang="ko-KR" sz="2800" dirty="0" err="1">
+                <a:solidFill>
+                  <a:schemeClr val="bg1">
+                    <a:lumMod val="95000"/>
+                  </a:schemeClr>
+                </a:solidFill>
+                <a:latin typeface="나눔바른고딕" panose="020B0603020101020101" pitchFamily="50" charset="-127"/>
+                <a:ea typeface="나눔바른고딕" panose="020B0603020101020101" pitchFamily="50" charset="-127"/>
+              </a:rPr>
+              <a:t>arr</a:t>
+            </a:r>
+            <a:r>
               <a:rPr lang="ko-KR" altLang="en-US" sz="2800" dirty="0">
                 <a:solidFill>
                   <a:schemeClr val="bg1">
@@ -4630,20 +5405,47 @@
                 <a:latin typeface="나눔바른고딕" panose="020B0603020101020101" pitchFamily="50" charset="-127"/>
                 <a:ea typeface="나눔바른고딕" panose="020B0603020101020101" pitchFamily="50" charset="-127"/>
               </a:rPr>
-              <a:t>문자열 </a:t>
-            </a:r>
-            <a:r>
-              <a:rPr lang="ko-KR" altLang="en-US" sz="2800" dirty="0" err="1">
-                <a:solidFill>
-                  <a:schemeClr val="bg1">
-                    <a:lumMod val="95000"/>
-                  </a:schemeClr>
-                </a:solidFill>
-                <a:latin typeface="나눔바른고딕" panose="020B0603020101020101" pitchFamily="50" charset="-127"/>
-                <a:ea typeface="나눔바른고딕" panose="020B0603020101020101" pitchFamily="50" charset="-127"/>
-              </a:rPr>
-              <a:t>포맷팅</a:t>
-            </a:r>
+              <a:t> </a:t>
+            </a:r>
+            <a:r>
+              <a:rPr lang="en-US" altLang="ko-KR" sz="2800" dirty="0">
+                <a:solidFill>
+                  <a:schemeClr val="bg1">
+                    <a:lumMod val="95000"/>
+                  </a:schemeClr>
+                </a:solidFill>
+                <a:latin typeface="나눔바른고딕" panose="020B0603020101020101" pitchFamily="50" charset="-127"/>
+                <a:ea typeface="나눔바른고딕" panose="020B0603020101020101" pitchFamily="50" charset="-127"/>
+              </a:rPr>
+              <a:t>=</a:t>
+            </a:r>
+            <a:r>
+              <a:rPr lang="ko-KR" altLang="en-US" sz="2800" dirty="0">
+                <a:solidFill>
+                  <a:schemeClr val="bg1">
+                    <a:lumMod val="95000"/>
+                  </a:schemeClr>
+                </a:solidFill>
+                <a:latin typeface="나눔바른고딕" panose="020B0603020101020101" pitchFamily="50" charset="-127"/>
+                <a:ea typeface="나눔바른고딕" panose="020B0603020101020101" pitchFamily="50" charset="-127"/>
+              </a:rPr>
+              <a:t> </a:t>
+            </a:r>
+            <a:r>
+              <a:rPr lang="en-US" altLang="ko-KR" sz="2800" dirty="0">
+                <a:solidFill>
+                  <a:schemeClr val="bg1">
+                    <a:lumMod val="95000"/>
+                  </a:schemeClr>
+                </a:solidFill>
+                <a:latin typeface="나눔바른고딕" panose="020B0603020101020101" pitchFamily="50" charset="-127"/>
+                <a:ea typeface="나눔바른고딕" panose="020B0603020101020101" pitchFamily="50" charset="-127"/>
+              </a:rPr>
+              <a:t>[1, 2, 3, 4, 5]</a:t>
+            </a:r>
+          </a:p>
+          <a:p>
+            <a:pPr algn="ctr"/>
             <a:endParaRPr lang="en-US" altLang="ko-KR" sz="2800" dirty="0">
               <a:solidFill>
                 <a:schemeClr val="bg1">
@@ -4654,52 +5456,230 @@
               <a:ea typeface="나눔바른고딕" panose="020B0603020101020101" pitchFamily="50" charset="-127"/>
             </a:endParaRPr>
           </a:p>
+          <a:p>
+            <a:pPr algn="ctr"/>
+            <a:r>
+              <a:rPr lang="ko-KR" altLang="en-US" sz="2800" dirty="0">
+                <a:solidFill>
+                  <a:schemeClr val="bg1">
+                    <a:lumMod val="95000"/>
+                  </a:schemeClr>
+                </a:solidFill>
+                <a:latin typeface="나눔바른고딕" panose="020B0603020101020101" pitchFamily="50" charset="-127"/>
+                <a:ea typeface="나눔바른고딕" panose="020B0603020101020101" pitchFamily="50" charset="-127"/>
+              </a:rPr>
+              <a:t>리스트 </a:t>
+            </a:r>
+            <a:r>
+              <a:rPr lang="en-US" altLang="ko-KR" sz="2800" dirty="0" err="1">
+                <a:solidFill>
+                  <a:schemeClr val="bg1">
+                    <a:lumMod val="95000"/>
+                  </a:schemeClr>
+                </a:solidFill>
+                <a:latin typeface="나눔바른고딕" panose="020B0603020101020101" pitchFamily="50" charset="-127"/>
+                <a:ea typeface="나눔바른고딕" panose="020B0603020101020101" pitchFamily="50" charset="-127"/>
+              </a:rPr>
+              <a:t>arr</a:t>
+            </a:r>
+            <a:r>
+              <a:rPr lang="en-US" altLang="ko-KR" sz="2800" dirty="0">
+                <a:solidFill>
+                  <a:schemeClr val="bg1">
+                    <a:lumMod val="95000"/>
+                  </a:schemeClr>
+                </a:solidFill>
+                <a:latin typeface="나눔바른고딕" panose="020B0603020101020101" pitchFamily="50" charset="-127"/>
+                <a:ea typeface="나눔바른고딕" panose="020B0603020101020101" pitchFamily="50" charset="-127"/>
+              </a:rPr>
+              <a:t> </a:t>
+            </a:r>
+            <a:r>
+              <a:rPr lang="ko-KR" altLang="en-US" sz="2800" dirty="0">
+                <a:solidFill>
+                  <a:schemeClr val="bg1">
+                    <a:lumMod val="95000"/>
+                  </a:schemeClr>
+                </a:solidFill>
+                <a:latin typeface="나눔바른고딕" panose="020B0603020101020101" pitchFamily="50" charset="-127"/>
+                <a:ea typeface="나눔바른고딕" panose="020B0603020101020101" pitchFamily="50" charset="-127"/>
+              </a:rPr>
+              <a:t>에서 </a:t>
+            </a:r>
+            <a:endParaRPr lang="en-US" altLang="ko-KR" sz="2800" dirty="0">
+              <a:solidFill>
+                <a:schemeClr val="bg1">
+                  <a:lumMod val="95000"/>
+                </a:schemeClr>
+              </a:solidFill>
+              <a:latin typeface="나눔바른고딕" panose="020B0603020101020101" pitchFamily="50" charset="-127"/>
+              <a:ea typeface="나눔바른고딕" panose="020B0603020101020101" pitchFamily="50" charset="-127"/>
+            </a:endParaRPr>
+          </a:p>
+          <a:p>
+            <a:pPr algn="ctr"/>
+            <a:r>
+              <a:rPr lang="en-US" altLang="ko-KR" sz="2800" dirty="0">
+                <a:solidFill>
+                  <a:schemeClr val="bg1">
+                    <a:lumMod val="95000"/>
+                  </a:schemeClr>
+                </a:solidFill>
+                <a:latin typeface="나눔바른고딕" panose="020B0603020101020101" pitchFamily="50" charset="-127"/>
+                <a:ea typeface="나눔바른고딕" panose="020B0603020101020101" pitchFamily="50" charset="-127"/>
+              </a:rPr>
+              <a:t>1</a:t>
+            </a:r>
+            <a:r>
+              <a:rPr lang="ko-KR" altLang="en-US" sz="2800" dirty="0">
+                <a:solidFill>
+                  <a:schemeClr val="bg1">
+                    <a:lumMod val="95000"/>
+                  </a:schemeClr>
+                </a:solidFill>
+                <a:latin typeface="나눔바른고딕" panose="020B0603020101020101" pitchFamily="50" charset="-127"/>
+                <a:ea typeface="나눔바른고딕" panose="020B0603020101020101" pitchFamily="50" charset="-127"/>
+              </a:rPr>
+              <a:t>과 </a:t>
+            </a:r>
+            <a:r>
+              <a:rPr lang="en-US" altLang="ko-KR" sz="2800" dirty="0">
+                <a:solidFill>
+                  <a:schemeClr val="bg1">
+                    <a:lumMod val="95000"/>
+                  </a:schemeClr>
+                </a:solidFill>
+                <a:latin typeface="나눔바른고딕" panose="020B0603020101020101" pitchFamily="50" charset="-127"/>
+                <a:ea typeface="나눔바른고딕" panose="020B0603020101020101" pitchFamily="50" charset="-127"/>
+              </a:rPr>
+              <a:t>5</a:t>
+            </a:r>
+            <a:r>
+              <a:rPr lang="ko-KR" altLang="en-US" sz="2800" dirty="0">
+                <a:solidFill>
+                  <a:schemeClr val="bg1">
+                    <a:lumMod val="95000"/>
+                  </a:schemeClr>
+                </a:solidFill>
+                <a:latin typeface="나눔바른고딕" panose="020B0603020101020101" pitchFamily="50" charset="-127"/>
+                <a:ea typeface="나눔바른고딕" panose="020B0603020101020101" pitchFamily="50" charset="-127"/>
+              </a:rPr>
+              <a:t>를 삭제한 결과를 출력하세요</a:t>
+            </a:r>
+            <a:r>
+              <a:rPr lang="en-US" altLang="ko-KR" sz="2800" dirty="0">
+                <a:solidFill>
+                  <a:schemeClr val="bg1">
+                    <a:lumMod val="95000"/>
+                  </a:schemeClr>
+                </a:solidFill>
+                <a:latin typeface="나눔바른고딕" panose="020B0603020101020101" pitchFamily="50" charset="-127"/>
+                <a:ea typeface="나눔바른고딕" panose="020B0603020101020101" pitchFamily="50" charset="-127"/>
+              </a:rPr>
+              <a:t>.</a:t>
+            </a:r>
+          </a:p>
         </p:txBody>
       </p:sp>
-      <p:pic>
-        <p:nvPicPr>
-          <p:cNvPr id="4" name="그림 3">
+      <p:sp>
+        <p:nvSpPr>
+          <p:cNvPr id="3" name="TextBox 2">
             <a:extLst>
               <a:ext uri="{FF2B5EF4-FFF2-40B4-BE49-F238E27FC236}">
-                <a16:creationId xmlns:a16="http://schemas.microsoft.com/office/drawing/2014/main" id="{F57FED79-A7A7-4281-93C6-4E6B5B8F0F3E}"/>
+                <a16:creationId xmlns:a16="http://schemas.microsoft.com/office/drawing/2014/main" id="{C6491C8F-09B5-425B-88F4-FC0D7D45B553}"/>
               </a:ext>
             </a:extLst>
           </p:cNvPr>
-          <p:cNvPicPr>
-            <a:picLocks noChangeAspect="1"/>
-          </p:cNvPicPr>
+          <p:cNvSpPr txBox="1"/>
           <p:nvPr/>
-        </p:nvPicPr>
-        <p:blipFill>
-          <a:blip r:embed="rId2"/>
-          <a:stretch>
-            <a:fillRect/>
-          </a:stretch>
-        </p:blipFill>
+        </p:nvSpPr>
         <p:spPr>
           <a:xfrm>
-            <a:off x="5529064" y="2462077"/>
-            <a:ext cx="2915057" cy="1933845"/>
+            <a:off x="6606399" y="2736501"/>
+            <a:ext cx="1787669" cy="1384995"/>
           </a:xfrm>
           <a:prstGeom prst="rect">
             <a:avLst/>
           </a:prstGeom>
-          <a:ln>
-            <a:noFill/>
-          </a:ln>
-          <a:effectLst>
-            <a:outerShdw blurRad="190500" algn="tl" rotWithShape="0">
-              <a:srgbClr val="000000">
-                <a:alpha val="70000"/>
-              </a:srgbClr>
-            </a:outerShdw>
-          </a:effectLst>
+          <a:noFill/>
         </p:spPr>
-      </p:pic>
+        <p:txBody>
+          <a:bodyPr wrap="none" rtlCol="0">
+            <a:spAutoFit/>
+          </a:bodyPr>
+          <a:lstStyle/>
+          <a:p>
+            <a:pPr algn="ctr"/>
+            <a:r>
+              <a:rPr lang="en-US" altLang="ko-KR" sz="2800" dirty="0">
+                <a:solidFill>
+                  <a:schemeClr val="bg1">
+                    <a:lumMod val="95000"/>
+                  </a:schemeClr>
+                </a:solidFill>
+                <a:latin typeface="나눔바른고딕" panose="020B0603020101020101" pitchFamily="50" charset="-127"/>
+                <a:ea typeface="나눔바른고딕" panose="020B0603020101020101" pitchFamily="50" charset="-127"/>
+              </a:rPr>
+              <a:t>[</a:t>
+            </a:r>
+            <a:r>
+              <a:rPr lang="ko-KR" altLang="en-US" sz="2800" dirty="0">
+                <a:solidFill>
+                  <a:schemeClr val="bg1">
+                    <a:lumMod val="95000"/>
+                  </a:schemeClr>
+                </a:solidFill>
+                <a:latin typeface="나눔바른고딕" panose="020B0603020101020101" pitchFamily="50" charset="-127"/>
+                <a:ea typeface="나눔바른고딕" panose="020B0603020101020101" pitchFamily="50" charset="-127"/>
+              </a:rPr>
+              <a:t>출력결과</a:t>
+            </a:r>
+            <a:r>
+              <a:rPr lang="en-US" altLang="ko-KR" sz="2800" dirty="0">
+                <a:solidFill>
+                  <a:schemeClr val="bg1">
+                    <a:lumMod val="95000"/>
+                  </a:schemeClr>
+                </a:solidFill>
+                <a:latin typeface="나눔바른고딕" panose="020B0603020101020101" pitchFamily="50" charset="-127"/>
+                <a:ea typeface="나눔바른고딕" panose="020B0603020101020101" pitchFamily="50" charset="-127"/>
+              </a:rPr>
+              <a:t>]</a:t>
+            </a:r>
+          </a:p>
+          <a:p>
+            <a:pPr algn="ctr"/>
+            <a:endParaRPr lang="en-US" altLang="ko-KR" sz="2800" dirty="0">
+              <a:solidFill>
+                <a:schemeClr val="bg1">
+                  <a:lumMod val="95000"/>
+                </a:schemeClr>
+              </a:solidFill>
+              <a:latin typeface="나눔바른고딕" panose="020B0603020101020101" pitchFamily="50" charset="-127"/>
+              <a:ea typeface="나눔바른고딕" panose="020B0603020101020101" pitchFamily="50" charset="-127"/>
+            </a:endParaRPr>
+          </a:p>
+          <a:p>
+            <a:pPr algn="ctr"/>
+            <a:r>
+              <a:rPr lang="en-US" altLang="ko-KR" sz="2800" dirty="0">
+                <a:solidFill>
+                  <a:schemeClr val="bg1">
+                    <a:lumMod val="95000"/>
+                  </a:schemeClr>
+                </a:solidFill>
+                <a:latin typeface="나눔바른고딕" panose="020B0603020101020101" pitchFamily="50" charset="-127"/>
+                <a:ea typeface="나눔바른고딕" panose="020B0603020101020101" pitchFamily="50" charset="-127"/>
+              </a:rPr>
+              <a:t>[2,3,4]</a:t>
+            </a:r>
+          </a:p>
+        </p:txBody>
+      </p:sp>
     </p:spTree>
     <p:extLst>
       <p:ext uri="{BB962C8B-B14F-4D97-AF65-F5344CB8AC3E}">
-        <p14:creationId xmlns:p14="http://schemas.microsoft.com/office/powerpoint/2010/main" val="1293212621"/>
+        <p14:creationId xmlns:p14="http://schemas.microsoft.com/office/powerpoint/2010/main" val="3757895723"/>
       </p:ext>
     </p:extLst>
   </p:cSld>
@@ -4721,14 +5701,15 @@
 </p:sld>
 </file>
 
-<file path=ppt/slides/slide17.xml><?xml version="1.0" encoding="utf-8"?>
+<file path=ppt/slides/slide2.xml><?xml version="1.0" encoding="utf-8"?>
 <p:sld xmlns:a="http://schemas.openxmlformats.org/drawingml/2006/main" xmlns:r="http://schemas.openxmlformats.org/officeDocument/2006/relationships" xmlns:p="http://schemas.openxmlformats.org/presentationml/2006/main">
   <p:cSld>
     <p:bg>
       <p:bgPr>
         <a:solidFill>
-          <a:schemeClr val="bg1">
-            <a:lumMod val="95000"/>
+          <a:schemeClr val="tx1">
+            <a:lumMod val="85000"/>
+            <a:lumOff val="15000"/>
           </a:schemeClr>
         </a:solidFill>
         <a:effectLst/>
@@ -4750,100 +5731,320 @@
       </p:grpSpPr>
       <p:sp>
         <p:nvSpPr>
-          <p:cNvPr id="5" name="제목 1"/>
-          <p:cNvSpPr txBox="1">
-            <a:spLocks/>
-          </p:cNvSpPr>
+          <p:cNvPr id="2" name="TextBox 1">
+            <a:extLst>
+              <a:ext uri="{FF2B5EF4-FFF2-40B4-BE49-F238E27FC236}">
+                <a16:creationId xmlns:a16="http://schemas.microsoft.com/office/drawing/2014/main" id="{0B332A50-CC0E-4C7E-B47E-E7CFBA7B423B}"/>
+              </a:ext>
+            </a:extLst>
+          </p:cNvPr>
+          <p:cNvSpPr txBox="1"/>
           <p:nvPr/>
         </p:nvSpPr>
         <p:spPr>
           <a:xfrm>
-            <a:off x="-487681" y="2379076"/>
-            <a:ext cx="10881361" cy="2058036"/>
+            <a:off x="670802" y="2274838"/>
+            <a:ext cx="8564396" cy="2308324"/>
           </a:xfrm>
           <a:prstGeom prst="rect">
             <a:avLst/>
           </a:prstGeom>
+          <a:noFill/>
         </p:spPr>
         <p:txBody>
-          <a:bodyPr vert="horz" lIns="128017" tIns="64008" rIns="128017" bIns="64008" rtlCol="0" anchor="ctr">
-            <a:normAutofit/>
-          </a:bodyPr>
-          <a:lstStyle>
-            <a:lvl1pPr algn="ctr" defTabSz="914400" rtl="0" eaLnBrk="1" latinLnBrk="1" hangingPunct="1">
-              <a:spcBef>
-                <a:spcPct val="0"/>
-              </a:spcBef>
-              <a:buNone/>
-              <a:defRPr sz="4400" kern="1200">
-                <a:solidFill>
-                  <a:schemeClr val="tx1"/>
-                </a:solidFill>
-                <a:latin typeface="+mj-lt"/>
-                <a:ea typeface="+mj-ea"/>
-                <a:cs typeface="+mj-cs"/>
-              </a:defRPr>
-            </a:lvl1pPr>
-          </a:lstStyle>
-          <a:p>
-            <a:r>
-              <a:rPr lang="ko-KR" altLang="en-US" dirty="0">
-                <a:latin typeface="배달의민족 주아" pitchFamily="18" charset="-127"/>
-                <a:ea typeface="배달의민족 주아" pitchFamily="18" charset="-127"/>
-              </a:rPr>
-              <a:t>감사합니다</a:t>
-            </a:r>
-          </a:p>
-        </p:txBody>
-      </p:sp>
-      <p:sp>
-        <p:nvSpPr>
-          <p:cNvPr id="4" name="직사각형 3"/>
-          <p:cNvSpPr/>
-          <p:nvPr/>
-        </p:nvSpPr>
-        <p:spPr>
-          <a:xfrm>
-            <a:off x="2720752" y="5973205"/>
-            <a:ext cx="4376519" cy="480131"/>
-          </a:xfrm>
-          <a:prstGeom prst="rect">
-            <a:avLst/>
-          </a:prstGeom>
-        </p:spPr>
-        <p:txBody>
-          <a:bodyPr wrap="none">
+          <a:bodyPr wrap="none" rtlCol="0">
             <a:spAutoFit/>
           </a:bodyPr>
           <a:lstStyle/>
           <a:p>
-            <a:r>
-              <a:rPr lang="en-US" altLang="ko-KR" sz="2520" i="1" dirty="0">
-                <a:latin typeface="Adobe Ming Std L" pitchFamily="18" charset="-128"/>
-                <a:ea typeface="Adobe Ming Std L" pitchFamily="18" charset="-128"/>
-              </a:rPr>
-              <a:t>design icon from flaticon.com</a:t>
-            </a:r>
-            <a:endParaRPr lang="ko-KR" altLang="en-US" sz="2520" i="1" dirty="0">
-              <a:latin typeface="Adobe Ming Std L" pitchFamily="18" charset="-128"/>
+            <a:pPr marL="742950" indent="-742950">
+              <a:buAutoNum type="arabicPeriod"/>
+            </a:pPr>
+            <a:r>
+              <a:rPr lang="en-US" altLang="ko-KR" sz="3600" dirty="0">
+                <a:solidFill>
+                  <a:schemeClr val="accent6">
+                    <a:lumMod val="75000"/>
+                  </a:schemeClr>
+                </a:solidFill>
+                <a:latin typeface="나눔바른고딕" panose="020B0603020101020101" pitchFamily="50" charset="-127"/>
+                <a:ea typeface="나눔바른고딕" panose="020B0603020101020101" pitchFamily="50" charset="-127"/>
+              </a:rPr>
+              <a:t>Visual Studio Code </a:t>
+            </a:r>
+            <a:r>
+              <a:rPr lang="ko-KR" altLang="en-US" sz="3600" dirty="0">
+                <a:solidFill>
+                  <a:schemeClr val="bg1">
+                    <a:lumMod val="95000"/>
+                  </a:schemeClr>
+                </a:solidFill>
+                <a:latin typeface="나눔바른고딕" panose="020B0603020101020101" pitchFamily="50" charset="-127"/>
+                <a:ea typeface="나눔바른고딕" panose="020B0603020101020101" pitchFamily="50" charset="-127"/>
+              </a:rPr>
+              <a:t>설치 및 사용법 정리</a:t>
+            </a:r>
+            <a:endParaRPr lang="en-US" altLang="ko-KR" sz="3600" dirty="0">
+              <a:solidFill>
+                <a:schemeClr val="bg1">
+                  <a:lumMod val="95000"/>
+                </a:schemeClr>
+              </a:solidFill>
+              <a:latin typeface="나눔바른고딕" panose="020B0603020101020101" pitchFamily="50" charset="-127"/>
+              <a:ea typeface="나눔바른고딕" panose="020B0603020101020101" pitchFamily="50" charset="-127"/>
             </a:endParaRPr>
+          </a:p>
+          <a:p>
+            <a:pPr marL="742950" indent="-742950">
+              <a:buAutoNum type="arabicPeriod"/>
+            </a:pPr>
+            <a:r>
+              <a:rPr lang="ko-KR" altLang="en-US" sz="3600" dirty="0">
+                <a:solidFill>
+                  <a:schemeClr val="bg1">
+                    <a:lumMod val="95000"/>
+                  </a:schemeClr>
+                </a:solidFill>
+                <a:latin typeface="나눔바른고딕" panose="020B0603020101020101" pitchFamily="50" charset="-127"/>
+                <a:ea typeface="나눔바른고딕" panose="020B0603020101020101" pitchFamily="50" charset="-127"/>
+              </a:rPr>
+              <a:t>파이썬 기본 </a:t>
+            </a:r>
+            <a:r>
+              <a:rPr lang="ko-KR" altLang="en-US" sz="3600" dirty="0">
+                <a:solidFill>
+                  <a:schemeClr val="accent6">
+                    <a:lumMod val="75000"/>
+                  </a:schemeClr>
+                </a:solidFill>
+                <a:latin typeface="나눔바른고딕" panose="020B0603020101020101" pitchFamily="50" charset="-127"/>
+                <a:ea typeface="나눔바른고딕" panose="020B0603020101020101" pitchFamily="50" charset="-127"/>
+              </a:rPr>
+              <a:t>문법정리</a:t>
+            </a:r>
+            <a:endParaRPr lang="en-US" altLang="ko-KR" sz="3600" dirty="0">
+              <a:solidFill>
+                <a:schemeClr val="accent6">
+                  <a:lumMod val="75000"/>
+                </a:schemeClr>
+              </a:solidFill>
+              <a:latin typeface="나눔바른고딕" panose="020B0603020101020101" pitchFamily="50" charset="-127"/>
+              <a:ea typeface="나눔바른고딕" panose="020B0603020101020101" pitchFamily="50" charset="-127"/>
+            </a:endParaRPr>
+          </a:p>
+          <a:p>
+            <a:pPr marL="742950" indent="-742950">
+              <a:buAutoNum type="arabicPeriod"/>
+            </a:pPr>
+            <a:r>
+              <a:rPr lang="ko-KR" altLang="en-US" sz="3600" dirty="0">
+                <a:solidFill>
+                  <a:schemeClr val="bg1">
+                    <a:lumMod val="95000"/>
+                  </a:schemeClr>
+                </a:solidFill>
+                <a:latin typeface="나눔바른고딕" panose="020B0603020101020101" pitchFamily="50" charset="-127"/>
+                <a:ea typeface="나눔바른고딕" panose="020B0603020101020101" pitchFamily="50" charset="-127"/>
+              </a:rPr>
+              <a:t>파이썬 기초 </a:t>
+            </a:r>
+            <a:r>
+              <a:rPr lang="ko-KR" altLang="en-US" sz="3600" dirty="0">
+                <a:solidFill>
+                  <a:schemeClr val="accent6">
+                    <a:lumMod val="75000"/>
+                  </a:schemeClr>
+                </a:solidFill>
+                <a:latin typeface="나눔바른고딕" panose="020B0603020101020101" pitchFamily="50" charset="-127"/>
+                <a:ea typeface="나눔바른고딕" panose="020B0603020101020101" pitchFamily="50" charset="-127"/>
+              </a:rPr>
+              <a:t>코딩 테스트</a:t>
+            </a:r>
+            <a:endParaRPr lang="en-US" altLang="ko-KR" sz="3600" dirty="0">
+              <a:solidFill>
+                <a:schemeClr val="accent6">
+                  <a:lumMod val="75000"/>
+                </a:schemeClr>
+              </a:solidFill>
+              <a:latin typeface="나눔바른고딕" panose="020B0603020101020101" pitchFamily="50" charset="-127"/>
+              <a:ea typeface="나눔바른고딕" panose="020B0603020101020101" pitchFamily="50" charset="-127"/>
+            </a:endParaRPr>
+          </a:p>
+          <a:p>
+            <a:pPr marL="742950" indent="-742950">
+              <a:buAutoNum type="arabicPeriod"/>
+            </a:pPr>
+            <a:r>
+              <a:rPr lang="en-US" altLang="ko-KR" sz="3600" dirty="0" err="1">
+                <a:solidFill>
+                  <a:schemeClr val="accent6">
+                    <a:lumMod val="75000"/>
+                  </a:schemeClr>
+                </a:solidFill>
+                <a:latin typeface="나눔바른고딕" panose="020B0603020101020101" pitchFamily="50" charset="-127"/>
+                <a:ea typeface="나눔바른고딕" panose="020B0603020101020101" pitchFamily="50" charset="-127"/>
+              </a:rPr>
+              <a:t>Pyautogui</a:t>
+            </a:r>
+            <a:r>
+              <a:rPr lang="en-US" altLang="ko-KR" sz="3600" dirty="0">
+                <a:solidFill>
+                  <a:schemeClr val="bg1">
+                    <a:lumMod val="95000"/>
+                  </a:schemeClr>
+                </a:solidFill>
+                <a:latin typeface="나눔바른고딕" panose="020B0603020101020101" pitchFamily="50" charset="-127"/>
+                <a:ea typeface="나눔바른고딕" panose="020B0603020101020101" pitchFamily="50" charset="-127"/>
+              </a:rPr>
+              <a:t> </a:t>
+            </a:r>
+            <a:r>
+              <a:rPr lang="ko-KR" altLang="en-US" sz="3600" dirty="0">
+                <a:solidFill>
+                  <a:schemeClr val="bg1">
+                    <a:lumMod val="95000"/>
+                  </a:schemeClr>
+                </a:solidFill>
+                <a:latin typeface="나눔바른고딕" panose="020B0603020101020101" pitchFamily="50" charset="-127"/>
+                <a:ea typeface="나눔바른고딕" panose="020B0603020101020101" pitchFamily="50" charset="-127"/>
+              </a:rPr>
+              <a:t>라이브러리 설치 및 사용법</a:t>
+            </a:r>
           </a:p>
         </p:txBody>
       </p:sp>
     </p:spTree>
     <p:extLst>
       <p:ext uri="{BB962C8B-B14F-4D97-AF65-F5344CB8AC3E}">
-        <p14:creationId xmlns:p14="http://schemas.microsoft.com/office/powerpoint/2010/main" val="984902709"/>
+        <p14:creationId xmlns:p14="http://schemas.microsoft.com/office/powerpoint/2010/main" val="286180678"/>
       </p:ext>
     </p:extLst>
   </p:cSld>
   <p:clrMapOvr>
     <a:masterClrMapping/>
   </p:clrMapOvr>
+  <mc:AlternateContent xmlns:mc="http://schemas.openxmlformats.org/markup-compatibility/2006" xmlns:p159="http://schemas.microsoft.com/office/powerpoint/2015/09/main">
+    <mc:Choice Requires="p159">
+      <p:transition xmlns:p14="http://schemas.microsoft.com/office/powerpoint/2010/main" spd="slow" p14:dur="2000">
+        <p159:morph option="byObject"/>
+      </p:transition>
+    </mc:Choice>
+    <mc:Fallback xmlns="">
+      <p:transition spd="slow">
+        <p:fade/>
+      </p:transition>
+    </mc:Fallback>
+  </mc:AlternateContent>
 </p:sld>
 </file>
 
-<file path=ppt/slides/slide2.xml><?xml version="1.0" encoding="utf-8"?>
+<file path=ppt/slides/slide3.xml><?xml version="1.0" encoding="utf-8"?>
+<p:sld xmlns:a="http://schemas.openxmlformats.org/drawingml/2006/main" xmlns:r="http://schemas.openxmlformats.org/officeDocument/2006/relationships" xmlns:p="http://schemas.openxmlformats.org/presentationml/2006/main">
+  <p:cSld>
+    <p:bg>
+      <p:bgPr>
+        <a:solidFill>
+          <a:schemeClr val="tx1">
+            <a:lumMod val="85000"/>
+            <a:lumOff val="15000"/>
+          </a:schemeClr>
+        </a:solidFill>
+        <a:effectLst/>
+      </p:bgPr>
+    </p:bg>
+    <p:spTree>
+      <p:nvGrpSpPr>
+        <p:cNvPr id="1" name=""/>
+        <p:cNvGrpSpPr/>
+        <p:nvPr/>
+      </p:nvGrpSpPr>
+      <p:grpSpPr>
+        <a:xfrm>
+          <a:off x="0" y="0"/>
+          <a:ext cx="0" cy="0"/>
+          <a:chOff x="0" y="0"/>
+          <a:chExt cx="0" cy="0"/>
+        </a:xfrm>
+      </p:grpSpPr>
+      <p:sp>
+        <p:nvSpPr>
+          <p:cNvPr id="2" name="TextBox 1">
+            <a:extLst>
+              <a:ext uri="{FF2B5EF4-FFF2-40B4-BE49-F238E27FC236}">
+                <a16:creationId xmlns:a16="http://schemas.microsoft.com/office/drawing/2014/main" id="{0B332A50-CC0E-4C7E-B47E-E7CFBA7B423B}"/>
+              </a:ext>
+            </a:extLst>
+          </p:cNvPr>
+          <p:cNvSpPr txBox="1"/>
+          <p:nvPr/>
+        </p:nvSpPr>
+        <p:spPr>
+          <a:xfrm>
+            <a:off x="2850085" y="3105835"/>
+            <a:ext cx="4205831" cy="646331"/>
+          </a:xfrm>
+          <a:prstGeom prst="rect">
+            <a:avLst/>
+          </a:prstGeom>
+          <a:noFill/>
+        </p:spPr>
+        <p:txBody>
+          <a:bodyPr wrap="none" rtlCol="0">
+            <a:spAutoFit/>
+          </a:bodyPr>
+          <a:lstStyle/>
+          <a:p>
+            <a:pPr algn="ctr"/>
+            <a:r>
+              <a:rPr lang="en-US" altLang="ko-KR" sz="3600" dirty="0">
+                <a:solidFill>
+                  <a:schemeClr val="accent6">
+                    <a:lumMod val="75000"/>
+                  </a:schemeClr>
+                </a:solidFill>
+                <a:latin typeface="나눔바른고딕" panose="020B0603020101020101" pitchFamily="50" charset="-127"/>
+                <a:ea typeface="나눔바른고딕" panose="020B0603020101020101" pitchFamily="50" charset="-127"/>
+              </a:rPr>
+              <a:t>Visual Studio Code</a:t>
+            </a:r>
+            <a:endParaRPr lang="ko-KR" altLang="en-US" sz="3600" dirty="0">
+              <a:solidFill>
+                <a:schemeClr val="accent6">
+                  <a:lumMod val="75000"/>
+                </a:schemeClr>
+              </a:solidFill>
+              <a:latin typeface="나눔바른고딕" panose="020B0603020101020101" pitchFamily="50" charset="-127"/>
+              <a:ea typeface="나눔바른고딕" panose="020B0603020101020101" pitchFamily="50" charset="-127"/>
+            </a:endParaRPr>
+          </a:p>
+        </p:txBody>
+      </p:sp>
+    </p:spTree>
+    <p:extLst>
+      <p:ext uri="{BB962C8B-B14F-4D97-AF65-F5344CB8AC3E}">
+        <p14:creationId xmlns:p14="http://schemas.microsoft.com/office/powerpoint/2010/main" val="1488023903"/>
+      </p:ext>
+    </p:extLst>
+  </p:cSld>
+  <p:clrMapOvr>
+    <a:masterClrMapping/>
+  </p:clrMapOvr>
+  <mc:AlternateContent xmlns:mc="http://schemas.openxmlformats.org/markup-compatibility/2006" xmlns:p159="http://schemas.microsoft.com/office/powerpoint/2015/09/main">
+    <mc:Choice Requires="p159">
+      <p:transition xmlns:p14="http://schemas.microsoft.com/office/powerpoint/2010/main" spd="slow" p14:dur="2000">
+        <p159:morph option="byObject"/>
+      </p:transition>
+    </mc:Choice>
+    <mc:Fallback xmlns="">
+      <p:transition spd="slow">
+        <p:fade/>
+      </p:transition>
+    </mc:Fallback>
+  </mc:AlternateContent>
+</p:sld>
+</file>
+
+<file path=ppt/slides/slide4.xml><?xml version="1.0" encoding="utf-8"?>
 <p:sld xmlns:a="http://schemas.openxmlformats.org/drawingml/2006/main" xmlns:r="http://schemas.openxmlformats.org/officeDocument/2006/relationships" xmlns:p="http://schemas.openxmlformats.org/presentationml/2006/main">
   <p:cSld>
     <p:bg>
@@ -4985,10 +6186,22 @@
   <p:clrMapOvr>
     <a:masterClrMapping/>
   </p:clrMapOvr>
+  <mc:AlternateContent xmlns:mc="http://schemas.openxmlformats.org/markup-compatibility/2006" xmlns:p159="http://schemas.microsoft.com/office/powerpoint/2015/09/main">
+    <mc:Choice Requires="p159">
+      <p:transition xmlns:p14="http://schemas.microsoft.com/office/powerpoint/2010/main" spd="slow" p14:dur="2000">
+        <p159:morph option="byObject"/>
+      </p:transition>
+    </mc:Choice>
+    <mc:Fallback xmlns="">
+      <p:transition spd="slow">
+        <p:fade/>
+      </p:transition>
+    </mc:Fallback>
+  </mc:AlternateContent>
 </p:sld>
 </file>
 
-<file path=ppt/slides/slide3.xml><?xml version="1.0" encoding="utf-8"?>
+<file path=ppt/slides/slide5.xml><?xml version="1.0" encoding="utf-8"?>
 <p:sld xmlns:a="http://schemas.openxmlformats.org/drawingml/2006/main" xmlns:r="http://schemas.openxmlformats.org/officeDocument/2006/relationships" xmlns:p="http://schemas.openxmlformats.org/presentationml/2006/main">
   <p:cSld>
     <p:bg>
@@ -5391,10 +6604,22 @@
   <p:clrMapOvr>
     <a:masterClrMapping/>
   </p:clrMapOvr>
+  <mc:AlternateContent xmlns:mc="http://schemas.openxmlformats.org/markup-compatibility/2006" xmlns:p159="http://schemas.microsoft.com/office/powerpoint/2015/09/main">
+    <mc:Choice Requires="p159">
+      <p:transition xmlns:p14="http://schemas.microsoft.com/office/powerpoint/2010/main" spd="slow" p14:dur="2000">
+        <p159:morph option="byObject"/>
+      </p:transition>
+    </mc:Choice>
+    <mc:Fallback xmlns="">
+      <p:transition spd="slow">
+        <p:fade/>
+      </p:transition>
+    </mc:Fallback>
+  </mc:AlternateContent>
 </p:sld>
 </file>
 
-<file path=ppt/slides/slide4.xml><?xml version="1.0" encoding="utf-8"?>
+<file path=ppt/slides/slide6.xml><?xml version="1.0" encoding="utf-8"?>
 <p:sld xmlns:a="http://schemas.openxmlformats.org/drawingml/2006/main" xmlns:r="http://schemas.openxmlformats.org/officeDocument/2006/relationships" xmlns:p="http://schemas.openxmlformats.org/presentationml/2006/main">
   <p:cSld>
     <p:bg>
@@ -5578,751 +6803,6 @@
     <p:extLst>
       <p:ext uri="{BB962C8B-B14F-4D97-AF65-F5344CB8AC3E}">
         <p14:creationId xmlns:p14="http://schemas.microsoft.com/office/powerpoint/2010/main" val="2562490533"/>
-      </p:ext>
-    </p:extLst>
-  </p:cSld>
-  <p:clrMapOvr>
-    <a:masterClrMapping/>
-  </p:clrMapOvr>
-</p:sld>
-</file>
-
-<file path=ppt/slides/slide5.xml><?xml version="1.0" encoding="utf-8"?>
-<p:sld xmlns:a="http://schemas.openxmlformats.org/drawingml/2006/main" xmlns:r="http://schemas.openxmlformats.org/officeDocument/2006/relationships" xmlns:p="http://schemas.openxmlformats.org/presentationml/2006/main">
-  <p:cSld>
-    <p:bg>
-      <p:bgPr>
-        <a:solidFill>
-          <a:schemeClr val="tx1">
-            <a:lumMod val="85000"/>
-            <a:lumOff val="15000"/>
-          </a:schemeClr>
-        </a:solidFill>
-        <a:effectLst/>
-      </p:bgPr>
-    </p:bg>
-    <p:spTree>
-      <p:nvGrpSpPr>
-        <p:cNvPr id="1" name=""/>
-        <p:cNvGrpSpPr/>
-        <p:nvPr/>
-      </p:nvGrpSpPr>
-      <p:grpSpPr>
-        <a:xfrm>
-          <a:off x="0" y="0"/>
-          <a:ext cx="0" cy="0"/>
-          <a:chOff x="0" y="0"/>
-          <a:chExt cx="0" cy="0"/>
-        </a:xfrm>
-      </p:grpSpPr>
-      <p:sp>
-        <p:nvSpPr>
-          <p:cNvPr id="2" name="TextBox 1">
-            <a:extLst>
-              <a:ext uri="{FF2B5EF4-FFF2-40B4-BE49-F238E27FC236}">
-                <a16:creationId xmlns:a16="http://schemas.microsoft.com/office/drawing/2014/main" id="{0B332A50-CC0E-4C7E-B47E-E7CFBA7B423B}"/>
-              </a:ext>
-            </a:extLst>
-          </p:cNvPr>
-          <p:cNvSpPr txBox="1"/>
-          <p:nvPr/>
-        </p:nvSpPr>
-        <p:spPr>
-          <a:xfrm>
-            <a:off x="2833671" y="1855711"/>
-            <a:ext cx="4238661" cy="1754326"/>
-          </a:xfrm>
-          <a:prstGeom prst="rect">
-            <a:avLst/>
-          </a:prstGeom>
-          <a:noFill/>
-        </p:spPr>
-        <p:txBody>
-          <a:bodyPr wrap="none" rtlCol="0">
-            <a:spAutoFit/>
-          </a:bodyPr>
-          <a:lstStyle/>
-          <a:p>
-            <a:pPr algn="ctr"/>
-            <a:r>
-              <a:rPr lang="ko-KR" altLang="en-US" sz="3600" dirty="0">
-                <a:solidFill>
-                  <a:schemeClr val="accent6">
-                    <a:lumMod val="75000"/>
-                  </a:schemeClr>
-                </a:solidFill>
-                <a:latin typeface="나눔바른고딕" panose="020B0603020101020101" pitchFamily="50" charset="-127"/>
-                <a:ea typeface="나눔바른고딕" panose="020B0603020101020101" pitchFamily="50" charset="-127"/>
-              </a:rPr>
-              <a:t>문제</a:t>
-            </a:r>
-            <a:r>
-              <a:rPr lang="en-US" altLang="ko-KR" sz="3600" dirty="0">
-                <a:solidFill>
-                  <a:schemeClr val="accent6">
-                    <a:lumMod val="75000"/>
-                  </a:schemeClr>
-                </a:solidFill>
-                <a:latin typeface="나눔바른고딕" panose="020B0603020101020101" pitchFamily="50" charset="-127"/>
-                <a:ea typeface="나눔바른고딕" panose="020B0603020101020101" pitchFamily="50" charset="-127"/>
-              </a:rPr>
-              <a:t>4</a:t>
-            </a:r>
-          </a:p>
-          <a:p>
-            <a:pPr algn="ctr"/>
-            <a:endParaRPr lang="en-US" altLang="ko-KR" sz="3600" dirty="0">
-              <a:solidFill>
-                <a:schemeClr val="accent6">
-                  <a:lumMod val="75000"/>
-                </a:schemeClr>
-              </a:solidFill>
-              <a:latin typeface="나눔바른고딕" panose="020B0603020101020101" pitchFamily="50" charset="-127"/>
-              <a:ea typeface="나눔바른고딕" panose="020B0603020101020101" pitchFamily="50" charset="-127"/>
-            </a:endParaRPr>
-          </a:p>
-          <a:p>
-            <a:pPr algn="ctr"/>
-            <a:r>
-              <a:rPr lang="ko-KR" altLang="en-US" sz="3600" dirty="0">
-                <a:solidFill>
-                  <a:schemeClr val="bg1">
-                    <a:lumMod val="95000"/>
-                  </a:schemeClr>
-                </a:solidFill>
-                <a:latin typeface="나눔바른고딕" panose="020B0603020101020101" pitchFamily="50" charset="-127"/>
-                <a:ea typeface="나눔바른고딕" panose="020B0603020101020101" pitchFamily="50" charset="-127"/>
-              </a:rPr>
-              <a:t>결과를 예측해 보세요</a:t>
-            </a:r>
-            <a:endParaRPr lang="en-US" altLang="ko-KR" sz="3600" dirty="0">
-              <a:solidFill>
-                <a:schemeClr val="bg1">
-                  <a:lumMod val="95000"/>
-                </a:schemeClr>
-              </a:solidFill>
-              <a:latin typeface="나눔바른고딕" panose="020B0603020101020101" pitchFamily="50" charset="-127"/>
-              <a:ea typeface="나눔바른고딕" panose="020B0603020101020101" pitchFamily="50" charset="-127"/>
-            </a:endParaRPr>
-          </a:p>
-        </p:txBody>
-      </p:sp>
-    </p:spTree>
-    <p:extLst>
-      <p:ext uri="{BB962C8B-B14F-4D97-AF65-F5344CB8AC3E}">
-        <p14:creationId xmlns:p14="http://schemas.microsoft.com/office/powerpoint/2010/main" val="3422639784"/>
-      </p:ext>
-    </p:extLst>
-  </p:cSld>
-  <p:clrMapOvr>
-    <a:masterClrMapping/>
-  </p:clrMapOvr>
-</p:sld>
-</file>
-
-<file path=ppt/slides/slide6.xml><?xml version="1.0" encoding="utf-8"?>
-<p:sld xmlns:a="http://schemas.openxmlformats.org/drawingml/2006/main" xmlns:r="http://schemas.openxmlformats.org/officeDocument/2006/relationships" xmlns:p="http://schemas.openxmlformats.org/presentationml/2006/main">
-  <p:cSld>
-    <p:bg>
-      <p:bgPr>
-        <a:solidFill>
-          <a:schemeClr val="tx1">
-            <a:lumMod val="85000"/>
-            <a:lumOff val="15000"/>
-          </a:schemeClr>
-        </a:solidFill>
-        <a:effectLst/>
-      </p:bgPr>
-    </p:bg>
-    <p:spTree>
-      <p:nvGrpSpPr>
-        <p:cNvPr id="1" name=""/>
-        <p:cNvGrpSpPr/>
-        <p:nvPr/>
-      </p:nvGrpSpPr>
-      <p:grpSpPr>
-        <a:xfrm>
-          <a:off x="0" y="0"/>
-          <a:ext cx="0" cy="0"/>
-          <a:chOff x="0" y="0"/>
-          <a:chExt cx="0" cy="0"/>
-        </a:xfrm>
-      </p:grpSpPr>
-      <p:sp>
-        <p:nvSpPr>
-          <p:cNvPr id="2" name="TextBox 1">
-            <a:extLst>
-              <a:ext uri="{FF2B5EF4-FFF2-40B4-BE49-F238E27FC236}">
-                <a16:creationId xmlns:a16="http://schemas.microsoft.com/office/drawing/2014/main" id="{0B332A50-CC0E-4C7E-B47E-E7CFBA7B423B}"/>
-              </a:ext>
-            </a:extLst>
-          </p:cNvPr>
-          <p:cNvSpPr txBox="1"/>
-          <p:nvPr/>
-        </p:nvSpPr>
-        <p:spPr>
-          <a:xfrm>
-            <a:off x="2833671" y="1855711"/>
-            <a:ext cx="4238661" cy="1754326"/>
-          </a:xfrm>
-          <a:prstGeom prst="rect">
-            <a:avLst/>
-          </a:prstGeom>
-          <a:noFill/>
-        </p:spPr>
-        <p:txBody>
-          <a:bodyPr wrap="none" rtlCol="0">
-            <a:spAutoFit/>
-          </a:bodyPr>
-          <a:lstStyle/>
-          <a:p>
-            <a:pPr algn="ctr"/>
-            <a:r>
-              <a:rPr lang="ko-KR" altLang="en-US" sz="3600" dirty="0">
-                <a:solidFill>
-                  <a:schemeClr val="accent6">
-                    <a:lumMod val="75000"/>
-                  </a:schemeClr>
-                </a:solidFill>
-                <a:latin typeface="나눔바른고딕" panose="020B0603020101020101" pitchFamily="50" charset="-127"/>
-                <a:ea typeface="나눔바른고딕" panose="020B0603020101020101" pitchFamily="50" charset="-127"/>
-              </a:rPr>
-              <a:t>문제</a:t>
-            </a:r>
-            <a:r>
-              <a:rPr lang="en-US" altLang="ko-KR" sz="3600" dirty="0">
-                <a:solidFill>
-                  <a:schemeClr val="accent6">
-                    <a:lumMod val="75000"/>
-                  </a:schemeClr>
-                </a:solidFill>
-                <a:latin typeface="나눔바른고딕" panose="020B0603020101020101" pitchFamily="50" charset="-127"/>
-                <a:ea typeface="나눔바른고딕" panose="020B0603020101020101" pitchFamily="50" charset="-127"/>
-              </a:rPr>
-              <a:t>4</a:t>
-            </a:r>
-          </a:p>
-          <a:p>
-            <a:pPr algn="ctr"/>
-            <a:endParaRPr lang="en-US" altLang="ko-KR" sz="3600" dirty="0">
-              <a:solidFill>
-                <a:schemeClr val="accent6">
-                  <a:lumMod val="75000"/>
-                </a:schemeClr>
-              </a:solidFill>
-              <a:latin typeface="나눔바른고딕" panose="020B0603020101020101" pitchFamily="50" charset="-127"/>
-              <a:ea typeface="나눔바른고딕" panose="020B0603020101020101" pitchFamily="50" charset="-127"/>
-            </a:endParaRPr>
-          </a:p>
-          <a:p>
-            <a:pPr algn="ctr"/>
-            <a:r>
-              <a:rPr lang="ko-KR" altLang="en-US" sz="3600" dirty="0">
-                <a:solidFill>
-                  <a:schemeClr val="bg1">
-                    <a:lumMod val="95000"/>
-                  </a:schemeClr>
-                </a:solidFill>
-                <a:latin typeface="나눔바른고딕" panose="020B0603020101020101" pitchFamily="50" charset="-127"/>
-                <a:ea typeface="나눔바른고딕" panose="020B0603020101020101" pitchFamily="50" charset="-127"/>
-              </a:rPr>
-              <a:t>결과를 예측해 보세요</a:t>
-            </a:r>
-            <a:endParaRPr lang="en-US" altLang="ko-KR" sz="3600" dirty="0">
-              <a:solidFill>
-                <a:schemeClr val="bg1">
-                  <a:lumMod val="95000"/>
-                </a:schemeClr>
-              </a:solidFill>
-              <a:latin typeface="나눔바른고딕" panose="020B0603020101020101" pitchFamily="50" charset="-127"/>
-              <a:ea typeface="나눔바른고딕" panose="020B0603020101020101" pitchFamily="50" charset="-127"/>
-            </a:endParaRPr>
-          </a:p>
-        </p:txBody>
-      </p:sp>
-      <p:sp>
-        <p:nvSpPr>
-          <p:cNvPr id="3" name="직사각형 2">
-            <a:extLst>
-              <a:ext uri="{FF2B5EF4-FFF2-40B4-BE49-F238E27FC236}">
-                <a16:creationId xmlns:a16="http://schemas.microsoft.com/office/drawing/2014/main" id="{F0946D24-5B43-4AC9-B7DC-986AF43300EE}"/>
-              </a:ext>
-            </a:extLst>
-          </p:cNvPr>
-          <p:cNvSpPr/>
-          <p:nvPr/>
-        </p:nvSpPr>
-        <p:spPr>
-          <a:xfrm>
-            <a:off x="1281708" y="2828835"/>
-            <a:ext cx="7342584" cy="1200329"/>
-          </a:xfrm>
-          <a:prstGeom prst="rect">
-            <a:avLst/>
-          </a:prstGeom>
-          <a:solidFill>
-            <a:schemeClr val="tx1"/>
-          </a:solidFill>
-          <a:effectLst>
-            <a:outerShdw blurRad="50800" dist="38100" dir="2700000" algn="tl" rotWithShape="0">
-              <a:prstClr val="black">
-                <a:alpha val="40000"/>
-              </a:prstClr>
-            </a:outerShdw>
-            <a:softEdge rad="31750"/>
-          </a:effectLst>
-        </p:spPr>
-        <p:txBody>
-          <a:bodyPr wrap="square">
-            <a:spAutoFit/>
-          </a:bodyPr>
-          <a:lstStyle/>
-          <a:p>
-            <a:r>
-              <a:rPr lang="en-US" altLang="ko-KR" dirty="0">
-                <a:solidFill>
-                  <a:srgbClr val="DCDCAA"/>
-                </a:solidFill>
-                <a:latin typeface="Consolas" panose="020B0609020204030204" pitchFamily="49" charset="0"/>
-              </a:rPr>
-              <a:t>print</a:t>
-            </a:r>
-            <a:r>
-              <a:rPr lang="en-US" altLang="ko-KR" dirty="0">
-                <a:solidFill>
-                  <a:srgbClr val="D4D4D4"/>
-                </a:solidFill>
-                <a:latin typeface="Consolas" panose="020B0609020204030204" pitchFamily="49" charset="0"/>
-              </a:rPr>
-              <a:t>(</a:t>
-            </a:r>
-            <a:r>
-              <a:rPr lang="en-US" altLang="ko-KR" dirty="0">
-                <a:solidFill>
-                  <a:srgbClr val="B5CEA8"/>
-                </a:solidFill>
-                <a:latin typeface="Consolas" panose="020B0609020204030204" pitchFamily="49" charset="0"/>
-              </a:rPr>
-              <a:t>3</a:t>
-            </a:r>
-            <a:r>
-              <a:rPr lang="en-US" altLang="ko-KR" dirty="0">
-                <a:solidFill>
-                  <a:srgbClr val="D4D4D4"/>
-                </a:solidFill>
-                <a:latin typeface="Consolas" panose="020B0609020204030204" pitchFamily="49" charset="0"/>
-              </a:rPr>
-              <a:t> &lt; </a:t>
-            </a:r>
-            <a:r>
-              <a:rPr lang="en-US" altLang="ko-KR" dirty="0">
-                <a:solidFill>
-                  <a:srgbClr val="B5CEA8"/>
-                </a:solidFill>
-                <a:latin typeface="Consolas" panose="020B0609020204030204" pitchFamily="49" charset="0"/>
-              </a:rPr>
-              <a:t>6</a:t>
-            </a:r>
-            <a:r>
-              <a:rPr lang="en-US" altLang="ko-KR" dirty="0">
-                <a:solidFill>
-                  <a:srgbClr val="D4D4D4"/>
-                </a:solidFill>
-                <a:latin typeface="Consolas" panose="020B0609020204030204" pitchFamily="49" charset="0"/>
-              </a:rPr>
-              <a:t> </a:t>
-            </a:r>
-            <a:r>
-              <a:rPr lang="en-US" altLang="ko-KR" dirty="0">
-                <a:solidFill>
-                  <a:srgbClr val="C586C0"/>
-                </a:solidFill>
-                <a:latin typeface="Consolas" panose="020B0609020204030204" pitchFamily="49" charset="0"/>
-              </a:rPr>
-              <a:t>and</a:t>
-            </a:r>
-            <a:r>
-              <a:rPr lang="en-US" altLang="ko-KR" dirty="0">
-                <a:solidFill>
-                  <a:srgbClr val="D4D4D4"/>
-                </a:solidFill>
-                <a:latin typeface="Consolas" panose="020B0609020204030204" pitchFamily="49" charset="0"/>
-              </a:rPr>
-              <a:t> </a:t>
-            </a:r>
-            <a:r>
-              <a:rPr lang="en-US" altLang="ko-KR" dirty="0">
-                <a:solidFill>
-                  <a:srgbClr val="B5CEA8"/>
-                </a:solidFill>
-                <a:latin typeface="Consolas" panose="020B0609020204030204" pitchFamily="49" charset="0"/>
-              </a:rPr>
-              <a:t>10</a:t>
-            </a:r>
-            <a:r>
-              <a:rPr lang="en-US" altLang="ko-KR" dirty="0">
-                <a:solidFill>
-                  <a:srgbClr val="D4D4D4"/>
-                </a:solidFill>
-                <a:latin typeface="Consolas" panose="020B0609020204030204" pitchFamily="49" charset="0"/>
-              </a:rPr>
-              <a:t> &gt;= </a:t>
-            </a:r>
-            <a:r>
-              <a:rPr lang="en-US" altLang="ko-KR" dirty="0">
-                <a:solidFill>
-                  <a:srgbClr val="B5CEA8"/>
-                </a:solidFill>
-                <a:latin typeface="Consolas" panose="020B0609020204030204" pitchFamily="49" charset="0"/>
-              </a:rPr>
-              <a:t>7</a:t>
-            </a:r>
-            <a:r>
-              <a:rPr lang="en-US" altLang="ko-KR" dirty="0">
-                <a:solidFill>
-                  <a:srgbClr val="D4D4D4"/>
-                </a:solidFill>
-                <a:latin typeface="Consolas" panose="020B0609020204030204" pitchFamily="49" charset="0"/>
-              </a:rPr>
-              <a:t>)</a:t>
-            </a:r>
-          </a:p>
-          <a:p>
-            <a:r>
-              <a:rPr lang="en-US" altLang="ko-KR" dirty="0">
-                <a:solidFill>
-                  <a:srgbClr val="DCDCAA"/>
-                </a:solidFill>
-                <a:latin typeface="Consolas" panose="020B0609020204030204" pitchFamily="49" charset="0"/>
-              </a:rPr>
-              <a:t>print</a:t>
-            </a:r>
-            <a:r>
-              <a:rPr lang="en-US" altLang="ko-KR" dirty="0">
-                <a:solidFill>
-                  <a:srgbClr val="D4D4D4"/>
-                </a:solidFill>
-                <a:latin typeface="Consolas" panose="020B0609020204030204" pitchFamily="49" charset="0"/>
-              </a:rPr>
-              <a:t>(</a:t>
-            </a:r>
-            <a:r>
-              <a:rPr lang="en-US" altLang="ko-KR" dirty="0">
-                <a:solidFill>
-                  <a:srgbClr val="B5CEA8"/>
-                </a:solidFill>
-                <a:latin typeface="Consolas" panose="020B0609020204030204" pitchFamily="49" charset="0"/>
-              </a:rPr>
-              <a:t>1</a:t>
-            </a:r>
-            <a:r>
-              <a:rPr lang="en-US" altLang="ko-KR" dirty="0">
-                <a:solidFill>
-                  <a:srgbClr val="D4D4D4"/>
-                </a:solidFill>
-                <a:latin typeface="Consolas" panose="020B0609020204030204" pitchFamily="49" charset="0"/>
-              </a:rPr>
-              <a:t> == </a:t>
-            </a:r>
-            <a:r>
-              <a:rPr lang="en-US" altLang="ko-KR" dirty="0">
-                <a:solidFill>
-                  <a:srgbClr val="B5CEA8"/>
-                </a:solidFill>
-                <a:latin typeface="Consolas" panose="020B0609020204030204" pitchFamily="49" charset="0"/>
-              </a:rPr>
-              <a:t>1</a:t>
-            </a:r>
-            <a:r>
-              <a:rPr lang="en-US" altLang="ko-KR" dirty="0">
-                <a:solidFill>
-                  <a:srgbClr val="D4D4D4"/>
-                </a:solidFill>
-                <a:latin typeface="Consolas" panose="020B0609020204030204" pitchFamily="49" charset="0"/>
-              </a:rPr>
-              <a:t> </a:t>
-            </a:r>
-            <a:r>
-              <a:rPr lang="en-US" altLang="ko-KR" dirty="0">
-                <a:solidFill>
-                  <a:srgbClr val="C586C0"/>
-                </a:solidFill>
-                <a:latin typeface="Consolas" panose="020B0609020204030204" pitchFamily="49" charset="0"/>
-              </a:rPr>
-              <a:t>and</a:t>
-            </a:r>
-            <a:r>
-              <a:rPr lang="en-US" altLang="ko-KR" dirty="0">
-                <a:solidFill>
-                  <a:srgbClr val="D4D4D4"/>
-                </a:solidFill>
-                <a:latin typeface="Consolas" panose="020B0609020204030204" pitchFamily="49" charset="0"/>
-              </a:rPr>
-              <a:t> </a:t>
-            </a:r>
-            <a:r>
-              <a:rPr lang="en-US" altLang="ko-KR" dirty="0">
-                <a:solidFill>
-                  <a:srgbClr val="B5CEA8"/>
-                </a:solidFill>
-                <a:latin typeface="Consolas" panose="020B0609020204030204" pitchFamily="49" charset="0"/>
-              </a:rPr>
-              <a:t>4</a:t>
-            </a:r>
-            <a:r>
-              <a:rPr lang="en-US" altLang="ko-KR" dirty="0">
-                <a:solidFill>
-                  <a:srgbClr val="D4D4D4"/>
-                </a:solidFill>
-                <a:latin typeface="Consolas" panose="020B0609020204030204" pitchFamily="49" charset="0"/>
-              </a:rPr>
-              <a:t> &gt;= </a:t>
-            </a:r>
-            <a:r>
-              <a:rPr lang="en-US" altLang="ko-KR" dirty="0">
-                <a:solidFill>
-                  <a:srgbClr val="B5CEA8"/>
-                </a:solidFill>
-                <a:latin typeface="Consolas" panose="020B0609020204030204" pitchFamily="49" charset="0"/>
-              </a:rPr>
-              <a:t>7</a:t>
-            </a:r>
-            <a:r>
-              <a:rPr lang="en-US" altLang="ko-KR" dirty="0">
-                <a:solidFill>
-                  <a:srgbClr val="D4D4D4"/>
-                </a:solidFill>
-                <a:latin typeface="Consolas" panose="020B0609020204030204" pitchFamily="49" charset="0"/>
-              </a:rPr>
-              <a:t>)</a:t>
-            </a:r>
-          </a:p>
-          <a:p>
-            <a:r>
-              <a:rPr lang="en-US" altLang="ko-KR" dirty="0">
-                <a:solidFill>
-                  <a:srgbClr val="DCDCAA"/>
-                </a:solidFill>
-                <a:latin typeface="Consolas" panose="020B0609020204030204" pitchFamily="49" charset="0"/>
-              </a:rPr>
-              <a:t>print</a:t>
-            </a:r>
-            <a:r>
-              <a:rPr lang="en-US" altLang="ko-KR" dirty="0">
-                <a:solidFill>
-                  <a:srgbClr val="D4D4D4"/>
-                </a:solidFill>
-                <a:latin typeface="Consolas" panose="020B0609020204030204" pitchFamily="49" charset="0"/>
-              </a:rPr>
-              <a:t>(</a:t>
-            </a:r>
-            <a:r>
-              <a:rPr lang="en-US" altLang="ko-KR" dirty="0">
-                <a:solidFill>
-                  <a:srgbClr val="CE9178"/>
-                </a:solidFill>
-                <a:latin typeface="Consolas" panose="020B0609020204030204" pitchFamily="49" charset="0"/>
-              </a:rPr>
-              <a:t>"hello"</a:t>
-            </a:r>
-            <a:r>
-              <a:rPr lang="en-US" altLang="ko-KR" dirty="0">
-                <a:solidFill>
-                  <a:srgbClr val="D4D4D4"/>
-                </a:solidFill>
-                <a:latin typeface="Consolas" panose="020B0609020204030204" pitchFamily="49" charset="0"/>
-              </a:rPr>
-              <a:t> == </a:t>
-            </a:r>
-            <a:r>
-              <a:rPr lang="en-US" altLang="ko-KR" dirty="0">
-                <a:solidFill>
-                  <a:srgbClr val="CE9178"/>
-                </a:solidFill>
-                <a:latin typeface="Consolas" panose="020B0609020204030204" pitchFamily="49" charset="0"/>
-              </a:rPr>
-              <a:t>"hello"</a:t>
-            </a:r>
-            <a:r>
-              <a:rPr lang="en-US" altLang="ko-KR" dirty="0">
-                <a:solidFill>
-                  <a:srgbClr val="D4D4D4"/>
-                </a:solidFill>
-                <a:latin typeface="Consolas" panose="020B0609020204030204" pitchFamily="49" charset="0"/>
-              </a:rPr>
-              <a:t> </a:t>
-            </a:r>
-            <a:r>
-              <a:rPr lang="en-US" altLang="ko-KR" dirty="0">
-                <a:solidFill>
-                  <a:srgbClr val="C586C0"/>
-                </a:solidFill>
-                <a:latin typeface="Consolas" panose="020B0609020204030204" pitchFamily="49" charset="0"/>
-              </a:rPr>
-              <a:t>or</a:t>
-            </a:r>
-            <a:r>
-              <a:rPr lang="en-US" altLang="ko-KR" dirty="0">
-                <a:solidFill>
-                  <a:srgbClr val="D4D4D4"/>
-                </a:solidFill>
-                <a:latin typeface="Consolas" panose="020B0609020204030204" pitchFamily="49" charset="0"/>
-              </a:rPr>
-              <a:t> </a:t>
-            </a:r>
-            <a:r>
-              <a:rPr lang="en-US" altLang="ko-KR" dirty="0">
-                <a:solidFill>
-                  <a:srgbClr val="CE9178"/>
-                </a:solidFill>
-                <a:latin typeface="Consolas" panose="020B0609020204030204" pitchFamily="49" charset="0"/>
-              </a:rPr>
-              <a:t>"</a:t>
-            </a:r>
-            <a:r>
-              <a:rPr lang="en-US" altLang="ko-KR" dirty="0" err="1">
-                <a:solidFill>
-                  <a:srgbClr val="CE9178"/>
-                </a:solidFill>
-                <a:latin typeface="Consolas" panose="020B0609020204030204" pitchFamily="49" charset="0"/>
-              </a:rPr>
-              <a:t>santa</a:t>
-            </a:r>
-            <a:r>
-              <a:rPr lang="en-US" altLang="ko-KR" dirty="0">
-                <a:solidFill>
-                  <a:srgbClr val="CE9178"/>
-                </a:solidFill>
-                <a:latin typeface="Consolas" panose="020B0609020204030204" pitchFamily="49" charset="0"/>
-              </a:rPr>
-              <a:t>"</a:t>
-            </a:r>
-            <a:r>
-              <a:rPr lang="en-US" altLang="ko-KR" dirty="0">
-                <a:solidFill>
-                  <a:srgbClr val="D4D4D4"/>
-                </a:solidFill>
-                <a:latin typeface="Consolas" panose="020B0609020204030204" pitchFamily="49" charset="0"/>
-              </a:rPr>
-              <a:t> != </a:t>
-            </a:r>
-            <a:r>
-              <a:rPr lang="en-US" altLang="ko-KR" dirty="0">
-                <a:solidFill>
-                  <a:srgbClr val="CE9178"/>
-                </a:solidFill>
-                <a:latin typeface="Consolas" panose="020B0609020204030204" pitchFamily="49" charset="0"/>
-              </a:rPr>
-              <a:t>"</a:t>
-            </a:r>
-            <a:r>
-              <a:rPr lang="en-US" altLang="ko-KR" dirty="0" err="1">
-                <a:solidFill>
-                  <a:srgbClr val="CE9178"/>
-                </a:solidFill>
-                <a:latin typeface="Consolas" panose="020B0609020204030204" pitchFamily="49" charset="0"/>
-              </a:rPr>
-              <a:t>santa</a:t>
-            </a:r>
-            <a:r>
-              <a:rPr lang="en-US" altLang="ko-KR" dirty="0">
-                <a:solidFill>
-                  <a:srgbClr val="CE9178"/>
-                </a:solidFill>
-                <a:latin typeface="Consolas" panose="020B0609020204030204" pitchFamily="49" charset="0"/>
-              </a:rPr>
-              <a:t>"</a:t>
-            </a:r>
-            <a:r>
-              <a:rPr lang="en-US" altLang="ko-KR" dirty="0">
-                <a:solidFill>
-                  <a:srgbClr val="D4D4D4"/>
-                </a:solidFill>
-                <a:latin typeface="Consolas" panose="020B0609020204030204" pitchFamily="49" charset="0"/>
-              </a:rPr>
-              <a:t>)</a:t>
-            </a:r>
-          </a:p>
-          <a:p>
-            <a:r>
-              <a:rPr lang="en-US" altLang="ko-KR" dirty="0">
-                <a:solidFill>
-                  <a:srgbClr val="DCDCAA"/>
-                </a:solidFill>
-                <a:latin typeface="Consolas" panose="020B0609020204030204" pitchFamily="49" charset="0"/>
-              </a:rPr>
-              <a:t>print</a:t>
-            </a:r>
-            <a:r>
-              <a:rPr lang="en-US" altLang="ko-KR" dirty="0">
-                <a:solidFill>
-                  <a:srgbClr val="D4D4D4"/>
-                </a:solidFill>
-                <a:latin typeface="Consolas" panose="020B0609020204030204" pitchFamily="49" charset="0"/>
-              </a:rPr>
-              <a:t>(</a:t>
-            </a:r>
-            <a:r>
-              <a:rPr lang="en-US" altLang="ko-KR" dirty="0">
-                <a:solidFill>
-                  <a:srgbClr val="C586C0"/>
-                </a:solidFill>
-                <a:latin typeface="Consolas" panose="020B0609020204030204" pitchFamily="49" charset="0"/>
-              </a:rPr>
-              <a:t>not</a:t>
-            </a:r>
-            <a:r>
-              <a:rPr lang="en-US" altLang="ko-KR" dirty="0">
-                <a:solidFill>
-                  <a:srgbClr val="D4D4D4"/>
-                </a:solidFill>
-                <a:latin typeface="Consolas" panose="020B0609020204030204" pitchFamily="49" charset="0"/>
-              </a:rPr>
-              <a:t> </a:t>
-            </a:r>
-            <a:r>
-              <a:rPr lang="en-US" altLang="ko-KR" dirty="0">
-                <a:solidFill>
-                  <a:srgbClr val="B5CEA8"/>
-                </a:solidFill>
-                <a:latin typeface="Consolas" panose="020B0609020204030204" pitchFamily="49" charset="0"/>
-              </a:rPr>
-              <a:t>1</a:t>
-            </a:r>
-            <a:r>
-              <a:rPr lang="en-US" altLang="ko-KR" dirty="0">
-                <a:solidFill>
-                  <a:srgbClr val="D4D4D4"/>
-                </a:solidFill>
-                <a:latin typeface="Consolas" panose="020B0609020204030204" pitchFamily="49" charset="0"/>
-              </a:rPr>
-              <a:t> == </a:t>
-            </a:r>
-            <a:r>
-              <a:rPr lang="en-US" altLang="ko-KR" dirty="0">
-                <a:solidFill>
-                  <a:srgbClr val="B5CEA8"/>
-                </a:solidFill>
-                <a:latin typeface="Consolas" panose="020B0609020204030204" pitchFamily="49" charset="0"/>
-              </a:rPr>
-              <a:t>2</a:t>
-            </a:r>
-            <a:r>
-              <a:rPr lang="en-US" altLang="ko-KR" dirty="0">
-                <a:solidFill>
-                  <a:srgbClr val="D4D4D4"/>
-                </a:solidFill>
-                <a:latin typeface="Consolas" panose="020B0609020204030204" pitchFamily="49" charset="0"/>
-              </a:rPr>
-              <a:t>)</a:t>
-            </a:r>
-          </a:p>
-        </p:txBody>
-      </p:sp>
-    </p:spTree>
-    <p:extLst>
-      <p:ext uri="{BB962C8B-B14F-4D97-AF65-F5344CB8AC3E}">
-        <p14:creationId xmlns:p14="http://schemas.microsoft.com/office/powerpoint/2010/main" val="444584798"/>
       </p:ext>
     </p:extLst>
   </p:cSld>
@@ -6386,8 +6866,8 @@
         </p:nvSpPr>
         <p:spPr>
           <a:xfrm>
-            <a:off x="1844617" y="797511"/>
-            <a:ext cx="6216766" cy="5262979"/>
+            <a:off x="2833671" y="1855711"/>
+            <a:ext cx="4238661" cy="1754326"/>
           </a:xfrm>
           <a:prstGeom prst="rect">
             <a:avLst/>
@@ -6423,7 +6903,7 @@
                 <a:latin typeface="나눔바른고딕" panose="020B0603020101020101" pitchFamily="50" charset="-127"/>
                 <a:ea typeface="나눔바른고딕" panose="020B0603020101020101" pitchFamily="50" charset="-127"/>
               </a:rPr>
-              <a:t>5</a:t>
+              <a:t>4</a:t>
             </a:r>
           </a:p>
           <a:p>
@@ -6441,60 +6921,18 @@
           <a:p>
             <a:pPr algn="ctr"/>
             <a:r>
-              <a:rPr lang="ko-KR" altLang="en-US" sz="2400" dirty="0">
-                <a:solidFill>
-                  <a:schemeClr val="bg1">
-                    <a:lumMod val="95000"/>
-                  </a:schemeClr>
-                </a:solidFill>
-                <a:latin typeface="나눔바른고딕" panose="020B0603020101020101" pitchFamily="50" charset="-127"/>
-                <a:ea typeface="나눔바른고딕" panose="020B0603020101020101" pitchFamily="50" charset="-127"/>
-              </a:rPr>
-              <a:t>사용자로부터 삼성전자의 </a:t>
-            </a:r>
-            <a:r>
-              <a:rPr lang="ko-KR" altLang="en-US" sz="2400" dirty="0">
-                <a:solidFill>
-                  <a:schemeClr val="accent6">
-                    <a:lumMod val="75000"/>
-                  </a:schemeClr>
-                </a:solidFill>
-                <a:latin typeface="나눔바른고딕" panose="020B0603020101020101" pitchFamily="50" charset="-127"/>
-                <a:ea typeface="나눔바른고딕" panose="020B0603020101020101" pitchFamily="50" charset="-127"/>
-              </a:rPr>
-              <a:t>현재가격을 입력 받는다</a:t>
-            </a:r>
-          </a:p>
-          <a:p>
-            <a:pPr algn="ctr"/>
-            <a:r>
-              <a:rPr lang="ko-KR" altLang="en-US" sz="2400" dirty="0">
-                <a:solidFill>
-                  <a:schemeClr val="bg1">
-                    <a:lumMod val="95000"/>
-                  </a:schemeClr>
-                </a:solidFill>
-                <a:latin typeface="나눔바른고딕" panose="020B0603020101020101" pitchFamily="50" charset="-127"/>
-                <a:ea typeface="나눔바른고딕" panose="020B0603020101020101" pitchFamily="50" charset="-127"/>
-              </a:rPr>
-              <a:t>조건에 따라 출력되는 문장을 작성한다</a:t>
-            </a:r>
-            <a:r>
-              <a:rPr lang="en-US" altLang="ko-KR" sz="2400" dirty="0">
-                <a:solidFill>
-                  <a:schemeClr val="bg1">
-                    <a:lumMod val="95000"/>
-                  </a:schemeClr>
-                </a:solidFill>
-                <a:latin typeface="나눔바른고딕" panose="020B0603020101020101" pitchFamily="50" charset="-127"/>
-                <a:ea typeface="나눔바른고딕" panose="020B0603020101020101" pitchFamily="50" charset="-127"/>
-              </a:rPr>
-              <a:t>.</a:t>
-            </a:r>
-          </a:p>
-          <a:p>
-            <a:pPr algn="ctr"/>
-            <a:endParaRPr lang="en-US" altLang="ko-KR" sz="2400" dirty="0">
+              <a:rPr lang="ko-KR" altLang="en-US" sz="3600" dirty="0">
+                <a:solidFill>
+                  <a:schemeClr val="bg1">
+                    <a:lumMod val="95000"/>
+                  </a:schemeClr>
+                </a:solidFill>
+                <a:latin typeface="나눔바른고딕" panose="020B0603020101020101" pitchFamily="50" charset="-127"/>
+                <a:ea typeface="나눔바른고딕" panose="020B0603020101020101" pitchFamily="50" charset="-127"/>
+              </a:rPr>
+              <a:t>결과를 예측해 보세요</a:t>
+            </a:r>
+            <a:endParaRPr lang="en-US" altLang="ko-KR" sz="3600" dirty="0">
               <a:solidFill>
                 <a:schemeClr val="bg1">
                   <a:lumMod val="95000"/>
@@ -6504,444 +6942,30 @@
               <a:ea typeface="나눔바른고딕" panose="020B0603020101020101" pitchFamily="50" charset="-127"/>
             </a:endParaRPr>
           </a:p>
-          <a:p>
-            <a:pPr algn="ctr"/>
-            <a:r>
-              <a:rPr lang="en-US" altLang="ko-KR" sz="2400" dirty="0">
-                <a:solidFill>
-                  <a:schemeClr val="bg1">
-                    <a:lumMod val="95000"/>
-                  </a:schemeClr>
-                </a:solidFill>
-                <a:latin typeface="나눔바른고딕" panose="020B0603020101020101" pitchFamily="50" charset="-127"/>
-                <a:ea typeface="나눔바른고딕" panose="020B0603020101020101" pitchFamily="50" charset="-127"/>
-              </a:rPr>
-              <a:t>1.</a:t>
-            </a:r>
-            <a:r>
-              <a:rPr lang="ko-KR" altLang="en-US" sz="2400" dirty="0">
-                <a:solidFill>
-                  <a:schemeClr val="bg1">
-                    <a:lumMod val="95000"/>
-                  </a:schemeClr>
-                </a:solidFill>
-                <a:latin typeface="나눔바른고딕" panose="020B0603020101020101" pitchFamily="50" charset="-127"/>
-                <a:ea typeface="나눔바른고딕" panose="020B0603020101020101" pitchFamily="50" charset="-127"/>
-              </a:rPr>
-              <a:t>현재가격이 </a:t>
-            </a:r>
-            <a:r>
-              <a:rPr lang="en-US" altLang="ko-KR" sz="2400" dirty="0">
-                <a:solidFill>
-                  <a:schemeClr val="accent6">
-                    <a:lumMod val="75000"/>
-                  </a:schemeClr>
-                </a:solidFill>
-                <a:latin typeface="나눔바른고딕" panose="020B0603020101020101" pitchFamily="50" charset="-127"/>
-                <a:ea typeface="나눔바른고딕" panose="020B0603020101020101" pitchFamily="50" charset="-127"/>
-              </a:rPr>
-              <a:t>7</a:t>
-            </a:r>
-            <a:r>
-              <a:rPr lang="ko-KR" altLang="en-US" sz="2400" dirty="0">
-                <a:solidFill>
-                  <a:schemeClr val="accent6">
-                    <a:lumMod val="75000"/>
-                  </a:schemeClr>
-                </a:solidFill>
-                <a:latin typeface="나눔바른고딕" panose="020B0603020101020101" pitchFamily="50" charset="-127"/>
-                <a:ea typeface="나눔바른고딕" panose="020B0603020101020101" pitchFamily="50" charset="-127"/>
-              </a:rPr>
-              <a:t>만원 이상 </a:t>
-            </a:r>
-            <a:r>
-              <a:rPr lang="ko-KR" altLang="en-US" sz="2400" dirty="0">
-                <a:solidFill>
-                  <a:schemeClr val="bg1">
-                    <a:lumMod val="95000"/>
-                  </a:schemeClr>
-                </a:solidFill>
-                <a:latin typeface="나눔바른고딕" panose="020B0603020101020101" pitchFamily="50" charset="-127"/>
-                <a:ea typeface="나눔바른고딕" panose="020B0603020101020101" pitchFamily="50" charset="-127"/>
-              </a:rPr>
-              <a:t>이면</a:t>
-            </a:r>
-          </a:p>
-          <a:p>
-            <a:pPr algn="ctr"/>
-            <a:r>
-              <a:rPr lang="en-US" altLang="ko-KR" sz="2400" dirty="0">
-                <a:solidFill>
-                  <a:schemeClr val="bg1">
-                    <a:lumMod val="95000"/>
-                  </a:schemeClr>
-                </a:solidFill>
-                <a:latin typeface="나눔바른고딕" panose="020B0603020101020101" pitchFamily="50" charset="-127"/>
-                <a:ea typeface="나눔바른고딕" panose="020B0603020101020101" pitchFamily="50" charset="-127"/>
-              </a:rPr>
-              <a:t>-&gt; </a:t>
-            </a:r>
-            <a:r>
-              <a:rPr lang="en-US" altLang="ko-KR" sz="2400" dirty="0">
-                <a:solidFill>
-                  <a:schemeClr val="accent6">
-                    <a:lumMod val="75000"/>
-                  </a:schemeClr>
-                </a:solidFill>
-                <a:latin typeface="나눔바른고딕" panose="020B0603020101020101" pitchFamily="50" charset="-127"/>
-                <a:ea typeface="나눔바른고딕" panose="020B0603020101020101" pitchFamily="50" charset="-127"/>
-              </a:rPr>
-              <a:t>"</a:t>
-            </a:r>
-            <a:r>
-              <a:rPr lang="ko-KR" altLang="en-US" sz="2400" dirty="0">
-                <a:solidFill>
-                  <a:schemeClr val="accent6">
-                    <a:lumMod val="75000"/>
-                  </a:schemeClr>
-                </a:solidFill>
-                <a:latin typeface="나눔바른고딕" panose="020B0603020101020101" pitchFamily="50" charset="-127"/>
-                <a:ea typeface="나눔바른고딕" panose="020B0603020101020101" pitchFamily="50" charset="-127"/>
-              </a:rPr>
-              <a:t>매도 합니다</a:t>
-            </a:r>
-            <a:r>
-              <a:rPr lang="en-US" altLang="ko-KR" sz="2400" dirty="0">
-                <a:solidFill>
-                  <a:schemeClr val="accent6">
-                    <a:lumMod val="75000"/>
-                  </a:schemeClr>
-                </a:solidFill>
-                <a:latin typeface="나눔바른고딕" panose="020B0603020101020101" pitchFamily="50" charset="-127"/>
-                <a:ea typeface="나눔바른고딕" panose="020B0603020101020101" pitchFamily="50" charset="-127"/>
-              </a:rPr>
-              <a:t>" </a:t>
-            </a:r>
-            <a:r>
-              <a:rPr lang="ko-KR" altLang="en-US" sz="2400" dirty="0">
-                <a:solidFill>
-                  <a:schemeClr val="bg1">
-                    <a:lumMod val="95000"/>
-                  </a:schemeClr>
-                </a:solidFill>
-                <a:latin typeface="나눔바른고딕" panose="020B0603020101020101" pitchFamily="50" charset="-127"/>
-                <a:ea typeface="나눔바른고딕" panose="020B0603020101020101" pitchFamily="50" charset="-127"/>
-              </a:rPr>
-              <a:t>출력</a:t>
-            </a:r>
-          </a:p>
-          <a:p>
-            <a:pPr algn="ctr"/>
-            <a:endParaRPr lang="ko-KR" altLang="en-US" sz="2400" dirty="0">
-              <a:solidFill>
-                <a:schemeClr val="bg1">
-                  <a:lumMod val="95000"/>
-                </a:schemeClr>
-              </a:solidFill>
-              <a:latin typeface="나눔바른고딕" panose="020B0603020101020101" pitchFamily="50" charset="-127"/>
-              <a:ea typeface="나눔바른고딕" panose="020B0603020101020101" pitchFamily="50" charset="-127"/>
-            </a:endParaRPr>
-          </a:p>
-          <a:p>
-            <a:pPr algn="ctr"/>
-            <a:r>
-              <a:rPr lang="en-US" altLang="ko-KR" sz="2400" dirty="0">
-                <a:solidFill>
-                  <a:schemeClr val="bg1">
-                    <a:lumMod val="95000"/>
-                  </a:schemeClr>
-                </a:solidFill>
-                <a:latin typeface="나눔바른고딕" panose="020B0603020101020101" pitchFamily="50" charset="-127"/>
-                <a:ea typeface="나눔바른고딕" panose="020B0603020101020101" pitchFamily="50" charset="-127"/>
-              </a:rPr>
-              <a:t>2.</a:t>
-            </a:r>
-            <a:r>
-              <a:rPr lang="ko-KR" altLang="en-US" sz="2400" dirty="0">
-                <a:solidFill>
-                  <a:schemeClr val="bg1">
-                    <a:lumMod val="95000"/>
-                  </a:schemeClr>
-                </a:solidFill>
-                <a:latin typeface="나눔바른고딕" panose="020B0603020101020101" pitchFamily="50" charset="-127"/>
-                <a:ea typeface="나눔바른고딕" panose="020B0603020101020101" pitchFamily="50" charset="-127"/>
-              </a:rPr>
-              <a:t>현재가격이 </a:t>
-            </a:r>
-            <a:r>
-              <a:rPr lang="en-US" altLang="ko-KR" sz="2400" dirty="0">
-                <a:solidFill>
-                  <a:schemeClr val="accent6">
-                    <a:lumMod val="75000"/>
-                  </a:schemeClr>
-                </a:solidFill>
-                <a:latin typeface="나눔바른고딕" panose="020B0603020101020101" pitchFamily="50" charset="-127"/>
-                <a:ea typeface="나눔바른고딕" panose="020B0603020101020101" pitchFamily="50" charset="-127"/>
-              </a:rPr>
-              <a:t>6</a:t>
-            </a:r>
-            <a:r>
-              <a:rPr lang="ko-KR" altLang="en-US" sz="2400" dirty="0">
-                <a:solidFill>
-                  <a:schemeClr val="accent6">
-                    <a:lumMod val="75000"/>
-                  </a:schemeClr>
-                </a:solidFill>
-                <a:latin typeface="나눔바른고딕" panose="020B0603020101020101" pitchFamily="50" charset="-127"/>
-                <a:ea typeface="나눔바른고딕" panose="020B0603020101020101" pitchFamily="50" charset="-127"/>
-              </a:rPr>
-              <a:t>만원이상 </a:t>
-            </a:r>
-            <a:r>
-              <a:rPr lang="en-US" altLang="ko-KR" sz="2400" dirty="0">
-                <a:solidFill>
-                  <a:schemeClr val="accent6">
-                    <a:lumMod val="75000"/>
-                  </a:schemeClr>
-                </a:solidFill>
-                <a:latin typeface="나눔바른고딕" panose="020B0603020101020101" pitchFamily="50" charset="-127"/>
-                <a:ea typeface="나눔바른고딕" panose="020B0603020101020101" pitchFamily="50" charset="-127"/>
-              </a:rPr>
-              <a:t>7</a:t>
-            </a:r>
-            <a:r>
-              <a:rPr lang="ko-KR" altLang="en-US" sz="2400" dirty="0">
-                <a:solidFill>
-                  <a:schemeClr val="accent6">
-                    <a:lumMod val="75000"/>
-                  </a:schemeClr>
-                </a:solidFill>
-                <a:latin typeface="나눔바른고딕" panose="020B0603020101020101" pitchFamily="50" charset="-127"/>
-                <a:ea typeface="나눔바른고딕" panose="020B0603020101020101" pitchFamily="50" charset="-127"/>
-              </a:rPr>
-              <a:t>만원미만 </a:t>
-            </a:r>
-            <a:r>
-              <a:rPr lang="ko-KR" altLang="en-US" sz="2400" dirty="0">
-                <a:solidFill>
-                  <a:schemeClr val="bg1">
-                    <a:lumMod val="95000"/>
-                  </a:schemeClr>
-                </a:solidFill>
-                <a:latin typeface="나눔바른고딕" panose="020B0603020101020101" pitchFamily="50" charset="-127"/>
-                <a:ea typeface="나눔바른고딕" panose="020B0603020101020101" pitchFamily="50" charset="-127"/>
-              </a:rPr>
-              <a:t>이면</a:t>
-            </a:r>
-          </a:p>
-          <a:p>
-            <a:pPr algn="ctr"/>
-            <a:r>
-              <a:rPr lang="en-US" altLang="ko-KR" sz="2400" dirty="0">
-                <a:solidFill>
-                  <a:schemeClr val="bg1">
-                    <a:lumMod val="95000"/>
-                  </a:schemeClr>
-                </a:solidFill>
-                <a:latin typeface="나눔바른고딕" panose="020B0603020101020101" pitchFamily="50" charset="-127"/>
-                <a:ea typeface="나눔바른고딕" panose="020B0603020101020101" pitchFamily="50" charset="-127"/>
-              </a:rPr>
-              <a:t>-&gt; </a:t>
-            </a:r>
-            <a:r>
-              <a:rPr lang="en-US" altLang="ko-KR" sz="2400" dirty="0">
-                <a:solidFill>
-                  <a:schemeClr val="accent6">
-                    <a:lumMod val="75000"/>
-                  </a:schemeClr>
-                </a:solidFill>
-                <a:latin typeface="나눔바른고딕" panose="020B0603020101020101" pitchFamily="50" charset="-127"/>
-                <a:ea typeface="나눔바른고딕" panose="020B0603020101020101" pitchFamily="50" charset="-127"/>
-              </a:rPr>
-              <a:t>"</a:t>
-            </a:r>
-            <a:r>
-              <a:rPr lang="ko-KR" altLang="en-US" sz="2400" dirty="0">
-                <a:solidFill>
-                  <a:schemeClr val="accent6">
-                    <a:lumMod val="75000"/>
-                  </a:schemeClr>
-                </a:solidFill>
-                <a:latin typeface="나눔바른고딕" panose="020B0603020101020101" pitchFamily="50" charset="-127"/>
-                <a:ea typeface="나눔바른고딕" panose="020B0603020101020101" pitchFamily="50" charset="-127"/>
-              </a:rPr>
-              <a:t>대기중 입니다</a:t>
-            </a:r>
-            <a:r>
-              <a:rPr lang="en-US" altLang="ko-KR" sz="2400" dirty="0">
-                <a:solidFill>
-                  <a:schemeClr val="accent6">
-                    <a:lumMod val="75000"/>
-                  </a:schemeClr>
-                </a:solidFill>
-                <a:latin typeface="나눔바른고딕" panose="020B0603020101020101" pitchFamily="50" charset="-127"/>
-                <a:ea typeface="나눔바른고딕" panose="020B0603020101020101" pitchFamily="50" charset="-127"/>
-              </a:rPr>
-              <a:t>" </a:t>
-            </a:r>
-            <a:r>
-              <a:rPr lang="ko-KR" altLang="en-US" sz="2400" dirty="0">
-                <a:solidFill>
-                  <a:schemeClr val="bg1">
-                    <a:lumMod val="95000"/>
-                  </a:schemeClr>
-                </a:solidFill>
-                <a:latin typeface="나눔바른고딕" panose="020B0603020101020101" pitchFamily="50" charset="-127"/>
-                <a:ea typeface="나눔바른고딕" panose="020B0603020101020101" pitchFamily="50" charset="-127"/>
-              </a:rPr>
-              <a:t>출력</a:t>
-            </a:r>
-          </a:p>
-          <a:p>
-            <a:pPr algn="ctr"/>
-            <a:endParaRPr lang="ko-KR" altLang="en-US" sz="2400" dirty="0">
-              <a:solidFill>
-                <a:schemeClr val="bg1">
-                  <a:lumMod val="95000"/>
-                </a:schemeClr>
-              </a:solidFill>
-              <a:latin typeface="나눔바른고딕" panose="020B0603020101020101" pitchFamily="50" charset="-127"/>
-              <a:ea typeface="나눔바른고딕" panose="020B0603020101020101" pitchFamily="50" charset="-127"/>
-            </a:endParaRPr>
-          </a:p>
-          <a:p>
-            <a:pPr algn="ctr"/>
-            <a:r>
-              <a:rPr lang="en-US" altLang="ko-KR" sz="2400" dirty="0">
-                <a:solidFill>
-                  <a:schemeClr val="bg1">
-                    <a:lumMod val="95000"/>
-                  </a:schemeClr>
-                </a:solidFill>
-                <a:latin typeface="나눔바른고딕" panose="020B0603020101020101" pitchFamily="50" charset="-127"/>
-                <a:ea typeface="나눔바른고딕" panose="020B0603020101020101" pitchFamily="50" charset="-127"/>
-              </a:rPr>
-              <a:t>3. </a:t>
-            </a:r>
-            <a:r>
-              <a:rPr lang="ko-KR" altLang="en-US" sz="2400" dirty="0">
-                <a:solidFill>
-                  <a:schemeClr val="bg1">
-                    <a:lumMod val="95000"/>
-                  </a:schemeClr>
-                </a:solidFill>
-                <a:latin typeface="나눔바른고딕" panose="020B0603020101020101" pitchFamily="50" charset="-127"/>
-                <a:ea typeface="나눔바른고딕" panose="020B0603020101020101" pitchFamily="50" charset="-127"/>
-              </a:rPr>
-              <a:t>현재가격이 </a:t>
-            </a:r>
-            <a:r>
-              <a:rPr lang="en-US" altLang="ko-KR" sz="2400" dirty="0">
-                <a:solidFill>
-                  <a:schemeClr val="accent6">
-                    <a:lumMod val="75000"/>
-                  </a:schemeClr>
-                </a:solidFill>
-                <a:latin typeface="나눔바른고딕" panose="020B0603020101020101" pitchFamily="50" charset="-127"/>
-                <a:ea typeface="나눔바른고딕" panose="020B0603020101020101" pitchFamily="50" charset="-127"/>
-              </a:rPr>
-              <a:t>6</a:t>
-            </a:r>
-            <a:r>
-              <a:rPr lang="ko-KR" altLang="en-US" sz="2400" dirty="0">
-                <a:solidFill>
-                  <a:schemeClr val="accent6">
-                    <a:lumMod val="75000"/>
-                  </a:schemeClr>
-                </a:solidFill>
-                <a:latin typeface="나눔바른고딕" panose="020B0603020101020101" pitchFamily="50" charset="-127"/>
-                <a:ea typeface="나눔바른고딕" panose="020B0603020101020101" pitchFamily="50" charset="-127"/>
-              </a:rPr>
-              <a:t>만원 미만 </a:t>
-            </a:r>
-            <a:r>
-              <a:rPr lang="ko-KR" altLang="en-US" sz="2400" dirty="0">
-                <a:solidFill>
-                  <a:schemeClr val="bg1">
-                    <a:lumMod val="95000"/>
-                  </a:schemeClr>
-                </a:solidFill>
-                <a:latin typeface="나눔바른고딕" panose="020B0603020101020101" pitchFamily="50" charset="-127"/>
-                <a:ea typeface="나눔바른고딕" panose="020B0603020101020101" pitchFamily="50" charset="-127"/>
-              </a:rPr>
-              <a:t>이면</a:t>
-            </a:r>
-          </a:p>
-          <a:p>
-            <a:pPr algn="ctr"/>
-            <a:r>
-              <a:rPr lang="en-US" altLang="ko-KR" sz="2400" dirty="0">
-                <a:solidFill>
-                  <a:schemeClr val="bg1">
-                    <a:lumMod val="95000"/>
-                  </a:schemeClr>
-                </a:solidFill>
-                <a:latin typeface="나눔바른고딕" panose="020B0603020101020101" pitchFamily="50" charset="-127"/>
-                <a:ea typeface="나눔바른고딕" panose="020B0603020101020101" pitchFamily="50" charset="-127"/>
-              </a:rPr>
-              <a:t>-&gt; </a:t>
-            </a:r>
-            <a:r>
-              <a:rPr lang="en-US" altLang="ko-KR" sz="2400" dirty="0">
-                <a:solidFill>
-                  <a:schemeClr val="accent6">
-                    <a:lumMod val="75000"/>
-                  </a:schemeClr>
-                </a:solidFill>
-                <a:latin typeface="나눔바른고딕" panose="020B0603020101020101" pitchFamily="50" charset="-127"/>
-                <a:ea typeface="나눔바른고딕" panose="020B0603020101020101" pitchFamily="50" charset="-127"/>
-              </a:rPr>
-              <a:t>"</a:t>
-            </a:r>
-            <a:r>
-              <a:rPr lang="ko-KR" altLang="en-US" sz="2400" dirty="0">
-                <a:solidFill>
-                  <a:schemeClr val="accent6">
-                    <a:lumMod val="75000"/>
-                  </a:schemeClr>
-                </a:solidFill>
-                <a:latin typeface="나눔바른고딕" panose="020B0603020101020101" pitchFamily="50" charset="-127"/>
-                <a:ea typeface="나눔바른고딕" panose="020B0603020101020101" pitchFamily="50" charset="-127"/>
-              </a:rPr>
-              <a:t>매수 합니다</a:t>
-            </a:r>
-            <a:r>
-              <a:rPr lang="en-US" altLang="ko-KR" sz="2400" dirty="0">
-                <a:solidFill>
-                  <a:schemeClr val="accent6">
-                    <a:lumMod val="75000"/>
-                  </a:schemeClr>
-                </a:solidFill>
-                <a:latin typeface="나눔바른고딕" panose="020B0603020101020101" pitchFamily="50" charset="-127"/>
-                <a:ea typeface="나눔바른고딕" panose="020B0603020101020101" pitchFamily="50" charset="-127"/>
-              </a:rPr>
-              <a:t>" </a:t>
-            </a:r>
-            <a:r>
-              <a:rPr lang="ko-KR" altLang="en-US" sz="2400" dirty="0">
-                <a:solidFill>
-                  <a:schemeClr val="bg1">
-                    <a:lumMod val="95000"/>
-                  </a:schemeClr>
-                </a:solidFill>
-                <a:latin typeface="나눔바른고딕" panose="020B0603020101020101" pitchFamily="50" charset="-127"/>
-                <a:ea typeface="나눔바른고딕" panose="020B0603020101020101" pitchFamily="50" charset="-127"/>
-              </a:rPr>
-              <a:t>출력</a:t>
-            </a:r>
-          </a:p>
         </p:txBody>
       </p:sp>
     </p:spTree>
     <p:extLst>
       <p:ext uri="{BB962C8B-B14F-4D97-AF65-F5344CB8AC3E}">
-        <p14:creationId xmlns:p14="http://schemas.microsoft.com/office/powerpoint/2010/main" val="3047040651"/>
+        <p14:creationId xmlns:p14="http://schemas.microsoft.com/office/powerpoint/2010/main" val="3422639784"/>
       </p:ext>
     </p:extLst>
   </p:cSld>
   <p:clrMapOvr>
     <a:masterClrMapping/>
   </p:clrMapOvr>
+  <mc:AlternateContent xmlns:mc="http://schemas.openxmlformats.org/markup-compatibility/2006" xmlns:p159="http://schemas.microsoft.com/office/powerpoint/2015/09/main">
+    <mc:Choice Requires="p159">
+      <p:transition xmlns:p14="http://schemas.microsoft.com/office/powerpoint/2010/main" spd="slow" p14:dur="2000">
+        <p159:morph option="byObject"/>
+      </p:transition>
+    </mc:Choice>
+    <mc:Fallback xmlns="">
+      <p:transition spd="slow">
+        <p:fade/>
+      </p:transition>
+    </mc:Fallback>
+  </mc:AlternateContent>
 </p:sld>
 </file>
 
@@ -6987,8 +7011,8 @@
         </p:nvSpPr>
         <p:spPr>
           <a:xfrm>
-            <a:off x="2456163" y="2182505"/>
-            <a:ext cx="4993675" cy="2492990"/>
+            <a:off x="2833671" y="1855711"/>
+            <a:ext cx="4238661" cy="1754326"/>
           </a:xfrm>
           <a:prstGeom prst="rect">
             <a:avLst/>
@@ -7024,7 +7048,7 @@
                 <a:latin typeface="나눔바른고딕" panose="020B0603020101020101" pitchFamily="50" charset="-127"/>
                 <a:ea typeface="나눔바른고딕" panose="020B0603020101020101" pitchFamily="50" charset="-127"/>
               </a:rPr>
-              <a:t>6</a:t>
+              <a:t>4</a:t>
             </a:r>
           </a:p>
           <a:p>
@@ -7042,94 +7066,504 @@
           <a:p>
             <a:pPr algn="ctr"/>
             <a:r>
-              <a:rPr lang="ko-KR" altLang="en-US" sz="2800" dirty="0">
-                <a:solidFill>
-                  <a:schemeClr val="bg1">
-                    <a:lumMod val="95000"/>
-                  </a:schemeClr>
-                </a:solidFill>
-                <a:latin typeface="나눔바른고딕" panose="020B0603020101020101" pitchFamily="50" charset="-127"/>
-                <a:ea typeface="나눔바른고딕" panose="020B0603020101020101" pitchFamily="50" charset="-127"/>
-              </a:rPr>
-              <a:t>사용자로부터 </a:t>
-            </a:r>
-            <a:r>
-              <a:rPr lang="en-US" altLang="ko-KR" sz="2800" dirty="0">
-                <a:solidFill>
-                  <a:schemeClr val="accent6">
-                    <a:lumMod val="75000"/>
-                  </a:schemeClr>
-                </a:solidFill>
-                <a:latin typeface="나눔바른고딕" panose="020B0603020101020101" pitchFamily="50" charset="-127"/>
-                <a:ea typeface="나눔바른고딕" panose="020B0603020101020101" pitchFamily="50" charset="-127"/>
-              </a:rPr>
-              <a:t>-1</a:t>
-            </a:r>
-            <a:r>
-              <a:rPr lang="ko-KR" altLang="en-US" sz="2800" dirty="0">
-                <a:solidFill>
-                  <a:schemeClr val="bg1">
-                    <a:lumMod val="95000"/>
-                  </a:schemeClr>
-                </a:solidFill>
-                <a:latin typeface="나눔바른고딕" panose="020B0603020101020101" pitchFamily="50" charset="-127"/>
-                <a:ea typeface="나눔바른고딕" panose="020B0603020101020101" pitchFamily="50" charset="-127"/>
-              </a:rPr>
-              <a:t>을 입력 받으면 </a:t>
-            </a:r>
-          </a:p>
-          <a:p>
-            <a:pPr algn="ctr"/>
-            <a:r>
-              <a:rPr lang="ko-KR" altLang="en-US" sz="2800" dirty="0">
-                <a:solidFill>
-                  <a:schemeClr val="accent6">
-                    <a:lumMod val="75000"/>
-                  </a:schemeClr>
-                </a:solidFill>
-                <a:latin typeface="나눔바른고딕" panose="020B0603020101020101" pitchFamily="50" charset="-127"/>
-                <a:ea typeface="나눔바른고딕" panose="020B0603020101020101" pitchFamily="50" charset="-127"/>
-              </a:rPr>
-              <a:t>프로그램이 종료 </a:t>
-            </a:r>
-            <a:r>
-              <a:rPr lang="ko-KR" altLang="en-US" sz="2800" dirty="0">
-                <a:solidFill>
-                  <a:schemeClr val="bg1">
-                    <a:lumMod val="95000"/>
-                  </a:schemeClr>
-                </a:solidFill>
-                <a:latin typeface="나눔바른고딕" panose="020B0603020101020101" pitchFamily="50" charset="-127"/>
-                <a:ea typeface="나눔바른고딕" panose="020B0603020101020101" pitchFamily="50" charset="-127"/>
-              </a:rPr>
-              <a:t>되는 프로그램을 </a:t>
-            </a:r>
-          </a:p>
-          <a:p>
-            <a:pPr algn="ctr"/>
-            <a:r>
-              <a:rPr lang="ko-KR" altLang="en-US" sz="2800" dirty="0">
-                <a:solidFill>
-                  <a:schemeClr val="bg1">
-                    <a:lumMod val="95000"/>
-                  </a:schemeClr>
-                </a:solidFill>
-                <a:latin typeface="나눔바른고딕" panose="020B0603020101020101" pitchFamily="50" charset="-127"/>
-                <a:ea typeface="나눔바른고딕" panose="020B0603020101020101" pitchFamily="50" charset="-127"/>
-              </a:rPr>
-              <a:t>작성해보세요</a:t>
-            </a:r>
-            <a:r>
-              <a:rPr lang="en-US" altLang="ko-KR" sz="2800" dirty="0">
-                <a:solidFill>
-                  <a:schemeClr val="bg1">
-                    <a:lumMod val="95000"/>
-                  </a:schemeClr>
-                </a:solidFill>
-                <a:latin typeface="나눔바른고딕" panose="020B0603020101020101" pitchFamily="50" charset="-127"/>
-                <a:ea typeface="나눔바른고딕" panose="020B0603020101020101" pitchFamily="50" charset="-127"/>
-              </a:rPr>
-              <a:t>.</a:t>
+              <a:rPr lang="ko-KR" altLang="en-US" sz="3600" dirty="0">
+                <a:solidFill>
+                  <a:schemeClr val="bg1">
+                    <a:lumMod val="95000"/>
+                  </a:schemeClr>
+                </a:solidFill>
+                <a:latin typeface="나눔바른고딕" panose="020B0603020101020101" pitchFamily="50" charset="-127"/>
+                <a:ea typeface="나눔바른고딕" panose="020B0603020101020101" pitchFamily="50" charset="-127"/>
+              </a:rPr>
+              <a:t>결과를 예측해 보세요</a:t>
+            </a:r>
+            <a:endParaRPr lang="en-US" altLang="ko-KR" sz="3600" dirty="0">
+              <a:solidFill>
+                <a:schemeClr val="bg1">
+                  <a:lumMod val="95000"/>
+                </a:schemeClr>
+              </a:solidFill>
+              <a:latin typeface="나눔바른고딕" panose="020B0603020101020101" pitchFamily="50" charset="-127"/>
+              <a:ea typeface="나눔바른고딕" panose="020B0603020101020101" pitchFamily="50" charset="-127"/>
+            </a:endParaRPr>
+          </a:p>
+        </p:txBody>
+      </p:sp>
+      <p:sp>
+        <p:nvSpPr>
+          <p:cNvPr id="3" name="직사각형 2">
+            <a:extLst>
+              <a:ext uri="{FF2B5EF4-FFF2-40B4-BE49-F238E27FC236}">
+                <a16:creationId xmlns:a16="http://schemas.microsoft.com/office/drawing/2014/main" id="{F0946D24-5B43-4AC9-B7DC-986AF43300EE}"/>
+              </a:ext>
+            </a:extLst>
+          </p:cNvPr>
+          <p:cNvSpPr/>
+          <p:nvPr/>
+        </p:nvSpPr>
+        <p:spPr>
+          <a:xfrm>
+            <a:off x="1281708" y="2828835"/>
+            <a:ext cx="7342584" cy="1200329"/>
+          </a:xfrm>
+          <a:prstGeom prst="rect">
+            <a:avLst/>
+          </a:prstGeom>
+          <a:solidFill>
+            <a:schemeClr val="tx1"/>
+          </a:solidFill>
+          <a:effectLst>
+            <a:outerShdw blurRad="50800" dist="38100" dir="2700000" algn="tl" rotWithShape="0">
+              <a:prstClr val="black">
+                <a:alpha val="40000"/>
+              </a:prstClr>
+            </a:outerShdw>
+            <a:softEdge rad="31750"/>
+          </a:effectLst>
+        </p:spPr>
+        <p:txBody>
+          <a:bodyPr wrap="square">
+            <a:spAutoFit/>
+          </a:bodyPr>
+          <a:lstStyle/>
+          <a:p>
+            <a:r>
+              <a:rPr lang="en-US" altLang="ko-KR" dirty="0">
+                <a:solidFill>
+                  <a:srgbClr val="DCDCAA"/>
+                </a:solidFill>
+                <a:latin typeface="Consolas" panose="020B0609020204030204" pitchFamily="49" charset="0"/>
+              </a:rPr>
+              <a:t>print</a:t>
+            </a:r>
+            <a:r>
+              <a:rPr lang="en-US" altLang="ko-KR" dirty="0">
+                <a:solidFill>
+                  <a:srgbClr val="D4D4D4"/>
+                </a:solidFill>
+                <a:latin typeface="Consolas" panose="020B0609020204030204" pitchFamily="49" charset="0"/>
+              </a:rPr>
+              <a:t>(</a:t>
+            </a:r>
+            <a:r>
+              <a:rPr lang="en-US" altLang="ko-KR" dirty="0">
+                <a:solidFill>
+                  <a:srgbClr val="B5CEA8"/>
+                </a:solidFill>
+                <a:latin typeface="Consolas" panose="020B0609020204030204" pitchFamily="49" charset="0"/>
+              </a:rPr>
+              <a:t>3</a:t>
+            </a:r>
+            <a:r>
+              <a:rPr lang="en-US" altLang="ko-KR" dirty="0">
+                <a:solidFill>
+                  <a:srgbClr val="D4D4D4"/>
+                </a:solidFill>
+                <a:latin typeface="Consolas" panose="020B0609020204030204" pitchFamily="49" charset="0"/>
+              </a:rPr>
+              <a:t> &lt; </a:t>
+            </a:r>
+            <a:r>
+              <a:rPr lang="en-US" altLang="ko-KR" dirty="0">
+                <a:solidFill>
+                  <a:srgbClr val="B5CEA8"/>
+                </a:solidFill>
+                <a:latin typeface="Consolas" panose="020B0609020204030204" pitchFamily="49" charset="0"/>
+              </a:rPr>
+              <a:t>6</a:t>
+            </a:r>
+            <a:r>
+              <a:rPr lang="en-US" altLang="ko-KR" dirty="0">
+                <a:solidFill>
+                  <a:srgbClr val="D4D4D4"/>
+                </a:solidFill>
+                <a:latin typeface="Consolas" panose="020B0609020204030204" pitchFamily="49" charset="0"/>
+              </a:rPr>
+              <a:t> </a:t>
+            </a:r>
+            <a:r>
+              <a:rPr lang="en-US" altLang="ko-KR" dirty="0">
+                <a:solidFill>
+                  <a:srgbClr val="C586C0"/>
+                </a:solidFill>
+                <a:latin typeface="Consolas" panose="020B0609020204030204" pitchFamily="49" charset="0"/>
+              </a:rPr>
+              <a:t>and</a:t>
+            </a:r>
+            <a:r>
+              <a:rPr lang="en-US" altLang="ko-KR" dirty="0">
+                <a:solidFill>
+                  <a:srgbClr val="D4D4D4"/>
+                </a:solidFill>
+                <a:latin typeface="Consolas" panose="020B0609020204030204" pitchFamily="49" charset="0"/>
+              </a:rPr>
+              <a:t> </a:t>
+            </a:r>
+            <a:r>
+              <a:rPr lang="en-US" altLang="ko-KR" dirty="0">
+                <a:solidFill>
+                  <a:srgbClr val="B5CEA8"/>
+                </a:solidFill>
+                <a:latin typeface="Consolas" panose="020B0609020204030204" pitchFamily="49" charset="0"/>
+              </a:rPr>
+              <a:t>10</a:t>
+            </a:r>
+            <a:r>
+              <a:rPr lang="en-US" altLang="ko-KR" dirty="0">
+                <a:solidFill>
+                  <a:srgbClr val="D4D4D4"/>
+                </a:solidFill>
+                <a:latin typeface="Consolas" panose="020B0609020204030204" pitchFamily="49" charset="0"/>
+              </a:rPr>
+              <a:t> &gt;= </a:t>
+            </a:r>
+            <a:r>
+              <a:rPr lang="en-US" altLang="ko-KR" dirty="0">
+                <a:solidFill>
+                  <a:srgbClr val="B5CEA8"/>
+                </a:solidFill>
+                <a:latin typeface="Consolas" panose="020B0609020204030204" pitchFamily="49" charset="0"/>
+              </a:rPr>
+              <a:t>7</a:t>
+            </a:r>
+            <a:r>
+              <a:rPr lang="en-US" altLang="ko-KR" dirty="0">
+                <a:solidFill>
+                  <a:srgbClr val="D4D4D4"/>
+                </a:solidFill>
+                <a:latin typeface="Consolas" panose="020B0609020204030204" pitchFamily="49" charset="0"/>
+              </a:rPr>
+              <a:t>)</a:t>
+            </a:r>
+          </a:p>
+          <a:p>
+            <a:r>
+              <a:rPr lang="en-US" altLang="ko-KR" dirty="0">
+                <a:solidFill>
+                  <a:srgbClr val="DCDCAA"/>
+                </a:solidFill>
+                <a:latin typeface="Consolas" panose="020B0609020204030204" pitchFamily="49" charset="0"/>
+              </a:rPr>
+              <a:t>print</a:t>
+            </a:r>
+            <a:r>
+              <a:rPr lang="en-US" altLang="ko-KR" dirty="0">
+                <a:solidFill>
+                  <a:srgbClr val="D4D4D4"/>
+                </a:solidFill>
+                <a:latin typeface="Consolas" panose="020B0609020204030204" pitchFamily="49" charset="0"/>
+              </a:rPr>
+              <a:t>(</a:t>
+            </a:r>
+            <a:r>
+              <a:rPr lang="en-US" altLang="ko-KR" dirty="0">
+                <a:solidFill>
+                  <a:srgbClr val="B5CEA8"/>
+                </a:solidFill>
+                <a:latin typeface="Consolas" panose="020B0609020204030204" pitchFamily="49" charset="0"/>
+              </a:rPr>
+              <a:t>1</a:t>
+            </a:r>
+            <a:r>
+              <a:rPr lang="en-US" altLang="ko-KR" dirty="0">
+                <a:solidFill>
+                  <a:srgbClr val="D4D4D4"/>
+                </a:solidFill>
+                <a:latin typeface="Consolas" panose="020B0609020204030204" pitchFamily="49" charset="0"/>
+              </a:rPr>
+              <a:t> == </a:t>
+            </a:r>
+            <a:r>
+              <a:rPr lang="en-US" altLang="ko-KR" dirty="0">
+                <a:solidFill>
+                  <a:srgbClr val="B5CEA8"/>
+                </a:solidFill>
+                <a:latin typeface="Consolas" panose="020B0609020204030204" pitchFamily="49" charset="0"/>
+              </a:rPr>
+              <a:t>1</a:t>
+            </a:r>
+            <a:r>
+              <a:rPr lang="en-US" altLang="ko-KR" dirty="0">
+                <a:solidFill>
+                  <a:srgbClr val="D4D4D4"/>
+                </a:solidFill>
+                <a:latin typeface="Consolas" panose="020B0609020204030204" pitchFamily="49" charset="0"/>
+              </a:rPr>
+              <a:t> </a:t>
+            </a:r>
+            <a:r>
+              <a:rPr lang="en-US" altLang="ko-KR" dirty="0">
+                <a:solidFill>
+                  <a:srgbClr val="C586C0"/>
+                </a:solidFill>
+                <a:latin typeface="Consolas" panose="020B0609020204030204" pitchFamily="49" charset="0"/>
+              </a:rPr>
+              <a:t>and</a:t>
+            </a:r>
+            <a:r>
+              <a:rPr lang="en-US" altLang="ko-KR" dirty="0">
+                <a:solidFill>
+                  <a:srgbClr val="D4D4D4"/>
+                </a:solidFill>
+                <a:latin typeface="Consolas" panose="020B0609020204030204" pitchFamily="49" charset="0"/>
+              </a:rPr>
+              <a:t> </a:t>
+            </a:r>
+            <a:r>
+              <a:rPr lang="en-US" altLang="ko-KR" dirty="0">
+                <a:solidFill>
+                  <a:srgbClr val="B5CEA8"/>
+                </a:solidFill>
+                <a:latin typeface="Consolas" panose="020B0609020204030204" pitchFamily="49" charset="0"/>
+              </a:rPr>
+              <a:t>4</a:t>
+            </a:r>
+            <a:r>
+              <a:rPr lang="en-US" altLang="ko-KR" dirty="0">
+                <a:solidFill>
+                  <a:srgbClr val="D4D4D4"/>
+                </a:solidFill>
+                <a:latin typeface="Consolas" panose="020B0609020204030204" pitchFamily="49" charset="0"/>
+              </a:rPr>
+              <a:t> &gt;= </a:t>
+            </a:r>
+            <a:r>
+              <a:rPr lang="en-US" altLang="ko-KR" dirty="0">
+                <a:solidFill>
+                  <a:srgbClr val="B5CEA8"/>
+                </a:solidFill>
+                <a:latin typeface="Consolas" panose="020B0609020204030204" pitchFamily="49" charset="0"/>
+              </a:rPr>
+              <a:t>7</a:t>
+            </a:r>
+            <a:r>
+              <a:rPr lang="en-US" altLang="ko-KR" dirty="0">
+                <a:solidFill>
+                  <a:srgbClr val="D4D4D4"/>
+                </a:solidFill>
+                <a:latin typeface="Consolas" panose="020B0609020204030204" pitchFamily="49" charset="0"/>
+              </a:rPr>
+              <a:t>)</a:t>
+            </a:r>
+          </a:p>
+          <a:p>
+            <a:r>
+              <a:rPr lang="en-US" altLang="ko-KR" dirty="0">
+                <a:solidFill>
+                  <a:srgbClr val="DCDCAA"/>
+                </a:solidFill>
+                <a:latin typeface="Consolas" panose="020B0609020204030204" pitchFamily="49" charset="0"/>
+              </a:rPr>
+              <a:t>print</a:t>
+            </a:r>
+            <a:r>
+              <a:rPr lang="en-US" altLang="ko-KR" dirty="0">
+                <a:solidFill>
+                  <a:srgbClr val="D4D4D4"/>
+                </a:solidFill>
+                <a:latin typeface="Consolas" panose="020B0609020204030204" pitchFamily="49" charset="0"/>
+              </a:rPr>
+              <a:t>(</a:t>
+            </a:r>
+            <a:r>
+              <a:rPr lang="en-US" altLang="ko-KR" dirty="0">
+                <a:solidFill>
+                  <a:srgbClr val="CE9178"/>
+                </a:solidFill>
+                <a:latin typeface="Consolas" panose="020B0609020204030204" pitchFamily="49" charset="0"/>
+              </a:rPr>
+              <a:t>"hello"</a:t>
+            </a:r>
+            <a:r>
+              <a:rPr lang="en-US" altLang="ko-KR" dirty="0">
+                <a:solidFill>
+                  <a:srgbClr val="D4D4D4"/>
+                </a:solidFill>
+                <a:latin typeface="Consolas" panose="020B0609020204030204" pitchFamily="49" charset="0"/>
+              </a:rPr>
+              <a:t> == </a:t>
+            </a:r>
+            <a:r>
+              <a:rPr lang="en-US" altLang="ko-KR" dirty="0">
+                <a:solidFill>
+                  <a:srgbClr val="CE9178"/>
+                </a:solidFill>
+                <a:latin typeface="Consolas" panose="020B0609020204030204" pitchFamily="49" charset="0"/>
+              </a:rPr>
+              <a:t>"hello"</a:t>
+            </a:r>
+            <a:r>
+              <a:rPr lang="en-US" altLang="ko-KR" dirty="0">
+                <a:solidFill>
+                  <a:srgbClr val="D4D4D4"/>
+                </a:solidFill>
+                <a:latin typeface="Consolas" panose="020B0609020204030204" pitchFamily="49" charset="0"/>
+              </a:rPr>
+              <a:t> </a:t>
+            </a:r>
+            <a:r>
+              <a:rPr lang="en-US" altLang="ko-KR" dirty="0">
+                <a:solidFill>
+                  <a:srgbClr val="C586C0"/>
+                </a:solidFill>
+                <a:latin typeface="Consolas" panose="020B0609020204030204" pitchFamily="49" charset="0"/>
+              </a:rPr>
+              <a:t>or</a:t>
+            </a:r>
+            <a:r>
+              <a:rPr lang="en-US" altLang="ko-KR" dirty="0">
+                <a:solidFill>
+                  <a:srgbClr val="D4D4D4"/>
+                </a:solidFill>
+                <a:latin typeface="Consolas" panose="020B0609020204030204" pitchFamily="49" charset="0"/>
+              </a:rPr>
+              <a:t> </a:t>
+            </a:r>
+            <a:r>
+              <a:rPr lang="en-US" altLang="ko-KR" dirty="0">
+                <a:solidFill>
+                  <a:srgbClr val="CE9178"/>
+                </a:solidFill>
+                <a:latin typeface="Consolas" panose="020B0609020204030204" pitchFamily="49" charset="0"/>
+              </a:rPr>
+              <a:t>"</a:t>
+            </a:r>
+            <a:r>
+              <a:rPr lang="en-US" altLang="ko-KR" dirty="0" err="1">
+                <a:solidFill>
+                  <a:srgbClr val="CE9178"/>
+                </a:solidFill>
+                <a:latin typeface="Consolas" panose="020B0609020204030204" pitchFamily="49" charset="0"/>
+              </a:rPr>
+              <a:t>santa</a:t>
+            </a:r>
+            <a:r>
+              <a:rPr lang="en-US" altLang="ko-KR" dirty="0">
+                <a:solidFill>
+                  <a:srgbClr val="CE9178"/>
+                </a:solidFill>
+                <a:latin typeface="Consolas" panose="020B0609020204030204" pitchFamily="49" charset="0"/>
+              </a:rPr>
+              <a:t>"</a:t>
+            </a:r>
+            <a:r>
+              <a:rPr lang="en-US" altLang="ko-KR" dirty="0">
+                <a:solidFill>
+                  <a:srgbClr val="D4D4D4"/>
+                </a:solidFill>
+                <a:latin typeface="Consolas" panose="020B0609020204030204" pitchFamily="49" charset="0"/>
+              </a:rPr>
+              <a:t> != </a:t>
+            </a:r>
+            <a:r>
+              <a:rPr lang="en-US" altLang="ko-KR" dirty="0">
+                <a:solidFill>
+                  <a:srgbClr val="CE9178"/>
+                </a:solidFill>
+                <a:latin typeface="Consolas" panose="020B0609020204030204" pitchFamily="49" charset="0"/>
+              </a:rPr>
+              <a:t>"</a:t>
+            </a:r>
+            <a:r>
+              <a:rPr lang="en-US" altLang="ko-KR" dirty="0" err="1">
+                <a:solidFill>
+                  <a:srgbClr val="CE9178"/>
+                </a:solidFill>
+                <a:latin typeface="Consolas" panose="020B0609020204030204" pitchFamily="49" charset="0"/>
+              </a:rPr>
+              <a:t>santa</a:t>
+            </a:r>
+            <a:r>
+              <a:rPr lang="en-US" altLang="ko-KR" dirty="0">
+                <a:solidFill>
+                  <a:srgbClr val="CE9178"/>
+                </a:solidFill>
+                <a:latin typeface="Consolas" panose="020B0609020204030204" pitchFamily="49" charset="0"/>
+              </a:rPr>
+              <a:t>"</a:t>
+            </a:r>
+            <a:r>
+              <a:rPr lang="en-US" altLang="ko-KR" dirty="0">
+                <a:solidFill>
+                  <a:srgbClr val="D4D4D4"/>
+                </a:solidFill>
+                <a:latin typeface="Consolas" panose="020B0609020204030204" pitchFamily="49" charset="0"/>
+              </a:rPr>
+              <a:t>)</a:t>
+            </a:r>
+          </a:p>
+          <a:p>
+            <a:r>
+              <a:rPr lang="en-US" altLang="ko-KR" dirty="0">
+                <a:solidFill>
+                  <a:srgbClr val="DCDCAA"/>
+                </a:solidFill>
+                <a:latin typeface="Consolas" panose="020B0609020204030204" pitchFamily="49" charset="0"/>
+              </a:rPr>
+              <a:t>print</a:t>
+            </a:r>
+            <a:r>
+              <a:rPr lang="en-US" altLang="ko-KR" dirty="0">
+                <a:solidFill>
+                  <a:srgbClr val="D4D4D4"/>
+                </a:solidFill>
+                <a:latin typeface="Consolas" panose="020B0609020204030204" pitchFamily="49" charset="0"/>
+              </a:rPr>
+              <a:t>(</a:t>
+            </a:r>
+            <a:r>
+              <a:rPr lang="en-US" altLang="ko-KR" dirty="0">
+                <a:solidFill>
+                  <a:srgbClr val="C586C0"/>
+                </a:solidFill>
+                <a:latin typeface="Consolas" panose="020B0609020204030204" pitchFamily="49" charset="0"/>
+              </a:rPr>
+              <a:t>not</a:t>
+            </a:r>
+            <a:r>
+              <a:rPr lang="en-US" altLang="ko-KR" dirty="0">
+                <a:solidFill>
+                  <a:srgbClr val="D4D4D4"/>
+                </a:solidFill>
+                <a:latin typeface="Consolas" panose="020B0609020204030204" pitchFamily="49" charset="0"/>
+              </a:rPr>
+              <a:t> </a:t>
+            </a:r>
+            <a:r>
+              <a:rPr lang="en-US" altLang="ko-KR" dirty="0">
+                <a:solidFill>
+                  <a:srgbClr val="B5CEA8"/>
+                </a:solidFill>
+                <a:latin typeface="Consolas" panose="020B0609020204030204" pitchFamily="49" charset="0"/>
+              </a:rPr>
+              <a:t>1</a:t>
+            </a:r>
+            <a:r>
+              <a:rPr lang="en-US" altLang="ko-KR" dirty="0">
+                <a:solidFill>
+                  <a:srgbClr val="D4D4D4"/>
+                </a:solidFill>
+                <a:latin typeface="Consolas" panose="020B0609020204030204" pitchFamily="49" charset="0"/>
+              </a:rPr>
+              <a:t> == </a:t>
+            </a:r>
+            <a:r>
+              <a:rPr lang="en-US" altLang="ko-KR" dirty="0">
+                <a:solidFill>
+                  <a:srgbClr val="B5CEA8"/>
+                </a:solidFill>
+                <a:latin typeface="Consolas" panose="020B0609020204030204" pitchFamily="49" charset="0"/>
+              </a:rPr>
+              <a:t>2</a:t>
+            </a:r>
+            <a:r>
+              <a:rPr lang="en-US" altLang="ko-KR" dirty="0">
+                <a:solidFill>
+                  <a:srgbClr val="D4D4D4"/>
+                </a:solidFill>
+                <a:latin typeface="Consolas" panose="020B0609020204030204" pitchFamily="49" charset="0"/>
+              </a:rPr>
+              <a:t>)</a:t>
             </a:r>
           </a:p>
         </p:txBody>
@@ -7137,13 +7571,25 @@
     </p:spTree>
     <p:extLst>
       <p:ext uri="{BB962C8B-B14F-4D97-AF65-F5344CB8AC3E}">
-        <p14:creationId xmlns:p14="http://schemas.microsoft.com/office/powerpoint/2010/main" val="3794521778"/>
+        <p14:creationId xmlns:p14="http://schemas.microsoft.com/office/powerpoint/2010/main" val="444584798"/>
       </p:ext>
     </p:extLst>
   </p:cSld>
   <p:clrMapOvr>
     <a:masterClrMapping/>
   </p:clrMapOvr>
+  <mc:AlternateContent xmlns:mc="http://schemas.openxmlformats.org/markup-compatibility/2006" xmlns:p159="http://schemas.microsoft.com/office/powerpoint/2015/09/main">
+    <mc:Choice Requires="p159">
+      <p:transition xmlns:p14="http://schemas.microsoft.com/office/powerpoint/2010/main" spd="slow" p14:dur="2000">
+        <p159:morph option="byObject"/>
+      </p:transition>
+    </mc:Choice>
+    <mc:Fallback xmlns="">
+      <p:transition spd="slow">
+        <p:fade/>
+      </p:transition>
+    </mc:Fallback>
+  </mc:AlternateContent>
 </p:sld>
 </file>
 
@@ -7189,8 +7635,8 @@
         </p:nvSpPr>
         <p:spPr>
           <a:xfrm>
-            <a:off x="200472" y="2182505"/>
-            <a:ext cx="4993675" cy="2492990"/>
+            <a:off x="1844617" y="797511"/>
+            <a:ext cx="6216766" cy="5262979"/>
           </a:xfrm>
           <a:prstGeom prst="rect">
             <a:avLst/>
@@ -7226,7 +7672,7 @@
                 <a:latin typeface="나눔바른고딕" panose="020B0603020101020101" pitchFamily="50" charset="-127"/>
                 <a:ea typeface="나눔바른고딕" panose="020B0603020101020101" pitchFamily="50" charset="-127"/>
               </a:rPr>
-              <a:t>6</a:t>
+              <a:t>5</a:t>
             </a:r>
           </a:p>
           <a:p>
@@ -7244,19 +7690,19 @@
           <a:p>
             <a:pPr algn="ctr"/>
             <a:r>
-              <a:rPr lang="ko-KR" altLang="en-US" sz="2800" dirty="0">
-                <a:solidFill>
-                  <a:schemeClr val="bg1">
-                    <a:lumMod val="95000"/>
-                  </a:schemeClr>
-                </a:solidFill>
-                <a:latin typeface="나눔바른고딕" panose="020B0603020101020101" pitchFamily="50" charset="-127"/>
-                <a:ea typeface="나눔바른고딕" panose="020B0603020101020101" pitchFamily="50" charset="-127"/>
-              </a:rPr>
-              <a:t>사용자로부터 </a:t>
-            </a:r>
-            <a:r>
-              <a:rPr lang="en-US" altLang="ko-KR" sz="2800" dirty="0">
+              <a:rPr lang="ko-KR" altLang="en-US" sz="2400" dirty="0">
+                <a:solidFill>
+                  <a:schemeClr val="bg1">
+                    <a:lumMod val="95000"/>
+                  </a:schemeClr>
+                </a:solidFill>
+                <a:latin typeface="나눔바른고딕" panose="020B0603020101020101" pitchFamily="50" charset="-127"/>
+                <a:ea typeface="나눔바른고딕" panose="020B0603020101020101" pitchFamily="50" charset="-127"/>
+              </a:rPr>
+              <a:t>사용자로부터 삼성전자의 </a:t>
+            </a:r>
+            <a:r>
+              <a:rPr lang="ko-KR" altLang="en-US" sz="2400" dirty="0">
                 <a:solidFill>
                   <a:schemeClr val="accent6">
                     <a:lumMod val="75000"/>
@@ -7265,25 +7711,76 @@
                 <a:latin typeface="나눔바른고딕" panose="020B0603020101020101" pitchFamily="50" charset="-127"/>
                 <a:ea typeface="나눔바른고딕" panose="020B0603020101020101" pitchFamily="50" charset="-127"/>
               </a:rPr>
-              <a:t>-1</a:t>
-            </a:r>
-            <a:r>
-              <a:rPr lang="ko-KR" altLang="en-US" sz="2800" dirty="0">
-                <a:solidFill>
-                  <a:schemeClr val="bg1">
-                    <a:lumMod val="95000"/>
-                  </a:schemeClr>
-                </a:solidFill>
-                <a:latin typeface="나눔바른고딕" panose="020B0603020101020101" pitchFamily="50" charset="-127"/>
-                <a:ea typeface="나눔바른고딕" panose="020B0603020101020101" pitchFamily="50" charset="-127"/>
-              </a:rPr>
-              <a:t>을 입력 받으면 </a:t>
+              <a:t>현재가격을 입력 받는다</a:t>
             </a:r>
           </a:p>
           <a:p>
             <a:pPr algn="ctr"/>
             <a:r>
-              <a:rPr lang="ko-KR" altLang="en-US" sz="2800" dirty="0">
+              <a:rPr lang="ko-KR" altLang="en-US" sz="2400" dirty="0">
+                <a:solidFill>
+                  <a:schemeClr val="bg1">
+                    <a:lumMod val="95000"/>
+                  </a:schemeClr>
+                </a:solidFill>
+                <a:latin typeface="나눔바른고딕" panose="020B0603020101020101" pitchFamily="50" charset="-127"/>
+                <a:ea typeface="나눔바른고딕" panose="020B0603020101020101" pitchFamily="50" charset="-127"/>
+              </a:rPr>
+              <a:t>조건에 따라 출력되는 문장을 작성한다</a:t>
+            </a:r>
+            <a:r>
+              <a:rPr lang="en-US" altLang="ko-KR" sz="2400" dirty="0">
+                <a:solidFill>
+                  <a:schemeClr val="bg1">
+                    <a:lumMod val="95000"/>
+                  </a:schemeClr>
+                </a:solidFill>
+                <a:latin typeface="나눔바른고딕" panose="020B0603020101020101" pitchFamily="50" charset="-127"/>
+                <a:ea typeface="나눔바른고딕" panose="020B0603020101020101" pitchFamily="50" charset="-127"/>
+              </a:rPr>
+              <a:t>.</a:t>
+            </a:r>
+          </a:p>
+          <a:p>
+            <a:pPr algn="ctr"/>
+            <a:endParaRPr lang="en-US" altLang="ko-KR" sz="2400" dirty="0">
+              <a:solidFill>
+                <a:schemeClr val="bg1">
+                  <a:lumMod val="95000"/>
+                </a:schemeClr>
+              </a:solidFill>
+              <a:latin typeface="나눔바른고딕" panose="020B0603020101020101" pitchFamily="50" charset="-127"/>
+              <a:ea typeface="나눔바른고딕" panose="020B0603020101020101" pitchFamily="50" charset="-127"/>
+            </a:endParaRPr>
+          </a:p>
+          <a:p>
+            <a:pPr algn="ctr"/>
+            <a:r>
+              <a:rPr lang="en-US" altLang="ko-KR" sz="2400" dirty="0">
+                <a:solidFill>
+                  <a:schemeClr val="bg1">
+                    <a:lumMod val="95000"/>
+                  </a:schemeClr>
+                </a:solidFill>
+                <a:latin typeface="나눔바른고딕" panose="020B0603020101020101" pitchFamily="50" charset="-127"/>
+                <a:ea typeface="나눔바른고딕" panose="020B0603020101020101" pitchFamily="50" charset="-127"/>
+              </a:rPr>
+              <a:t>1.</a:t>
+            </a:r>
+            <a:r>
+              <a:rPr lang="ko-KR" altLang="en-US" sz="2400" dirty="0">
+                <a:solidFill>
+                  <a:schemeClr val="bg1">
+                    <a:lumMod val="95000"/>
+                  </a:schemeClr>
+                </a:solidFill>
+                <a:latin typeface="나눔바른고딕" panose="020B0603020101020101" pitchFamily="50" charset="-127"/>
+                <a:ea typeface="나눔바른고딕" panose="020B0603020101020101" pitchFamily="50" charset="-127"/>
+              </a:rPr>
+              <a:t>현재가격이 </a:t>
+            </a:r>
+            <a:r>
+              <a:rPr lang="en-US" altLang="ko-KR" sz="2400" dirty="0">
                 <a:solidFill>
                   <a:schemeClr val="accent6">
                     <a:lumMod val="75000"/>
@@ -7292,94 +7789,402 @@
                 <a:latin typeface="나눔바른고딕" panose="020B0603020101020101" pitchFamily="50" charset="-127"/>
                 <a:ea typeface="나눔바른고딕" panose="020B0603020101020101" pitchFamily="50" charset="-127"/>
               </a:rPr>
-              <a:t>프로그램이 종료 </a:t>
-            </a:r>
-            <a:r>
-              <a:rPr lang="ko-KR" altLang="en-US" sz="2800" dirty="0">
-                <a:solidFill>
-                  <a:schemeClr val="bg1">
-                    <a:lumMod val="95000"/>
-                  </a:schemeClr>
-                </a:solidFill>
-                <a:latin typeface="나눔바른고딕" panose="020B0603020101020101" pitchFamily="50" charset="-127"/>
-                <a:ea typeface="나눔바른고딕" panose="020B0603020101020101" pitchFamily="50" charset="-127"/>
-              </a:rPr>
-              <a:t>되는 프로그램을 </a:t>
+              <a:t>7</a:t>
+            </a:r>
+            <a:r>
+              <a:rPr lang="ko-KR" altLang="en-US" sz="2400" dirty="0">
+                <a:solidFill>
+                  <a:schemeClr val="accent6">
+                    <a:lumMod val="75000"/>
+                  </a:schemeClr>
+                </a:solidFill>
+                <a:latin typeface="나눔바른고딕" panose="020B0603020101020101" pitchFamily="50" charset="-127"/>
+                <a:ea typeface="나눔바른고딕" panose="020B0603020101020101" pitchFamily="50" charset="-127"/>
+              </a:rPr>
+              <a:t>만원 이상 </a:t>
+            </a:r>
+            <a:r>
+              <a:rPr lang="ko-KR" altLang="en-US" sz="2400" dirty="0">
+                <a:solidFill>
+                  <a:schemeClr val="bg1">
+                    <a:lumMod val="95000"/>
+                  </a:schemeClr>
+                </a:solidFill>
+                <a:latin typeface="나눔바른고딕" panose="020B0603020101020101" pitchFamily="50" charset="-127"/>
+                <a:ea typeface="나눔바른고딕" panose="020B0603020101020101" pitchFamily="50" charset="-127"/>
+              </a:rPr>
+              <a:t>이면</a:t>
             </a:r>
           </a:p>
           <a:p>
             <a:pPr algn="ctr"/>
             <a:r>
-              <a:rPr lang="ko-KR" altLang="en-US" sz="2800" dirty="0">
-                <a:solidFill>
-                  <a:schemeClr val="bg1">
-                    <a:lumMod val="95000"/>
-                  </a:schemeClr>
-                </a:solidFill>
-                <a:latin typeface="나눔바른고딕" panose="020B0603020101020101" pitchFamily="50" charset="-127"/>
-                <a:ea typeface="나눔바른고딕" panose="020B0603020101020101" pitchFamily="50" charset="-127"/>
-              </a:rPr>
-              <a:t>작성해보세요</a:t>
-            </a:r>
-            <a:r>
-              <a:rPr lang="en-US" altLang="ko-KR" sz="2800" dirty="0">
-                <a:solidFill>
-                  <a:schemeClr val="bg1">
-                    <a:lumMod val="95000"/>
-                  </a:schemeClr>
-                </a:solidFill>
-                <a:latin typeface="나눔바른고딕" panose="020B0603020101020101" pitchFamily="50" charset="-127"/>
-                <a:ea typeface="나눔바른고딕" panose="020B0603020101020101" pitchFamily="50" charset="-127"/>
-              </a:rPr>
-              <a:t>.</a:t>
+              <a:rPr lang="en-US" altLang="ko-KR" sz="2400" dirty="0">
+                <a:solidFill>
+                  <a:schemeClr val="bg1">
+                    <a:lumMod val="95000"/>
+                  </a:schemeClr>
+                </a:solidFill>
+                <a:latin typeface="나눔바른고딕" panose="020B0603020101020101" pitchFamily="50" charset="-127"/>
+                <a:ea typeface="나눔바른고딕" panose="020B0603020101020101" pitchFamily="50" charset="-127"/>
+              </a:rPr>
+              <a:t>-&gt; </a:t>
+            </a:r>
+            <a:r>
+              <a:rPr lang="en-US" altLang="ko-KR" sz="2400" dirty="0">
+                <a:solidFill>
+                  <a:schemeClr val="accent6">
+                    <a:lumMod val="75000"/>
+                  </a:schemeClr>
+                </a:solidFill>
+                <a:latin typeface="나눔바른고딕" panose="020B0603020101020101" pitchFamily="50" charset="-127"/>
+                <a:ea typeface="나눔바른고딕" panose="020B0603020101020101" pitchFamily="50" charset="-127"/>
+              </a:rPr>
+              <a:t>"</a:t>
+            </a:r>
+            <a:r>
+              <a:rPr lang="ko-KR" altLang="en-US" sz="2400" dirty="0">
+                <a:solidFill>
+                  <a:schemeClr val="accent6">
+                    <a:lumMod val="75000"/>
+                  </a:schemeClr>
+                </a:solidFill>
+                <a:latin typeface="나눔바른고딕" panose="020B0603020101020101" pitchFamily="50" charset="-127"/>
+                <a:ea typeface="나눔바른고딕" panose="020B0603020101020101" pitchFamily="50" charset="-127"/>
+              </a:rPr>
+              <a:t>매도 합니다</a:t>
+            </a:r>
+            <a:r>
+              <a:rPr lang="en-US" altLang="ko-KR" sz="2400" dirty="0">
+                <a:solidFill>
+                  <a:schemeClr val="accent6">
+                    <a:lumMod val="75000"/>
+                  </a:schemeClr>
+                </a:solidFill>
+                <a:latin typeface="나눔바른고딕" panose="020B0603020101020101" pitchFamily="50" charset="-127"/>
+                <a:ea typeface="나눔바른고딕" panose="020B0603020101020101" pitchFamily="50" charset="-127"/>
+              </a:rPr>
+              <a:t>" </a:t>
+            </a:r>
+            <a:r>
+              <a:rPr lang="ko-KR" altLang="en-US" sz="2400" dirty="0">
+                <a:solidFill>
+                  <a:schemeClr val="bg1">
+                    <a:lumMod val="95000"/>
+                  </a:schemeClr>
+                </a:solidFill>
+                <a:latin typeface="나눔바른고딕" panose="020B0603020101020101" pitchFamily="50" charset="-127"/>
+                <a:ea typeface="나눔바른고딕" panose="020B0603020101020101" pitchFamily="50" charset="-127"/>
+              </a:rPr>
+              <a:t>출력</a:t>
+            </a:r>
+          </a:p>
+          <a:p>
+            <a:pPr algn="ctr"/>
+            <a:endParaRPr lang="ko-KR" altLang="en-US" sz="2400" dirty="0">
+              <a:solidFill>
+                <a:schemeClr val="bg1">
+                  <a:lumMod val="95000"/>
+                </a:schemeClr>
+              </a:solidFill>
+              <a:latin typeface="나눔바른고딕" panose="020B0603020101020101" pitchFamily="50" charset="-127"/>
+              <a:ea typeface="나눔바른고딕" panose="020B0603020101020101" pitchFamily="50" charset="-127"/>
+            </a:endParaRPr>
+          </a:p>
+          <a:p>
+            <a:pPr algn="ctr"/>
+            <a:r>
+              <a:rPr lang="en-US" altLang="ko-KR" sz="2400" dirty="0">
+                <a:solidFill>
+                  <a:schemeClr val="bg1">
+                    <a:lumMod val="95000"/>
+                  </a:schemeClr>
+                </a:solidFill>
+                <a:latin typeface="나눔바른고딕" panose="020B0603020101020101" pitchFamily="50" charset="-127"/>
+                <a:ea typeface="나눔바른고딕" panose="020B0603020101020101" pitchFamily="50" charset="-127"/>
+              </a:rPr>
+              <a:t>2.</a:t>
+            </a:r>
+            <a:r>
+              <a:rPr lang="ko-KR" altLang="en-US" sz="2400" dirty="0">
+                <a:solidFill>
+                  <a:schemeClr val="bg1">
+                    <a:lumMod val="95000"/>
+                  </a:schemeClr>
+                </a:solidFill>
+                <a:latin typeface="나눔바른고딕" panose="020B0603020101020101" pitchFamily="50" charset="-127"/>
+                <a:ea typeface="나눔바른고딕" panose="020B0603020101020101" pitchFamily="50" charset="-127"/>
+              </a:rPr>
+              <a:t>현재가격이 </a:t>
+            </a:r>
+            <a:r>
+              <a:rPr lang="en-US" altLang="ko-KR" sz="2400" dirty="0">
+                <a:solidFill>
+                  <a:schemeClr val="accent6">
+                    <a:lumMod val="75000"/>
+                  </a:schemeClr>
+                </a:solidFill>
+                <a:latin typeface="나눔바른고딕" panose="020B0603020101020101" pitchFamily="50" charset="-127"/>
+                <a:ea typeface="나눔바른고딕" panose="020B0603020101020101" pitchFamily="50" charset="-127"/>
+              </a:rPr>
+              <a:t>6</a:t>
+            </a:r>
+            <a:r>
+              <a:rPr lang="ko-KR" altLang="en-US" sz="2400" dirty="0">
+                <a:solidFill>
+                  <a:schemeClr val="accent6">
+                    <a:lumMod val="75000"/>
+                  </a:schemeClr>
+                </a:solidFill>
+                <a:latin typeface="나눔바른고딕" panose="020B0603020101020101" pitchFamily="50" charset="-127"/>
+                <a:ea typeface="나눔바른고딕" panose="020B0603020101020101" pitchFamily="50" charset="-127"/>
+              </a:rPr>
+              <a:t>만원이상 </a:t>
+            </a:r>
+            <a:r>
+              <a:rPr lang="en-US" altLang="ko-KR" sz="2400" dirty="0">
+                <a:solidFill>
+                  <a:schemeClr val="accent6">
+                    <a:lumMod val="75000"/>
+                  </a:schemeClr>
+                </a:solidFill>
+                <a:latin typeface="나눔바른고딕" panose="020B0603020101020101" pitchFamily="50" charset="-127"/>
+                <a:ea typeface="나눔바른고딕" panose="020B0603020101020101" pitchFamily="50" charset="-127"/>
+              </a:rPr>
+              <a:t>7</a:t>
+            </a:r>
+            <a:r>
+              <a:rPr lang="ko-KR" altLang="en-US" sz="2400" dirty="0">
+                <a:solidFill>
+                  <a:schemeClr val="accent6">
+                    <a:lumMod val="75000"/>
+                  </a:schemeClr>
+                </a:solidFill>
+                <a:latin typeface="나눔바른고딕" panose="020B0603020101020101" pitchFamily="50" charset="-127"/>
+                <a:ea typeface="나눔바른고딕" panose="020B0603020101020101" pitchFamily="50" charset="-127"/>
+              </a:rPr>
+              <a:t>만원미만 </a:t>
+            </a:r>
+            <a:r>
+              <a:rPr lang="ko-KR" altLang="en-US" sz="2400" dirty="0">
+                <a:solidFill>
+                  <a:schemeClr val="bg1">
+                    <a:lumMod val="95000"/>
+                  </a:schemeClr>
+                </a:solidFill>
+                <a:latin typeface="나눔바른고딕" panose="020B0603020101020101" pitchFamily="50" charset="-127"/>
+                <a:ea typeface="나눔바른고딕" panose="020B0603020101020101" pitchFamily="50" charset="-127"/>
+              </a:rPr>
+              <a:t>이면</a:t>
+            </a:r>
+          </a:p>
+          <a:p>
+            <a:pPr algn="ctr"/>
+            <a:r>
+              <a:rPr lang="en-US" altLang="ko-KR" sz="2400" dirty="0">
+                <a:solidFill>
+                  <a:schemeClr val="bg1">
+                    <a:lumMod val="95000"/>
+                  </a:schemeClr>
+                </a:solidFill>
+                <a:latin typeface="나눔바른고딕" panose="020B0603020101020101" pitchFamily="50" charset="-127"/>
+                <a:ea typeface="나눔바른고딕" panose="020B0603020101020101" pitchFamily="50" charset="-127"/>
+              </a:rPr>
+              <a:t>-&gt; </a:t>
+            </a:r>
+            <a:r>
+              <a:rPr lang="en-US" altLang="ko-KR" sz="2400" dirty="0">
+                <a:solidFill>
+                  <a:schemeClr val="accent6">
+                    <a:lumMod val="75000"/>
+                  </a:schemeClr>
+                </a:solidFill>
+                <a:latin typeface="나눔바른고딕" panose="020B0603020101020101" pitchFamily="50" charset="-127"/>
+                <a:ea typeface="나눔바른고딕" panose="020B0603020101020101" pitchFamily="50" charset="-127"/>
+              </a:rPr>
+              <a:t>"</a:t>
+            </a:r>
+            <a:r>
+              <a:rPr lang="ko-KR" altLang="en-US" sz="2400" dirty="0">
+                <a:solidFill>
+                  <a:schemeClr val="accent6">
+                    <a:lumMod val="75000"/>
+                  </a:schemeClr>
+                </a:solidFill>
+                <a:latin typeface="나눔바른고딕" panose="020B0603020101020101" pitchFamily="50" charset="-127"/>
+                <a:ea typeface="나눔바른고딕" panose="020B0603020101020101" pitchFamily="50" charset="-127"/>
+              </a:rPr>
+              <a:t>대기중 입니다</a:t>
+            </a:r>
+            <a:r>
+              <a:rPr lang="en-US" altLang="ko-KR" sz="2400" dirty="0">
+                <a:solidFill>
+                  <a:schemeClr val="accent6">
+                    <a:lumMod val="75000"/>
+                  </a:schemeClr>
+                </a:solidFill>
+                <a:latin typeface="나눔바른고딕" panose="020B0603020101020101" pitchFamily="50" charset="-127"/>
+                <a:ea typeface="나눔바른고딕" panose="020B0603020101020101" pitchFamily="50" charset="-127"/>
+              </a:rPr>
+              <a:t>" </a:t>
+            </a:r>
+            <a:r>
+              <a:rPr lang="ko-KR" altLang="en-US" sz="2400" dirty="0">
+                <a:solidFill>
+                  <a:schemeClr val="bg1">
+                    <a:lumMod val="95000"/>
+                  </a:schemeClr>
+                </a:solidFill>
+                <a:latin typeface="나눔바른고딕" panose="020B0603020101020101" pitchFamily="50" charset="-127"/>
+                <a:ea typeface="나눔바른고딕" panose="020B0603020101020101" pitchFamily="50" charset="-127"/>
+              </a:rPr>
+              <a:t>출력</a:t>
+            </a:r>
+          </a:p>
+          <a:p>
+            <a:pPr algn="ctr"/>
+            <a:endParaRPr lang="ko-KR" altLang="en-US" sz="2400" dirty="0">
+              <a:solidFill>
+                <a:schemeClr val="bg1">
+                  <a:lumMod val="95000"/>
+                </a:schemeClr>
+              </a:solidFill>
+              <a:latin typeface="나눔바른고딕" panose="020B0603020101020101" pitchFamily="50" charset="-127"/>
+              <a:ea typeface="나눔바른고딕" panose="020B0603020101020101" pitchFamily="50" charset="-127"/>
+            </a:endParaRPr>
+          </a:p>
+          <a:p>
+            <a:pPr algn="ctr"/>
+            <a:r>
+              <a:rPr lang="en-US" altLang="ko-KR" sz="2400" dirty="0">
+                <a:solidFill>
+                  <a:schemeClr val="bg1">
+                    <a:lumMod val="95000"/>
+                  </a:schemeClr>
+                </a:solidFill>
+                <a:latin typeface="나눔바른고딕" panose="020B0603020101020101" pitchFamily="50" charset="-127"/>
+                <a:ea typeface="나눔바른고딕" panose="020B0603020101020101" pitchFamily="50" charset="-127"/>
+              </a:rPr>
+              <a:t>3. </a:t>
+            </a:r>
+            <a:r>
+              <a:rPr lang="ko-KR" altLang="en-US" sz="2400" dirty="0">
+                <a:solidFill>
+                  <a:schemeClr val="bg1">
+                    <a:lumMod val="95000"/>
+                  </a:schemeClr>
+                </a:solidFill>
+                <a:latin typeface="나눔바른고딕" panose="020B0603020101020101" pitchFamily="50" charset="-127"/>
+                <a:ea typeface="나눔바른고딕" panose="020B0603020101020101" pitchFamily="50" charset="-127"/>
+              </a:rPr>
+              <a:t>현재가격이 </a:t>
+            </a:r>
+            <a:r>
+              <a:rPr lang="en-US" altLang="ko-KR" sz="2400" dirty="0">
+                <a:solidFill>
+                  <a:schemeClr val="accent6">
+                    <a:lumMod val="75000"/>
+                  </a:schemeClr>
+                </a:solidFill>
+                <a:latin typeface="나눔바른고딕" panose="020B0603020101020101" pitchFamily="50" charset="-127"/>
+                <a:ea typeface="나눔바른고딕" panose="020B0603020101020101" pitchFamily="50" charset="-127"/>
+              </a:rPr>
+              <a:t>6</a:t>
+            </a:r>
+            <a:r>
+              <a:rPr lang="ko-KR" altLang="en-US" sz="2400" dirty="0">
+                <a:solidFill>
+                  <a:schemeClr val="accent6">
+                    <a:lumMod val="75000"/>
+                  </a:schemeClr>
+                </a:solidFill>
+                <a:latin typeface="나눔바른고딕" panose="020B0603020101020101" pitchFamily="50" charset="-127"/>
+                <a:ea typeface="나눔바른고딕" panose="020B0603020101020101" pitchFamily="50" charset="-127"/>
+              </a:rPr>
+              <a:t>만원 미만 </a:t>
+            </a:r>
+            <a:r>
+              <a:rPr lang="ko-KR" altLang="en-US" sz="2400" dirty="0">
+                <a:solidFill>
+                  <a:schemeClr val="bg1">
+                    <a:lumMod val="95000"/>
+                  </a:schemeClr>
+                </a:solidFill>
+                <a:latin typeface="나눔바른고딕" panose="020B0603020101020101" pitchFamily="50" charset="-127"/>
+                <a:ea typeface="나눔바른고딕" panose="020B0603020101020101" pitchFamily="50" charset="-127"/>
+              </a:rPr>
+              <a:t>이면</a:t>
+            </a:r>
+          </a:p>
+          <a:p>
+            <a:pPr algn="ctr"/>
+            <a:r>
+              <a:rPr lang="en-US" altLang="ko-KR" sz="2400" dirty="0">
+                <a:solidFill>
+                  <a:schemeClr val="bg1">
+                    <a:lumMod val="95000"/>
+                  </a:schemeClr>
+                </a:solidFill>
+                <a:latin typeface="나눔바른고딕" panose="020B0603020101020101" pitchFamily="50" charset="-127"/>
+                <a:ea typeface="나눔바른고딕" panose="020B0603020101020101" pitchFamily="50" charset="-127"/>
+              </a:rPr>
+              <a:t>-&gt; </a:t>
+            </a:r>
+            <a:r>
+              <a:rPr lang="en-US" altLang="ko-KR" sz="2400" dirty="0">
+                <a:solidFill>
+                  <a:schemeClr val="accent6">
+                    <a:lumMod val="75000"/>
+                  </a:schemeClr>
+                </a:solidFill>
+                <a:latin typeface="나눔바른고딕" panose="020B0603020101020101" pitchFamily="50" charset="-127"/>
+                <a:ea typeface="나눔바른고딕" panose="020B0603020101020101" pitchFamily="50" charset="-127"/>
+              </a:rPr>
+              <a:t>"</a:t>
+            </a:r>
+            <a:r>
+              <a:rPr lang="ko-KR" altLang="en-US" sz="2400" dirty="0">
+                <a:solidFill>
+                  <a:schemeClr val="accent6">
+                    <a:lumMod val="75000"/>
+                  </a:schemeClr>
+                </a:solidFill>
+                <a:latin typeface="나눔바른고딕" panose="020B0603020101020101" pitchFamily="50" charset="-127"/>
+                <a:ea typeface="나눔바른고딕" panose="020B0603020101020101" pitchFamily="50" charset="-127"/>
+              </a:rPr>
+              <a:t>매수 합니다</a:t>
+            </a:r>
+            <a:r>
+              <a:rPr lang="en-US" altLang="ko-KR" sz="2400" dirty="0">
+                <a:solidFill>
+                  <a:schemeClr val="accent6">
+                    <a:lumMod val="75000"/>
+                  </a:schemeClr>
+                </a:solidFill>
+                <a:latin typeface="나눔바른고딕" panose="020B0603020101020101" pitchFamily="50" charset="-127"/>
+                <a:ea typeface="나눔바른고딕" panose="020B0603020101020101" pitchFamily="50" charset="-127"/>
+              </a:rPr>
+              <a:t>" </a:t>
+            </a:r>
+            <a:r>
+              <a:rPr lang="ko-KR" altLang="en-US" sz="2400" dirty="0">
+                <a:solidFill>
+                  <a:schemeClr val="bg1">
+                    <a:lumMod val="95000"/>
+                  </a:schemeClr>
+                </a:solidFill>
+                <a:latin typeface="나눔바른고딕" panose="020B0603020101020101" pitchFamily="50" charset="-127"/>
+                <a:ea typeface="나눔바른고딕" panose="020B0603020101020101" pitchFamily="50" charset="-127"/>
+              </a:rPr>
+              <a:t>출력</a:t>
             </a:r>
           </a:p>
         </p:txBody>
       </p:sp>
-      <p:pic>
-        <p:nvPicPr>
-          <p:cNvPr id="3" name="그림 2">
-            <a:extLst>
-              <a:ext uri="{FF2B5EF4-FFF2-40B4-BE49-F238E27FC236}">
-                <a16:creationId xmlns:a16="http://schemas.microsoft.com/office/drawing/2014/main" id="{0544BB16-66C1-4877-A681-DF9F9AA26363}"/>
-              </a:ext>
-            </a:extLst>
-          </p:cNvPr>
-          <p:cNvPicPr>
-            <a:picLocks noChangeAspect="1"/>
-          </p:cNvPicPr>
-          <p:nvPr/>
-        </p:nvPicPr>
-        <p:blipFill>
-          <a:blip r:embed="rId2"/>
-          <a:stretch>
-            <a:fillRect/>
-          </a:stretch>
-        </p:blipFill>
-        <p:spPr>
-          <a:xfrm>
-            <a:off x="5673080" y="2852936"/>
-            <a:ext cx="3363425" cy="1650454"/>
-          </a:xfrm>
-          <a:prstGeom prst="rect">
-            <a:avLst/>
-          </a:prstGeom>
-          <a:ln>
-            <a:noFill/>
-          </a:ln>
-          <a:effectLst>
-            <a:outerShdw blurRad="190500" algn="tl" rotWithShape="0">
-              <a:srgbClr val="000000">
-                <a:alpha val="70000"/>
-              </a:srgbClr>
-            </a:outerShdw>
-          </a:effectLst>
-        </p:spPr>
-      </p:pic>
     </p:spTree>
     <p:extLst>
       <p:ext uri="{BB962C8B-B14F-4D97-AF65-F5344CB8AC3E}">
-        <p14:creationId xmlns:p14="http://schemas.microsoft.com/office/powerpoint/2010/main" val="337590711"/>
+        <p14:creationId xmlns:p14="http://schemas.microsoft.com/office/powerpoint/2010/main" val="3047040651"/>
       </p:ext>
     </p:extLst>
   </p:cSld>
